--- a/images/design.pptx
+++ b/images/design.pptx
@@ -4,8 +4,12 @@
   <p:sldMasterIdLst>
     <p:sldMasterId id="2147483648" r:id="rId1"/>
   </p:sldMasterIdLst>
+  <p:notesMasterIdLst>
+    <p:notesMasterId r:id="rId4"/>
+  </p:notesMasterIdLst>
   <p:sldIdLst>
     <p:sldId id="256" r:id="rId2"/>
+    <p:sldId id="257" r:id="rId3"/>
   </p:sldIdLst>
   <p:sldSz cx="12192000" cy="6858000"/>
   <p:notesSz cx="6858000" cy="9144000"/>
@@ -104,7 +108,445 @@
       </a:defRPr>
     </a:lvl9pPr>
   </p:defaultTextStyle>
+  <p:extLst>
+    <p:ext uri="{EFAFB233-063F-42B5-8137-9DF3F51BA10A}">
+      <p15:sldGuideLst xmlns:p15="http://schemas.microsoft.com/office/powerpoint/2012/main"/>
+    </p:ext>
+  </p:extLst>
 </p:presentation>
+</file>
+
+<file path=ppt/notesMasters/notesMaster1.xml><?xml version="1.0" encoding="utf-8"?>
+<p:notesMaster xmlns:a="http://schemas.openxmlformats.org/drawingml/2006/main" xmlns:r="http://schemas.openxmlformats.org/officeDocument/2006/relationships" xmlns:p="http://schemas.openxmlformats.org/presentationml/2006/main">
+  <p:cSld>
+    <p:bg>
+      <p:bgRef idx="1001">
+        <a:schemeClr val="bg1"/>
+      </p:bgRef>
+    </p:bg>
+    <p:spTree>
+      <p:nvGrpSpPr>
+        <p:cNvPr id="1" name=""/>
+        <p:cNvGrpSpPr/>
+        <p:nvPr/>
+      </p:nvGrpSpPr>
+      <p:grpSpPr>
+        <a:xfrm>
+          <a:off x="0" y="0"/>
+          <a:ext cx="0" cy="0"/>
+          <a:chOff x="0" y="0"/>
+          <a:chExt cx="0" cy="0"/>
+        </a:xfrm>
+      </p:grpSpPr>
+      <p:sp>
+        <p:nvSpPr>
+          <p:cNvPr id="2" name="Header Placeholder 1"/>
+          <p:cNvSpPr>
+            <a:spLocks noGrp="1"/>
+          </p:cNvSpPr>
+          <p:nvPr>
+            <p:ph type="hdr" sz="quarter"/>
+          </p:nvPr>
+        </p:nvSpPr>
+        <p:spPr>
+          <a:xfrm>
+            <a:off x="0" y="0"/>
+            <a:ext cx="2971800" cy="458788"/>
+          </a:xfrm>
+          <a:prstGeom prst="rect">
+            <a:avLst/>
+          </a:prstGeom>
+        </p:spPr>
+        <p:txBody>
+          <a:bodyPr vert="horz" lIns="91440" tIns="45720" rIns="91440" bIns="45720" rtlCol="0"/>
+          <a:lstStyle>
+            <a:lvl1pPr algn="l">
+              <a:defRPr sz="1200"/>
+            </a:lvl1pPr>
+          </a:lstStyle>
+          <a:p>
+            <a:endParaRPr lang="en-US"/>
+          </a:p>
+        </p:txBody>
+      </p:sp>
+      <p:sp>
+        <p:nvSpPr>
+          <p:cNvPr id="3" name="Date Placeholder 2"/>
+          <p:cNvSpPr>
+            <a:spLocks noGrp="1"/>
+          </p:cNvSpPr>
+          <p:nvPr>
+            <p:ph type="dt" idx="1"/>
+          </p:nvPr>
+        </p:nvSpPr>
+        <p:spPr>
+          <a:xfrm>
+            <a:off x="3884613" y="0"/>
+            <a:ext cx="2971800" cy="458788"/>
+          </a:xfrm>
+          <a:prstGeom prst="rect">
+            <a:avLst/>
+          </a:prstGeom>
+        </p:spPr>
+        <p:txBody>
+          <a:bodyPr vert="horz" lIns="91440" tIns="45720" rIns="91440" bIns="45720" rtlCol="0"/>
+          <a:lstStyle>
+            <a:lvl1pPr algn="r">
+              <a:defRPr sz="1200"/>
+            </a:lvl1pPr>
+          </a:lstStyle>
+          <a:p>
+            <a:fld id="{52A2B7F2-4ED9-403D-8D8A-879FE3B4014E}" type="datetimeFigureOut">
+              <a:rPr lang="en-US" smtClean="0"/>
+              <a:t>8/9/2025</a:t>
+            </a:fld>
+            <a:endParaRPr lang="en-US"/>
+          </a:p>
+        </p:txBody>
+      </p:sp>
+      <p:sp>
+        <p:nvSpPr>
+          <p:cNvPr id="4" name="Slide Image Placeholder 3"/>
+          <p:cNvSpPr>
+            <a:spLocks noGrp="1" noRot="1" noChangeAspect="1"/>
+          </p:cNvSpPr>
+          <p:nvPr>
+            <p:ph type="sldImg" idx="2"/>
+          </p:nvPr>
+        </p:nvSpPr>
+        <p:spPr>
+          <a:xfrm>
+            <a:off x="685800" y="1143000"/>
+            <a:ext cx="5486400" cy="3086100"/>
+          </a:xfrm>
+          <a:prstGeom prst="rect">
+            <a:avLst/>
+          </a:prstGeom>
+          <a:noFill/>
+          <a:ln w="12700">
+            <a:solidFill>
+              <a:prstClr val="black"/>
+            </a:solidFill>
+          </a:ln>
+        </p:spPr>
+        <p:txBody>
+          <a:bodyPr vert="horz" lIns="91440" tIns="45720" rIns="91440" bIns="45720" rtlCol="0" anchor="ctr"/>
+          <a:lstStyle/>
+          <a:p>
+            <a:endParaRPr lang="en-US"/>
+          </a:p>
+        </p:txBody>
+      </p:sp>
+      <p:sp>
+        <p:nvSpPr>
+          <p:cNvPr id="5" name="Notes Placeholder 4"/>
+          <p:cNvSpPr>
+            <a:spLocks noGrp="1"/>
+          </p:cNvSpPr>
+          <p:nvPr>
+            <p:ph type="body" sz="quarter" idx="3"/>
+          </p:nvPr>
+        </p:nvSpPr>
+        <p:spPr>
+          <a:xfrm>
+            <a:off x="685800" y="4400550"/>
+            <a:ext cx="5486400" cy="3600450"/>
+          </a:xfrm>
+          <a:prstGeom prst="rect">
+            <a:avLst/>
+          </a:prstGeom>
+        </p:spPr>
+        <p:txBody>
+          <a:bodyPr vert="horz" lIns="91440" tIns="45720" rIns="91440" bIns="45720" rtlCol="0"/>
+          <a:lstStyle/>
+          <a:p>
+            <a:pPr lvl="0"/>
+            <a:r>
+              <a:rPr lang="en-US"/>
+              <a:t>Click to edit Master text styles</a:t>
+            </a:r>
+          </a:p>
+          <a:p>
+            <a:pPr lvl="1"/>
+            <a:r>
+              <a:rPr lang="en-US"/>
+              <a:t>Second level</a:t>
+            </a:r>
+          </a:p>
+          <a:p>
+            <a:pPr lvl="2"/>
+            <a:r>
+              <a:rPr lang="en-US"/>
+              <a:t>Third level</a:t>
+            </a:r>
+          </a:p>
+          <a:p>
+            <a:pPr lvl="3"/>
+            <a:r>
+              <a:rPr lang="en-US"/>
+              <a:t>Fourth level</a:t>
+            </a:r>
+          </a:p>
+          <a:p>
+            <a:pPr lvl="4"/>
+            <a:r>
+              <a:rPr lang="en-US"/>
+              <a:t>Fifth level</a:t>
+            </a:r>
+          </a:p>
+        </p:txBody>
+      </p:sp>
+      <p:sp>
+        <p:nvSpPr>
+          <p:cNvPr id="6" name="Footer Placeholder 5"/>
+          <p:cNvSpPr>
+            <a:spLocks noGrp="1"/>
+          </p:cNvSpPr>
+          <p:nvPr>
+            <p:ph type="ftr" sz="quarter" idx="4"/>
+          </p:nvPr>
+        </p:nvSpPr>
+        <p:spPr>
+          <a:xfrm>
+            <a:off x="0" y="8685213"/>
+            <a:ext cx="2971800" cy="458787"/>
+          </a:xfrm>
+          <a:prstGeom prst="rect">
+            <a:avLst/>
+          </a:prstGeom>
+        </p:spPr>
+        <p:txBody>
+          <a:bodyPr vert="horz" lIns="91440" tIns="45720" rIns="91440" bIns="45720" rtlCol="0" anchor="b"/>
+          <a:lstStyle>
+            <a:lvl1pPr algn="l">
+              <a:defRPr sz="1200"/>
+            </a:lvl1pPr>
+          </a:lstStyle>
+          <a:p>
+            <a:endParaRPr lang="en-US"/>
+          </a:p>
+        </p:txBody>
+      </p:sp>
+      <p:sp>
+        <p:nvSpPr>
+          <p:cNvPr id="7" name="Slide Number Placeholder 6"/>
+          <p:cNvSpPr>
+            <a:spLocks noGrp="1"/>
+          </p:cNvSpPr>
+          <p:nvPr>
+            <p:ph type="sldNum" sz="quarter" idx="5"/>
+          </p:nvPr>
+        </p:nvSpPr>
+        <p:spPr>
+          <a:xfrm>
+            <a:off x="3884613" y="8685213"/>
+            <a:ext cx="2971800" cy="458787"/>
+          </a:xfrm>
+          <a:prstGeom prst="rect">
+            <a:avLst/>
+          </a:prstGeom>
+        </p:spPr>
+        <p:txBody>
+          <a:bodyPr vert="horz" lIns="91440" tIns="45720" rIns="91440" bIns="45720" rtlCol="0" anchor="b"/>
+          <a:lstStyle>
+            <a:lvl1pPr algn="r">
+              <a:defRPr sz="1200"/>
+            </a:lvl1pPr>
+          </a:lstStyle>
+          <a:p>
+            <a:fld id="{FD0C423D-7B4B-467C-A396-4684F9D5D10D}" type="slidenum">
+              <a:rPr lang="en-US" smtClean="0"/>
+              <a:t>‹#›</a:t>
+            </a:fld>
+            <a:endParaRPr lang="en-US"/>
+          </a:p>
+        </p:txBody>
+      </p:sp>
+    </p:spTree>
+    <p:extLst>
+      <p:ext uri="{BB962C8B-B14F-4D97-AF65-F5344CB8AC3E}">
+        <p14:creationId xmlns:p14="http://schemas.microsoft.com/office/powerpoint/2010/main" val="642338735"/>
+      </p:ext>
+    </p:extLst>
+  </p:cSld>
+  <p:clrMap bg1="lt1" tx1="dk1" bg2="lt2" tx2="dk2" accent1="accent1" accent2="accent2" accent3="accent3" accent4="accent4" accent5="accent5" accent6="accent6" hlink="hlink" folHlink="folHlink"/>
+  <p:notesStyle>
+    <a:lvl1pPr marL="0" algn="l" defTabSz="914400" rtl="0" eaLnBrk="1" latinLnBrk="0" hangingPunct="1">
+      <a:defRPr sz="1200" kern="1200">
+        <a:solidFill>
+          <a:schemeClr val="tx1"/>
+        </a:solidFill>
+        <a:latin typeface="+mn-lt"/>
+        <a:ea typeface="+mn-ea"/>
+        <a:cs typeface="+mn-cs"/>
+      </a:defRPr>
+    </a:lvl1pPr>
+    <a:lvl2pPr marL="457200" algn="l" defTabSz="914400" rtl="0" eaLnBrk="1" latinLnBrk="0" hangingPunct="1">
+      <a:defRPr sz="1200" kern="1200">
+        <a:solidFill>
+          <a:schemeClr val="tx1"/>
+        </a:solidFill>
+        <a:latin typeface="+mn-lt"/>
+        <a:ea typeface="+mn-ea"/>
+        <a:cs typeface="+mn-cs"/>
+      </a:defRPr>
+    </a:lvl2pPr>
+    <a:lvl3pPr marL="914400" algn="l" defTabSz="914400" rtl="0" eaLnBrk="1" latinLnBrk="0" hangingPunct="1">
+      <a:defRPr sz="1200" kern="1200">
+        <a:solidFill>
+          <a:schemeClr val="tx1"/>
+        </a:solidFill>
+        <a:latin typeface="+mn-lt"/>
+        <a:ea typeface="+mn-ea"/>
+        <a:cs typeface="+mn-cs"/>
+      </a:defRPr>
+    </a:lvl3pPr>
+    <a:lvl4pPr marL="1371600" algn="l" defTabSz="914400" rtl="0" eaLnBrk="1" latinLnBrk="0" hangingPunct="1">
+      <a:defRPr sz="1200" kern="1200">
+        <a:solidFill>
+          <a:schemeClr val="tx1"/>
+        </a:solidFill>
+        <a:latin typeface="+mn-lt"/>
+        <a:ea typeface="+mn-ea"/>
+        <a:cs typeface="+mn-cs"/>
+      </a:defRPr>
+    </a:lvl4pPr>
+    <a:lvl5pPr marL="1828800" algn="l" defTabSz="914400" rtl="0" eaLnBrk="1" latinLnBrk="0" hangingPunct="1">
+      <a:defRPr sz="1200" kern="1200">
+        <a:solidFill>
+          <a:schemeClr val="tx1"/>
+        </a:solidFill>
+        <a:latin typeface="+mn-lt"/>
+        <a:ea typeface="+mn-ea"/>
+        <a:cs typeface="+mn-cs"/>
+      </a:defRPr>
+    </a:lvl5pPr>
+    <a:lvl6pPr marL="2286000" algn="l" defTabSz="914400" rtl="0" eaLnBrk="1" latinLnBrk="0" hangingPunct="1">
+      <a:defRPr sz="1200" kern="1200">
+        <a:solidFill>
+          <a:schemeClr val="tx1"/>
+        </a:solidFill>
+        <a:latin typeface="+mn-lt"/>
+        <a:ea typeface="+mn-ea"/>
+        <a:cs typeface="+mn-cs"/>
+      </a:defRPr>
+    </a:lvl6pPr>
+    <a:lvl7pPr marL="2743200" algn="l" defTabSz="914400" rtl="0" eaLnBrk="1" latinLnBrk="0" hangingPunct="1">
+      <a:defRPr sz="1200" kern="1200">
+        <a:solidFill>
+          <a:schemeClr val="tx1"/>
+        </a:solidFill>
+        <a:latin typeface="+mn-lt"/>
+        <a:ea typeface="+mn-ea"/>
+        <a:cs typeface="+mn-cs"/>
+      </a:defRPr>
+    </a:lvl7pPr>
+    <a:lvl8pPr marL="3200400" algn="l" defTabSz="914400" rtl="0" eaLnBrk="1" latinLnBrk="0" hangingPunct="1">
+      <a:defRPr sz="1200" kern="1200">
+        <a:solidFill>
+          <a:schemeClr val="tx1"/>
+        </a:solidFill>
+        <a:latin typeface="+mn-lt"/>
+        <a:ea typeface="+mn-ea"/>
+        <a:cs typeface="+mn-cs"/>
+      </a:defRPr>
+    </a:lvl8pPr>
+    <a:lvl9pPr marL="3657600" algn="l" defTabSz="914400" rtl="0" eaLnBrk="1" latinLnBrk="0" hangingPunct="1">
+      <a:defRPr sz="1200" kern="1200">
+        <a:solidFill>
+          <a:schemeClr val="tx1"/>
+        </a:solidFill>
+        <a:latin typeface="+mn-lt"/>
+        <a:ea typeface="+mn-ea"/>
+        <a:cs typeface="+mn-cs"/>
+      </a:defRPr>
+    </a:lvl9pPr>
+  </p:notesStyle>
+</p:notesMaster>
+</file>
+
+<file path=ppt/notesSlides/notesSlide1.xml><?xml version="1.0" encoding="utf-8"?>
+<p:notes xmlns:a="http://schemas.openxmlformats.org/drawingml/2006/main" xmlns:r="http://schemas.openxmlformats.org/officeDocument/2006/relationships" xmlns:p="http://schemas.openxmlformats.org/presentationml/2006/main">
+  <p:cSld>
+    <p:spTree>
+      <p:nvGrpSpPr>
+        <p:cNvPr id="1" name=""/>
+        <p:cNvGrpSpPr/>
+        <p:nvPr/>
+      </p:nvGrpSpPr>
+      <p:grpSpPr>
+        <a:xfrm>
+          <a:off x="0" y="0"/>
+          <a:ext cx="0" cy="0"/>
+          <a:chOff x="0" y="0"/>
+          <a:chExt cx="0" cy="0"/>
+        </a:xfrm>
+      </p:grpSpPr>
+      <p:sp>
+        <p:nvSpPr>
+          <p:cNvPr id="2" name="Slide Image Placeholder 1"/>
+          <p:cNvSpPr>
+            <a:spLocks noGrp="1" noRot="1" noChangeAspect="1"/>
+          </p:cNvSpPr>
+          <p:nvPr>
+            <p:ph type="sldImg"/>
+          </p:nvPr>
+        </p:nvSpPr>
+        <p:spPr/>
+      </p:sp>
+      <p:sp>
+        <p:nvSpPr>
+          <p:cNvPr id="3" name="Notes Placeholder 2"/>
+          <p:cNvSpPr>
+            <a:spLocks noGrp="1"/>
+          </p:cNvSpPr>
+          <p:nvPr>
+            <p:ph type="body" idx="1"/>
+          </p:nvPr>
+        </p:nvSpPr>
+        <p:spPr/>
+        <p:txBody>
+          <a:bodyPr/>
+          <a:lstStyle/>
+          <a:p>
+            <a:endParaRPr lang="en-US" dirty="0"/>
+          </a:p>
+        </p:txBody>
+      </p:sp>
+      <p:sp>
+        <p:nvSpPr>
+          <p:cNvPr id="4" name="Slide Number Placeholder 3"/>
+          <p:cNvSpPr>
+            <a:spLocks noGrp="1"/>
+          </p:cNvSpPr>
+          <p:nvPr>
+            <p:ph type="sldNum" sz="quarter" idx="5"/>
+          </p:nvPr>
+        </p:nvSpPr>
+        <p:spPr/>
+        <p:txBody>
+          <a:bodyPr/>
+          <a:lstStyle/>
+          <a:p>
+            <a:fld id="{FD0C423D-7B4B-467C-A396-4684F9D5D10D}" type="slidenum">
+              <a:rPr lang="en-US" smtClean="0"/>
+              <a:t>1</a:t>
+            </a:fld>
+            <a:endParaRPr lang="en-US"/>
+          </a:p>
+        </p:txBody>
+      </p:sp>
+    </p:spTree>
+    <p:extLst>
+      <p:ext uri="{BB962C8B-B14F-4D97-AF65-F5344CB8AC3E}">
+        <p14:creationId xmlns:p14="http://schemas.microsoft.com/office/powerpoint/2010/main" val="2380756391"/>
+      </p:ext>
+    </p:extLst>
+  </p:cSld>
+  <p:clrMapOvr>
+    <a:masterClrMapping/>
+  </p:clrMapOvr>
+</p:notes>
 </file>
 
 <file path=ppt/slideLayouts/slideLayout1.xml><?xml version="1.0" encoding="utf-8"?>
@@ -3678,7 +4120,7 @@
           <p:nvPr/>
         </p:nvPicPr>
         <p:blipFill>
-          <a:blip r:embed="rId2">
+          <a:blip r:embed="rId3">
             <a:extLst>
               <a:ext uri="{28A0092B-C50C-407E-A947-70E740481C1C}">
                 <a14:useLocalDpi xmlns:a14="http://schemas.microsoft.com/office/drawing/2010/main" val="0"/>
@@ -3725,11 +4167,11 @@
           <p:nvPr/>
         </p:nvPicPr>
         <p:blipFill>
-          <a:blip r:embed="rId3">
+          <a:blip r:embed="rId4">
             <a:extLst>
               <a:ext uri="{BEBA8EAE-BF5A-486C-A8C5-ECC9F3942E4B}">
                 <a14:imgProps xmlns:a14="http://schemas.microsoft.com/office/drawing/2010/main">
-                  <a14:imgLayer r:embed="rId4">
+                  <a14:imgLayer r:embed="rId5">
                     <a14:imgEffect>
                       <a14:backgroundRemoval t="3147" b="97727" l="10000" r="90000">
                         <a14:foregroundMark x1="44731" y1="91958" x2="46095" y2="92124"/>
@@ -4131,7 +4573,7 @@
           <p:nvPr/>
         </p:nvPicPr>
         <p:blipFill>
-          <a:blip r:embed="rId2">
+          <a:blip r:embed="rId3">
             <a:extLst>
               <a:ext uri="{28A0092B-C50C-407E-A947-70E740481C1C}">
                 <a14:useLocalDpi xmlns:a14="http://schemas.microsoft.com/office/drawing/2010/main" val="0"/>
@@ -4178,11 +4620,11 @@
           <p:nvPr/>
         </p:nvPicPr>
         <p:blipFill>
-          <a:blip r:embed="rId3">
+          <a:blip r:embed="rId4">
             <a:extLst>
               <a:ext uri="{BEBA8EAE-BF5A-486C-A8C5-ECC9F3942E4B}">
                 <a14:imgProps xmlns:a14="http://schemas.microsoft.com/office/drawing/2010/main">
-                  <a14:imgLayer r:embed="rId4">
+                  <a14:imgLayer r:embed="rId5">
                     <a14:imgEffect>
                       <a14:backgroundRemoval t="3147" b="97727" l="10000" r="90000">
                         <a14:foregroundMark x1="44731" y1="91958" x2="46095" y2="92124"/>
@@ -4267,10 +4709,2847 @@
           </a:p>
         </p:txBody>
       </p:sp>
+      <p:sp>
+        <p:nvSpPr>
+          <p:cNvPr id="2" name="Rectangle: Rounded Corners 1">
+            <a:extLst>
+              <a:ext uri="{FF2B5EF4-FFF2-40B4-BE49-F238E27FC236}">
+                <a16:creationId xmlns:a16="http://schemas.microsoft.com/office/drawing/2014/main" id="{9144B260-6B1B-29D2-B90D-CEF4D988352B}"/>
+              </a:ext>
+            </a:extLst>
+          </p:cNvPr>
+          <p:cNvSpPr/>
+          <p:nvPr/>
+        </p:nvSpPr>
+        <p:spPr>
+          <a:xfrm rot="5400000">
+            <a:off x="6675058" y="5585881"/>
+            <a:ext cx="1828800" cy="105685"/>
+          </a:xfrm>
+          <a:prstGeom prst="roundRect">
+            <a:avLst>
+              <a:gd name="adj" fmla="val 50000"/>
+            </a:avLst>
+          </a:prstGeom>
+        </p:spPr>
+        <p:style>
+          <a:lnRef idx="2">
+            <a:schemeClr val="dk1">
+              <a:shade val="15000"/>
+            </a:schemeClr>
+          </a:lnRef>
+          <a:fillRef idx="1">
+            <a:schemeClr val="dk1"/>
+          </a:fillRef>
+          <a:effectRef idx="0">
+            <a:schemeClr val="dk1"/>
+          </a:effectRef>
+          <a:fontRef idx="minor">
+            <a:schemeClr val="lt1"/>
+          </a:fontRef>
+        </p:style>
+        <p:txBody>
+          <a:bodyPr rtlCol="0" anchor="ctr"/>
+          <a:lstStyle/>
+          <a:p>
+            <a:pPr algn="ctr"/>
+            <a:endParaRPr lang="en-US"/>
+          </a:p>
+        </p:txBody>
+      </p:sp>
+      <p:sp>
+        <p:nvSpPr>
+          <p:cNvPr id="3" name="Rectangle: Rounded Corners 2">
+            <a:extLst>
+              <a:ext uri="{FF2B5EF4-FFF2-40B4-BE49-F238E27FC236}">
+                <a16:creationId xmlns:a16="http://schemas.microsoft.com/office/drawing/2014/main" id="{8922807A-6B52-A915-26BC-449070F24EA3}"/>
+              </a:ext>
+            </a:extLst>
+          </p:cNvPr>
+          <p:cNvSpPr/>
+          <p:nvPr/>
+        </p:nvSpPr>
+        <p:spPr>
+          <a:xfrm rot="5400000">
+            <a:off x="6278954" y="5585881"/>
+            <a:ext cx="1828800" cy="105685"/>
+          </a:xfrm>
+          <a:prstGeom prst="roundRect">
+            <a:avLst>
+              <a:gd name="adj" fmla="val 50000"/>
+            </a:avLst>
+          </a:prstGeom>
+        </p:spPr>
+        <p:style>
+          <a:lnRef idx="2">
+            <a:schemeClr val="dk1">
+              <a:shade val="15000"/>
+            </a:schemeClr>
+          </a:lnRef>
+          <a:fillRef idx="1">
+            <a:schemeClr val="dk1"/>
+          </a:fillRef>
+          <a:effectRef idx="0">
+            <a:schemeClr val="dk1"/>
+          </a:effectRef>
+          <a:fontRef idx="minor">
+            <a:schemeClr val="lt1"/>
+          </a:fontRef>
+        </p:style>
+        <p:txBody>
+          <a:bodyPr rtlCol="0" anchor="ctr"/>
+          <a:lstStyle/>
+          <a:p>
+            <a:pPr algn="ctr"/>
+            <a:endParaRPr lang="en-US"/>
+          </a:p>
+        </p:txBody>
+      </p:sp>
+      <p:sp>
+        <p:nvSpPr>
+          <p:cNvPr id="5" name="Rectangle: Rounded Corners 4">
+            <a:extLst>
+              <a:ext uri="{FF2B5EF4-FFF2-40B4-BE49-F238E27FC236}">
+                <a16:creationId xmlns:a16="http://schemas.microsoft.com/office/drawing/2014/main" id="{1B25A3C1-CC41-71DB-048B-F221BE5A796E}"/>
+              </a:ext>
+            </a:extLst>
+          </p:cNvPr>
+          <p:cNvSpPr/>
+          <p:nvPr/>
+        </p:nvSpPr>
+        <p:spPr>
+          <a:xfrm rot="5400000">
+            <a:off x="5882849" y="5585881"/>
+            <a:ext cx="1828800" cy="105685"/>
+          </a:xfrm>
+          <a:prstGeom prst="roundRect">
+            <a:avLst>
+              <a:gd name="adj" fmla="val 50000"/>
+            </a:avLst>
+          </a:prstGeom>
+        </p:spPr>
+        <p:style>
+          <a:lnRef idx="2">
+            <a:schemeClr val="dk1">
+              <a:shade val="15000"/>
+            </a:schemeClr>
+          </a:lnRef>
+          <a:fillRef idx="1">
+            <a:schemeClr val="dk1"/>
+          </a:fillRef>
+          <a:effectRef idx="0">
+            <a:schemeClr val="dk1"/>
+          </a:effectRef>
+          <a:fontRef idx="minor">
+            <a:schemeClr val="lt1"/>
+          </a:fontRef>
+        </p:style>
+        <p:txBody>
+          <a:bodyPr rtlCol="0" anchor="ctr"/>
+          <a:lstStyle/>
+          <a:p>
+            <a:pPr algn="ctr"/>
+            <a:endParaRPr lang="en-US"/>
+          </a:p>
+        </p:txBody>
+      </p:sp>
+      <p:sp>
+        <p:nvSpPr>
+          <p:cNvPr id="9" name="Rectangle: Rounded Corners 8">
+            <a:extLst>
+              <a:ext uri="{FF2B5EF4-FFF2-40B4-BE49-F238E27FC236}">
+                <a16:creationId xmlns:a16="http://schemas.microsoft.com/office/drawing/2014/main" id="{24B33097-4520-719B-3F45-2E3EB8294BE6}"/>
+              </a:ext>
+            </a:extLst>
+          </p:cNvPr>
+          <p:cNvSpPr/>
+          <p:nvPr/>
+        </p:nvSpPr>
+        <p:spPr>
+          <a:xfrm>
+            <a:off x="6285792" y="5891034"/>
+            <a:ext cx="1828800" cy="105685"/>
+          </a:xfrm>
+          <a:prstGeom prst="roundRect">
+            <a:avLst>
+              <a:gd name="adj" fmla="val 50000"/>
+            </a:avLst>
+          </a:prstGeom>
+        </p:spPr>
+        <p:style>
+          <a:lnRef idx="2">
+            <a:schemeClr val="dk1">
+              <a:shade val="15000"/>
+            </a:schemeClr>
+          </a:lnRef>
+          <a:fillRef idx="1">
+            <a:schemeClr val="dk1"/>
+          </a:fillRef>
+          <a:effectRef idx="0">
+            <a:schemeClr val="dk1"/>
+          </a:effectRef>
+          <a:fontRef idx="minor">
+            <a:schemeClr val="lt1"/>
+          </a:fontRef>
+        </p:style>
+        <p:txBody>
+          <a:bodyPr rtlCol="0" anchor="ctr"/>
+          <a:lstStyle/>
+          <a:p>
+            <a:pPr algn="ctr"/>
+            <a:endParaRPr lang="en-US"/>
+          </a:p>
+        </p:txBody>
+      </p:sp>
+      <p:sp>
+        <p:nvSpPr>
+          <p:cNvPr id="10" name="Rectangle: Rounded Corners 9">
+            <a:extLst>
+              <a:ext uri="{FF2B5EF4-FFF2-40B4-BE49-F238E27FC236}">
+                <a16:creationId xmlns:a16="http://schemas.microsoft.com/office/drawing/2014/main" id="{6ABBACC5-B743-411A-C3BD-49FE6616A276}"/>
+              </a:ext>
+            </a:extLst>
+          </p:cNvPr>
+          <p:cNvSpPr/>
+          <p:nvPr/>
+        </p:nvSpPr>
+        <p:spPr>
+          <a:xfrm>
+            <a:off x="6285792" y="5559909"/>
+            <a:ext cx="1828800" cy="105685"/>
+          </a:xfrm>
+          <a:prstGeom prst="roundRect">
+            <a:avLst>
+              <a:gd name="adj" fmla="val 50000"/>
+            </a:avLst>
+          </a:prstGeom>
+        </p:spPr>
+        <p:style>
+          <a:lnRef idx="2">
+            <a:schemeClr val="dk1">
+              <a:shade val="15000"/>
+            </a:schemeClr>
+          </a:lnRef>
+          <a:fillRef idx="1">
+            <a:schemeClr val="dk1"/>
+          </a:fillRef>
+          <a:effectRef idx="0">
+            <a:schemeClr val="dk1"/>
+          </a:effectRef>
+          <a:fontRef idx="minor">
+            <a:schemeClr val="lt1"/>
+          </a:fontRef>
+        </p:style>
+        <p:txBody>
+          <a:bodyPr rtlCol="0" anchor="ctr"/>
+          <a:lstStyle/>
+          <a:p>
+            <a:pPr algn="ctr"/>
+            <a:endParaRPr lang="en-US"/>
+          </a:p>
+        </p:txBody>
+      </p:sp>
+      <p:sp>
+        <p:nvSpPr>
+          <p:cNvPr id="14" name="Rectangle: Rounded Corners 13">
+            <a:extLst>
+              <a:ext uri="{FF2B5EF4-FFF2-40B4-BE49-F238E27FC236}">
+                <a16:creationId xmlns:a16="http://schemas.microsoft.com/office/drawing/2014/main" id="{2EA3494E-5771-C3D8-9F2F-77AE77C35585}"/>
+              </a:ext>
+            </a:extLst>
+          </p:cNvPr>
+          <p:cNvSpPr/>
+          <p:nvPr/>
+        </p:nvSpPr>
+        <p:spPr>
+          <a:xfrm>
+            <a:off x="6285792" y="5228784"/>
+            <a:ext cx="1828800" cy="105685"/>
+          </a:xfrm>
+          <a:prstGeom prst="roundRect">
+            <a:avLst>
+              <a:gd name="adj" fmla="val 50000"/>
+            </a:avLst>
+          </a:prstGeom>
+        </p:spPr>
+        <p:style>
+          <a:lnRef idx="2">
+            <a:schemeClr val="dk1">
+              <a:shade val="15000"/>
+            </a:schemeClr>
+          </a:lnRef>
+          <a:fillRef idx="1">
+            <a:schemeClr val="dk1"/>
+          </a:fillRef>
+          <a:effectRef idx="0">
+            <a:schemeClr val="dk1"/>
+          </a:effectRef>
+          <a:fontRef idx="minor">
+            <a:schemeClr val="lt1"/>
+          </a:fontRef>
+        </p:style>
+        <p:txBody>
+          <a:bodyPr rtlCol="0" anchor="ctr"/>
+          <a:lstStyle/>
+          <a:p>
+            <a:pPr algn="ctr"/>
+            <a:endParaRPr lang="en-US"/>
+          </a:p>
+        </p:txBody>
+      </p:sp>
+      <p:sp>
+        <p:nvSpPr>
+          <p:cNvPr id="25" name="Rectangle: Rounded Corners 24">
+            <a:extLst>
+              <a:ext uri="{FF2B5EF4-FFF2-40B4-BE49-F238E27FC236}">
+                <a16:creationId xmlns:a16="http://schemas.microsoft.com/office/drawing/2014/main" id="{1C2795D2-F1BF-CE94-8A6B-44901BCA5AEA}"/>
+              </a:ext>
+            </a:extLst>
+          </p:cNvPr>
+          <p:cNvSpPr/>
+          <p:nvPr/>
+        </p:nvSpPr>
+        <p:spPr>
+          <a:xfrm>
+            <a:off x="6461834" y="4902659"/>
+            <a:ext cx="1463040" cy="1463040"/>
+          </a:xfrm>
+          <a:prstGeom prst="roundRect">
+            <a:avLst/>
+          </a:prstGeom>
+          <a:solidFill>
+            <a:schemeClr val="bg1"/>
+          </a:solidFill>
+          <a:ln w="76200">
+            <a:solidFill>
+              <a:schemeClr val="tx1"/>
+            </a:solidFill>
+          </a:ln>
+        </p:spPr>
+        <p:style>
+          <a:lnRef idx="2">
+            <a:schemeClr val="accent1">
+              <a:shade val="15000"/>
+            </a:schemeClr>
+          </a:lnRef>
+          <a:fillRef idx="1">
+            <a:schemeClr val="accent1"/>
+          </a:fillRef>
+          <a:effectRef idx="0">
+            <a:schemeClr val="accent1"/>
+          </a:effectRef>
+          <a:fontRef idx="minor">
+            <a:schemeClr val="lt1"/>
+          </a:fontRef>
+        </p:style>
+        <p:txBody>
+          <a:bodyPr rtlCol="0" anchor="ctr"/>
+          <a:lstStyle/>
+          <a:p>
+            <a:pPr algn="ctr"/>
+            <a:endParaRPr lang="en-US"/>
+          </a:p>
+        </p:txBody>
+      </p:sp>
+      <p:pic>
+        <p:nvPicPr>
+          <p:cNvPr id="26" name="Picture 2" descr="Brain - White Brain Icon Transparent Background Transparent PNG - 1000x1000  - Free Download on NicePNG">
+            <a:extLst>
+              <a:ext uri="{FF2B5EF4-FFF2-40B4-BE49-F238E27FC236}">
+                <a16:creationId xmlns:a16="http://schemas.microsoft.com/office/drawing/2014/main" id="{03D580D6-79D7-2186-A93F-56610A2EA8D1}"/>
+              </a:ext>
+            </a:extLst>
+          </p:cNvPr>
+          <p:cNvPicPr>
+            <a:picLocks noChangeAspect="1" noChangeArrowheads="1"/>
+          </p:cNvPicPr>
+          <p:nvPr/>
+        </p:nvPicPr>
+        <p:blipFill>
+          <a:blip r:embed="rId3">
+            <a:extLst>
+              <a:ext uri="{28A0092B-C50C-407E-A947-70E740481C1C}">
+                <a14:useLocalDpi xmlns:a14="http://schemas.microsoft.com/office/drawing/2010/main" val="0"/>
+              </a:ext>
+            </a:extLst>
+          </a:blip>
+          <a:srcRect/>
+          <a:stretch>
+            <a:fillRect/>
+          </a:stretch>
+        </p:blipFill>
+        <p:spPr bwMode="auto">
+          <a:xfrm>
+            <a:off x="7048577" y="5461046"/>
+            <a:ext cx="266678" cy="303410"/>
+          </a:xfrm>
+          <a:prstGeom prst="rect">
+            <a:avLst/>
+          </a:prstGeom>
+          <a:noFill/>
+          <a:extLst>
+            <a:ext uri="{909E8E84-426E-40DD-AFC4-6F175D3DCCD1}">
+              <a14:hiddenFill xmlns:a14="http://schemas.microsoft.com/office/drawing/2010/main">
+                <a:solidFill>
+                  <a:srgbClr val="FFFFFF"/>
+                </a:solidFill>
+              </a14:hiddenFill>
+            </a:ext>
+          </a:extLst>
+        </p:spPr>
+      </p:pic>
+      <p:pic>
+        <p:nvPicPr>
+          <p:cNvPr id="27" name="Picture 4" descr="Quantum Computing Computer Urgent Care Research Clip Art PNG">
+            <a:extLst>
+              <a:ext uri="{FF2B5EF4-FFF2-40B4-BE49-F238E27FC236}">
+                <a16:creationId xmlns:a16="http://schemas.microsoft.com/office/drawing/2014/main" id="{D1450D98-739F-8887-6C3B-2850B9464F53}"/>
+              </a:ext>
+            </a:extLst>
+          </p:cNvPr>
+          <p:cNvPicPr>
+            <a:picLocks noChangeAspect="1" noChangeArrowheads="1"/>
+          </p:cNvPicPr>
+          <p:nvPr/>
+        </p:nvPicPr>
+        <p:blipFill>
+          <a:blip r:embed="rId4">
+            <a:extLst>
+              <a:ext uri="{BEBA8EAE-BF5A-486C-A8C5-ECC9F3942E4B}">
+                <a14:imgProps xmlns:a14="http://schemas.microsoft.com/office/drawing/2010/main">
+                  <a14:imgLayer r:embed="rId5">
+                    <a14:imgEffect>
+                      <a14:backgroundRemoval t="3147" b="97727" l="10000" r="90000">
+                        <a14:foregroundMark x1="44731" y1="91958" x2="46095" y2="92124"/>
+                        <a14:foregroundMark x1="43293" y1="91783" x2="44731" y2="91958"/>
+                        <a14:foregroundMark x1="43537" y1="7867" x2="53659" y2="3147"/>
+                        <a14:foregroundMark x1="51525" y1="93531" x2="56585" y2="93531"/>
+                        <a14:foregroundMark x1="43780" y1="93531" x2="47698" y2="93531"/>
+                        <a14:foregroundMark x1="49735" y1="97643" x2="52073" y2="97727"/>
+                        <a14:backgroundMark x1="47927" y1="93007" x2="51829" y2="92832"/>
+                      </a14:backgroundRemoval>
+                    </a14:imgEffect>
+                  </a14:imgLayer>
+                </a14:imgProps>
+              </a:ext>
+              <a:ext uri="{28A0092B-C50C-407E-A947-70E740481C1C}">
+                <a14:useLocalDpi xmlns:a14="http://schemas.microsoft.com/office/drawing/2010/main" val="0"/>
+              </a:ext>
+            </a:extLst>
+          </a:blip>
+          <a:srcRect/>
+          <a:stretch>
+            <a:fillRect/>
+          </a:stretch>
+        </p:blipFill>
+        <p:spPr bwMode="auto">
+          <a:xfrm>
+            <a:off x="6257810" y="4989558"/>
+            <a:ext cx="1848212" cy="1289241"/>
+          </a:xfrm>
+          <a:prstGeom prst="rect">
+            <a:avLst/>
+          </a:prstGeom>
+          <a:noFill/>
+          <a:extLst>
+            <a:ext uri="{909E8E84-426E-40DD-AFC4-6F175D3DCCD1}">
+              <a14:hiddenFill xmlns:a14="http://schemas.microsoft.com/office/drawing/2010/main">
+                <a:solidFill>
+                  <a:srgbClr val="FFFFFF"/>
+                </a:solidFill>
+              </a14:hiddenFill>
+            </a:ext>
+          </a:extLst>
+        </p:spPr>
+      </p:pic>
+      <p:sp>
+        <p:nvSpPr>
+          <p:cNvPr id="28" name="Oval 27">
+            <a:extLst>
+              <a:ext uri="{FF2B5EF4-FFF2-40B4-BE49-F238E27FC236}">
+                <a16:creationId xmlns:a16="http://schemas.microsoft.com/office/drawing/2014/main" id="{FDD57E55-9928-5301-88F2-574939F3C291}"/>
+              </a:ext>
+            </a:extLst>
+          </p:cNvPr>
+          <p:cNvSpPr/>
+          <p:nvPr/>
+        </p:nvSpPr>
+        <p:spPr>
+          <a:xfrm>
+            <a:off x="5931490" y="4372031"/>
+            <a:ext cx="2481439" cy="2481439"/>
+          </a:xfrm>
+          <a:prstGeom prst="ellipse">
+            <a:avLst/>
+          </a:prstGeom>
+          <a:noFill/>
+        </p:spPr>
+        <p:style>
+          <a:lnRef idx="2">
+            <a:schemeClr val="accent1">
+              <a:shade val="15000"/>
+            </a:schemeClr>
+          </a:lnRef>
+          <a:fillRef idx="1">
+            <a:schemeClr val="accent1"/>
+          </a:fillRef>
+          <a:effectRef idx="0">
+            <a:schemeClr val="accent1"/>
+          </a:effectRef>
+          <a:fontRef idx="minor">
+            <a:schemeClr val="lt1"/>
+          </a:fontRef>
+        </p:style>
+        <p:txBody>
+          <a:bodyPr rtlCol="0" anchor="ctr"/>
+          <a:lstStyle/>
+          <a:p>
+            <a:pPr algn="ctr"/>
+            <a:endParaRPr lang="en-US"/>
+          </a:p>
+        </p:txBody>
+      </p:sp>
     </p:spTree>
     <p:extLst>
       <p:ext uri="{BB962C8B-B14F-4D97-AF65-F5344CB8AC3E}">
         <p14:creationId xmlns:p14="http://schemas.microsoft.com/office/powerpoint/2010/main" val="1569703506"/>
+      </p:ext>
+    </p:extLst>
+  </p:cSld>
+  <p:clrMapOvr>
+    <a:masterClrMapping/>
+  </p:clrMapOvr>
+</p:sld>
+</file>
+
+<file path=ppt/slides/slide2.xml><?xml version="1.0" encoding="utf-8"?>
+<p:sld xmlns:a="http://schemas.openxmlformats.org/drawingml/2006/main" xmlns:r="http://schemas.openxmlformats.org/officeDocument/2006/relationships" xmlns:p="http://schemas.openxmlformats.org/presentationml/2006/main">
+  <p:cSld>
+    <p:spTree>
+      <p:nvGrpSpPr>
+        <p:cNvPr id="1" name=""/>
+        <p:cNvGrpSpPr/>
+        <p:nvPr/>
+      </p:nvGrpSpPr>
+      <p:grpSpPr>
+        <a:xfrm>
+          <a:off x="0" y="0"/>
+          <a:ext cx="0" cy="0"/>
+          <a:chOff x="0" y="0"/>
+          <a:chExt cx="0" cy="0"/>
+        </a:xfrm>
+      </p:grpSpPr>
+      <p:sp>
+        <p:nvSpPr>
+          <p:cNvPr id="4" name="Rounded Rectangle 27">
+            <a:extLst>
+              <a:ext uri="{FF2B5EF4-FFF2-40B4-BE49-F238E27FC236}">
+                <a16:creationId xmlns:a16="http://schemas.microsoft.com/office/drawing/2014/main" id="{E7D69FF8-3445-E923-C0B3-80C854FEF365}"/>
+              </a:ext>
+            </a:extLst>
+          </p:cNvPr>
+          <p:cNvSpPr/>
+          <p:nvPr/>
+        </p:nvSpPr>
+        <p:spPr>
+          <a:xfrm>
+            <a:off x="5657103" y="633708"/>
+            <a:ext cx="2884554" cy="1712818"/>
+          </a:xfrm>
+          <a:prstGeom prst="roundRect">
+            <a:avLst>
+              <a:gd name="adj" fmla="val 5572"/>
+            </a:avLst>
+          </a:prstGeom>
+          <a:solidFill>
+            <a:schemeClr val="accent6">
+              <a:lumMod val="60000"/>
+              <a:lumOff val="40000"/>
+            </a:schemeClr>
+          </a:solidFill>
+          <a:ln>
+            <a:noFill/>
+          </a:ln>
+        </p:spPr>
+        <p:style>
+          <a:lnRef idx="2">
+            <a:schemeClr val="accent1">
+              <a:shade val="50000"/>
+            </a:schemeClr>
+          </a:lnRef>
+          <a:fillRef idx="1">
+            <a:schemeClr val="accent1"/>
+          </a:fillRef>
+          <a:effectRef idx="0">
+            <a:schemeClr val="accent1"/>
+          </a:effectRef>
+          <a:fontRef idx="minor">
+            <a:schemeClr val="lt1"/>
+          </a:fontRef>
+        </p:style>
+        <p:txBody>
+          <a:bodyPr rtlCol="0" anchor="ctr"/>
+          <a:lstStyle/>
+          <a:p>
+            <a:pPr algn="ctr"/>
+            <a:endParaRPr lang="en-GB"/>
+          </a:p>
+        </p:txBody>
+      </p:sp>
+      <p:sp>
+        <p:nvSpPr>
+          <p:cNvPr id="5" name="Rounded Rectangle 19">
+            <a:extLst>
+              <a:ext uri="{FF2B5EF4-FFF2-40B4-BE49-F238E27FC236}">
+                <a16:creationId xmlns:a16="http://schemas.microsoft.com/office/drawing/2014/main" id="{A74BECE9-AD52-BF0A-1EE5-11B4151FBE00}"/>
+              </a:ext>
+            </a:extLst>
+          </p:cNvPr>
+          <p:cNvSpPr/>
+          <p:nvPr/>
+        </p:nvSpPr>
+        <p:spPr>
+          <a:xfrm>
+            <a:off x="10375435" y="2766196"/>
+            <a:ext cx="2276009" cy="1712818"/>
+          </a:xfrm>
+          <a:prstGeom prst="roundRect">
+            <a:avLst>
+              <a:gd name="adj" fmla="val 5572"/>
+            </a:avLst>
+          </a:prstGeom>
+          <a:solidFill>
+            <a:schemeClr val="accent4">
+              <a:lumMod val="20000"/>
+              <a:lumOff val="80000"/>
+            </a:schemeClr>
+          </a:solidFill>
+          <a:ln>
+            <a:noFill/>
+          </a:ln>
+        </p:spPr>
+        <p:style>
+          <a:lnRef idx="2">
+            <a:schemeClr val="accent1">
+              <a:shade val="50000"/>
+            </a:schemeClr>
+          </a:lnRef>
+          <a:fillRef idx="1">
+            <a:schemeClr val="accent1"/>
+          </a:fillRef>
+          <a:effectRef idx="0">
+            <a:schemeClr val="accent1"/>
+          </a:effectRef>
+          <a:fontRef idx="minor">
+            <a:schemeClr val="lt1"/>
+          </a:fontRef>
+        </p:style>
+        <p:txBody>
+          <a:bodyPr rtlCol="0" anchor="ctr"/>
+          <a:lstStyle/>
+          <a:p>
+            <a:pPr algn="ctr"/>
+            <a:endParaRPr lang="en-GB"/>
+          </a:p>
+        </p:txBody>
+      </p:sp>
+      <p:sp>
+        <p:nvSpPr>
+          <p:cNvPr id="6" name="Rounded Rectangle 16">
+            <a:extLst>
+              <a:ext uri="{FF2B5EF4-FFF2-40B4-BE49-F238E27FC236}">
+                <a16:creationId xmlns:a16="http://schemas.microsoft.com/office/drawing/2014/main" id="{64BDF933-FEDF-FE3D-5B6A-187CDDFE793C}"/>
+              </a:ext>
+            </a:extLst>
+          </p:cNvPr>
+          <p:cNvSpPr/>
+          <p:nvPr/>
+        </p:nvSpPr>
+        <p:spPr>
+          <a:xfrm>
+            <a:off x="5666458" y="2758029"/>
+            <a:ext cx="2890802" cy="1712818"/>
+          </a:xfrm>
+          <a:prstGeom prst="roundRect">
+            <a:avLst>
+              <a:gd name="adj" fmla="val 5572"/>
+            </a:avLst>
+          </a:prstGeom>
+          <a:solidFill>
+            <a:schemeClr val="accent4">
+              <a:lumMod val="20000"/>
+              <a:lumOff val="80000"/>
+            </a:schemeClr>
+          </a:solidFill>
+          <a:ln>
+            <a:noFill/>
+          </a:ln>
+        </p:spPr>
+        <p:style>
+          <a:lnRef idx="2">
+            <a:schemeClr val="accent1">
+              <a:shade val="50000"/>
+            </a:schemeClr>
+          </a:lnRef>
+          <a:fillRef idx="1">
+            <a:schemeClr val="accent1"/>
+          </a:fillRef>
+          <a:effectRef idx="0">
+            <a:schemeClr val="accent1"/>
+          </a:effectRef>
+          <a:fontRef idx="minor">
+            <a:schemeClr val="lt1"/>
+          </a:fontRef>
+        </p:style>
+        <p:txBody>
+          <a:bodyPr rtlCol="0" anchor="ctr"/>
+          <a:lstStyle/>
+          <a:p>
+            <a:pPr algn="ctr"/>
+            <a:endParaRPr lang="en-GB"/>
+          </a:p>
+        </p:txBody>
+      </p:sp>
+      <p:sp>
+        <p:nvSpPr>
+          <p:cNvPr id="7" name="Rounded Rectangle 1">
+            <a:extLst>
+              <a:ext uri="{FF2B5EF4-FFF2-40B4-BE49-F238E27FC236}">
+                <a16:creationId xmlns:a16="http://schemas.microsoft.com/office/drawing/2014/main" id="{A15D58BA-E347-BDD1-76D8-65D3C10A5210}"/>
+              </a:ext>
+            </a:extLst>
+          </p:cNvPr>
+          <p:cNvSpPr/>
+          <p:nvPr/>
+        </p:nvSpPr>
+        <p:spPr>
+          <a:xfrm>
+            <a:off x="1713890" y="2748457"/>
+            <a:ext cx="2308860" cy="1712818"/>
+          </a:xfrm>
+          <a:prstGeom prst="roundRect">
+            <a:avLst>
+              <a:gd name="adj" fmla="val 5572"/>
+            </a:avLst>
+          </a:prstGeom>
+          <a:solidFill>
+            <a:schemeClr val="accent4">
+              <a:lumMod val="20000"/>
+              <a:lumOff val="80000"/>
+            </a:schemeClr>
+          </a:solidFill>
+          <a:ln>
+            <a:noFill/>
+          </a:ln>
+        </p:spPr>
+        <p:style>
+          <a:lnRef idx="2">
+            <a:schemeClr val="accent1">
+              <a:shade val="50000"/>
+            </a:schemeClr>
+          </a:lnRef>
+          <a:fillRef idx="1">
+            <a:schemeClr val="accent1"/>
+          </a:fillRef>
+          <a:effectRef idx="0">
+            <a:schemeClr val="accent1"/>
+          </a:effectRef>
+          <a:fontRef idx="minor">
+            <a:schemeClr val="lt1"/>
+          </a:fontRef>
+        </p:style>
+        <p:txBody>
+          <a:bodyPr rtlCol="0" anchor="ctr"/>
+          <a:lstStyle/>
+          <a:p>
+            <a:pPr algn="ctr"/>
+            <a:endParaRPr lang="en-GB"/>
+          </a:p>
+        </p:txBody>
+      </p:sp>
+      <p:pic>
+        <p:nvPicPr>
+          <p:cNvPr id="8" name="Picture 7">
+            <a:extLst>
+              <a:ext uri="{FF2B5EF4-FFF2-40B4-BE49-F238E27FC236}">
+                <a16:creationId xmlns:a16="http://schemas.microsoft.com/office/drawing/2014/main" id="{9449FC13-801D-B378-CB31-5362A33A881C}"/>
+              </a:ext>
+            </a:extLst>
+          </p:cNvPr>
+          <p:cNvPicPr>
+            <a:picLocks noChangeAspect="1"/>
+          </p:cNvPicPr>
+          <p:nvPr/>
+        </p:nvPicPr>
+        <p:blipFill rotWithShape="1">
+          <a:blip r:embed="rId2" cstate="print">
+            <a:extLst>
+              <a:ext uri="{28A0092B-C50C-407E-A947-70E740481C1C}">
+                <a14:useLocalDpi xmlns:a14="http://schemas.microsoft.com/office/drawing/2010/main" val="0"/>
+              </a:ext>
+            </a:extLst>
+          </a:blip>
+          <a:srcRect l="5275" r="9625" b="1390"/>
+          <a:stretch/>
+        </p:blipFill>
+        <p:spPr>
+          <a:xfrm rot="16200000">
+            <a:off x="10831290" y="2324330"/>
+            <a:ext cx="1364302" cy="2276009"/>
+          </a:xfrm>
+          <a:prstGeom prst="rect">
+            <a:avLst/>
+          </a:prstGeom>
+        </p:spPr>
+      </p:pic>
+      <p:pic>
+        <p:nvPicPr>
+          <p:cNvPr id="9" name="Picture 8">
+            <a:extLst>
+              <a:ext uri="{FF2B5EF4-FFF2-40B4-BE49-F238E27FC236}">
+                <a16:creationId xmlns:a16="http://schemas.microsoft.com/office/drawing/2014/main" id="{7DE52E97-AD1B-C265-158D-2939EA929958}"/>
+              </a:ext>
+            </a:extLst>
+          </p:cNvPr>
+          <p:cNvPicPr>
+            <a:picLocks noChangeAspect="1"/>
+          </p:cNvPicPr>
+          <p:nvPr/>
+        </p:nvPicPr>
+        <p:blipFill rotWithShape="1">
+          <a:blip r:embed="rId3" cstate="print">
+            <a:extLst>
+              <a:ext uri="{28A0092B-C50C-407E-A947-70E740481C1C}">
+                <a14:useLocalDpi xmlns:a14="http://schemas.microsoft.com/office/drawing/2010/main" val="0"/>
+              </a:ext>
+            </a:extLst>
+          </a:blip>
+          <a:srcRect l="977" t="7019" r="-67" b="31993"/>
+          <a:stretch>
+            <a:fillRect/>
+          </a:stretch>
+        </p:blipFill>
+        <p:spPr>
+          <a:xfrm>
+            <a:off x="5658473" y="2731104"/>
+            <a:ext cx="2898787" cy="1338103"/>
+          </a:xfrm>
+          <a:prstGeom prst="rect">
+            <a:avLst/>
+          </a:prstGeom>
+        </p:spPr>
+      </p:pic>
+      <p:pic>
+        <p:nvPicPr>
+          <p:cNvPr id="10" name="Picture 9">
+            <a:extLst>
+              <a:ext uri="{FF2B5EF4-FFF2-40B4-BE49-F238E27FC236}">
+                <a16:creationId xmlns:a16="http://schemas.microsoft.com/office/drawing/2014/main" id="{DA6E1724-52F2-EF5D-4BAC-14D059BEEBA9}"/>
+              </a:ext>
+            </a:extLst>
+          </p:cNvPr>
+          <p:cNvPicPr>
+            <a:picLocks noChangeAspect="1"/>
+          </p:cNvPicPr>
+          <p:nvPr/>
+        </p:nvPicPr>
+        <p:blipFill>
+          <a:blip r:embed="rId4" cstate="print">
+            <a:extLst>
+              <a:ext uri="{28A0092B-C50C-407E-A947-70E740481C1C}">
+                <a14:useLocalDpi xmlns:a14="http://schemas.microsoft.com/office/drawing/2010/main" val="0"/>
+              </a:ext>
+            </a:extLst>
+          </a:blip>
+          <a:stretch>
+            <a:fillRect/>
+          </a:stretch>
+        </p:blipFill>
+        <p:spPr>
+          <a:xfrm>
+            <a:off x="1713890" y="2727393"/>
+            <a:ext cx="2298163" cy="1364302"/>
+          </a:xfrm>
+          <a:prstGeom prst="rect">
+            <a:avLst/>
+          </a:prstGeom>
+        </p:spPr>
+      </p:pic>
+      <p:pic>
+        <p:nvPicPr>
+          <p:cNvPr id="11" name="Picture 2" descr="Không có mô tả ảnh.">
+            <a:extLst>
+              <a:ext uri="{FF2B5EF4-FFF2-40B4-BE49-F238E27FC236}">
+                <a16:creationId xmlns:a16="http://schemas.microsoft.com/office/drawing/2014/main" id="{5F1148C0-94C7-6D36-BD9D-4265DE28FB52}"/>
+              </a:ext>
+            </a:extLst>
+          </p:cNvPr>
+          <p:cNvPicPr>
+            <a:picLocks noChangeAspect="1" noChangeArrowheads="1"/>
+          </p:cNvPicPr>
+          <p:nvPr/>
+        </p:nvPicPr>
+        <p:blipFill>
+          <a:blip r:embed="rId5" cstate="print">
+            <a:extLst>
+              <a:ext uri="{28A0092B-C50C-407E-A947-70E740481C1C}">
+                <a14:useLocalDpi xmlns:a14="http://schemas.microsoft.com/office/drawing/2010/main" val="0"/>
+              </a:ext>
+            </a:extLst>
+          </a:blip>
+          <a:srcRect/>
+          <a:stretch>
+            <a:fillRect/>
+          </a:stretch>
+        </p:blipFill>
+        <p:spPr bwMode="auto">
+          <a:xfrm rot="5400000">
+            <a:off x="6445655" y="-153375"/>
+            <a:ext cx="1313191" cy="2877608"/>
+          </a:xfrm>
+          <a:prstGeom prst="rect">
+            <a:avLst/>
+          </a:prstGeom>
+          <a:noFill/>
+          <a:extLst>
+            <a:ext uri="{909E8E84-426E-40DD-AFC4-6F175D3DCCD1}">
+              <a14:hiddenFill xmlns:a14="http://schemas.microsoft.com/office/drawing/2010/main">
+                <a:solidFill>
+                  <a:srgbClr val="FFFFFF"/>
+                </a:solidFill>
+              </a14:hiddenFill>
+            </a:ext>
+          </a:extLst>
+        </p:spPr>
+      </p:pic>
+      <p:cxnSp>
+        <p:nvCxnSpPr>
+          <p:cNvPr id="12" name="Straight Connector 11">
+            <a:extLst>
+              <a:ext uri="{FF2B5EF4-FFF2-40B4-BE49-F238E27FC236}">
+                <a16:creationId xmlns:a16="http://schemas.microsoft.com/office/drawing/2014/main" id="{33A2E03A-2062-04E9-ED94-56DEEFAD827C}"/>
+              </a:ext>
+            </a:extLst>
+          </p:cNvPr>
+          <p:cNvCxnSpPr>
+            <a:cxnSpLocks/>
+          </p:cNvCxnSpPr>
+          <p:nvPr/>
+        </p:nvCxnSpPr>
+        <p:spPr>
+          <a:xfrm>
+            <a:off x="-809626" y="2608118"/>
+            <a:ext cx="13441680" cy="14535"/>
+          </a:xfrm>
+          <a:prstGeom prst="line">
+            <a:avLst/>
+          </a:prstGeom>
+          <a:ln w="28575">
+            <a:prstDash val="sysDash"/>
+          </a:ln>
+        </p:spPr>
+        <p:style>
+          <a:lnRef idx="1">
+            <a:schemeClr val="accent1"/>
+          </a:lnRef>
+          <a:fillRef idx="0">
+            <a:schemeClr val="accent1"/>
+          </a:fillRef>
+          <a:effectRef idx="0">
+            <a:schemeClr val="accent1"/>
+          </a:effectRef>
+          <a:fontRef idx="minor">
+            <a:schemeClr val="tx1"/>
+          </a:fontRef>
+        </p:style>
+      </p:cxnSp>
+      <p:sp>
+        <p:nvSpPr>
+          <p:cNvPr id="13" name="TextBox 12">
+            <a:extLst>
+              <a:ext uri="{FF2B5EF4-FFF2-40B4-BE49-F238E27FC236}">
+                <a16:creationId xmlns:a16="http://schemas.microsoft.com/office/drawing/2014/main" id="{AE74EAB1-6567-2EB9-BB40-4D04EC2E294F}"/>
+              </a:ext>
+            </a:extLst>
+          </p:cNvPr>
+          <p:cNvSpPr txBox="1"/>
+          <p:nvPr/>
+        </p:nvSpPr>
+        <p:spPr>
+          <a:xfrm>
+            <a:off x="1673428" y="4106307"/>
+            <a:ext cx="2338625" cy="369332"/>
+          </a:xfrm>
+          <a:prstGeom prst="rect">
+            <a:avLst/>
+          </a:prstGeom>
+          <a:noFill/>
+        </p:spPr>
+        <p:txBody>
+          <a:bodyPr wrap="square" rtlCol="0">
+            <a:spAutoFit/>
+          </a:bodyPr>
+          <a:lstStyle/>
+          <a:p>
+            <a:pPr algn="ctr"/>
+            <a:r>
+              <a:rPr lang="en-GB" b="1" dirty="0">
+                <a:cs typeface="Times New Roman" panose="02020603050405020304" pitchFamily="18" charset="0"/>
+              </a:rPr>
+              <a:t>RTL design</a:t>
+            </a:r>
+          </a:p>
+        </p:txBody>
+      </p:sp>
+      <p:sp>
+        <p:nvSpPr>
+          <p:cNvPr id="14" name="TextBox 13">
+            <a:extLst>
+              <a:ext uri="{FF2B5EF4-FFF2-40B4-BE49-F238E27FC236}">
+                <a16:creationId xmlns:a16="http://schemas.microsoft.com/office/drawing/2014/main" id="{114E0C2F-86FB-CD48-45EB-5B9E15F84707}"/>
+              </a:ext>
+            </a:extLst>
+          </p:cNvPr>
+          <p:cNvSpPr txBox="1"/>
+          <p:nvPr/>
+        </p:nvSpPr>
+        <p:spPr>
+          <a:xfrm>
+            <a:off x="5658473" y="4098318"/>
+            <a:ext cx="2906772" cy="369332"/>
+          </a:xfrm>
+          <a:prstGeom prst="rect">
+            <a:avLst/>
+          </a:prstGeom>
+          <a:noFill/>
+        </p:spPr>
+        <p:txBody>
+          <a:bodyPr wrap="square" rtlCol="0">
+            <a:spAutoFit/>
+          </a:bodyPr>
+          <a:lstStyle/>
+          <a:p>
+            <a:pPr algn="ctr"/>
+            <a:r>
+              <a:rPr lang="en-GB" b="1" dirty="0">
+                <a:cs typeface="Times New Roman" panose="02020603050405020304" pitchFamily="18" charset="0"/>
+              </a:rPr>
+              <a:t>Simulating on FPGA</a:t>
+            </a:r>
+          </a:p>
+        </p:txBody>
+      </p:sp>
+      <p:sp>
+        <p:nvSpPr>
+          <p:cNvPr id="15" name="TextBox 14">
+            <a:extLst>
+              <a:ext uri="{FF2B5EF4-FFF2-40B4-BE49-F238E27FC236}">
+                <a16:creationId xmlns:a16="http://schemas.microsoft.com/office/drawing/2014/main" id="{3251F60B-53F9-3ECD-ADF0-DEA600B9AC13}"/>
+              </a:ext>
+            </a:extLst>
+          </p:cNvPr>
+          <p:cNvSpPr txBox="1"/>
+          <p:nvPr/>
+        </p:nvSpPr>
+        <p:spPr>
+          <a:xfrm>
+            <a:off x="-807773" y="3387558"/>
+            <a:ext cx="2667842" cy="369332"/>
+          </a:xfrm>
+          <a:prstGeom prst="rect">
+            <a:avLst/>
+          </a:prstGeom>
+          <a:noFill/>
+        </p:spPr>
+        <p:txBody>
+          <a:bodyPr wrap="square" rtlCol="0">
+            <a:spAutoFit/>
+          </a:bodyPr>
+          <a:lstStyle/>
+          <a:p>
+            <a:r>
+              <a:rPr lang="en-GB" b="1" dirty="0">
+                <a:solidFill>
+                  <a:schemeClr val="accent4">
+                    <a:lumMod val="50000"/>
+                  </a:schemeClr>
+                </a:solidFill>
+                <a:cs typeface="Times New Roman" panose="02020603050405020304" pitchFamily="18" charset="0"/>
+              </a:rPr>
+              <a:t>Semiconductor</a:t>
+            </a:r>
+          </a:p>
+        </p:txBody>
+      </p:sp>
+      <p:sp>
+        <p:nvSpPr>
+          <p:cNvPr id="16" name="TextBox 15">
+            <a:extLst>
+              <a:ext uri="{FF2B5EF4-FFF2-40B4-BE49-F238E27FC236}">
+                <a16:creationId xmlns:a16="http://schemas.microsoft.com/office/drawing/2014/main" id="{BFF20746-37A6-121F-769B-15AE7A97FBAD}"/>
+              </a:ext>
+            </a:extLst>
+          </p:cNvPr>
+          <p:cNvSpPr txBox="1"/>
+          <p:nvPr/>
+        </p:nvSpPr>
+        <p:spPr>
+          <a:xfrm>
+            <a:off x="-807773" y="1280974"/>
+            <a:ext cx="2614810" cy="400110"/>
+          </a:xfrm>
+          <a:prstGeom prst="rect">
+            <a:avLst/>
+          </a:prstGeom>
+          <a:noFill/>
+        </p:spPr>
+        <p:txBody>
+          <a:bodyPr wrap="square" rtlCol="0">
+            <a:spAutoFit/>
+          </a:bodyPr>
+          <a:lstStyle/>
+          <a:p>
+            <a:r>
+              <a:rPr lang="en-GB" sz="2000" b="1" dirty="0">
+                <a:solidFill>
+                  <a:schemeClr val="accent6">
+                    <a:lumMod val="50000"/>
+                  </a:schemeClr>
+                </a:solidFill>
+                <a:cs typeface="Times New Roman" panose="02020603050405020304" pitchFamily="18" charset="0"/>
+              </a:rPr>
+              <a:t>AI</a:t>
+            </a:r>
+          </a:p>
+        </p:txBody>
+      </p:sp>
+      <p:sp>
+        <p:nvSpPr>
+          <p:cNvPr id="17" name="TextBox 16">
+            <a:extLst>
+              <a:ext uri="{FF2B5EF4-FFF2-40B4-BE49-F238E27FC236}">
+                <a16:creationId xmlns:a16="http://schemas.microsoft.com/office/drawing/2014/main" id="{BC4BF66C-862B-C805-CBBB-4C62FCBE6E3B}"/>
+              </a:ext>
+            </a:extLst>
+          </p:cNvPr>
+          <p:cNvSpPr txBox="1"/>
+          <p:nvPr/>
+        </p:nvSpPr>
+        <p:spPr>
+          <a:xfrm>
+            <a:off x="-807773" y="5381595"/>
+            <a:ext cx="2478061" cy="369332"/>
+          </a:xfrm>
+          <a:prstGeom prst="rect">
+            <a:avLst/>
+          </a:prstGeom>
+          <a:noFill/>
+        </p:spPr>
+        <p:txBody>
+          <a:bodyPr wrap="square" rtlCol="0">
+            <a:spAutoFit/>
+          </a:bodyPr>
+          <a:lstStyle/>
+          <a:p>
+            <a:r>
+              <a:rPr lang="en-GB" b="1" dirty="0">
+                <a:solidFill>
+                  <a:srgbClr val="0070C0"/>
+                </a:solidFill>
+                <a:cs typeface="Times New Roman" panose="02020603050405020304" pitchFamily="18" charset="0"/>
+              </a:rPr>
+              <a:t>Quantum Computing</a:t>
+            </a:r>
+            <a:endParaRPr lang="en-GB" sz="2000" b="1" dirty="0">
+              <a:solidFill>
+                <a:srgbClr val="0070C0"/>
+              </a:solidFill>
+              <a:cs typeface="Times New Roman" panose="02020603050405020304" pitchFamily="18" charset="0"/>
+            </a:endParaRPr>
+          </a:p>
+        </p:txBody>
+      </p:sp>
+      <p:cxnSp>
+        <p:nvCxnSpPr>
+          <p:cNvPr id="18" name="Straight Connector 17">
+            <a:extLst>
+              <a:ext uri="{FF2B5EF4-FFF2-40B4-BE49-F238E27FC236}">
+                <a16:creationId xmlns:a16="http://schemas.microsoft.com/office/drawing/2014/main" id="{6C9017D6-0AB8-8E83-73D9-E33613CB6308}"/>
+              </a:ext>
+            </a:extLst>
+          </p:cNvPr>
+          <p:cNvCxnSpPr>
+            <a:cxnSpLocks/>
+          </p:cNvCxnSpPr>
+          <p:nvPr/>
+        </p:nvCxnSpPr>
+        <p:spPr>
+          <a:xfrm>
+            <a:off x="-852487" y="4715331"/>
+            <a:ext cx="13533120" cy="14554"/>
+          </a:xfrm>
+          <a:prstGeom prst="line">
+            <a:avLst/>
+          </a:prstGeom>
+          <a:ln w="28575">
+            <a:prstDash val="sysDash"/>
+          </a:ln>
+        </p:spPr>
+        <p:style>
+          <a:lnRef idx="1">
+            <a:schemeClr val="accent1"/>
+          </a:lnRef>
+          <a:fillRef idx="0">
+            <a:schemeClr val="accent1"/>
+          </a:fillRef>
+          <a:effectRef idx="0">
+            <a:schemeClr val="accent1"/>
+          </a:effectRef>
+          <a:fontRef idx="minor">
+            <a:schemeClr val="tx1"/>
+          </a:fontRef>
+        </p:style>
+      </p:cxnSp>
+      <p:sp>
+        <p:nvSpPr>
+          <p:cNvPr id="19" name="TextBox 18">
+            <a:extLst>
+              <a:ext uri="{FF2B5EF4-FFF2-40B4-BE49-F238E27FC236}">
+                <a16:creationId xmlns:a16="http://schemas.microsoft.com/office/drawing/2014/main" id="{4F43B250-0CEF-488C-11E4-F4C2123E17B7}"/>
+              </a:ext>
+            </a:extLst>
+          </p:cNvPr>
+          <p:cNvSpPr txBox="1"/>
+          <p:nvPr/>
+        </p:nvSpPr>
+        <p:spPr>
+          <a:xfrm>
+            <a:off x="10375434" y="4111070"/>
+            <a:ext cx="2276008" cy="369332"/>
+          </a:xfrm>
+          <a:prstGeom prst="rect">
+            <a:avLst/>
+          </a:prstGeom>
+          <a:noFill/>
+        </p:spPr>
+        <p:txBody>
+          <a:bodyPr wrap="square" rtlCol="0">
+            <a:spAutoFit/>
+          </a:bodyPr>
+          <a:lstStyle/>
+          <a:p>
+            <a:pPr algn="ctr"/>
+            <a:r>
+              <a:rPr lang="en-GB" b="1" dirty="0">
+                <a:cs typeface="Times New Roman" panose="02020603050405020304" pitchFamily="18" charset="0"/>
+              </a:rPr>
+              <a:t>Fabricate chip</a:t>
+            </a:r>
+          </a:p>
+        </p:txBody>
+      </p:sp>
+      <p:sp>
+        <p:nvSpPr>
+          <p:cNvPr id="20" name="Rounded Rectangle 24">
+            <a:extLst>
+              <a:ext uri="{FF2B5EF4-FFF2-40B4-BE49-F238E27FC236}">
+                <a16:creationId xmlns:a16="http://schemas.microsoft.com/office/drawing/2014/main" id="{32A82298-3DF5-E751-6B3A-678A25ED0058}"/>
+              </a:ext>
+            </a:extLst>
+          </p:cNvPr>
+          <p:cNvSpPr/>
+          <p:nvPr/>
+        </p:nvSpPr>
+        <p:spPr>
+          <a:xfrm>
+            <a:off x="1673427" y="646362"/>
+            <a:ext cx="2362820" cy="1712818"/>
+          </a:xfrm>
+          <a:prstGeom prst="roundRect">
+            <a:avLst>
+              <a:gd name="adj" fmla="val 5572"/>
+            </a:avLst>
+          </a:prstGeom>
+          <a:solidFill>
+            <a:schemeClr val="accent6">
+              <a:lumMod val="60000"/>
+              <a:lumOff val="40000"/>
+            </a:schemeClr>
+          </a:solidFill>
+          <a:ln>
+            <a:noFill/>
+          </a:ln>
+        </p:spPr>
+        <p:style>
+          <a:lnRef idx="2">
+            <a:schemeClr val="accent1">
+              <a:shade val="50000"/>
+            </a:schemeClr>
+          </a:lnRef>
+          <a:fillRef idx="1">
+            <a:schemeClr val="accent1"/>
+          </a:fillRef>
+          <a:effectRef idx="0">
+            <a:schemeClr val="accent1"/>
+          </a:effectRef>
+          <a:fontRef idx="minor">
+            <a:schemeClr val="lt1"/>
+          </a:fontRef>
+        </p:style>
+        <p:txBody>
+          <a:bodyPr rtlCol="0" anchor="ctr"/>
+          <a:lstStyle/>
+          <a:p>
+            <a:pPr algn="ctr"/>
+            <a:endParaRPr lang="en-GB"/>
+          </a:p>
+        </p:txBody>
+      </p:sp>
+      <p:sp>
+        <p:nvSpPr>
+          <p:cNvPr id="21" name="TextBox 20">
+            <a:extLst>
+              <a:ext uri="{FF2B5EF4-FFF2-40B4-BE49-F238E27FC236}">
+                <a16:creationId xmlns:a16="http://schemas.microsoft.com/office/drawing/2014/main" id="{43DA449C-02DB-AF4E-2778-0FDEDAB6A1F3}"/>
+              </a:ext>
+            </a:extLst>
+          </p:cNvPr>
+          <p:cNvSpPr txBox="1"/>
+          <p:nvPr/>
+        </p:nvSpPr>
+        <p:spPr>
+          <a:xfrm>
+            <a:off x="1911657" y="1982664"/>
+            <a:ext cx="1930251" cy="369332"/>
+          </a:xfrm>
+          <a:prstGeom prst="rect">
+            <a:avLst/>
+          </a:prstGeom>
+          <a:noFill/>
+        </p:spPr>
+        <p:txBody>
+          <a:bodyPr wrap="square" rtlCol="0">
+            <a:spAutoFit/>
+          </a:bodyPr>
+          <a:lstStyle/>
+          <a:p>
+            <a:pPr algn="ctr"/>
+            <a:r>
+              <a:rPr lang="en-GB" b="1" dirty="0">
+                <a:cs typeface="Times New Roman" panose="02020603050405020304" pitchFamily="18" charset="0"/>
+              </a:rPr>
+              <a:t>Propose model</a:t>
+            </a:r>
+          </a:p>
+        </p:txBody>
+      </p:sp>
+      <p:sp>
+        <p:nvSpPr>
+          <p:cNvPr id="22" name="TextBox 21">
+            <a:extLst>
+              <a:ext uri="{FF2B5EF4-FFF2-40B4-BE49-F238E27FC236}">
+                <a16:creationId xmlns:a16="http://schemas.microsoft.com/office/drawing/2014/main" id="{35F91999-FDBA-A13E-7392-1662B420CD22}"/>
+              </a:ext>
+            </a:extLst>
+          </p:cNvPr>
+          <p:cNvSpPr txBox="1"/>
+          <p:nvPr/>
+        </p:nvSpPr>
+        <p:spPr>
+          <a:xfrm>
+            <a:off x="5656914" y="1953327"/>
+            <a:ext cx="2900341" cy="369332"/>
+          </a:xfrm>
+          <a:prstGeom prst="rect">
+            <a:avLst/>
+          </a:prstGeom>
+          <a:noFill/>
+        </p:spPr>
+        <p:txBody>
+          <a:bodyPr wrap="square" rtlCol="0">
+            <a:spAutoFit/>
+          </a:bodyPr>
+          <a:lstStyle/>
+          <a:p>
+            <a:pPr algn="ctr"/>
+            <a:r>
+              <a:rPr lang="en-GB" b="1" dirty="0">
+                <a:cs typeface="Times New Roman" panose="02020603050405020304" pitchFamily="18" charset="0"/>
+              </a:rPr>
+              <a:t>Training on GPU</a:t>
+            </a:r>
+          </a:p>
+        </p:txBody>
+      </p:sp>
+      <p:sp>
+        <p:nvSpPr>
+          <p:cNvPr id="23" name="Rounded Rectangle 29">
+            <a:extLst>
+              <a:ext uri="{FF2B5EF4-FFF2-40B4-BE49-F238E27FC236}">
+                <a16:creationId xmlns:a16="http://schemas.microsoft.com/office/drawing/2014/main" id="{2873F891-2EF7-F8F6-CB70-40C7B6F3BC98}"/>
+              </a:ext>
+            </a:extLst>
+          </p:cNvPr>
+          <p:cNvSpPr/>
+          <p:nvPr/>
+        </p:nvSpPr>
+        <p:spPr>
+          <a:xfrm>
+            <a:off x="10366203" y="639769"/>
+            <a:ext cx="2236983" cy="1712818"/>
+          </a:xfrm>
+          <a:prstGeom prst="roundRect">
+            <a:avLst>
+              <a:gd name="adj" fmla="val 5572"/>
+            </a:avLst>
+          </a:prstGeom>
+          <a:solidFill>
+            <a:schemeClr val="accent6">
+              <a:lumMod val="60000"/>
+              <a:lumOff val="40000"/>
+            </a:schemeClr>
+          </a:solidFill>
+          <a:ln>
+            <a:noFill/>
+          </a:ln>
+        </p:spPr>
+        <p:style>
+          <a:lnRef idx="2">
+            <a:schemeClr val="accent1">
+              <a:shade val="50000"/>
+            </a:schemeClr>
+          </a:lnRef>
+          <a:fillRef idx="1">
+            <a:schemeClr val="accent1"/>
+          </a:fillRef>
+          <a:effectRef idx="0">
+            <a:schemeClr val="accent1"/>
+          </a:effectRef>
+          <a:fontRef idx="minor">
+            <a:schemeClr val="lt1"/>
+          </a:fontRef>
+        </p:style>
+        <p:txBody>
+          <a:bodyPr rtlCol="0" anchor="ctr"/>
+          <a:lstStyle/>
+          <a:p>
+            <a:pPr algn="ctr"/>
+            <a:endParaRPr lang="en-GB"/>
+          </a:p>
+        </p:txBody>
+      </p:sp>
+      <p:sp>
+        <p:nvSpPr>
+          <p:cNvPr id="24" name="TextBox 23">
+            <a:extLst>
+              <a:ext uri="{FF2B5EF4-FFF2-40B4-BE49-F238E27FC236}">
+                <a16:creationId xmlns:a16="http://schemas.microsoft.com/office/drawing/2014/main" id="{66DD276B-C862-6414-17D4-E68E4D5DC0FD}"/>
+              </a:ext>
+            </a:extLst>
+          </p:cNvPr>
+          <p:cNvSpPr txBox="1"/>
+          <p:nvPr/>
+        </p:nvSpPr>
+        <p:spPr>
+          <a:xfrm>
+            <a:off x="10366203" y="1962191"/>
+            <a:ext cx="2236983" cy="369332"/>
+          </a:xfrm>
+          <a:prstGeom prst="rect">
+            <a:avLst/>
+          </a:prstGeom>
+          <a:noFill/>
+        </p:spPr>
+        <p:txBody>
+          <a:bodyPr wrap="square" rtlCol="0">
+            <a:spAutoFit/>
+          </a:bodyPr>
+          <a:lstStyle/>
+          <a:p>
+            <a:pPr algn="ctr"/>
+            <a:r>
+              <a:rPr lang="en-GB" b="1" dirty="0">
+                <a:cs typeface="Times New Roman" panose="02020603050405020304" pitchFamily="18" charset="0"/>
+              </a:rPr>
+              <a:t>Inference model</a:t>
+            </a:r>
+          </a:p>
+        </p:txBody>
+      </p:sp>
+      <p:sp>
+        <p:nvSpPr>
+          <p:cNvPr id="25" name="Rounded Rectangle 34">
+            <a:extLst>
+              <a:ext uri="{FF2B5EF4-FFF2-40B4-BE49-F238E27FC236}">
+                <a16:creationId xmlns:a16="http://schemas.microsoft.com/office/drawing/2014/main" id="{0C064383-A165-9F3E-57A9-C5EEE1B0879F}"/>
+              </a:ext>
+            </a:extLst>
+          </p:cNvPr>
+          <p:cNvSpPr/>
+          <p:nvPr/>
+        </p:nvSpPr>
+        <p:spPr>
+          <a:xfrm>
+            <a:off x="1701190" y="4860765"/>
+            <a:ext cx="2297830" cy="1687992"/>
+          </a:xfrm>
+          <a:prstGeom prst="roundRect">
+            <a:avLst>
+              <a:gd name="adj" fmla="val 5572"/>
+            </a:avLst>
+          </a:prstGeom>
+          <a:solidFill>
+            <a:schemeClr val="accent5">
+              <a:lumMod val="40000"/>
+              <a:lumOff val="60000"/>
+            </a:schemeClr>
+          </a:solidFill>
+          <a:ln>
+            <a:noFill/>
+          </a:ln>
+        </p:spPr>
+        <p:style>
+          <a:lnRef idx="2">
+            <a:schemeClr val="accent1">
+              <a:shade val="50000"/>
+            </a:schemeClr>
+          </a:lnRef>
+          <a:fillRef idx="1">
+            <a:schemeClr val="accent1"/>
+          </a:fillRef>
+          <a:effectRef idx="0">
+            <a:schemeClr val="accent1"/>
+          </a:effectRef>
+          <a:fontRef idx="minor">
+            <a:schemeClr val="lt1"/>
+          </a:fontRef>
+        </p:style>
+        <p:txBody>
+          <a:bodyPr rtlCol="0" anchor="ctr"/>
+          <a:lstStyle/>
+          <a:p>
+            <a:pPr algn="ctr"/>
+            <a:endParaRPr lang="en-GB"/>
+          </a:p>
+        </p:txBody>
+      </p:sp>
+      <p:sp>
+        <p:nvSpPr>
+          <p:cNvPr id="26" name="Rounded Rectangle 35">
+            <a:extLst>
+              <a:ext uri="{FF2B5EF4-FFF2-40B4-BE49-F238E27FC236}">
+                <a16:creationId xmlns:a16="http://schemas.microsoft.com/office/drawing/2014/main" id="{110F9F95-378A-9D48-C4AA-012845F19983}"/>
+              </a:ext>
+            </a:extLst>
+          </p:cNvPr>
+          <p:cNvSpPr/>
+          <p:nvPr/>
+        </p:nvSpPr>
+        <p:spPr>
+          <a:xfrm>
+            <a:off x="5704368" y="4860765"/>
+            <a:ext cx="2852892" cy="1712818"/>
+          </a:xfrm>
+          <a:prstGeom prst="roundRect">
+            <a:avLst>
+              <a:gd name="adj" fmla="val 5572"/>
+            </a:avLst>
+          </a:prstGeom>
+          <a:solidFill>
+            <a:schemeClr val="accent5">
+              <a:lumMod val="40000"/>
+              <a:lumOff val="60000"/>
+            </a:schemeClr>
+          </a:solidFill>
+          <a:ln>
+            <a:noFill/>
+          </a:ln>
+        </p:spPr>
+        <p:style>
+          <a:lnRef idx="2">
+            <a:schemeClr val="accent1">
+              <a:shade val="50000"/>
+            </a:schemeClr>
+          </a:lnRef>
+          <a:fillRef idx="1">
+            <a:schemeClr val="accent1"/>
+          </a:fillRef>
+          <a:effectRef idx="0">
+            <a:schemeClr val="accent1"/>
+          </a:effectRef>
+          <a:fontRef idx="minor">
+            <a:schemeClr val="lt1"/>
+          </a:fontRef>
+        </p:style>
+        <p:txBody>
+          <a:bodyPr rtlCol="0" anchor="ctr"/>
+          <a:lstStyle/>
+          <a:p>
+            <a:pPr algn="ctr"/>
+            <a:endParaRPr lang="en-GB"/>
+          </a:p>
+        </p:txBody>
+      </p:sp>
+      <p:sp>
+        <p:nvSpPr>
+          <p:cNvPr id="27" name="Rounded Rectangle 36">
+            <a:extLst>
+              <a:ext uri="{FF2B5EF4-FFF2-40B4-BE49-F238E27FC236}">
+                <a16:creationId xmlns:a16="http://schemas.microsoft.com/office/drawing/2014/main" id="{30A921C2-DF31-24AC-6D42-FF54A55199C6}"/>
+              </a:ext>
+            </a:extLst>
+          </p:cNvPr>
+          <p:cNvSpPr/>
+          <p:nvPr/>
+        </p:nvSpPr>
+        <p:spPr>
+          <a:xfrm>
+            <a:off x="10370504" y="4872449"/>
+            <a:ext cx="2308860" cy="1712818"/>
+          </a:xfrm>
+          <a:prstGeom prst="roundRect">
+            <a:avLst>
+              <a:gd name="adj" fmla="val 5572"/>
+            </a:avLst>
+          </a:prstGeom>
+          <a:solidFill>
+            <a:schemeClr val="accent5">
+              <a:lumMod val="40000"/>
+              <a:lumOff val="60000"/>
+            </a:schemeClr>
+          </a:solidFill>
+          <a:ln>
+            <a:noFill/>
+          </a:ln>
+        </p:spPr>
+        <p:style>
+          <a:lnRef idx="2">
+            <a:schemeClr val="accent1">
+              <a:shade val="50000"/>
+            </a:schemeClr>
+          </a:lnRef>
+          <a:fillRef idx="1">
+            <a:schemeClr val="accent1"/>
+          </a:fillRef>
+          <a:effectRef idx="0">
+            <a:schemeClr val="accent1"/>
+          </a:effectRef>
+          <a:fontRef idx="minor">
+            <a:schemeClr val="lt1"/>
+          </a:fontRef>
+        </p:style>
+        <p:txBody>
+          <a:bodyPr rtlCol="0" anchor="ctr"/>
+          <a:lstStyle/>
+          <a:p>
+            <a:pPr algn="ctr"/>
+            <a:endParaRPr lang="en-GB"/>
+          </a:p>
+        </p:txBody>
+      </p:sp>
+      <p:pic>
+        <p:nvPicPr>
+          <p:cNvPr id="28" name="Picture 2" descr="Không có mô tả ảnh.">
+            <a:extLst>
+              <a:ext uri="{FF2B5EF4-FFF2-40B4-BE49-F238E27FC236}">
+                <a16:creationId xmlns:a16="http://schemas.microsoft.com/office/drawing/2014/main" id="{CFE8BC93-45F9-1C5F-1174-5E45E57299C1}"/>
+              </a:ext>
+            </a:extLst>
+          </p:cNvPr>
+          <p:cNvPicPr>
+            <a:picLocks noChangeAspect="1" noChangeArrowheads="1"/>
+          </p:cNvPicPr>
+          <p:nvPr/>
+        </p:nvPicPr>
+        <p:blipFill>
+          <a:blip r:embed="rId5" cstate="print">
+            <a:extLst>
+              <a:ext uri="{28A0092B-C50C-407E-A947-70E740481C1C}">
+                <a14:useLocalDpi xmlns:a14="http://schemas.microsoft.com/office/drawing/2010/main" val="0"/>
+              </a:ext>
+            </a:extLst>
+          </a:blip>
+          <a:srcRect/>
+          <a:stretch>
+            <a:fillRect/>
+          </a:stretch>
+        </p:blipFill>
+        <p:spPr bwMode="auto">
+          <a:xfrm rot="5400000">
+            <a:off x="6490798" y="4074331"/>
+            <a:ext cx="1280023" cy="2852891"/>
+          </a:xfrm>
+          <a:prstGeom prst="rect">
+            <a:avLst/>
+          </a:prstGeom>
+          <a:noFill/>
+          <a:extLst>
+            <a:ext uri="{909E8E84-426E-40DD-AFC4-6F175D3DCCD1}">
+              <a14:hiddenFill xmlns:a14="http://schemas.microsoft.com/office/drawing/2010/main">
+                <a:solidFill>
+                  <a:srgbClr val="FFFFFF"/>
+                </a:solidFill>
+              </a14:hiddenFill>
+            </a:ext>
+          </a:extLst>
+        </p:spPr>
+      </p:pic>
+      <p:pic>
+        <p:nvPicPr>
+          <p:cNvPr id="29" name="Picture 2" descr="First quantum computer to pack 100 qubits enters crowded race">
+            <a:extLst>
+              <a:ext uri="{FF2B5EF4-FFF2-40B4-BE49-F238E27FC236}">
+                <a16:creationId xmlns:a16="http://schemas.microsoft.com/office/drawing/2014/main" id="{19BE9CC6-DC34-0959-E47E-E9D5E04E1A07}"/>
+              </a:ext>
+            </a:extLst>
+          </p:cNvPr>
+          <p:cNvPicPr>
+            <a:picLocks noChangeAspect="1" noChangeArrowheads="1"/>
+          </p:cNvPicPr>
+          <p:nvPr/>
+        </p:nvPicPr>
+        <p:blipFill rotWithShape="1">
+          <a:blip r:embed="rId6" cstate="print">
+            <a:extLst>
+              <a:ext uri="{28A0092B-C50C-407E-A947-70E740481C1C}">
+                <a14:useLocalDpi xmlns:a14="http://schemas.microsoft.com/office/drawing/2010/main" val="0"/>
+              </a:ext>
+            </a:extLst>
+          </a:blip>
+          <a:srcRect t="27758" b="3469"/>
+          <a:stretch>
+            <a:fillRect/>
+          </a:stretch>
+        </p:blipFill>
+        <p:spPr bwMode="auto">
+          <a:xfrm>
+            <a:off x="10366203" y="4875922"/>
+            <a:ext cx="2332290" cy="1068641"/>
+          </a:xfrm>
+          <a:prstGeom prst="rect">
+            <a:avLst/>
+          </a:prstGeom>
+          <a:noFill/>
+          <a:extLst>
+            <a:ext uri="{909E8E84-426E-40DD-AFC4-6F175D3DCCD1}">
+              <a14:hiddenFill xmlns:a14="http://schemas.microsoft.com/office/drawing/2010/main">
+                <a:solidFill>
+                  <a:srgbClr val="FFFFFF"/>
+                </a:solidFill>
+              </a14:hiddenFill>
+            </a:ext>
+          </a:extLst>
+        </p:spPr>
+      </p:pic>
+      <p:sp>
+        <p:nvSpPr>
+          <p:cNvPr id="30" name="TextBox 29">
+            <a:extLst>
+              <a:ext uri="{FF2B5EF4-FFF2-40B4-BE49-F238E27FC236}">
+                <a16:creationId xmlns:a16="http://schemas.microsoft.com/office/drawing/2014/main" id="{958F7DC5-6DA5-663B-B085-C4DDC93B0B96}"/>
+              </a:ext>
+            </a:extLst>
+          </p:cNvPr>
+          <p:cNvSpPr txBox="1"/>
+          <p:nvPr/>
+        </p:nvSpPr>
+        <p:spPr>
+          <a:xfrm>
+            <a:off x="5704368" y="6198477"/>
+            <a:ext cx="2852892" cy="369332"/>
+          </a:xfrm>
+          <a:prstGeom prst="rect">
+            <a:avLst/>
+          </a:prstGeom>
+          <a:noFill/>
+        </p:spPr>
+        <p:txBody>
+          <a:bodyPr wrap="square" rtlCol="0">
+            <a:spAutoFit/>
+          </a:bodyPr>
+          <a:lstStyle/>
+          <a:p>
+            <a:pPr algn="ctr"/>
+            <a:r>
+              <a:rPr lang="en-GB" b="1" dirty="0">
+                <a:cs typeface="Times New Roman" panose="02020603050405020304" pitchFamily="18" charset="0"/>
+              </a:rPr>
+              <a:t>Simulating on CPU/GPU/…</a:t>
+            </a:r>
+          </a:p>
+        </p:txBody>
+      </p:sp>
+      <p:sp>
+        <p:nvSpPr>
+          <p:cNvPr id="31" name="TextBox 30">
+            <a:extLst>
+              <a:ext uri="{FF2B5EF4-FFF2-40B4-BE49-F238E27FC236}">
+                <a16:creationId xmlns:a16="http://schemas.microsoft.com/office/drawing/2014/main" id="{790D9531-F67E-2F0A-D42C-7521E5D3AC6E}"/>
+              </a:ext>
+            </a:extLst>
+          </p:cNvPr>
+          <p:cNvSpPr txBox="1"/>
+          <p:nvPr/>
+        </p:nvSpPr>
+        <p:spPr>
+          <a:xfrm>
+            <a:off x="1701190" y="6161625"/>
+            <a:ext cx="2297830" cy="369332"/>
+          </a:xfrm>
+          <a:prstGeom prst="rect">
+            <a:avLst/>
+          </a:prstGeom>
+          <a:noFill/>
+        </p:spPr>
+        <p:txBody>
+          <a:bodyPr wrap="square" rtlCol="0">
+            <a:spAutoFit/>
+          </a:bodyPr>
+          <a:lstStyle/>
+          <a:p>
+            <a:pPr algn="ctr"/>
+            <a:r>
+              <a:rPr lang="en-GB" b="1" dirty="0">
+                <a:cs typeface="Times New Roman" panose="02020603050405020304" pitchFamily="18" charset="0"/>
+              </a:rPr>
+              <a:t>Quantum algorithms</a:t>
+            </a:r>
+          </a:p>
+        </p:txBody>
+      </p:sp>
+      <p:pic>
+        <p:nvPicPr>
+          <p:cNvPr id="32" name="Picture 4" descr="Fractional Gates • Quantum Zeitgeist">
+            <a:extLst>
+              <a:ext uri="{FF2B5EF4-FFF2-40B4-BE49-F238E27FC236}">
+                <a16:creationId xmlns:a16="http://schemas.microsoft.com/office/drawing/2014/main" id="{48C87B8E-8B25-4642-7032-1403033A28E4}"/>
+              </a:ext>
+            </a:extLst>
+          </p:cNvPr>
+          <p:cNvPicPr>
+            <a:picLocks noChangeAspect="1" noChangeArrowheads="1"/>
+          </p:cNvPicPr>
+          <p:nvPr/>
+        </p:nvPicPr>
+        <p:blipFill rotWithShape="1">
+          <a:blip r:embed="rId7" cstate="print">
+            <a:extLst>
+              <a:ext uri="{28A0092B-C50C-407E-A947-70E740481C1C}">
+                <a14:useLocalDpi xmlns:a14="http://schemas.microsoft.com/office/drawing/2010/main" val="0"/>
+              </a:ext>
+            </a:extLst>
+          </a:blip>
+          <a:srcRect r="45430"/>
+          <a:stretch>
+            <a:fillRect/>
+          </a:stretch>
+        </p:blipFill>
+        <p:spPr bwMode="auto">
+          <a:xfrm>
+            <a:off x="1696784" y="4854926"/>
+            <a:ext cx="2302570" cy="1225197"/>
+          </a:xfrm>
+          <a:prstGeom prst="rect">
+            <a:avLst/>
+          </a:prstGeom>
+          <a:noFill/>
+          <a:extLst>
+            <a:ext uri="{909E8E84-426E-40DD-AFC4-6F175D3DCCD1}">
+              <a14:hiddenFill xmlns:a14="http://schemas.microsoft.com/office/drawing/2010/main">
+                <a:solidFill>
+                  <a:srgbClr val="FFFFFF"/>
+                </a:solidFill>
+              </a14:hiddenFill>
+            </a:ext>
+          </a:extLst>
+        </p:spPr>
+      </p:pic>
+      <p:sp>
+        <p:nvSpPr>
+          <p:cNvPr id="33" name="TextBox 32">
+            <a:extLst>
+              <a:ext uri="{FF2B5EF4-FFF2-40B4-BE49-F238E27FC236}">
+                <a16:creationId xmlns:a16="http://schemas.microsoft.com/office/drawing/2014/main" id="{6AFFA14D-03C6-C25B-B98D-B117B24D829C}"/>
+              </a:ext>
+            </a:extLst>
+          </p:cNvPr>
+          <p:cNvSpPr txBox="1"/>
+          <p:nvPr/>
+        </p:nvSpPr>
+        <p:spPr>
+          <a:xfrm>
+            <a:off x="10392800" y="5932517"/>
+            <a:ext cx="2286564" cy="646331"/>
+          </a:xfrm>
+          <a:prstGeom prst="rect">
+            <a:avLst/>
+          </a:prstGeom>
+          <a:noFill/>
+        </p:spPr>
+        <p:txBody>
+          <a:bodyPr wrap="square" rtlCol="0">
+            <a:spAutoFit/>
+          </a:bodyPr>
+          <a:lstStyle/>
+          <a:p>
+            <a:pPr algn="ctr"/>
+            <a:r>
+              <a:rPr lang="en-GB" b="1" dirty="0">
+                <a:cs typeface="Times New Roman" panose="02020603050405020304" pitchFamily="18" charset="0"/>
+              </a:rPr>
+              <a:t>Deploy on real quantum computer</a:t>
+            </a:r>
+          </a:p>
+        </p:txBody>
+      </p:sp>
+      <p:cxnSp>
+        <p:nvCxnSpPr>
+          <p:cNvPr id="34" name="Straight Arrow Connector 33">
+            <a:extLst>
+              <a:ext uri="{FF2B5EF4-FFF2-40B4-BE49-F238E27FC236}">
+                <a16:creationId xmlns:a16="http://schemas.microsoft.com/office/drawing/2014/main" id="{49759E11-3728-AD09-1B66-1CC6A76237B0}"/>
+              </a:ext>
+            </a:extLst>
+          </p:cNvPr>
+          <p:cNvCxnSpPr>
+            <a:cxnSpLocks/>
+            <a:stCxn id="25" idx="3"/>
+            <a:endCxn id="26" idx="1"/>
+          </p:cNvCxnSpPr>
+          <p:nvPr/>
+        </p:nvCxnSpPr>
+        <p:spPr>
+          <a:xfrm>
+            <a:off x="3999020" y="5704761"/>
+            <a:ext cx="1705348" cy="12413"/>
+          </a:xfrm>
+          <a:prstGeom prst="straightConnector1">
+            <a:avLst/>
+          </a:prstGeom>
+          <a:ln w="76200">
+            <a:solidFill>
+              <a:schemeClr val="accent5"/>
+            </a:solidFill>
+            <a:tailEnd type="triangle"/>
+          </a:ln>
+        </p:spPr>
+        <p:style>
+          <a:lnRef idx="1">
+            <a:schemeClr val="dk1"/>
+          </a:lnRef>
+          <a:fillRef idx="0">
+            <a:schemeClr val="dk1"/>
+          </a:fillRef>
+          <a:effectRef idx="0">
+            <a:schemeClr val="dk1"/>
+          </a:effectRef>
+          <a:fontRef idx="minor">
+            <a:schemeClr val="tx1"/>
+          </a:fontRef>
+        </p:style>
+      </p:cxnSp>
+      <p:cxnSp>
+        <p:nvCxnSpPr>
+          <p:cNvPr id="35" name="Straight Arrow Connector 34">
+            <a:extLst>
+              <a:ext uri="{FF2B5EF4-FFF2-40B4-BE49-F238E27FC236}">
+                <a16:creationId xmlns:a16="http://schemas.microsoft.com/office/drawing/2014/main" id="{076C19C6-1B38-40A7-01E1-BB152DFFD7D3}"/>
+              </a:ext>
+            </a:extLst>
+          </p:cNvPr>
+          <p:cNvCxnSpPr>
+            <a:cxnSpLocks/>
+            <a:stCxn id="26" idx="3"/>
+            <a:endCxn id="27" idx="1"/>
+          </p:cNvCxnSpPr>
+          <p:nvPr/>
+        </p:nvCxnSpPr>
+        <p:spPr>
+          <a:xfrm>
+            <a:off x="8557260" y="5717174"/>
+            <a:ext cx="1813244" cy="11684"/>
+          </a:xfrm>
+          <a:prstGeom prst="straightConnector1">
+            <a:avLst/>
+          </a:prstGeom>
+          <a:ln w="76200">
+            <a:solidFill>
+              <a:schemeClr val="accent5"/>
+            </a:solidFill>
+            <a:tailEnd type="triangle"/>
+          </a:ln>
+        </p:spPr>
+        <p:style>
+          <a:lnRef idx="1">
+            <a:schemeClr val="dk1"/>
+          </a:lnRef>
+          <a:fillRef idx="0">
+            <a:schemeClr val="dk1"/>
+          </a:fillRef>
+          <a:effectRef idx="0">
+            <a:schemeClr val="dk1"/>
+          </a:effectRef>
+          <a:fontRef idx="minor">
+            <a:schemeClr val="tx1"/>
+          </a:fontRef>
+        </p:style>
+      </p:cxnSp>
+      <p:cxnSp>
+        <p:nvCxnSpPr>
+          <p:cNvPr id="36" name="Connector: Elbow 35">
+            <a:extLst>
+              <a:ext uri="{FF2B5EF4-FFF2-40B4-BE49-F238E27FC236}">
+                <a16:creationId xmlns:a16="http://schemas.microsoft.com/office/drawing/2014/main" id="{883C2E66-AA85-164D-4FB0-A61ABBC0A768}"/>
+              </a:ext>
+            </a:extLst>
+          </p:cNvPr>
+          <p:cNvCxnSpPr>
+            <a:cxnSpLocks/>
+            <a:stCxn id="23" idx="2"/>
+            <a:endCxn id="10" idx="0"/>
+          </p:cNvCxnSpPr>
+          <p:nvPr/>
+        </p:nvCxnSpPr>
+        <p:spPr>
+          <a:xfrm rot="5400000">
+            <a:off x="6986431" y="-1770871"/>
+            <a:ext cx="374806" cy="8621723"/>
+          </a:xfrm>
+          <a:prstGeom prst="bentConnector3">
+            <a:avLst>
+              <a:gd name="adj1" fmla="val 19504"/>
+            </a:avLst>
+          </a:prstGeom>
+          <a:ln w="76200">
+            <a:solidFill>
+              <a:schemeClr val="accent5"/>
+            </a:solidFill>
+            <a:tailEnd type="triangle"/>
+          </a:ln>
+        </p:spPr>
+        <p:style>
+          <a:lnRef idx="1">
+            <a:schemeClr val="accent1"/>
+          </a:lnRef>
+          <a:fillRef idx="0">
+            <a:schemeClr val="accent1"/>
+          </a:fillRef>
+          <a:effectRef idx="0">
+            <a:schemeClr val="accent1"/>
+          </a:effectRef>
+          <a:fontRef idx="minor">
+            <a:schemeClr val="tx1"/>
+          </a:fontRef>
+        </p:style>
+      </p:cxnSp>
+      <p:pic>
+        <p:nvPicPr>
+          <p:cNvPr id="37" name="Picture 36" descr="A diagram of a network&#10;&#10;AI-generated content may be incorrect.">
+            <a:extLst>
+              <a:ext uri="{FF2B5EF4-FFF2-40B4-BE49-F238E27FC236}">
+                <a16:creationId xmlns:a16="http://schemas.microsoft.com/office/drawing/2014/main" id="{969C7A31-8D78-BB35-0ABE-0608BFBA5B69}"/>
+              </a:ext>
+            </a:extLst>
+          </p:cNvPr>
+          <p:cNvPicPr>
+            <a:picLocks noChangeAspect="1"/>
+          </p:cNvPicPr>
+          <p:nvPr/>
+        </p:nvPicPr>
+        <p:blipFill>
+          <a:blip r:embed="rId8" cstate="print">
+            <a:extLst>
+              <a:ext uri="{28A0092B-C50C-407E-A947-70E740481C1C}">
+                <a14:useLocalDpi xmlns:a14="http://schemas.microsoft.com/office/drawing/2010/main" val="0"/>
+              </a:ext>
+            </a:extLst>
+          </a:blip>
+          <a:stretch>
+            <a:fillRect/>
+          </a:stretch>
+        </p:blipFill>
+        <p:spPr>
+          <a:xfrm>
+            <a:off x="1673428" y="646362"/>
+            <a:ext cx="2362820" cy="1324739"/>
+          </a:xfrm>
+          <a:prstGeom prst="rect">
+            <a:avLst/>
+          </a:prstGeom>
+          <a:ln>
+            <a:noFill/>
+          </a:ln>
+        </p:spPr>
+      </p:pic>
+      <p:grpSp>
+        <p:nvGrpSpPr>
+          <p:cNvPr id="38" name="Group 37">
+            <a:extLst>
+              <a:ext uri="{FF2B5EF4-FFF2-40B4-BE49-F238E27FC236}">
+                <a16:creationId xmlns:a16="http://schemas.microsoft.com/office/drawing/2014/main" id="{A2B54290-BE06-B25F-6EC4-D4E4AEF773F1}"/>
+              </a:ext>
+            </a:extLst>
+          </p:cNvPr>
+          <p:cNvGrpSpPr/>
+          <p:nvPr/>
+        </p:nvGrpSpPr>
+        <p:grpSpPr>
+          <a:xfrm>
+            <a:off x="10366203" y="621518"/>
+            <a:ext cx="2285239" cy="1319139"/>
+            <a:chOff x="-2930466" y="3133562"/>
+            <a:chExt cx="1866473" cy="1223509"/>
+          </a:xfrm>
+        </p:grpSpPr>
+        <p:sp>
+          <p:nvSpPr>
+            <p:cNvPr id="39" name="Rectangle: Rounded Corners 38">
+              <a:extLst>
+                <a:ext uri="{FF2B5EF4-FFF2-40B4-BE49-F238E27FC236}">
+                  <a16:creationId xmlns:a16="http://schemas.microsoft.com/office/drawing/2014/main" id="{6584A1D3-C1D5-4EFB-196F-51098F2088A3}"/>
+                </a:ext>
+              </a:extLst>
+            </p:cNvPr>
+            <p:cNvSpPr/>
+            <p:nvPr/>
+          </p:nvSpPr>
+          <p:spPr>
+            <a:xfrm>
+              <a:off x="-2930466" y="3133562"/>
+              <a:ext cx="1827209" cy="1212944"/>
+            </a:xfrm>
+            <a:prstGeom prst="roundRect">
+              <a:avLst>
+                <a:gd name="adj" fmla="val 4102"/>
+              </a:avLst>
+            </a:prstGeom>
+            <a:ln>
+              <a:noFill/>
+            </a:ln>
+          </p:spPr>
+          <p:style>
+            <a:lnRef idx="2">
+              <a:schemeClr val="dk1"/>
+            </a:lnRef>
+            <a:fillRef idx="1">
+              <a:schemeClr val="lt1"/>
+            </a:fillRef>
+            <a:effectRef idx="0">
+              <a:schemeClr val="dk1"/>
+            </a:effectRef>
+            <a:fontRef idx="minor">
+              <a:schemeClr val="dk1"/>
+            </a:fontRef>
+          </p:style>
+          <p:txBody>
+            <a:bodyPr rtlCol="0" anchor="ctr"/>
+            <a:lstStyle>
+              <a:defPPr>
+                <a:defRPr lang="en-US"/>
+              </a:defPPr>
+              <a:lvl1pPr marL="0" algn="l" defTabSz="914400" rtl="0" eaLnBrk="1" latinLnBrk="0" hangingPunct="1">
+                <a:defRPr sz="1800" kern="1200">
+                  <a:solidFill>
+                    <a:schemeClr val="dk1"/>
+                  </a:solidFill>
+                  <a:latin typeface="+mn-lt"/>
+                  <a:ea typeface="+mn-ea"/>
+                  <a:cs typeface="+mn-cs"/>
+                </a:defRPr>
+              </a:lvl1pPr>
+              <a:lvl2pPr marL="457200" algn="l" defTabSz="914400" rtl="0" eaLnBrk="1" latinLnBrk="0" hangingPunct="1">
+                <a:defRPr sz="1800" kern="1200">
+                  <a:solidFill>
+                    <a:schemeClr val="dk1"/>
+                  </a:solidFill>
+                  <a:latin typeface="+mn-lt"/>
+                  <a:ea typeface="+mn-ea"/>
+                  <a:cs typeface="+mn-cs"/>
+                </a:defRPr>
+              </a:lvl2pPr>
+              <a:lvl3pPr marL="914400" algn="l" defTabSz="914400" rtl="0" eaLnBrk="1" latinLnBrk="0" hangingPunct="1">
+                <a:defRPr sz="1800" kern="1200">
+                  <a:solidFill>
+                    <a:schemeClr val="dk1"/>
+                  </a:solidFill>
+                  <a:latin typeface="+mn-lt"/>
+                  <a:ea typeface="+mn-ea"/>
+                  <a:cs typeface="+mn-cs"/>
+                </a:defRPr>
+              </a:lvl3pPr>
+              <a:lvl4pPr marL="1371600" algn="l" defTabSz="914400" rtl="0" eaLnBrk="1" latinLnBrk="0" hangingPunct="1">
+                <a:defRPr sz="1800" kern="1200">
+                  <a:solidFill>
+                    <a:schemeClr val="dk1"/>
+                  </a:solidFill>
+                  <a:latin typeface="+mn-lt"/>
+                  <a:ea typeface="+mn-ea"/>
+                  <a:cs typeface="+mn-cs"/>
+                </a:defRPr>
+              </a:lvl4pPr>
+              <a:lvl5pPr marL="1828800" algn="l" defTabSz="914400" rtl="0" eaLnBrk="1" latinLnBrk="0" hangingPunct="1">
+                <a:defRPr sz="1800" kern="1200">
+                  <a:solidFill>
+                    <a:schemeClr val="dk1"/>
+                  </a:solidFill>
+                  <a:latin typeface="+mn-lt"/>
+                  <a:ea typeface="+mn-ea"/>
+                  <a:cs typeface="+mn-cs"/>
+                </a:defRPr>
+              </a:lvl5pPr>
+              <a:lvl6pPr marL="2286000" algn="l" defTabSz="914400" rtl="0" eaLnBrk="1" latinLnBrk="0" hangingPunct="1">
+                <a:defRPr sz="1800" kern="1200">
+                  <a:solidFill>
+                    <a:schemeClr val="dk1"/>
+                  </a:solidFill>
+                  <a:latin typeface="+mn-lt"/>
+                  <a:ea typeface="+mn-ea"/>
+                  <a:cs typeface="+mn-cs"/>
+                </a:defRPr>
+              </a:lvl6pPr>
+              <a:lvl7pPr marL="2743200" algn="l" defTabSz="914400" rtl="0" eaLnBrk="1" latinLnBrk="0" hangingPunct="1">
+                <a:defRPr sz="1800" kern="1200">
+                  <a:solidFill>
+                    <a:schemeClr val="dk1"/>
+                  </a:solidFill>
+                  <a:latin typeface="+mn-lt"/>
+                  <a:ea typeface="+mn-ea"/>
+                  <a:cs typeface="+mn-cs"/>
+                </a:defRPr>
+              </a:lvl7pPr>
+              <a:lvl8pPr marL="3200400" algn="l" defTabSz="914400" rtl="0" eaLnBrk="1" latinLnBrk="0" hangingPunct="1">
+                <a:defRPr sz="1800" kern="1200">
+                  <a:solidFill>
+                    <a:schemeClr val="dk1"/>
+                  </a:solidFill>
+                  <a:latin typeface="+mn-lt"/>
+                  <a:ea typeface="+mn-ea"/>
+                  <a:cs typeface="+mn-cs"/>
+                </a:defRPr>
+              </a:lvl8pPr>
+              <a:lvl9pPr marL="3657600" algn="l" defTabSz="914400" rtl="0" eaLnBrk="1" latinLnBrk="0" hangingPunct="1">
+                <a:defRPr sz="1800" kern="1200">
+                  <a:solidFill>
+                    <a:schemeClr val="dk1"/>
+                  </a:solidFill>
+                  <a:latin typeface="+mn-lt"/>
+                  <a:ea typeface="+mn-ea"/>
+                  <a:cs typeface="+mn-cs"/>
+                </a:defRPr>
+              </a:lvl9pPr>
+            </a:lstStyle>
+            <a:p>
+              <a:pPr algn="ctr"/>
+              <a:endParaRPr lang="en-US"/>
+            </a:p>
+          </p:txBody>
+        </p:sp>
+        <p:pic>
+          <p:nvPicPr>
+            <p:cNvPr id="40" name="Picture 39" descr="Document Vector Art, Icons, and Graphics for Free Download">
+              <a:extLst>
+                <a:ext uri="{FF2B5EF4-FFF2-40B4-BE49-F238E27FC236}">
+                  <a16:creationId xmlns:a16="http://schemas.microsoft.com/office/drawing/2014/main" id="{47A82B17-D57E-1CAE-4942-7470BEEC91CB}"/>
+                </a:ext>
+              </a:extLst>
+            </p:cNvPr>
+            <p:cNvPicPr>
+              <a:picLocks noChangeAspect="1" noChangeArrowheads="1"/>
+            </p:cNvPicPr>
+            <p:nvPr/>
+          </p:nvPicPr>
+          <p:blipFill rotWithShape="1">
+            <a:blip r:embed="rId9" cstate="print">
+              <a:extLst>
+                <a:ext uri="{28A0092B-C50C-407E-A947-70E740481C1C}">
+                  <a14:useLocalDpi xmlns:a14="http://schemas.microsoft.com/office/drawing/2010/main" val="0"/>
+                </a:ext>
+              </a:extLst>
+            </a:blip>
+            <a:srcRect l="24114" t="15064" r="23774" b="27683"/>
+            <a:stretch>
+              <a:fillRect/>
+            </a:stretch>
+          </p:blipFill>
+          <p:spPr bwMode="auto">
+            <a:xfrm>
+              <a:off x="-2804134" y="3171801"/>
+              <a:ext cx="345885" cy="380012"/>
+            </a:xfrm>
+            <a:prstGeom prst="rect">
+              <a:avLst/>
+            </a:prstGeom>
+            <a:noFill/>
+            <a:ln>
+              <a:noFill/>
+            </a:ln>
+            <a:extLst>
+              <a:ext uri="{909E8E84-426E-40DD-AFC4-6F175D3DCCD1}">
+                <a14:hiddenFill xmlns:a14="http://schemas.microsoft.com/office/drawing/2010/main">
+                  <a:solidFill>
+                    <a:srgbClr val="FFFFFF"/>
+                  </a:solidFill>
+                </a14:hiddenFill>
+              </a:ext>
+            </a:extLst>
+          </p:spPr>
+        </p:pic>
+        <p:sp>
+          <p:nvSpPr>
+            <p:cNvPr id="41" name="Right Arrow 2">
+              <a:extLst>
+                <a:ext uri="{FF2B5EF4-FFF2-40B4-BE49-F238E27FC236}">
+                  <a16:creationId xmlns:a16="http://schemas.microsoft.com/office/drawing/2014/main" id="{9B563163-9708-57EA-DD42-5818231D4ABA}"/>
+                </a:ext>
+              </a:extLst>
+            </p:cNvPr>
+            <p:cNvSpPr/>
+            <p:nvPr/>
+          </p:nvSpPr>
+          <p:spPr>
+            <a:xfrm>
+              <a:off x="-2383519" y="3655408"/>
+              <a:ext cx="235403" cy="202757"/>
+            </a:xfrm>
+            <a:prstGeom prst="rightArrow">
+              <a:avLst/>
+            </a:prstGeom>
+            <a:ln>
+              <a:noFill/>
+            </a:ln>
+          </p:spPr>
+          <p:style>
+            <a:lnRef idx="2">
+              <a:schemeClr val="accent1">
+                <a:shade val="50000"/>
+              </a:schemeClr>
+            </a:lnRef>
+            <a:fillRef idx="1">
+              <a:schemeClr val="accent1"/>
+            </a:fillRef>
+            <a:effectRef idx="0">
+              <a:schemeClr val="accent1"/>
+            </a:effectRef>
+            <a:fontRef idx="minor">
+              <a:schemeClr val="lt1"/>
+            </a:fontRef>
+          </p:style>
+          <p:txBody>
+            <a:bodyPr rtlCol="0" anchor="ctr"/>
+            <a:lstStyle>
+              <a:defPPr>
+                <a:defRPr lang="en-US"/>
+              </a:defPPr>
+              <a:lvl1pPr marL="0" algn="l" defTabSz="914400" rtl="0" eaLnBrk="1" latinLnBrk="0" hangingPunct="1">
+                <a:defRPr sz="1800" kern="1200">
+                  <a:solidFill>
+                    <a:schemeClr val="lt1"/>
+                  </a:solidFill>
+                  <a:latin typeface="+mn-lt"/>
+                  <a:ea typeface="+mn-ea"/>
+                  <a:cs typeface="+mn-cs"/>
+                </a:defRPr>
+              </a:lvl1pPr>
+              <a:lvl2pPr marL="457200" algn="l" defTabSz="914400" rtl="0" eaLnBrk="1" latinLnBrk="0" hangingPunct="1">
+                <a:defRPr sz="1800" kern="1200">
+                  <a:solidFill>
+                    <a:schemeClr val="lt1"/>
+                  </a:solidFill>
+                  <a:latin typeface="+mn-lt"/>
+                  <a:ea typeface="+mn-ea"/>
+                  <a:cs typeface="+mn-cs"/>
+                </a:defRPr>
+              </a:lvl2pPr>
+              <a:lvl3pPr marL="914400" algn="l" defTabSz="914400" rtl="0" eaLnBrk="1" latinLnBrk="0" hangingPunct="1">
+                <a:defRPr sz="1800" kern="1200">
+                  <a:solidFill>
+                    <a:schemeClr val="lt1"/>
+                  </a:solidFill>
+                  <a:latin typeface="+mn-lt"/>
+                  <a:ea typeface="+mn-ea"/>
+                  <a:cs typeface="+mn-cs"/>
+                </a:defRPr>
+              </a:lvl3pPr>
+              <a:lvl4pPr marL="1371600" algn="l" defTabSz="914400" rtl="0" eaLnBrk="1" latinLnBrk="0" hangingPunct="1">
+                <a:defRPr sz="1800" kern="1200">
+                  <a:solidFill>
+                    <a:schemeClr val="lt1"/>
+                  </a:solidFill>
+                  <a:latin typeface="+mn-lt"/>
+                  <a:ea typeface="+mn-ea"/>
+                  <a:cs typeface="+mn-cs"/>
+                </a:defRPr>
+              </a:lvl4pPr>
+              <a:lvl5pPr marL="1828800" algn="l" defTabSz="914400" rtl="0" eaLnBrk="1" latinLnBrk="0" hangingPunct="1">
+                <a:defRPr sz="1800" kern="1200">
+                  <a:solidFill>
+                    <a:schemeClr val="lt1"/>
+                  </a:solidFill>
+                  <a:latin typeface="+mn-lt"/>
+                  <a:ea typeface="+mn-ea"/>
+                  <a:cs typeface="+mn-cs"/>
+                </a:defRPr>
+              </a:lvl5pPr>
+              <a:lvl6pPr marL="2286000" algn="l" defTabSz="914400" rtl="0" eaLnBrk="1" latinLnBrk="0" hangingPunct="1">
+                <a:defRPr sz="1800" kern="1200">
+                  <a:solidFill>
+                    <a:schemeClr val="lt1"/>
+                  </a:solidFill>
+                  <a:latin typeface="+mn-lt"/>
+                  <a:ea typeface="+mn-ea"/>
+                  <a:cs typeface="+mn-cs"/>
+                </a:defRPr>
+              </a:lvl6pPr>
+              <a:lvl7pPr marL="2743200" algn="l" defTabSz="914400" rtl="0" eaLnBrk="1" latinLnBrk="0" hangingPunct="1">
+                <a:defRPr sz="1800" kern="1200">
+                  <a:solidFill>
+                    <a:schemeClr val="lt1"/>
+                  </a:solidFill>
+                  <a:latin typeface="+mn-lt"/>
+                  <a:ea typeface="+mn-ea"/>
+                  <a:cs typeface="+mn-cs"/>
+                </a:defRPr>
+              </a:lvl7pPr>
+              <a:lvl8pPr marL="3200400" algn="l" defTabSz="914400" rtl="0" eaLnBrk="1" latinLnBrk="0" hangingPunct="1">
+                <a:defRPr sz="1800" kern="1200">
+                  <a:solidFill>
+                    <a:schemeClr val="lt1"/>
+                  </a:solidFill>
+                  <a:latin typeface="+mn-lt"/>
+                  <a:ea typeface="+mn-ea"/>
+                  <a:cs typeface="+mn-cs"/>
+                </a:defRPr>
+              </a:lvl8pPr>
+              <a:lvl9pPr marL="3657600" algn="l" defTabSz="914400" rtl="0" eaLnBrk="1" latinLnBrk="0" hangingPunct="1">
+                <a:defRPr sz="1800" kern="1200">
+                  <a:solidFill>
+                    <a:schemeClr val="lt1"/>
+                  </a:solidFill>
+                  <a:latin typeface="+mn-lt"/>
+                  <a:ea typeface="+mn-ea"/>
+                  <a:cs typeface="+mn-cs"/>
+                </a:defRPr>
+              </a:lvl9pPr>
+            </a:lstStyle>
+            <a:p>
+              <a:pPr algn="ctr"/>
+              <a:endParaRPr lang="en-GB"/>
+            </a:p>
+          </p:txBody>
+        </p:sp>
+        <p:pic>
+          <p:nvPicPr>
+            <p:cNvPr id="42" name="Picture 41" descr="5+ điều cần biết về chụp cộng hưởng từ có tiêm thuốc tương phản">
+              <a:extLst>
+                <a:ext uri="{FF2B5EF4-FFF2-40B4-BE49-F238E27FC236}">
+                  <a16:creationId xmlns:a16="http://schemas.microsoft.com/office/drawing/2014/main" id="{993F408A-6079-35DA-5D90-CED09677D8D3}"/>
+                </a:ext>
+              </a:extLst>
+            </p:cNvPr>
+            <p:cNvPicPr>
+              <a:picLocks noChangeAspect="1" noChangeArrowheads="1"/>
+            </p:cNvPicPr>
+            <p:nvPr/>
+          </p:nvPicPr>
+          <p:blipFill>
+            <a:blip r:embed="rId10" cstate="print">
+              <a:extLst>
+                <a:ext uri="{28A0092B-C50C-407E-A947-70E740481C1C}">
+                  <a14:useLocalDpi xmlns:a14="http://schemas.microsoft.com/office/drawing/2010/main" val="0"/>
+                </a:ext>
+              </a:extLst>
+            </a:blip>
+            <a:srcRect/>
+            <a:stretch>
+              <a:fillRect/>
+            </a:stretch>
+          </p:blipFill>
+          <p:spPr bwMode="auto">
+            <a:xfrm>
+              <a:off x="-2798142" y="3620068"/>
+              <a:ext cx="339893" cy="388758"/>
+            </a:xfrm>
+            <a:prstGeom prst="rect">
+              <a:avLst/>
+            </a:prstGeom>
+            <a:ln>
+              <a:noFill/>
+            </a:ln>
+            <a:extLst>
+              <a:ext uri="{909E8E84-426E-40DD-AFC4-6F175D3DCCD1}">
+                <a14:hiddenFill xmlns:a14="http://schemas.microsoft.com/office/drawing/2010/main">
+                  <a:solidFill>
+                    <a:srgbClr val="FFFFFF"/>
+                  </a:solidFill>
+                </a14:hiddenFill>
+              </a:ext>
+            </a:extLst>
+          </p:spPr>
+        </p:pic>
+        <p:pic>
+          <p:nvPicPr>
+            <p:cNvPr id="43" name="Picture 42" descr="ECG signals (744 fragments) | IEEE DataPort">
+              <a:extLst>
+                <a:ext uri="{FF2B5EF4-FFF2-40B4-BE49-F238E27FC236}">
+                  <a16:creationId xmlns:a16="http://schemas.microsoft.com/office/drawing/2014/main" id="{76AF0D7B-CF4B-0304-677E-4C3C84FF0A90}"/>
+                </a:ext>
+              </a:extLst>
+            </p:cNvPr>
+            <p:cNvPicPr>
+              <a:picLocks noChangeAspect="1" noChangeArrowheads="1"/>
+            </p:cNvPicPr>
+            <p:nvPr/>
+          </p:nvPicPr>
+          <p:blipFill>
+            <a:blip r:embed="rId11" cstate="print">
+              <a:extLst>
+                <a:ext uri="{28A0092B-C50C-407E-A947-70E740481C1C}">
+                  <a14:useLocalDpi xmlns:a14="http://schemas.microsoft.com/office/drawing/2010/main" val="0"/>
+                </a:ext>
+              </a:extLst>
+            </a:blip>
+            <a:srcRect/>
+            <a:stretch>
+              <a:fillRect/>
+            </a:stretch>
+          </p:blipFill>
+          <p:spPr bwMode="auto">
+            <a:xfrm>
+              <a:off x="-2834267" y="4025581"/>
+              <a:ext cx="400515" cy="300386"/>
+            </a:xfrm>
+            <a:prstGeom prst="rect">
+              <a:avLst/>
+            </a:prstGeom>
+            <a:noFill/>
+            <a:ln>
+              <a:noFill/>
+            </a:ln>
+            <a:extLst>
+              <a:ext uri="{909E8E84-426E-40DD-AFC4-6F175D3DCCD1}">
+                <a14:hiddenFill xmlns:a14="http://schemas.microsoft.com/office/drawing/2010/main">
+                  <a:solidFill>
+                    <a:srgbClr val="FFFFFF"/>
+                  </a:solidFill>
+                </a14:hiddenFill>
+              </a:ext>
+            </a:extLst>
+          </p:spPr>
+        </p:pic>
+        <p:pic>
+          <p:nvPicPr>
+            <p:cNvPr id="44" name="Picture 43" descr="A black background with a black square&#10;&#10;AI-generated content may be incorrect.">
+              <a:extLst>
+                <a:ext uri="{FF2B5EF4-FFF2-40B4-BE49-F238E27FC236}">
+                  <a16:creationId xmlns:a16="http://schemas.microsoft.com/office/drawing/2014/main" id="{99857267-60F8-E59E-3717-65DE1652B8F5}"/>
+                </a:ext>
+              </a:extLst>
+            </p:cNvPr>
+            <p:cNvPicPr>
+              <a:picLocks noChangeAspect="1"/>
+            </p:cNvPicPr>
+            <p:nvPr/>
+          </p:nvPicPr>
+          <p:blipFill>
+            <a:blip r:embed="rId12" cstate="print">
+              <a:extLst>
+                <a:ext uri="{28A0092B-C50C-407E-A947-70E740481C1C}">
+                  <a14:useLocalDpi xmlns:a14="http://schemas.microsoft.com/office/drawing/2010/main" val="0"/>
+                </a:ext>
+              </a:extLst>
+            </a:blip>
+            <a:stretch>
+              <a:fillRect/>
+            </a:stretch>
+          </p:blipFill>
+          <p:spPr>
+            <a:xfrm>
+              <a:off x="-2276938" y="3144126"/>
+              <a:ext cx="1212945" cy="1212945"/>
+            </a:xfrm>
+            <a:prstGeom prst="rect">
+              <a:avLst/>
+            </a:prstGeom>
+            <a:ln>
+              <a:noFill/>
+            </a:ln>
+          </p:spPr>
+        </p:pic>
+      </p:grpSp>
+      <p:cxnSp>
+        <p:nvCxnSpPr>
+          <p:cNvPr id="45" name="Straight Arrow Connector 44">
+            <a:extLst>
+              <a:ext uri="{FF2B5EF4-FFF2-40B4-BE49-F238E27FC236}">
+                <a16:creationId xmlns:a16="http://schemas.microsoft.com/office/drawing/2014/main" id="{834DF691-0853-1EBF-2D24-8BC2B3EE9CCE}"/>
+              </a:ext>
+            </a:extLst>
+          </p:cNvPr>
+          <p:cNvCxnSpPr>
+            <a:cxnSpLocks/>
+          </p:cNvCxnSpPr>
+          <p:nvPr/>
+        </p:nvCxnSpPr>
+        <p:spPr>
+          <a:xfrm>
+            <a:off x="4391848" y="3494004"/>
+            <a:ext cx="906308" cy="12413"/>
+          </a:xfrm>
+          <a:prstGeom prst="straightConnector1">
+            <a:avLst/>
+          </a:prstGeom>
+          <a:ln w="76200">
+            <a:solidFill>
+              <a:schemeClr val="accent5"/>
+            </a:solidFill>
+            <a:tailEnd type="triangle"/>
+          </a:ln>
+        </p:spPr>
+        <p:style>
+          <a:lnRef idx="1">
+            <a:schemeClr val="dk1"/>
+          </a:lnRef>
+          <a:fillRef idx="0">
+            <a:schemeClr val="dk1"/>
+          </a:fillRef>
+          <a:effectRef idx="0">
+            <a:schemeClr val="dk1"/>
+          </a:effectRef>
+          <a:fontRef idx="minor">
+            <a:schemeClr val="tx1"/>
+          </a:fontRef>
+        </p:style>
+      </p:cxnSp>
+      <p:cxnSp>
+        <p:nvCxnSpPr>
+          <p:cNvPr id="46" name="Straight Arrow Connector 45">
+            <a:extLst>
+              <a:ext uri="{FF2B5EF4-FFF2-40B4-BE49-F238E27FC236}">
+                <a16:creationId xmlns:a16="http://schemas.microsoft.com/office/drawing/2014/main" id="{02153D91-6E22-9CA8-0FBF-0940C47175CC}"/>
+              </a:ext>
+            </a:extLst>
+          </p:cNvPr>
+          <p:cNvCxnSpPr>
+            <a:cxnSpLocks/>
+          </p:cNvCxnSpPr>
+          <p:nvPr/>
+        </p:nvCxnSpPr>
+        <p:spPr>
+          <a:xfrm>
+            <a:off x="8172756" y="3514692"/>
+            <a:ext cx="822960" cy="12413"/>
+          </a:xfrm>
+          <a:prstGeom prst="straightConnector1">
+            <a:avLst/>
+          </a:prstGeom>
+          <a:ln w="76200">
+            <a:solidFill>
+              <a:schemeClr val="accent5"/>
+            </a:solidFill>
+            <a:tailEnd type="triangle"/>
+          </a:ln>
+        </p:spPr>
+        <p:style>
+          <a:lnRef idx="1">
+            <a:schemeClr val="dk1"/>
+          </a:lnRef>
+          <a:fillRef idx="0">
+            <a:schemeClr val="dk1"/>
+          </a:fillRef>
+          <a:effectRef idx="0">
+            <a:schemeClr val="dk1"/>
+          </a:effectRef>
+          <a:fontRef idx="minor">
+            <a:schemeClr val="tx1"/>
+          </a:fontRef>
+        </p:style>
+      </p:cxnSp>
+      <p:cxnSp>
+        <p:nvCxnSpPr>
+          <p:cNvPr id="47" name="Straight Arrow Connector 46">
+            <a:extLst>
+              <a:ext uri="{FF2B5EF4-FFF2-40B4-BE49-F238E27FC236}">
+                <a16:creationId xmlns:a16="http://schemas.microsoft.com/office/drawing/2014/main" id="{5EE80813-038A-FE47-00BF-7100AE366B57}"/>
+              </a:ext>
+            </a:extLst>
+          </p:cNvPr>
+          <p:cNvCxnSpPr>
+            <a:cxnSpLocks/>
+          </p:cNvCxnSpPr>
+          <p:nvPr/>
+        </p:nvCxnSpPr>
+        <p:spPr>
+          <a:xfrm>
+            <a:off x="4431035" y="1359049"/>
+            <a:ext cx="906308" cy="12413"/>
+          </a:xfrm>
+          <a:prstGeom prst="straightConnector1">
+            <a:avLst/>
+          </a:prstGeom>
+          <a:ln w="76200">
+            <a:solidFill>
+              <a:schemeClr val="accent5"/>
+            </a:solidFill>
+            <a:tailEnd type="triangle"/>
+          </a:ln>
+        </p:spPr>
+        <p:style>
+          <a:lnRef idx="1">
+            <a:schemeClr val="dk1"/>
+          </a:lnRef>
+          <a:fillRef idx="0">
+            <a:schemeClr val="dk1"/>
+          </a:fillRef>
+          <a:effectRef idx="0">
+            <a:schemeClr val="dk1"/>
+          </a:effectRef>
+          <a:fontRef idx="minor">
+            <a:schemeClr val="tx1"/>
+          </a:fontRef>
+        </p:style>
+      </p:cxnSp>
+      <p:cxnSp>
+        <p:nvCxnSpPr>
+          <p:cNvPr id="48" name="Straight Arrow Connector 47">
+            <a:extLst>
+              <a:ext uri="{FF2B5EF4-FFF2-40B4-BE49-F238E27FC236}">
+                <a16:creationId xmlns:a16="http://schemas.microsoft.com/office/drawing/2014/main" id="{43A5241E-0703-2023-05FC-2B614FE5B5C9}"/>
+              </a:ext>
+            </a:extLst>
+          </p:cNvPr>
+          <p:cNvCxnSpPr>
+            <a:cxnSpLocks/>
+          </p:cNvCxnSpPr>
+          <p:nvPr/>
+        </p:nvCxnSpPr>
+        <p:spPr>
+          <a:xfrm>
+            <a:off x="8211943" y="1379737"/>
+            <a:ext cx="822960" cy="12413"/>
+          </a:xfrm>
+          <a:prstGeom prst="straightConnector1">
+            <a:avLst/>
+          </a:prstGeom>
+          <a:ln w="76200">
+            <a:solidFill>
+              <a:schemeClr val="accent5"/>
+            </a:solidFill>
+            <a:tailEnd type="triangle"/>
+          </a:ln>
+        </p:spPr>
+        <p:style>
+          <a:lnRef idx="1">
+            <a:schemeClr val="dk1"/>
+          </a:lnRef>
+          <a:fillRef idx="0">
+            <a:schemeClr val="dk1"/>
+          </a:fillRef>
+          <a:effectRef idx="0">
+            <a:schemeClr val="dk1"/>
+          </a:effectRef>
+          <a:fontRef idx="minor">
+            <a:schemeClr val="tx1"/>
+          </a:fontRef>
+        </p:style>
+      </p:cxnSp>
+      <p:cxnSp>
+        <p:nvCxnSpPr>
+          <p:cNvPr id="49" name="Straight Arrow Connector 48">
+            <a:extLst>
+              <a:ext uri="{FF2B5EF4-FFF2-40B4-BE49-F238E27FC236}">
+                <a16:creationId xmlns:a16="http://schemas.microsoft.com/office/drawing/2014/main" id="{9C4FDFAB-BCC7-B829-CCF7-F2310C1F6B3C}"/>
+              </a:ext>
+            </a:extLst>
+          </p:cNvPr>
+          <p:cNvCxnSpPr>
+            <a:cxnSpLocks/>
+            <a:stCxn id="25" idx="0"/>
+            <a:endCxn id="13" idx="2"/>
+          </p:cNvCxnSpPr>
+          <p:nvPr/>
+        </p:nvCxnSpPr>
+        <p:spPr>
+          <a:xfrm flipH="1" flipV="1">
+            <a:off x="2842741" y="4475639"/>
+            <a:ext cx="7364" cy="385126"/>
+          </a:xfrm>
+          <a:prstGeom prst="straightConnector1">
+            <a:avLst/>
+          </a:prstGeom>
+          <a:ln w="76200">
+            <a:solidFill>
+              <a:schemeClr val="accent5"/>
+            </a:solidFill>
+            <a:tailEnd type="triangle"/>
+          </a:ln>
+        </p:spPr>
+        <p:style>
+          <a:lnRef idx="1">
+            <a:schemeClr val="dk1"/>
+          </a:lnRef>
+          <a:fillRef idx="0">
+            <a:schemeClr val="dk1"/>
+          </a:fillRef>
+          <a:effectRef idx="0">
+            <a:schemeClr val="dk1"/>
+          </a:effectRef>
+          <a:fontRef idx="minor">
+            <a:schemeClr val="tx1"/>
+          </a:fontRef>
+        </p:style>
+      </p:cxnSp>
+      <p:cxnSp>
+        <p:nvCxnSpPr>
+          <p:cNvPr id="50" name="Connector: Elbow 49">
+            <a:extLst>
+              <a:ext uri="{FF2B5EF4-FFF2-40B4-BE49-F238E27FC236}">
+                <a16:creationId xmlns:a16="http://schemas.microsoft.com/office/drawing/2014/main" id="{4517DD5E-BF04-C1D3-B1F3-A808309A08E1}"/>
+              </a:ext>
+            </a:extLst>
+          </p:cNvPr>
+          <p:cNvCxnSpPr>
+            <a:cxnSpLocks/>
+            <a:stCxn id="14" idx="2"/>
+            <a:endCxn id="29" idx="0"/>
+          </p:cNvCxnSpPr>
+          <p:nvPr/>
+        </p:nvCxnSpPr>
+        <p:spPr>
+          <a:xfrm rot="16200000" flipH="1">
+            <a:off x="9117967" y="2461541"/>
+            <a:ext cx="408272" cy="4420489"/>
+          </a:xfrm>
+          <a:prstGeom prst="bentConnector3">
+            <a:avLst>
+              <a:gd name="adj1" fmla="val 29780"/>
+            </a:avLst>
+          </a:prstGeom>
+          <a:ln w="76200">
+            <a:solidFill>
+              <a:schemeClr val="accent5"/>
+            </a:solidFill>
+            <a:tailEnd type="triangle"/>
+          </a:ln>
+        </p:spPr>
+        <p:style>
+          <a:lnRef idx="1">
+            <a:schemeClr val="accent1"/>
+          </a:lnRef>
+          <a:fillRef idx="0">
+            <a:schemeClr val="accent1"/>
+          </a:fillRef>
+          <a:effectRef idx="0">
+            <a:schemeClr val="accent1"/>
+          </a:effectRef>
+          <a:fontRef idx="minor">
+            <a:schemeClr val="tx1"/>
+          </a:fontRef>
+        </p:style>
+      </p:cxnSp>
+    </p:spTree>
+    <p:extLst>
+      <p:ext uri="{BB962C8B-B14F-4D97-AF65-F5344CB8AC3E}">
+        <p14:creationId xmlns:p14="http://schemas.microsoft.com/office/powerpoint/2010/main" val="3547737617"/>
       </p:ext>
     </p:extLst>
   </p:cSld>
@@ -4593,4 +7872,319 @@
     </a:ext>
   </a:extLst>
 </a:theme>
+</file>
+
+<file path=ppt/theme/theme2.xml><?xml version="1.0" encoding="utf-8"?>
+<a:theme xmlns:a="http://schemas.openxmlformats.org/drawingml/2006/main" name="Office Theme">
+  <a:themeElements>
+    <a:clrScheme name="Office">
+      <a:dk1>
+        <a:sysClr val="windowText" lastClr="000000"/>
+      </a:dk1>
+      <a:lt1>
+        <a:sysClr val="window" lastClr="FFFFFF"/>
+      </a:lt1>
+      <a:dk2>
+        <a:srgbClr val="0E2841"/>
+      </a:dk2>
+      <a:lt2>
+        <a:srgbClr val="E8E8E8"/>
+      </a:lt2>
+      <a:accent1>
+        <a:srgbClr val="156082"/>
+      </a:accent1>
+      <a:accent2>
+        <a:srgbClr val="E97132"/>
+      </a:accent2>
+      <a:accent3>
+        <a:srgbClr val="196B24"/>
+      </a:accent3>
+      <a:accent4>
+        <a:srgbClr val="0F9ED5"/>
+      </a:accent4>
+      <a:accent5>
+        <a:srgbClr val="A02B93"/>
+      </a:accent5>
+      <a:accent6>
+        <a:srgbClr val="4EA72E"/>
+      </a:accent6>
+      <a:hlink>
+        <a:srgbClr val="467886"/>
+      </a:hlink>
+      <a:folHlink>
+        <a:srgbClr val="96607D"/>
+      </a:folHlink>
+    </a:clrScheme>
+    <a:fontScheme name="Office">
+      <a:majorFont>
+        <a:latin typeface="Aptos Display" panose="02110004020202020204"/>
+        <a:ea typeface=""/>
+        <a:cs typeface=""/>
+        <a:font script="Jpan" typeface="游ゴシック Light"/>
+        <a:font script="Hang" typeface="맑은 고딕"/>
+        <a:font script="Hans" typeface="等线 Light"/>
+        <a:font script="Hant" typeface="新細明體"/>
+        <a:font script="Arab" typeface="Times New Roman"/>
+        <a:font script="Hebr" typeface="Times New Roman"/>
+        <a:font script="Thai" typeface="Angsana New"/>
+        <a:font script="Ethi" typeface="Nyala"/>
+        <a:font script="Beng" typeface="Vrinda"/>
+        <a:font script="Gujr" typeface="Shruti"/>
+        <a:font script="Khmr" typeface="MoolBoran"/>
+        <a:font script="Knda" typeface="Tunga"/>
+        <a:font script="Guru" typeface="Raavi"/>
+        <a:font script="Cans" typeface="Euphemia"/>
+        <a:font script="Cher" typeface="Plantagenet Cherokee"/>
+        <a:font script="Yiii" typeface="Microsoft Yi Baiti"/>
+        <a:font script="Tibt" typeface="Microsoft Himalaya"/>
+        <a:font script="Thaa" typeface="MV Boli"/>
+        <a:font script="Deva" typeface="Mangal"/>
+        <a:font script="Telu" typeface="Gautami"/>
+        <a:font script="Taml" typeface="Latha"/>
+        <a:font script="Syrc" typeface="Estrangelo Edessa"/>
+        <a:font script="Orya" typeface="Kalinga"/>
+        <a:font script="Mlym" typeface="Kartika"/>
+        <a:font script="Laoo" typeface="DokChampa"/>
+        <a:font script="Sinh" typeface="Iskoola Pota"/>
+        <a:font script="Mong" typeface="Mongolian Baiti"/>
+        <a:font script="Viet" typeface="Times New Roman"/>
+        <a:font script="Uigh" typeface="Microsoft Uighur"/>
+        <a:font script="Geor" typeface="Sylfaen"/>
+        <a:font script="Armn" typeface="Arial"/>
+        <a:font script="Bugi" typeface="Leelawadee UI"/>
+        <a:font script="Bopo" typeface="Microsoft JhengHei"/>
+        <a:font script="Java" typeface="Javanese Text"/>
+        <a:font script="Lisu" typeface="Segoe UI"/>
+        <a:font script="Mymr" typeface="Myanmar Text"/>
+        <a:font script="Nkoo" typeface="Ebrima"/>
+        <a:font script="Olck" typeface="Nirmala UI"/>
+        <a:font script="Osma" typeface="Ebrima"/>
+        <a:font script="Phag" typeface="Phagspa"/>
+        <a:font script="Syrn" typeface="Estrangelo Edessa"/>
+        <a:font script="Syrj" typeface="Estrangelo Edessa"/>
+        <a:font script="Syre" typeface="Estrangelo Edessa"/>
+        <a:font script="Sora" typeface="Nirmala UI"/>
+        <a:font script="Tale" typeface="Microsoft Tai Le"/>
+        <a:font script="Talu" typeface="Microsoft New Tai Lue"/>
+        <a:font script="Tfng" typeface="Ebrima"/>
+      </a:majorFont>
+      <a:minorFont>
+        <a:latin typeface="Aptos" panose="02110004020202020204"/>
+        <a:ea typeface=""/>
+        <a:cs typeface=""/>
+        <a:font script="Jpan" typeface="游ゴシック"/>
+        <a:font script="Hang" typeface="맑은 고딕"/>
+        <a:font script="Hans" typeface="等线"/>
+        <a:font script="Hant" typeface="新細明體"/>
+        <a:font script="Arab" typeface="Arial"/>
+        <a:font script="Hebr" typeface="Arial"/>
+        <a:font script="Thai" typeface="Cordia New"/>
+        <a:font script="Ethi" typeface="Nyala"/>
+        <a:font script="Beng" typeface="Vrinda"/>
+        <a:font script="Gujr" typeface="Shruti"/>
+        <a:font script="Khmr" typeface="DaunPenh"/>
+        <a:font script="Knda" typeface="Tunga"/>
+        <a:font script="Guru" typeface="Raavi"/>
+        <a:font script="Cans" typeface="Euphemia"/>
+        <a:font script="Cher" typeface="Plantagenet Cherokee"/>
+        <a:font script="Yiii" typeface="Microsoft Yi Baiti"/>
+        <a:font script="Tibt" typeface="Microsoft Himalaya"/>
+        <a:font script="Thaa" typeface="MV Boli"/>
+        <a:font script="Deva" typeface="Mangal"/>
+        <a:font script="Telu" typeface="Gautami"/>
+        <a:font script="Taml" typeface="Latha"/>
+        <a:font script="Syrc" typeface="Estrangelo Edessa"/>
+        <a:font script="Orya" typeface="Kalinga"/>
+        <a:font script="Mlym" typeface="Kartika"/>
+        <a:font script="Laoo" typeface="DokChampa"/>
+        <a:font script="Sinh" typeface="Iskoola Pota"/>
+        <a:font script="Mong" typeface="Mongolian Baiti"/>
+        <a:font script="Viet" typeface="Arial"/>
+        <a:font script="Uigh" typeface="Microsoft Uighur"/>
+        <a:font script="Geor" typeface="Sylfaen"/>
+        <a:font script="Armn" typeface="Arial"/>
+        <a:font script="Bugi" typeface="Leelawadee UI"/>
+        <a:font script="Bopo" typeface="Microsoft JhengHei"/>
+        <a:font script="Java" typeface="Javanese Text"/>
+        <a:font script="Lisu" typeface="Segoe UI"/>
+        <a:font script="Mymr" typeface="Myanmar Text"/>
+        <a:font script="Nkoo" typeface="Ebrima"/>
+        <a:font script="Olck" typeface="Nirmala UI"/>
+        <a:font script="Osma" typeface="Ebrima"/>
+        <a:font script="Phag" typeface="Phagspa"/>
+        <a:font script="Syrn" typeface="Estrangelo Edessa"/>
+        <a:font script="Syrj" typeface="Estrangelo Edessa"/>
+        <a:font script="Syre" typeface="Estrangelo Edessa"/>
+        <a:font script="Sora" typeface="Nirmala UI"/>
+        <a:font script="Tale" typeface="Microsoft Tai Le"/>
+        <a:font script="Talu" typeface="Microsoft New Tai Lue"/>
+        <a:font script="Tfng" typeface="Ebrima"/>
+      </a:minorFont>
+    </a:fontScheme>
+    <a:fmtScheme name="Office">
+      <a:fillStyleLst>
+        <a:solidFill>
+          <a:schemeClr val="phClr"/>
+        </a:solidFill>
+        <a:gradFill rotWithShape="1">
+          <a:gsLst>
+            <a:gs pos="0">
+              <a:schemeClr val="phClr">
+                <a:lumMod val="110000"/>
+                <a:satMod val="105000"/>
+                <a:tint val="67000"/>
+              </a:schemeClr>
+            </a:gs>
+            <a:gs pos="50000">
+              <a:schemeClr val="phClr">
+                <a:lumMod val="105000"/>
+                <a:satMod val="103000"/>
+                <a:tint val="73000"/>
+              </a:schemeClr>
+            </a:gs>
+            <a:gs pos="100000">
+              <a:schemeClr val="phClr">
+                <a:lumMod val="105000"/>
+                <a:satMod val="109000"/>
+                <a:tint val="81000"/>
+              </a:schemeClr>
+            </a:gs>
+          </a:gsLst>
+          <a:lin ang="5400000" scaled="0"/>
+        </a:gradFill>
+        <a:gradFill rotWithShape="1">
+          <a:gsLst>
+            <a:gs pos="0">
+              <a:schemeClr val="phClr">
+                <a:satMod val="103000"/>
+                <a:lumMod val="102000"/>
+                <a:tint val="94000"/>
+              </a:schemeClr>
+            </a:gs>
+            <a:gs pos="50000">
+              <a:schemeClr val="phClr">
+                <a:satMod val="110000"/>
+                <a:lumMod val="100000"/>
+                <a:shade val="100000"/>
+              </a:schemeClr>
+            </a:gs>
+            <a:gs pos="100000">
+              <a:schemeClr val="phClr">
+                <a:lumMod val="99000"/>
+                <a:satMod val="120000"/>
+                <a:shade val="78000"/>
+              </a:schemeClr>
+            </a:gs>
+          </a:gsLst>
+          <a:lin ang="5400000" scaled="0"/>
+        </a:gradFill>
+      </a:fillStyleLst>
+      <a:lnStyleLst>
+        <a:ln w="12700" cap="flat" cmpd="sng" algn="ctr">
+          <a:solidFill>
+            <a:schemeClr val="phClr"/>
+          </a:solidFill>
+          <a:prstDash val="solid"/>
+          <a:miter lim="800000"/>
+        </a:ln>
+        <a:ln w="19050" cap="flat" cmpd="sng" algn="ctr">
+          <a:solidFill>
+            <a:schemeClr val="phClr"/>
+          </a:solidFill>
+          <a:prstDash val="solid"/>
+          <a:miter lim="800000"/>
+        </a:ln>
+        <a:ln w="25400" cap="flat" cmpd="sng" algn="ctr">
+          <a:solidFill>
+            <a:schemeClr val="phClr"/>
+          </a:solidFill>
+          <a:prstDash val="solid"/>
+          <a:miter lim="800000"/>
+        </a:ln>
+      </a:lnStyleLst>
+      <a:effectStyleLst>
+        <a:effectStyle>
+          <a:effectLst/>
+        </a:effectStyle>
+        <a:effectStyle>
+          <a:effectLst/>
+        </a:effectStyle>
+        <a:effectStyle>
+          <a:effectLst>
+            <a:outerShdw blurRad="57150" dist="19050" dir="5400000" algn="ctr" rotWithShape="0">
+              <a:srgbClr val="000000">
+                <a:alpha val="63000"/>
+              </a:srgbClr>
+            </a:outerShdw>
+          </a:effectLst>
+        </a:effectStyle>
+      </a:effectStyleLst>
+      <a:bgFillStyleLst>
+        <a:solidFill>
+          <a:schemeClr val="phClr"/>
+        </a:solidFill>
+        <a:solidFill>
+          <a:schemeClr val="phClr">
+            <a:tint val="95000"/>
+            <a:satMod val="170000"/>
+          </a:schemeClr>
+        </a:solidFill>
+        <a:gradFill rotWithShape="1">
+          <a:gsLst>
+            <a:gs pos="0">
+              <a:schemeClr val="phClr">
+                <a:tint val="93000"/>
+                <a:satMod val="150000"/>
+                <a:shade val="98000"/>
+                <a:lumMod val="102000"/>
+              </a:schemeClr>
+            </a:gs>
+            <a:gs pos="50000">
+              <a:schemeClr val="phClr">
+                <a:tint val="98000"/>
+                <a:satMod val="130000"/>
+                <a:shade val="90000"/>
+                <a:lumMod val="103000"/>
+              </a:schemeClr>
+            </a:gs>
+            <a:gs pos="100000">
+              <a:schemeClr val="phClr">
+                <a:shade val="63000"/>
+                <a:satMod val="120000"/>
+              </a:schemeClr>
+            </a:gs>
+          </a:gsLst>
+          <a:lin ang="5400000" scaled="0"/>
+        </a:gradFill>
+      </a:bgFillStyleLst>
+    </a:fmtScheme>
+  </a:themeElements>
+  <a:objectDefaults>
+    <a:lnDef>
+      <a:spPr/>
+      <a:bodyPr/>
+      <a:lstStyle/>
+      <a:style>
+        <a:lnRef idx="2">
+          <a:schemeClr val="accent1"/>
+        </a:lnRef>
+        <a:fillRef idx="0">
+          <a:schemeClr val="accent1"/>
+        </a:fillRef>
+        <a:effectRef idx="1">
+          <a:schemeClr val="accent1"/>
+        </a:effectRef>
+        <a:fontRef idx="minor">
+          <a:schemeClr val="tx1"/>
+        </a:fontRef>
+      </a:style>
+    </a:lnDef>
+  </a:objectDefaults>
+  <a:extraClrSchemeLst/>
+  <a:extLst>
+    <a:ext uri="{05A4C25C-085E-4340-85A3-A5531E510DB2}">
+      <thm15:themeFamily xmlns:thm15="http://schemas.microsoft.com/office/thememl/2012/main" name="Office Theme" id="{2E142A2C-CD16-42D6-873A-C26D2A0506FA}" vid="{1BDDFF52-6CD6-40A5-AB3C-68EB2F1E4D0A}"/>
+    </a:ext>
+  </a:extLst>
+</a:theme>
 </file>
--- a/images/design.pptx
+++ b/images/design.pptx
@@ -5,11 +5,12 @@
     <p:sldMasterId id="2147483648" r:id="rId1"/>
   </p:sldMasterIdLst>
   <p:notesMasterIdLst>
-    <p:notesMasterId r:id="rId4"/>
+    <p:notesMasterId r:id="rId5"/>
   </p:notesMasterIdLst>
   <p:sldIdLst>
     <p:sldId id="256" r:id="rId2"/>
     <p:sldId id="257" r:id="rId3"/>
+    <p:sldId id="258" r:id="rId4"/>
   </p:sldIdLst>
   <p:sldSz cx="12192000" cy="6858000"/>
   <p:notesSz cx="6858000" cy="9144000"/>
@@ -5753,7 +5754,7 @@
         </p:nvSpPr>
         <p:spPr>
           <a:xfrm>
-            <a:off x="-807773" y="3387558"/>
+            <a:off x="-807773" y="3373773"/>
             <a:ext cx="2667842" cy="369332"/>
           </a:xfrm>
           <a:prstGeom prst="rect">
@@ -5795,7 +5796,7 @@
         </p:nvSpPr>
         <p:spPr>
           <a:xfrm>
-            <a:off x="-807773" y="1280974"/>
+            <a:off x="-807773" y="1267189"/>
             <a:ext cx="2614810" cy="400110"/>
           </a:xfrm>
           <a:prstGeom prst="rect">
@@ -5885,7 +5886,7 @@
         </p:nvCxnSpPr>
         <p:spPr>
           <a:xfrm>
-            <a:off x="-852487" y="4715331"/>
+            <a:off x="-852487" y="4701546"/>
             <a:ext cx="13533120" cy="14554"/>
           </a:xfrm>
           <a:prstGeom prst="line">
@@ -6455,8 +6456,8 @@
         </p:nvSpPr>
         <p:spPr>
           <a:xfrm>
-            <a:off x="5704368" y="6198477"/>
-            <a:ext cx="2852892" cy="369332"/>
+            <a:off x="5645150" y="6198477"/>
+            <a:ext cx="3020060" cy="369332"/>
           </a:xfrm>
           <a:prstGeom prst="rect">
             <a:avLst/>
@@ -6493,8 +6494,8 @@
         </p:nvSpPr>
         <p:spPr>
           <a:xfrm>
-            <a:off x="1701190" y="6161625"/>
-            <a:ext cx="2297830" cy="369332"/>
+            <a:off x="1603509" y="6161625"/>
+            <a:ext cx="2478061" cy="369332"/>
           </a:xfrm>
           <a:prstGeom prst="rect">
             <a:avLst/>
@@ -7550,6 +7551,3151 @@
     <p:extLst>
       <p:ext uri="{BB962C8B-B14F-4D97-AF65-F5344CB8AC3E}">
         <p14:creationId xmlns:p14="http://schemas.microsoft.com/office/powerpoint/2010/main" val="3547737617"/>
+      </p:ext>
+    </p:extLst>
+  </p:cSld>
+  <p:clrMapOvr>
+    <a:masterClrMapping/>
+  </p:clrMapOvr>
+</p:sld>
+</file>
+
+<file path=ppt/slides/slide3.xml><?xml version="1.0" encoding="utf-8"?>
+<p:sld xmlns:a="http://schemas.openxmlformats.org/drawingml/2006/main" xmlns:r="http://schemas.openxmlformats.org/officeDocument/2006/relationships" xmlns:p="http://schemas.openxmlformats.org/presentationml/2006/main">
+  <p:cSld>
+    <p:spTree>
+      <p:nvGrpSpPr>
+        <p:cNvPr id="1" name=""/>
+        <p:cNvGrpSpPr/>
+        <p:nvPr/>
+      </p:nvGrpSpPr>
+      <p:grpSpPr>
+        <a:xfrm>
+          <a:off x="0" y="0"/>
+          <a:ext cx="0" cy="0"/>
+          <a:chOff x="0" y="0"/>
+          <a:chExt cx="0" cy="0"/>
+        </a:xfrm>
+      </p:grpSpPr>
+      <p:sp>
+        <p:nvSpPr>
+          <p:cNvPr id="155" name="Rectangle 154">
+            <a:extLst>
+              <a:ext uri="{FF2B5EF4-FFF2-40B4-BE49-F238E27FC236}">
+                <a16:creationId xmlns:a16="http://schemas.microsoft.com/office/drawing/2014/main" id="{6E830DA2-D141-0080-A10A-18F2803EEF88}"/>
+              </a:ext>
+            </a:extLst>
+          </p:cNvPr>
+          <p:cNvSpPr>
+            <a:spLocks noGrp="1" noRot="1" noMove="1" noResize="1" noEditPoints="1" noAdjustHandles="1" noChangeArrowheads="1" noChangeShapeType="1"/>
+          </p:cNvSpPr>
+          <p:nvPr/>
+        </p:nvSpPr>
+        <p:spPr>
+          <a:xfrm>
+            <a:off x="455706" y="-533400"/>
+            <a:ext cx="12790393" cy="6172200"/>
+          </a:xfrm>
+          <a:prstGeom prst="rect">
+            <a:avLst/>
+          </a:prstGeom>
+          <a:solidFill>
+            <a:schemeClr val="bg1"/>
+          </a:solidFill>
+          <a:ln>
+            <a:noFill/>
+          </a:ln>
+        </p:spPr>
+        <p:style>
+          <a:lnRef idx="2">
+            <a:schemeClr val="accent1">
+              <a:shade val="15000"/>
+            </a:schemeClr>
+          </a:lnRef>
+          <a:fillRef idx="1">
+            <a:schemeClr val="accent1"/>
+          </a:fillRef>
+          <a:effectRef idx="0">
+            <a:schemeClr val="accent1"/>
+          </a:effectRef>
+          <a:fontRef idx="minor">
+            <a:schemeClr val="lt1"/>
+          </a:fontRef>
+        </p:style>
+        <p:txBody>
+          <a:bodyPr rtlCol="0" anchor="ctr"/>
+          <a:lstStyle/>
+          <a:p>
+            <a:pPr algn="ctr"/>
+            <a:endParaRPr lang="en-US"/>
+          </a:p>
+        </p:txBody>
+      </p:sp>
+      <p:sp>
+        <p:nvSpPr>
+          <p:cNvPr id="76" name="Rectangle 75">
+            <a:extLst>
+              <a:ext uri="{FF2B5EF4-FFF2-40B4-BE49-F238E27FC236}">
+                <a16:creationId xmlns:a16="http://schemas.microsoft.com/office/drawing/2014/main" id="{2FA0AD19-2E2F-4A50-4961-529E2C1BDCC1}"/>
+              </a:ext>
+            </a:extLst>
+          </p:cNvPr>
+          <p:cNvSpPr/>
+          <p:nvPr/>
+        </p:nvSpPr>
+        <p:spPr>
+          <a:xfrm>
+            <a:off x="6420532" y="517002"/>
+            <a:ext cx="1388311" cy="1782563"/>
+          </a:xfrm>
+          <a:prstGeom prst="rect">
+            <a:avLst/>
+          </a:prstGeom>
+          <a:noFill/>
+          <a:ln>
+            <a:solidFill>
+              <a:schemeClr val="tx1"/>
+            </a:solidFill>
+          </a:ln>
+        </p:spPr>
+        <p:style>
+          <a:lnRef idx="2">
+            <a:schemeClr val="accent1">
+              <a:shade val="15000"/>
+            </a:schemeClr>
+          </a:lnRef>
+          <a:fillRef idx="1">
+            <a:schemeClr val="accent1"/>
+          </a:fillRef>
+          <a:effectRef idx="0">
+            <a:schemeClr val="accent1"/>
+          </a:effectRef>
+          <a:fontRef idx="minor">
+            <a:schemeClr val="lt1"/>
+          </a:fontRef>
+        </p:style>
+        <p:txBody>
+          <a:bodyPr rtlCol="0" anchor="ctr"/>
+          <a:lstStyle/>
+          <a:p>
+            <a:endParaRPr lang="en-US" dirty="0">
+              <a:solidFill>
+                <a:schemeClr val="tx1"/>
+              </a:solidFill>
+            </a:endParaRPr>
+          </a:p>
+        </p:txBody>
+      </p:sp>
+      <p:cxnSp>
+        <p:nvCxnSpPr>
+          <p:cNvPr id="12" name="Straight Connector 11">
+            <a:extLst>
+              <a:ext uri="{FF2B5EF4-FFF2-40B4-BE49-F238E27FC236}">
+                <a16:creationId xmlns:a16="http://schemas.microsoft.com/office/drawing/2014/main" id="{3F027736-622C-7588-A664-D2552D396E81}"/>
+              </a:ext>
+            </a:extLst>
+          </p:cNvPr>
+          <p:cNvCxnSpPr>
+            <a:cxnSpLocks/>
+          </p:cNvCxnSpPr>
+          <p:nvPr/>
+        </p:nvCxnSpPr>
+        <p:spPr>
+          <a:xfrm>
+            <a:off x="576488" y="2419432"/>
+            <a:ext cx="12524755" cy="13543"/>
+          </a:xfrm>
+          <a:prstGeom prst="line">
+            <a:avLst/>
+          </a:prstGeom>
+          <a:ln w="28575">
+            <a:solidFill>
+              <a:schemeClr val="tx1"/>
+            </a:solidFill>
+            <a:prstDash val="sysDash"/>
+          </a:ln>
+        </p:spPr>
+        <p:style>
+          <a:lnRef idx="1">
+            <a:schemeClr val="accent1"/>
+          </a:lnRef>
+          <a:fillRef idx="0">
+            <a:schemeClr val="accent1"/>
+          </a:fillRef>
+          <a:effectRef idx="0">
+            <a:schemeClr val="accent1"/>
+          </a:effectRef>
+          <a:fontRef idx="minor">
+            <a:schemeClr val="tx1"/>
+          </a:fontRef>
+        </p:style>
+      </p:cxnSp>
+      <p:sp>
+        <p:nvSpPr>
+          <p:cNvPr id="15" name="TextBox 14">
+            <a:extLst>
+              <a:ext uri="{FF2B5EF4-FFF2-40B4-BE49-F238E27FC236}">
+                <a16:creationId xmlns:a16="http://schemas.microsoft.com/office/drawing/2014/main" id="{FA9420BF-5155-0B76-96E2-4E01FD9A4176}"/>
+              </a:ext>
+            </a:extLst>
+          </p:cNvPr>
+          <p:cNvSpPr txBox="1"/>
+          <p:nvPr/>
+        </p:nvSpPr>
+        <p:spPr>
+          <a:xfrm>
+            <a:off x="608745" y="2981975"/>
+            <a:ext cx="1344803" cy="369332"/>
+          </a:xfrm>
+          <a:prstGeom prst="rect">
+            <a:avLst/>
+          </a:prstGeom>
+          <a:noFill/>
+        </p:spPr>
+        <p:txBody>
+          <a:bodyPr wrap="square" rtlCol="0">
+            <a:spAutoFit/>
+          </a:bodyPr>
+          <a:lstStyle/>
+          <a:p>
+            <a:r>
+              <a:rPr lang="en-GB" b="1" dirty="0">
+                <a:solidFill>
+                  <a:srgbClr val="7030A0"/>
+                </a:solidFill>
+                <a:cs typeface="Times New Roman" panose="02020603050405020304" pitchFamily="18" charset="0"/>
+              </a:rPr>
+              <a:t>R&amp;D</a:t>
+            </a:r>
+          </a:p>
+        </p:txBody>
+      </p:sp>
+      <p:sp>
+        <p:nvSpPr>
+          <p:cNvPr id="16" name="TextBox 15">
+            <a:extLst>
+              <a:ext uri="{FF2B5EF4-FFF2-40B4-BE49-F238E27FC236}">
+                <a16:creationId xmlns:a16="http://schemas.microsoft.com/office/drawing/2014/main" id="{5081463F-234D-8526-28A4-E833F44C1E25}"/>
+              </a:ext>
+            </a:extLst>
+          </p:cNvPr>
+          <p:cNvSpPr txBox="1"/>
+          <p:nvPr/>
+        </p:nvSpPr>
+        <p:spPr>
+          <a:xfrm>
+            <a:off x="608745" y="1286648"/>
+            <a:ext cx="1400110" cy="400110"/>
+          </a:xfrm>
+          <a:prstGeom prst="rect">
+            <a:avLst/>
+          </a:prstGeom>
+          <a:noFill/>
+        </p:spPr>
+        <p:txBody>
+          <a:bodyPr wrap="square" rtlCol="0">
+            <a:spAutoFit/>
+          </a:bodyPr>
+          <a:lstStyle/>
+          <a:p>
+            <a:r>
+              <a:rPr lang="en-GB" sz="2000" b="1" dirty="0">
+                <a:solidFill>
+                  <a:schemeClr val="accent6">
+                    <a:lumMod val="50000"/>
+                  </a:schemeClr>
+                </a:solidFill>
+                <a:cs typeface="Times New Roman" panose="02020603050405020304" pitchFamily="18" charset="0"/>
+              </a:rPr>
+              <a:t>Academy</a:t>
+            </a:r>
+          </a:p>
+        </p:txBody>
+      </p:sp>
+      <p:sp>
+        <p:nvSpPr>
+          <p:cNvPr id="17" name="TextBox 16">
+            <a:extLst>
+              <a:ext uri="{FF2B5EF4-FFF2-40B4-BE49-F238E27FC236}">
+                <a16:creationId xmlns:a16="http://schemas.microsoft.com/office/drawing/2014/main" id="{C31BC46A-7770-4085-667C-0FD21E0B021C}"/>
+              </a:ext>
+            </a:extLst>
+          </p:cNvPr>
+          <p:cNvSpPr txBox="1"/>
+          <p:nvPr/>
+        </p:nvSpPr>
+        <p:spPr>
+          <a:xfrm>
+            <a:off x="578340" y="4300271"/>
+            <a:ext cx="2478061" cy="369332"/>
+          </a:xfrm>
+          <a:prstGeom prst="rect">
+            <a:avLst/>
+          </a:prstGeom>
+          <a:noFill/>
+        </p:spPr>
+        <p:txBody>
+          <a:bodyPr wrap="square" rtlCol="0">
+            <a:spAutoFit/>
+          </a:bodyPr>
+          <a:lstStyle/>
+          <a:p>
+            <a:r>
+              <a:rPr lang="en-GB" b="1" dirty="0">
+                <a:solidFill>
+                  <a:srgbClr val="0070C0"/>
+                </a:solidFill>
+                <a:cs typeface="Times New Roman" panose="02020603050405020304" pitchFamily="18" charset="0"/>
+              </a:rPr>
+              <a:t>Startup</a:t>
+            </a:r>
+            <a:endParaRPr lang="en-GB" sz="2000" b="1" dirty="0">
+              <a:solidFill>
+                <a:srgbClr val="0070C0"/>
+              </a:solidFill>
+              <a:cs typeface="Times New Roman" panose="02020603050405020304" pitchFamily="18" charset="0"/>
+            </a:endParaRPr>
+          </a:p>
+        </p:txBody>
+      </p:sp>
+      <p:cxnSp>
+        <p:nvCxnSpPr>
+          <p:cNvPr id="18" name="Straight Connector 17">
+            <a:extLst>
+              <a:ext uri="{FF2B5EF4-FFF2-40B4-BE49-F238E27FC236}">
+                <a16:creationId xmlns:a16="http://schemas.microsoft.com/office/drawing/2014/main" id="{F6915B31-43A5-4C0B-2D61-3084F6EA5194}"/>
+              </a:ext>
+            </a:extLst>
+          </p:cNvPr>
+          <p:cNvCxnSpPr>
+            <a:cxnSpLocks/>
+          </p:cNvCxnSpPr>
+          <p:nvPr/>
+        </p:nvCxnSpPr>
+        <p:spPr>
+          <a:xfrm>
+            <a:off x="533627" y="3846109"/>
+            <a:ext cx="12567616" cy="13516"/>
+          </a:xfrm>
+          <a:prstGeom prst="line">
+            <a:avLst/>
+          </a:prstGeom>
+          <a:ln w="28575">
+            <a:solidFill>
+              <a:schemeClr val="tx1"/>
+            </a:solidFill>
+            <a:prstDash val="sysDash"/>
+          </a:ln>
+        </p:spPr>
+        <p:style>
+          <a:lnRef idx="1">
+            <a:schemeClr val="accent1"/>
+          </a:lnRef>
+          <a:fillRef idx="0">
+            <a:schemeClr val="accent1"/>
+          </a:fillRef>
+          <a:effectRef idx="0">
+            <a:schemeClr val="accent1"/>
+          </a:effectRef>
+          <a:fontRef idx="minor">
+            <a:schemeClr val="tx1"/>
+          </a:fontRef>
+        </p:style>
+      </p:cxnSp>
+      <p:cxnSp>
+        <p:nvCxnSpPr>
+          <p:cNvPr id="51" name="Straight Connector 50">
+            <a:extLst>
+              <a:ext uri="{FF2B5EF4-FFF2-40B4-BE49-F238E27FC236}">
+                <a16:creationId xmlns:a16="http://schemas.microsoft.com/office/drawing/2014/main" id="{50FA5A9C-18E7-6EEE-15A1-8042AFC24EFB}"/>
+              </a:ext>
+            </a:extLst>
+          </p:cNvPr>
+          <p:cNvCxnSpPr>
+            <a:cxnSpLocks/>
+          </p:cNvCxnSpPr>
+          <p:nvPr/>
+        </p:nvCxnSpPr>
+        <p:spPr>
+          <a:xfrm>
+            <a:off x="1923146" y="500743"/>
+            <a:ext cx="0" cy="4657045"/>
+          </a:xfrm>
+          <a:prstGeom prst="line">
+            <a:avLst/>
+          </a:prstGeom>
+          <a:ln w="28575">
+            <a:solidFill>
+              <a:schemeClr val="tx1"/>
+            </a:solidFill>
+            <a:prstDash val="sysDash"/>
+          </a:ln>
+        </p:spPr>
+        <p:style>
+          <a:lnRef idx="1">
+            <a:schemeClr val="accent1"/>
+          </a:lnRef>
+          <a:fillRef idx="0">
+            <a:schemeClr val="accent1"/>
+          </a:fillRef>
+          <a:effectRef idx="0">
+            <a:schemeClr val="accent1"/>
+          </a:effectRef>
+          <a:fontRef idx="minor">
+            <a:schemeClr val="tx1"/>
+          </a:fontRef>
+        </p:style>
+      </p:cxnSp>
+      <p:sp>
+        <p:nvSpPr>
+          <p:cNvPr id="54" name="Rectangle 53">
+            <a:extLst>
+              <a:ext uri="{FF2B5EF4-FFF2-40B4-BE49-F238E27FC236}">
+                <a16:creationId xmlns:a16="http://schemas.microsoft.com/office/drawing/2014/main" id="{668B5793-D12D-F5DF-E339-A600EE2EDF3E}"/>
+              </a:ext>
+            </a:extLst>
+          </p:cNvPr>
+          <p:cNvSpPr/>
+          <p:nvPr/>
+        </p:nvSpPr>
+        <p:spPr>
+          <a:xfrm>
+            <a:off x="2039258" y="675396"/>
+            <a:ext cx="2521566" cy="471230"/>
+          </a:xfrm>
+          <a:prstGeom prst="rect">
+            <a:avLst/>
+          </a:prstGeom>
+          <a:noFill/>
+          <a:ln>
+            <a:noFill/>
+          </a:ln>
+        </p:spPr>
+        <p:style>
+          <a:lnRef idx="2">
+            <a:schemeClr val="accent1">
+              <a:shade val="15000"/>
+            </a:schemeClr>
+          </a:lnRef>
+          <a:fillRef idx="1">
+            <a:schemeClr val="accent1"/>
+          </a:fillRef>
+          <a:effectRef idx="0">
+            <a:schemeClr val="accent1"/>
+          </a:effectRef>
+          <a:fontRef idx="minor">
+            <a:schemeClr val="lt1"/>
+          </a:fontRef>
+        </p:style>
+        <p:txBody>
+          <a:bodyPr rtlCol="0" anchor="ctr"/>
+          <a:lstStyle/>
+          <a:p>
+            <a:r>
+              <a:rPr lang="en-US" dirty="0">
+                <a:solidFill>
+                  <a:schemeClr val="tx1"/>
+                </a:solidFill>
+              </a:rPr>
+              <a:t>High school student</a:t>
+            </a:r>
+          </a:p>
+        </p:txBody>
+      </p:sp>
+      <p:cxnSp>
+        <p:nvCxnSpPr>
+          <p:cNvPr id="55" name="Straight Connector 54">
+            <a:extLst>
+              <a:ext uri="{FF2B5EF4-FFF2-40B4-BE49-F238E27FC236}">
+                <a16:creationId xmlns:a16="http://schemas.microsoft.com/office/drawing/2014/main" id="{4B6A0E8F-C178-A5C1-C7BD-3FAF3668010A}"/>
+              </a:ext>
+            </a:extLst>
+          </p:cNvPr>
+          <p:cNvCxnSpPr>
+            <a:cxnSpLocks/>
+          </p:cNvCxnSpPr>
+          <p:nvPr/>
+        </p:nvCxnSpPr>
+        <p:spPr>
+          <a:xfrm>
+            <a:off x="4717143" y="500743"/>
+            <a:ext cx="0" cy="4657045"/>
+          </a:xfrm>
+          <a:prstGeom prst="line">
+            <a:avLst/>
+          </a:prstGeom>
+          <a:ln w="28575">
+            <a:solidFill>
+              <a:schemeClr val="tx1"/>
+            </a:solidFill>
+            <a:prstDash val="sysDash"/>
+          </a:ln>
+        </p:spPr>
+        <p:style>
+          <a:lnRef idx="1">
+            <a:schemeClr val="accent1"/>
+          </a:lnRef>
+          <a:fillRef idx="0">
+            <a:schemeClr val="accent1"/>
+          </a:fillRef>
+          <a:effectRef idx="0">
+            <a:schemeClr val="accent1"/>
+          </a:effectRef>
+          <a:fontRef idx="minor">
+            <a:schemeClr val="tx1"/>
+          </a:fontRef>
+        </p:style>
+      </p:cxnSp>
+      <p:cxnSp>
+        <p:nvCxnSpPr>
+          <p:cNvPr id="56" name="Straight Connector 55">
+            <a:extLst>
+              <a:ext uri="{FF2B5EF4-FFF2-40B4-BE49-F238E27FC236}">
+                <a16:creationId xmlns:a16="http://schemas.microsoft.com/office/drawing/2014/main" id="{F7586DB8-BA51-8305-B0C3-EF321CF93C3C}"/>
+              </a:ext>
+            </a:extLst>
+          </p:cNvPr>
+          <p:cNvCxnSpPr>
+            <a:cxnSpLocks/>
+          </p:cNvCxnSpPr>
+          <p:nvPr/>
+        </p:nvCxnSpPr>
+        <p:spPr>
+          <a:xfrm>
+            <a:off x="6313714" y="493483"/>
+            <a:ext cx="0" cy="1814286"/>
+          </a:xfrm>
+          <a:prstGeom prst="line">
+            <a:avLst/>
+          </a:prstGeom>
+          <a:ln w="28575">
+            <a:solidFill>
+              <a:schemeClr val="tx1"/>
+            </a:solidFill>
+            <a:prstDash val="sysDash"/>
+          </a:ln>
+        </p:spPr>
+        <p:style>
+          <a:lnRef idx="1">
+            <a:schemeClr val="accent1"/>
+          </a:lnRef>
+          <a:fillRef idx="0">
+            <a:schemeClr val="accent1"/>
+          </a:fillRef>
+          <a:effectRef idx="0">
+            <a:schemeClr val="accent1"/>
+          </a:effectRef>
+          <a:fontRef idx="minor">
+            <a:schemeClr val="tx1"/>
+          </a:fontRef>
+        </p:style>
+      </p:cxnSp>
+      <p:sp>
+        <p:nvSpPr>
+          <p:cNvPr id="58" name="Rectangle 57">
+            <a:extLst>
+              <a:ext uri="{FF2B5EF4-FFF2-40B4-BE49-F238E27FC236}">
+                <a16:creationId xmlns:a16="http://schemas.microsoft.com/office/drawing/2014/main" id="{7BEF14A7-7591-1620-7E04-B21A2D132CB0}"/>
+              </a:ext>
+            </a:extLst>
+          </p:cNvPr>
+          <p:cNvSpPr/>
+          <p:nvPr/>
+        </p:nvSpPr>
+        <p:spPr>
+          <a:xfrm>
+            <a:off x="2039258" y="1267740"/>
+            <a:ext cx="2521566" cy="471230"/>
+          </a:xfrm>
+          <a:prstGeom prst="rect">
+            <a:avLst/>
+          </a:prstGeom>
+          <a:noFill/>
+          <a:ln>
+            <a:solidFill>
+              <a:srgbClr val="00B050"/>
+            </a:solidFill>
+          </a:ln>
+        </p:spPr>
+        <p:style>
+          <a:lnRef idx="2">
+            <a:schemeClr val="accent1">
+              <a:shade val="15000"/>
+            </a:schemeClr>
+          </a:lnRef>
+          <a:fillRef idx="1">
+            <a:schemeClr val="accent1"/>
+          </a:fillRef>
+          <a:effectRef idx="0">
+            <a:schemeClr val="accent1"/>
+          </a:effectRef>
+          <a:fontRef idx="minor">
+            <a:schemeClr val="lt1"/>
+          </a:fontRef>
+        </p:style>
+        <p:txBody>
+          <a:bodyPr rtlCol="0" anchor="ctr"/>
+          <a:lstStyle/>
+          <a:p>
+            <a:r>
+              <a:rPr lang="en-US" dirty="0">
+                <a:solidFill>
+                  <a:schemeClr val="tx1"/>
+                </a:solidFill>
+              </a:rPr>
+              <a:t>Undergraduate student</a:t>
+            </a:r>
+          </a:p>
+        </p:txBody>
+      </p:sp>
+      <p:cxnSp>
+        <p:nvCxnSpPr>
+          <p:cNvPr id="59" name="Straight Connector 58">
+            <a:extLst>
+              <a:ext uri="{FF2B5EF4-FFF2-40B4-BE49-F238E27FC236}">
+                <a16:creationId xmlns:a16="http://schemas.microsoft.com/office/drawing/2014/main" id="{D482E67F-EBCF-5744-0BAE-63577B48D0A7}"/>
+              </a:ext>
+            </a:extLst>
+          </p:cNvPr>
+          <p:cNvCxnSpPr>
+            <a:cxnSpLocks/>
+          </p:cNvCxnSpPr>
+          <p:nvPr/>
+        </p:nvCxnSpPr>
+        <p:spPr>
+          <a:xfrm>
+            <a:off x="7932057" y="493483"/>
+            <a:ext cx="0" cy="1814286"/>
+          </a:xfrm>
+          <a:prstGeom prst="line">
+            <a:avLst/>
+          </a:prstGeom>
+          <a:ln w="28575">
+            <a:solidFill>
+              <a:schemeClr val="tx1"/>
+            </a:solidFill>
+            <a:prstDash val="sysDash"/>
+          </a:ln>
+        </p:spPr>
+        <p:style>
+          <a:lnRef idx="1">
+            <a:schemeClr val="accent1"/>
+          </a:lnRef>
+          <a:fillRef idx="0">
+            <a:schemeClr val="accent1"/>
+          </a:fillRef>
+          <a:effectRef idx="0">
+            <a:schemeClr val="accent1"/>
+          </a:effectRef>
+          <a:fontRef idx="minor">
+            <a:schemeClr val="tx1"/>
+          </a:fontRef>
+        </p:style>
+      </p:cxnSp>
+      <p:cxnSp>
+        <p:nvCxnSpPr>
+          <p:cNvPr id="60" name="Straight Connector 59">
+            <a:extLst>
+              <a:ext uri="{FF2B5EF4-FFF2-40B4-BE49-F238E27FC236}">
+                <a16:creationId xmlns:a16="http://schemas.microsoft.com/office/drawing/2014/main" id="{F31E00A0-2DD3-3A54-AC0C-A12A7A4D820C}"/>
+              </a:ext>
+            </a:extLst>
+          </p:cNvPr>
+          <p:cNvCxnSpPr>
+            <a:cxnSpLocks/>
+          </p:cNvCxnSpPr>
+          <p:nvPr/>
+        </p:nvCxnSpPr>
+        <p:spPr>
+          <a:xfrm>
+            <a:off x="9561285" y="493483"/>
+            <a:ext cx="0" cy="1814286"/>
+          </a:xfrm>
+          <a:prstGeom prst="line">
+            <a:avLst/>
+          </a:prstGeom>
+          <a:ln w="28575">
+            <a:solidFill>
+              <a:schemeClr val="tx1"/>
+            </a:solidFill>
+            <a:prstDash val="sysDash"/>
+          </a:ln>
+        </p:spPr>
+        <p:style>
+          <a:lnRef idx="1">
+            <a:schemeClr val="accent1"/>
+          </a:lnRef>
+          <a:fillRef idx="0">
+            <a:schemeClr val="accent1"/>
+          </a:fillRef>
+          <a:effectRef idx="0">
+            <a:schemeClr val="accent1"/>
+          </a:effectRef>
+          <a:fontRef idx="minor">
+            <a:schemeClr val="tx1"/>
+          </a:fontRef>
+        </p:style>
+      </p:cxnSp>
+      <p:cxnSp>
+        <p:nvCxnSpPr>
+          <p:cNvPr id="61" name="Straight Connector 60">
+            <a:extLst>
+              <a:ext uri="{FF2B5EF4-FFF2-40B4-BE49-F238E27FC236}">
+                <a16:creationId xmlns:a16="http://schemas.microsoft.com/office/drawing/2014/main" id="{B8FD8CA1-C9F5-446A-4ACD-CA54BF93A317}"/>
+              </a:ext>
+            </a:extLst>
+          </p:cNvPr>
+          <p:cNvCxnSpPr>
+            <a:cxnSpLocks/>
+          </p:cNvCxnSpPr>
+          <p:nvPr/>
+        </p:nvCxnSpPr>
+        <p:spPr>
+          <a:xfrm>
+            <a:off x="11362871" y="506183"/>
+            <a:ext cx="0" cy="4651605"/>
+          </a:xfrm>
+          <a:prstGeom prst="line">
+            <a:avLst/>
+          </a:prstGeom>
+          <a:ln w="28575">
+            <a:solidFill>
+              <a:schemeClr val="tx1"/>
+            </a:solidFill>
+            <a:prstDash val="sysDash"/>
+          </a:ln>
+        </p:spPr>
+        <p:style>
+          <a:lnRef idx="1">
+            <a:schemeClr val="accent1"/>
+          </a:lnRef>
+          <a:fillRef idx="0">
+            <a:schemeClr val="accent1"/>
+          </a:fillRef>
+          <a:effectRef idx="0">
+            <a:schemeClr val="accent1"/>
+          </a:effectRef>
+          <a:fontRef idx="minor">
+            <a:schemeClr val="tx1"/>
+          </a:fontRef>
+        </p:style>
+      </p:cxnSp>
+      <p:sp>
+        <p:nvSpPr>
+          <p:cNvPr id="62" name="Rectangle 61">
+            <a:extLst>
+              <a:ext uri="{FF2B5EF4-FFF2-40B4-BE49-F238E27FC236}">
+                <a16:creationId xmlns:a16="http://schemas.microsoft.com/office/drawing/2014/main" id="{6111B6D9-92DB-FE5B-94BF-2C2DB2A3DD93}"/>
+              </a:ext>
+            </a:extLst>
+          </p:cNvPr>
+          <p:cNvSpPr/>
+          <p:nvPr/>
+        </p:nvSpPr>
+        <p:spPr>
+          <a:xfrm>
+            <a:off x="2039258" y="1850616"/>
+            <a:ext cx="2521566" cy="471230"/>
+          </a:xfrm>
+          <a:prstGeom prst="rect">
+            <a:avLst/>
+          </a:prstGeom>
+          <a:noFill/>
+          <a:ln>
+            <a:solidFill>
+              <a:schemeClr val="accent6">
+                <a:lumMod val="75000"/>
+              </a:schemeClr>
+            </a:solidFill>
+          </a:ln>
+        </p:spPr>
+        <p:style>
+          <a:lnRef idx="2">
+            <a:schemeClr val="accent1">
+              <a:shade val="15000"/>
+            </a:schemeClr>
+          </a:lnRef>
+          <a:fillRef idx="1">
+            <a:schemeClr val="accent1"/>
+          </a:fillRef>
+          <a:effectRef idx="0">
+            <a:schemeClr val="accent1"/>
+          </a:effectRef>
+          <a:fontRef idx="minor">
+            <a:schemeClr val="lt1"/>
+          </a:fontRef>
+        </p:style>
+        <p:txBody>
+          <a:bodyPr rtlCol="0" anchor="ctr"/>
+          <a:lstStyle/>
+          <a:p>
+            <a:r>
+              <a:rPr lang="en-US" dirty="0">
+                <a:solidFill>
+                  <a:schemeClr val="tx1"/>
+                </a:solidFill>
+              </a:rPr>
+              <a:t>MS/PhD student</a:t>
+            </a:r>
+          </a:p>
+        </p:txBody>
+      </p:sp>
+      <p:sp>
+        <p:nvSpPr>
+          <p:cNvPr id="63" name="TextBox 62">
+            <a:extLst>
+              <a:ext uri="{FF2B5EF4-FFF2-40B4-BE49-F238E27FC236}">
+                <a16:creationId xmlns:a16="http://schemas.microsoft.com/office/drawing/2014/main" id="{0B9C1EE7-EAE4-83F5-64EA-B85787AEC916}"/>
+              </a:ext>
+            </a:extLst>
+          </p:cNvPr>
+          <p:cNvSpPr txBox="1"/>
+          <p:nvPr/>
+        </p:nvSpPr>
+        <p:spPr>
+          <a:xfrm>
+            <a:off x="4932818" y="-187035"/>
+            <a:ext cx="1142283" cy="369332"/>
+          </a:xfrm>
+          <a:prstGeom prst="rect">
+            <a:avLst/>
+          </a:prstGeom>
+          <a:noFill/>
+        </p:spPr>
+        <p:txBody>
+          <a:bodyPr wrap="square" rtlCol="0">
+            <a:spAutoFit/>
+          </a:bodyPr>
+          <a:lstStyle/>
+          <a:p>
+            <a:pPr algn="ctr"/>
+            <a:r>
+              <a:rPr lang="en-US" dirty="0"/>
+              <a:t>3 months</a:t>
+            </a:r>
+          </a:p>
+        </p:txBody>
+      </p:sp>
+      <p:sp>
+        <p:nvSpPr>
+          <p:cNvPr id="67" name="Rectangle 66">
+            <a:extLst>
+              <a:ext uri="{FF2B5EF4-FFF2-40B4-BE49-F238E27FC236}">
+                <a16:creationId xmlns:a16="http://schemas.microsoft.com/office/drawing/2014/main" id="{1A5D1669-4868-CD1A-B00A-C616D2BA0FD3}"/>
+              </a:ext>
+            </a:extLst>
+          </p:cNvPr>
+          <p:cNvSpPr/>
+          <p:nvPr/>
+        </p:nvSpPr>
+        <p:spPr>
+          <a:xfrm>
+            <a:off x="4820554" y="525205"/>
+            <a:ext cx="1388311" cy="1782563"/>
+          </a:xfrm>
+          <a:prstGeom prst="rect">
+            <a:avLst/>
+          </a:prstGeom>
+          <a:noFill/>
+          <a:ln>
+            <a:solidFill>
+              <a:schemeClr val="tx1"/>
+            </a:solidFill>
+          </a:ln>
+        </p:spPr>
+        <p:style>
+          <a:lnRef idx="2">
+            <a:schemeClr val="accent1">
+              <a:shade val="15000"/>
+            </a:schemeClr>
+          </a:lnRef>
+          <a:fillRef idx="1">
+            <a:schemeClr val="accent1"/>
+          </a:fillRef>
+          <a:effectRef idx="0">
+            <a:schemeClr val="accent1"/>
+          </a:effectRef>
+          <a:fontRef idx="minor">
+            <a:schemeClr val="lt1"/>
+          </a:fontRef>
+        </p:style>
+        <p:txBody>
+          <a:bodyPr rtlCol="0" anchor="ctr"/>
+          <a:lstStyle/>
+          <a:p>
+            <a:endParaRPr lang="en-US" dirty="0">
+              <a:solidFill>
+                <a:schemeClr val="tx1"/>
+              </a:solidFill>
+            </a:endParaRPr>
+          </a:p>
+        </p:txBody>
+      </p:sp>
+      <p:sp>
+        <p:nvSpPr>
+          <p:cNvPr id="68" name="TextBox 67">
+            <a:extLst>
+              <a:ext uri="{FF2B5EF4-FFF2-40B4-BE49-F238E27FC236}">
+                <a16:creationId xmlns:a16="http://schemas.microsoft.com/office/drawing/2014/main" id="{4E9F1BEA-FF54-7654-E9FE-7DB6AB9D34C8}"/>
+              </a:ext>
+            </a:extLst>
+          </p:cNvPr>
+          <p:cNvSpPr txBox="1"/>
+          <p:nvPr/>
+        </p:nvSpPr>
+        <p:spPr>
+          <a:xfrm>
+            <a:off x="576488" y="5284456"/>
+            <a:ext cx="2659524" cy="307777"/>
+          </a:xfrm>
+          <a:prstGeom prst="rect">
+            <a:avLst/>
+          </a:prstGeom>
+          <a:noFill/>
+        </p:spPr>
+        <p:txBody>
+          <a:bodyPr wrap="square" rtlCol="0">
+            <a:spAutoFit/>
+          </a:bodyPr>
+          <a:lstStyle/>
+          <a:p>
+            <a:r>
+              <a:rPr lang="en-US" sz="1400" dirty="0"/>
+              <a:t>*Free, **Paid</a:t>
+            </a:r>
+          </a:p>
+        </p:txBody>
+      </p:sp>
+      <p:sp>
+        <p:nvSpPr>
+          <p:cNvPr id="69" name="Rectangle 68">
+            <a:extLst>
+              <a:ext uri="{FF2B5EF4-FFF2-40B4-BE49-F238E27FC236}">
+                <a16:creationId xmlns:a16="http://schemas.microsoft.com/office/drawing/2014/main" id="{16D31F03-4FE4-9AA9-52F2-FD4B7A524C89}"/>
+              </a:ext>
+            </a:extLst>
+          </p:cNvPr>
+          <p:cNvSpPr/>
+          <p:nvPr/>
+        </p:nvSpPr>
+        <p:spPr>
+          <a:xfrm>
+            <a:off x="2039259" y="675396"/>
+            <a:ext cx="2518229" cy="469391"/>
+          </a:xfrm>
+          <a:prstGeom prst="rect">
+            <a:avLst/>
+          </a:prstGeom>
+          <a:noFill/>
+          <a:ln>
+            <a:solidFill>
+              <a:schemeClr val="accent6">
+                <a:lumMod val="60000"/>
+                <a:lumOff val="40000"/>
+              </a:schemeClr>
+            </a:solidFill>
+          </a:ln>
+        </p:spPr>
+        <p:style>
+          <a:lnRef idx="2">
+            <a:schemeClr val="accent1">
+              <a:shade val="15000"/>
+            </a:schemeClr>
+          </a:lnRef>
+          <a:fillRef idx="1">
+            <a:schemeClr val="accent1"/>
+          </a:fillRef>
+          <a:effectRef idx="0">
+            <a:schemeClr val="accent1"/>
+          </a:effectRef>
+          <a:fontRef idx="minor">
+            <a:schemeClr val="lt1"/>
+          </a:fontRef>
+        </p:style>
+        <p:txBody>
+          <a:bodyPr rtlCol="0" anchor="ctr"/>
+          <a:lstStyle/>
+          <a:p>
+            <a:pPr algn="ctr"/>
+            <a:endParaRPr lang="en-US"/>
+          </a:p>
+        </p:txBody>
+      </p:sp>
+      <p:sp>
+        <p:nvSpPr>
+          <p:cNvPr id="71" name="TextBox 70">
+            <a:extLst>
+              <a:ext uri="{FF2B5EF4-FFF2-40B4-BE49-F238E27FC236}">
+                <a16:creationId xmlns:a16="http://schemas.microsoft.com/office/drawing/2014/main" id="{B49F0E64-993E-E3ED-6A50-CDDDC8ED6DF7}"/>
+              </a:ext>
+            </a:extLst>
+          </p:cNvPr>
+          <p:cNvSpPr txBox="1"/>
+          <p:nvPr/>
+        </p:nvSpPr>
+        <p:spPr>
+          <a:xfrm>
+            <a:off x="4660900" y="209225"/>
+            <a:ext cx="1769904" cy="307777"/>
+          </a:xfrm>
+          <a:prstGeom prst="rect">
+            <a:avLst/>
+          </a:prstGeom>
+          <a:noFill/>
+        </p:spPr>
+        <p:txBody>
+          <a:bodyPr wrap="square">
+            <a:spAutoFit/>
+          </a:bodyPr>
+          <a:lstStyle/>
+          <a:p>
+            <a:pPr algn="ctr"/>
+            <a:r>
+              <a:rPr lang="en-US" sz="1400" dirty="0">
+                <a:solidFill>
+                  <a:schemeClr val="tx1"/>
+                </a:solidFill>
+              </a:rPr>
+              <a:t>Basic </a:t>
+            </a:r>
+            <a:r>
+              <a:rPr lang="en-US" sz="1400" dirty="0"/>
+              <a:t>k</a:t>
+            </a:r>
+            <a:r>
+              <a:rPr lang="en-US" sz="1400" dirty="0">
+                <a:solidFill>
+                  <a:schemeClr val="tx1"/>
+                </a:solidFill>
+              </a:rPr>
+              <a:t>nowledge*</a:t>
+            </a:r>
+          </a:p>
+        </p:txBody>
+      </p:sp>
+      <p:cxnSp>
+        <p:nvCxnSpPr>
+          <p:cNvPr id="74" name="Straight Arrow Connector 73">
+            <a:extLst>
+              <a:ext uri="{FF2B5EF4-FFF2-40B4-BE49-F238E27FC236}">
+                <a16:creationId xmlns:a16="http://schemas.microsoft.com/office/drawing/2014/main" id="{4E9F0840-33B5-384F-CF28-5EC54E0EA3F9}"/>
+              </a:ext>
+            </a:extLst>
+          </p:cNvPr>
+          <p:cNvCxnSpPr>
+            <a:cxnSpLocks/>
+            <a:stCxn id="69" idx="3"/>
+          </p:cNvCxnSpPr>
+          <p:nvPr/>
+        </p:nvCxnSpPr>
+        <p:spPr>
+          <a:xfrm>
+            <a:off x="4557488" y="910092"/>
+            <a:ext cx="1538512" cy="0"/>
+          </a:xfrm>
+          <a:prstGeom prst="straightConnector1">
+            <a:avLst/>
+          </a:prstGeom>
+          <a:ln w="38100">
+            <a:solidFill>
+              <a:schemeClr val="accent6">
+                <a:lumMod val="40000"/>
+                <a:lumOff val="60000"/>
+              </a:schemeClr>
+            </a:solidFill>
+            <a:tailEnd type="triangle"/>
+          </a:ln>
+        </p:spPr>
+        <p:style>
+          <a:lnRef idx="2">
+            <a:schemeClr val="accent1"/>
+          </a:lnRef>
+          <a:fillRef idx="0">
+            <a:schemeClr val="accent1"/>
+          </a:fillRef>
+          <a:effectRef idx="1">
+            <a:schemeClr val="accent1"/>
+          </a:effectRef>
+          <a:fontRef idx="minor">
+            <a:schemeClr val="tx1"/>
+          </a:fontRef>
+        </p:style>
+      </p:cxnSp>
+      <p:sp>
+        <p:nvSpPr>
+          <p:cNvPr id="77" name="Rectangle 76">
+            <a:extLst>
+              <a:ext uri="{FF2B5EF4-FFF2-40B4-BE49-F238E27FC236}">
+                <a16:creationId xmlns:a16="http://schemas.microsoft.com/office/drawing/2014/main" id="{8E9A793E-F49F-B7F2-BC3B-D943296A6625}"/>
+              </a:ext>
+            </a:extLst>
+          </p:cNvPr>
+          <p:cNvSpPr/>
+          <p:nvPr/>
+        </p:nvSpPr>
+        <p:spPr>
+          <a:xfrm>
+            <a:off x="9674230" y="517002"/>
+            <a:ext cx="1388311" cy="1782563"/>
+          </a:xfrm>
+          <a:prstGeom prst="rect">
+            <a:avLst/>
+          </a:prstGeom>
+          <a:noFill/>
+          <a:ln>
+            <a:solidFill>
+              <a:schemeClr val="tx1"/>
+            </a:solidFill>
+          </a:ln>
+        </p:spPr>
+        <p:style>
+          <a:lnRef idx="2">
+            <a:schemeClr val="accent1">
+              <a:shade val="15000"/>
+            </a:schemeClr>
+          </a:lnRef>
+          <a:fillRef idx="1">
+            <a:schemeClr val="accent1"/>
+          </a:fillRef>
+          <a:effectRef idx="0">
+            <a:schemeClr val="accent1"/>
+          </a:effectRef>
+          <a:fontRef idx="minor">
+            <a:schemeClr val="lt1"/>
+          </a:fontRef>
+        </p:style>
+        <p:txBody>
+          <a:bodyPr rtlCol="0" anchor="ctr"/>
+          <a:lstStyle/>
+          <a:p>
+            <a:endParaRPr lang="en-US" dirty="0">
+              <a:solidFill>
+                <a:schemeClr val="tx1"/>
+              </a:solidFill>
+            </a:endParaRPr>
+          </a:p>
+        </p:txBody>
+      </p:sp>
+      <p:sp>
+        <p:nvSpPr>
+          <p:cNvPr id="78" name="Rectangle 77">
+            <a:extLst>
+              <a:ext uri="{FF2B5EF4-FFF2-40B4-BE49-F238E27FC236}">
+                <a16:creationId xmlns:a16="http://schemas.microsoft.com/office/drawing/2014/main" id="{9A285132-890B-39F6-B1DA-B0B44EE2CEA0}"/>
+              </a:ext>
+            </a:extLst>
+          </p:cNvPr>
+          <p:cNvSpPr/>
+          <p:nvPr/>
+        </p:nvSpPr>
+        <p:spPr>
+          <a:xfrm>
+            <a:off x="8055202" y="518855"/>
+            <a:ext cx="1388311" cy="1782563"/>
+          </a:xfrm>
+          <a:prstGeom prst="rect">
+            <a:avLst/>
+          </a:prstGeom>
+          <a:noFill/>
+          <a:ln>
+            <a:solidFill>
+              <a:schemeClr val="tx1"/>
+            </a:solidFill>
+          </a:ln>
+        </p:spPr>
+        <p:style>
+          <a:lnRef idx="2">
+            <a:schemeClr val="accent1">
+              <a:shade val="15000"/>
+            </a:schemeClr>
+          </a:lnRef>
+          <a:fillRef idx="1">
+            <a:schemeClr val="accent1"/>
+          </a:fillRef>
+          <a:effectRef idx="0">
+            <a:schemeClr val="accent1"/>
+          </a:effectRef>
+          <a:fontRef idx="minor">
+            <a:schemeClr val="lt1"/>
+          </a:fontRef>
+        </p:style>
+        <p:txBody>
+          <a:bodyPr rtlCol="0" anchor="ctr"/>
+          <a:lstStyle/>
+          <a:p>
+            <a:endParaRPr lang="en-US" dirty="0">
+              <a:solidFill>
+                <a:schemeClr val="tx1"/>
+              </a:solidFill>
+            </a:endParaRPr>
+          </a:p>
+        </p:txBody>
+      </p:sp>
+      <p:sp>
+        <p:nvSpPr>
+          <p:cNvPr id="79" name="TextBox 78">
+            <a:extLst>
+              <a:ext uri="{FF2B5EF4-FFF2-40B4-BE49-F238E27FC236}">
+                <a16:creationId xmlns:a16="http://schemas.microsoft.com/office/drawing/2014/main" id="{EC098B79-3AB0-77D4-DED3-581A965F7675}"/>
+              </a:ext>
+            </a:extLst>
+          </p:cNvPr>
+          <p:cNvSpPr txBox="1"/>
+          <p:nvPr/>
+        </p:nvSpPr>
+        <p:spPr>
+          <a:xfrm>
+            <a:off x="6431711" y="189826"/>
+            <a:ext cx="1382418" cy="307777"/>
+          </a:xfrm>
+          <a:prstGeom prst="rect">
+            <a:avLst/>
+          </a:prstGeom>
+          <a:noFill/>
+        </p:spPr>
+        <p:txBody>
+          <a:bodyPr wrap="square">
+            <a:spAutoFit/>
+          </a:bodyPr>
+          <a:lstStyle/>
+          <a:p>
+            <a:pPr algn="ctr"/>
+            <a:r>
+              <a:rPr lang="en-US" sz="1400" dirty="0">
+                <a:solidFill>
+                  <a:schemeClr val="tx1"/>
+                </a:solidFill>
+              </a:rPr>
+              <a:t>Module 1**</a:t>
+            </a:r>
+          </a:p>
+        </p:txBody>
+      </p:sp>
+      <p:sp>
+        <p:nvSpPr>
+          <p:cNvPr id="80" name="TextBox 79">
+            <a:extLst>
+              <a:ext uri="{FF2B5EF4-FFF2-40B4-BE49-F238E27FC236}">
+                <a16:creationId xmlns:a16="http://schemas.microsoft.com/office/drawing/2014/main" id="{56A0767F-364D-439D-16C3-43503FD334E8}"/>
+              </a:ext>
+            </a:extLst>
+          </p:cNvPr>
+          <p:cNvSpPr txBox="1"/>
+          <p:nvPr/>
+        </p:nvSpPr>
+        <p:spPr>
+          <a:xfrm>
+            <a:off x="8060938" y="196687"/>
+            <a:ext cx="1382418" cy="307777"/>
+          </a:xfrm>
+          <a:prstGeom prst="rect">
+            <a:avLst/>
+          </a:prstGeom>
+          <a:noFill/>
+        </p:spPr>
+        <p:txBody>
+          <a:bodyPr wrap="square">
+            <a:spAutoFit/>
+          </a:bodyPr>
+          <a:lstStyle/>
+          <a:p>
+            <a:pPr algn="ctr"/>
+            <a:r>
+              <a:rPr lang="en-US" sz="1400" dirty="0">
+                <a:solidFill>
+                  <a:schemeClr val="tx1"/>
+                </a:solidFill>
+              </a:rPr>
+              <a:t>Module 2**</a:t>
+            </a:r>
+          </a:p>
+        </p:txBody>
+      </p:sp>
+      <p:sp>
+        <p:nvSpPr>
+          <p:cNvPr id="81" name="TextBox 80">
+            <a:extLst>
+              <a:ext uri="{FF2B5EF4-FFF2-40B4-BE49-F238E27FC236}">
+                <a16:creationId xmlns:a16="http://schemas.microsoft.com/office/drawing/2014/main" id="{26E255BB-8A68-032F-1759-6B52F14554AF}"/>
+              </a:ext>
+            </a:extLst>
+          </p:cNvPr>
+          <p:cNvSpPr txBox="1"/>
+          <p:nvPr/>
+        </p:nvSpPr>
+        <p:spPr>
+          <a:xfrm>
+            <a:off x="9690165" y="189826"/>
+            <a:ext cx="1382418" cy="307777"/>
+          </a:xfrm>
+          <a:prstGeom prst="rect">
+            <a:avLst/>
+          </a:prstGeom>
+          <a:noFill/>
+        </p:spPr>
+        <p:txBody>
+          <a:bodyPr wrap="square">
+            <a:spAutoFit/>
+          </a:bodyPr>
+          <a:lstStyle/>
+          <a:p>
+            <a:pPr algn="ctr"/>
+            <a:r>
+              <a:rPr lang="en-US" sz="1400" dirty="0">
+                <a:solidFill>
+                  <a:schemeClr val="tx1"/>
+                </a:solidFill>
+              </a:rPr>
+              <a:t>Module 3**</a:t>
+            </a:r>
+          </a:p>
+        </p:txBody>
+      </p:sp>
+      <p:cxnSp>
+        <p:nvCxnSpPr>
+          <p:cNvPr id="82" name="Straight Arrow Connector 81">
+            <a:extLst>
+              <a:ext uri="{FF2B5EF4-FFF2-40B4-BE49-F238E27FC236}">
+                <a16:creationId xmlns:a16="http://schemas.microsoft.com/office/drawing/2014/main" id="{20AB2DBF-C4D0-8EE3-F8BA-8F0F17FE13BA}"/>
+              </a:ext>
+            </a:extLst>
+          </p:cNvPr>
+          <p:cNvCxnSpPr>
+            <a:cxnSpLocks/>
+          </p:cNvCxnSpPr>
+          <p:nvPr/>
+        </p:nvCxnSpPr>
+        <p:spPr>
+          <a:xfrm>
+            <a:off x="4557488" y="1487005"/>
+            <a:ext cx="6383562" cy="0"/>
+          </a:xfrm>
+          <a:prstGeom prst="straightConnector1">
+            <a:avLst/>
+          </a:prstGeom>
+          <a:ln w="38100">
+            <a:solidFill>
+              <a:srgbClr val="00B050"/>
+            </a:solidFill>
+            <a:tailEnd type="triangle"/>
+          </a:ln>
+        </p:spPr>
+        <p:style>
+          <a:lnRef idx="2">
+            <a:schemeClr val="accent1"/>
+          </a:lnRef>
+          <a:fillRef idx="0">
+            <a:schemeClr val="accent1"/>
+          </a:fillRef>
+          <a:effectRef idx="1">
+            <a:schemeClr val="accent1"/>
+          </a:effectRef>
+          <a:fontRef idx="minor">
+            <a:schemeClr val="tx1"/>
+          </a:fontRef>
+        </p:style>
+      </p:cxnSp>
+      <p:sp>
+        <p:nvSpPr>
+          <p:cNvPr id="72" name="Rectangle 71">
+            <a:extLst>
+              <a:ext uri="{FF2B5EF4-FFF2-40B4-BE49-F238E27FC236}">
+                <a16:creationId xmlns:a16="http://schemas.microsoft.com/office/drawing/2014/main" id="{CCF426B1-FA81-90DF-4E7A-BAA1046582E1}"/>
+              </a:ext>
+            </a:extLst>
+          </p:cNvPr>
+          <p:cNvSpPr/>
+          <p:nvPr/>
+        </p:nvSpPr>
+        <p:spPr>
+          <a:xfrm>
+            <a:off x="6096000" y="1390037"/>
+            <a:ext cx="397575" cy="167941"/>
+          </a:xfrm>
+          <a:prstGeom prst="rect">
+            <a:avLst/>
+          </a:prstGeom>
+          <a:solidFill>
+            <a:srgbClr val="00B050"/>
+          </a:solidFill>
+          <a:ln>
+            <a:solidFill>
+              <a:srgbClr val="00B050"/>
+            </a:solidFill>
+          </a:ln>
+        </p:spPr>
+        <p:style>
+          <a:lnRef idx="2">
+            <a:schemeClr val="accent1">
+              <a:shade val="15000"/>
+            </a:schemeClr>
+          </a:lnRef>
+          <a:fillRef idx="1">
+            <a:schemeClr val="accent1"/>
+          </a:fillRef>
+          <a:effectRef idx="0">
+            <a:schemeClr val="accent1"/>
+          </a:effectRef>
+          <a:fontRef idx="minor">
+            <a:schemeClr val="lt1"/>
+          </a:fontRef>
+        </p:style>
+        <p:txBody>
+          <a:bodyPr rtlCol="0" anchor="ctr"/>
+          <a:lstStyle/>
+          <a:p>
+            <a:pPr algn="ctr"/>
+            <a:r>
+              <a:rPr lang="en-US" sz="800" dirty="0">
+                <a:solidFill>
+                  <a:schemeClr val="tx1"/>
+                </a:solidFill>
+              </a:rPr>
+              <a:t>Test</a:t>
+            </a:r>
+          </a:p>
+        </p:txBody>
+      </p:sp>
+      <p:cxnSp>
+        <p:nvCxnSpPr>
+          <p:cNvPr id="84" name="Straight Arrow Connector 83">
+            <a:extLst>
+              <a:ext uri="{FF2B5EF4-FFF2-40B4-BE49-F238E27FC236}">
+                <a16:creationId xmlns:a16="http://schemas.microsoft.com/office/drawing/2014/main" id="{CB5F7580-4917-A0F5-38DC-62C46C269223}"/>
+              </a:ext>
+            </a:extLst>
+          </p:cNvPr>
+          <p:cNvCxnSpPr>
+            <a:cxnSpLocks/>
+          </p:cNvCxnSpPr>
+          <p:nvPr/>
+        </p:nvCxnSpPr>
+        <p:spPr>
+          <a:xfrm>
+            <a:off x="6430804" y="2083905"/>
+            <a:ext cx="4510246" cy="0"/>
+          </a:xfrm>
+          <a:prstGeom prst="straightConnector1">
+            <a:avLst/>
+          </a:prstGeom>
+          <a:ln w="38100">
+            <a:solidFill>
+              <a:schemeClr val="accent6">
+                <a:lumMod val="75000"/>
+              </a:schemeClr>
+            </a:solidFill>
+            <a:tailEnd type="triangle"/>
+          </a:ln>
+        </p:spPr>
+        <p:style>
+          <a:lnRef idx="2">
+            <a:schemeClr val="accent1"/>
+          </a:lnRef>
+          <a:fillRef idx="0">
+            <a:schemeClr val="accent1"/>
+          </a:fillRef>
+          <a:effectRef idx="1">
+            <a:schemeClr val="accent1"/>
+          </a:effectRef>
+          <a:fontRef idx="minor">
+            <a:schemeClr val="tx1"/>
+          </a:fontRef>
+        </p:style>
+      </p:cxnSp>
+      <p:sp>
+        <p:nvSpPr>
+          <p:cNvPr id="86" name="Oval 85">
+            <a:extLst>
+              <a:ext uri="{FF2B5EF4-FFF2-40B4-BE49-F238E27FC236}">
+                <a16:creationId xmlns:a16="http://schemas.microsoft.com/office/drawing/2014/main" id="{CEB8AACC-882B-EECA-8B0F-3E132B487856}"/>
+              </a:ext>
+            </a:extLst>
+          </p:cNvPr>
+          <p:cNvSpPr/>
+          <p:nvPr/>
+        </p:nvSpPr>
+        <p:spPr>
+          <a:xfrm>
+            <a:off x="10928658" y="1309902"/>
+            <a:ext cx="337421" cy="337421"/>
+          </a:xfrm>
+          <a:prstGeom prst="ellipse">
+            <a:avLst/>
+          </a:prstGeom>
+        </p:spPr>
+        <p:style>
+          <a:lnRef idx="2">
+            <a:schemeClr val="dk1">
+              <a:shade val="15000"/>
+            </a:schemeClr>
+          </a:lnRef>
+          <a:fillRef idx="1">
+            <a:schemeClr val="dk1"/>
+          </a:fillRef>
+          <a:effectRef idx="0">
+            <a:schemeClr val="dk1"/>
+          </a:effectRef>
+          <a:fontRef idx="minor">
+            <a:schemeClr val="lt1"/>
+          </a:fontRef>
+        </p:style>
+        <p:txBody>
+          <a:bodyPr rtlCol="0" anchor="ctr"/>
+          <a:lstStyle/>
+          <a:p>
+            <a:pPr algn="ctr"/>
+            <a:endParaRPr lang="en-US" sz="800" dirty="0"/>
+          </a:p>
+        </p:txBody>
+      </p:sp>
+      <p:sp>
+        <p:nvSpPr>
+          <p:cNvPr id="88" name="TextBox 87">
+            <a:extLst>
+              <a:ext uri="{FF2B5EF4-FFF2-40B4-BE49-F238E27FC236}">
+                <a16:creationId xmlns:a16="http://schemas.microsoft.com/office/drawing/2014/main" id="{7D724698-BD4A-C941-7172-ADF4869AEE18}"/>
+              </a:ext>
+            </a:extLst>
+          </p:cNvPr>
+          <p:cNvSpPr txBox="1"/>
+          <p:nvPr/>
+        </p:nvSpPr>
+        <p:spPr>
+          <a:xfrm>
+            <a:off x="10894402" y="1371753"/>
+            <a:ext cx="426712" cy="215444"/>
+          </a:xfrm>
+          <a:prstGeom prst="rect">
+            <a:avLst/>
+          </a:prstGeom>
+          <a:noFill/>
+        </p:spPr>
+        <p:txBody>
+          <a:bodyPr wrap="square">
+            <a:spAutoFit/>
+          </a:bodyPr>
+          <a:lstStyle/>
+          <a:p>
+            <a:pPr algn="ctr"/>
+            <a:r>
+              <a:rPr lang="en-US" sz="800" dirty="0">
+                <a:solidFill>
+                  <a:schemeClr val="bg1"/>
+                </a:solidFill>
+              </a:rPr>
+              <a:t>End</a:t>
+            </a:r>
+          </a:p>
+        </p:txBody>
+      </p:sp>
+      <p:sp>
+        <p:nvSpPr>
+          <p:cNvPr id="89" name="Oval 88">
+            <a:extLst>
+              <a:ext uri="{FF2B5EF4-FFF2-40B4-BE49-F238E27FC236}">
+                <a16:creationId xmlns:a16="http://schemas.microsoft.com/office/drawing/2014/main" id="{FFC68994-A4CE-6793-E57A-959D2D782358}"/>
+              </a:ext>
+            </a:extLst>
+          </p:cNvPr>
+          <p:cNvSpPr/>
+          <p:nvPr/>
+        </p:nvSpPr>
+        <p:spPr>
+          <a:xfrm>
+            <a:off x="10941050" y="1894160"/>
+            <a:ext cx="337421" cy="337421"/>
+          </a:xfrm>
+          <a:prstGeom prst="ellipse">
+            <a:avLst/>
+          </a:prstGeom>
+        </p:spPr>
+        <p:style>
+          <a:lnRef idx="2">
+            <a:schemeClr val="dk1">
+              <a:shade val="15000"/>
+            </a:schemeClr>
+          </a:lnRef>
+          <a:fillRef idx="1">
+            <a:schemeClr val="dk1"/>
+          </a:fillRef>
+          <a:effectRef idx="0">
+            <a:schemeClr val="dk1"/>
+          </a:effectRef>
+          <a:fontRef idx="minor">
+            <a:schemeClr val="lt1"/>
+          </a:fontRef>
+        </p:style>
+        <p:txBody>
+          <a:bodyPr rtlCol="0" anchor="ctr"/>
+          <a:lstStyle/>
+          <a:p>
+            <a:pPr algn="ctr"/>
+            <a:endParaRPr lang="en-US" sz="800" dirty="0"/>
+          </a:p>
+        </p:txBody>
+      </p:sp>
+      <p:sp>
+        <p:nvSpPr>
+          <p:cNvPr id="90" name="TextBox 89">
+            <a:extLst>
+              <a:ext uri="{FF2B5EF4-FFF2-40B4-BE49-F238E27FC236}">
+                <a16:creationId xmlns:a16="http://schemas.microsoft.com/office/drawing/2014/main" id="{3042964F-58C8-40FE-23E8-60FB730CB105}"/>
+              </a:ext>
+            </a:extLst>
+          </p:cNvPr>
+          <p:cNvSpPr txBox="1"/>
+          <p:nvPr/>
+        </p:nvSpPr>
+        <p:spPr>
+          <a:xfrm>
+            <a:off x="10932850" y="1962048"/>
+            <a:ext cx="365404" cy="215444"/>
+          </a:xfrm>
+          <a:prstGeom prst="rect">
+            <a:avLst/>
+          </a:prstGeom>
+          <a:noFill/>
+        </p:spPr>
+        <p:txBody>
+          <a:bodyPr wrap="square">
+            <a:spAutoFit/>
+          </a:bodyPr>
+          <a:lstStyle/>
+          <a:p>
+            <a:pPr algn="ctr"/>
+            <a:r>
+              <a:rPr lang="en-US" sz="800" dirty="0">
+                <a:solidFill>
+                  <a:schemeClr val="bg1"/>
+                </a:solidFill>
+              </a:rPr>
+              <a:t>End</a:t>
+            </a:r>
+          </a:p>
+        </p:txBody>
+      </p:sp>
+      <p:sp>
+        <p:nvSpPr>
+          <p:cNvPr id="92" name="Oval 91">
+            <a:extLst>
+              <a:ext uri="{FF2B5EF4-FFF2-40B4-BE49-F238E27FC236}">
+                <a16:creationId xmlns:a16="http://schemas.microsoft.com/office/drawing/2014/main" id="{BAEE174A-0344-5225-D69D-2278A5238E90}"/>
+              </a:ext>
+            </a:extLst>
+          </p:cNvPr>
+          <p:cNvSpPr/>
+          <p:nvPr/>
+        </p:nvSpPr>
+        <p:spPr>
+          <a:xfrm>
+            <a:off x="6100159" y="723851"/>
+            <a:ext cx="337421" cy="337421"/>
+          </a:xfrm>
+          <a:prstGeom prst="ellipse">
+            <a:avLst/>
+          </a:prstGeom>
+        </p:spPr>
+        <p:style>
+          <a:lnRef idx="2">
+            <a:schemeClr val="dk1">
+              <a:shade val="15000"/>
+            </a:schemeClr>
+          </a:lnRef>
+          <a:fillRef idx="1">
+            <a:schemeClr val="dk1"/>
+          </a:fillRef>
+          <a:effectRef idx="0">
+            <a:schemeClr val="dk1"/>
+          </a:effectRef>
+          <a:fontRef idx="minor">
+            <a:schemeClr val="lt1"/>
+          </a:fontRef>
+        </p:style>
+        <p:txBody>
+          <a:bodyPr rtlCol="0" anchor="ctr"/>
+          <a:lstStyle/>
+          <a:p>
+            <a:pPr algn="ctr"/>
+            <a:endParaRPr lang="en-US" sz="800" dirty="0"/>
+          </a:p>
+        </p:txBody>
+      </p:sp>
+      <p:sp>
+        <p:nvSpPr>
+          <p:cNvPr id="93" name="TextBox 92">
+            <a:extLst>
+              <a:ext uri="{FF2B5EF4-FFF2-40B4-BE49-F238E27FC236}">
+                <a16:creationId xmlns:a16="http://schemas.microsoft.com/office/drawing/2014/main" id="{FDA815A7-E04A-62F8-BEB1-CBAFDCF204E1}"/>
+              </a:ext>
+            </a:extLst>
+          </p:cNvPr>
+          <p:cNvSpPr txBox="1"/>
+          <p:nvPr/>
+        </p:nvSpPr>
+        <p:spPr>
+          <a:xfrm>
+            <a:off x="5954451" y="791739"/>
+            <a:ext cx="636586" cy="215444"/>
+          </a:xfrm>
+          <a:prstGeom prst="rect">
+            <a:avLst/>
+          </a:prstGeom>
+          <a:noFill/>
+        </p:spPr>
+        <p:txBody>
+          <a:bodyPr wrap="square">
+            <a:spAutoFit/>
+          </a:bodyPr>
+          <a:lstStyle/>
+          <a:p>
+            <a:pPr algn="ctr"/>
+            <a:r>
+              <a:rPr lang="en-US" sz="800" dirty="0">
+                <a:solidFill>
+                  <a:schemeClr val="bg1"/>
+                </a:solidFill>
+              </a:rPr>
+              <a:t>End</a:t>
+            </a:r>
+          </a:p>
+        </p:txBody>
+      </p:sp>
+      <p:sp>
+        <p:nvSpPr>
+          <p:cNvPr id="94" name="Rectangle 93">
+            <a:extLst>
+              <a:ext uri="{FF2B5EF4-FFF2-40B4-BE49-F238E27FC236}">
+                <a16:creationId xmlns:a16="http://schemas.microsoft.com/office/drawing/2014/main" id="{0BD259E1-9540-88BF-68EA-367D2C25AFC4}"/>
+              </a:ext>
+            </a:extLst>
+          </p:cNvPr>
+          <p:cNvSpPr/>
+          <p:nvPr/>
+        </p:nvSpPr>
+        <p:spPr>
+          <a:xfrm>
+            <a:off x="11517994" y="510201"/>
+            <a:ext cx="1583249" cy="1782563"/>
+          </a:xfrm>
+          <a:prstGeom prst="rect">
+            <a:avLst/>
+          </a:prstGeom>
+          <a:noFill/>
+          <a:ln>
+            <a:solidFill>
+              <a:schemeClr val="tx1"/>
+            </a:solidFill>
+          </a:ln>
+        </p:spPr>
+        <p:style>
+          <a:lnRef idx="2">
+            <a:schemeClr val="accent1">
+              <a:shade val="15000"/>
+            </a:schemeClr>
+          </a:lnRef>
+          <a:fillRef idx="1">
+            <a:schemeClr val="accent1"/>
+          </a:fillRef>
+          <a:effectRef idx="0">
+            <a:schemeClr val="accent1"/>
+          </a:effectRef>
+          <a:fontRef idx="minor">
+            <a:schemeClr val="lt1"/>
+          </a:fontRef>
+        </p:style>
+        <p:txBody>
+          <a:bodyPr rtlCol="0" anchor="ctr"/>
+          <a:lstStyle/>
+          <a:p>
+            <a:endParaRPr lang="en-US" dirty="0">
+              <a:solidFill>
+                <a:schemeClr val="tx1"/>
+              </a:solidFill>
+            </a:endParaRPr>
+          </a:p>
+        </p:txBody>
+      </p:sp>
+      <p:sp>
+        <p:nvSpPr>
+          <p:cNvPr id="95" name="Rectangle 94">
+            <a:extLst>
+              <a:ext uri="{FF2B5EF4-FFF2-40B4-BE49-F238E27FC236}">
+                <a16:creationId xmlns:a16="http://schemas.microsoft.com/office/drawing/2014/main" id="{7371D708-787D-5FB5-B3C7-AEB0D24FAF8C}"/>
+              </a:ext>
+            </a:extLst>
+          </p:cNvPr>
+          <p:cNvSpPr/>
+          <p:nvPr/>
+        </p:nvSpPr>
+        <p:spPr>
+          <a:xfrm>
+            <a:off x="11443462" y="1687134"/>
+            <a:ext cx="462926" cy="159392"/>
+          </a:xfrm>
+          <a:prstGeom prst="rect">
+            <a:avLst/>
+          </a:prstGeom>
+          <a:solidFill>
+            <a:srgbClr val="00B050"/>
+          </a:solidFill>
+          <a:ln>
+            <a:solidFill>
+              <a:srgbClr val="00B050"/>
+            </a:solidFill>
+          </a:ln>
+        </p:spPr>
+        <p:style>
+          <a:lnRef idx="2">
+            <a:schemeClr val="accent1">
+              <a:shade val="15000"/>
+            </a:schemeClr>
+          </a:lnRef>
+          <a:fillRef idx="1">
+            <a:schemeClr val="accent1"/>
+          </a:fillRef>
+          <a:effectRef idx="0">
+            <a:schemeClr val="accent1"/>
+          </a:effectRef>
+          <a:fontRef idx="minor">
+            <a:schemeClr val="lt1"/>
+          </a:fontRef>
+        </p:style>
+        <p:txBody>
+          <a:bodyPr rtlCol="0" anchor="ctr"/>
+          <a:lstStyle/>
+          <a:p>
+            <a:pPr algn="ctr"/>
+            <a:r>
+              <a:rPr lang="en-US" sz="800" dirty="0">
+                <a:solidFill>
+                  <a:schemeClr val="tx1"/>
+                </a:solidFill>
+              </a:rPr>
+              <a:t>Test</a:t>
+            </a:r>
+          </a:p>
+        </p:txBody>
+      </p:sp>
+      <p:cxnSp>
+        <p:nvCxnSpPr>
+          <p:cNvPr id="97" name="Connector: Elbow 96">
+            <a:extLst>
+              <a:ext uri="{FF2B5EF4-FFF2-40B4-BE49-F238E27FC236}">
+                <a16:creationId xmlns:a16="http://schemas.microsoft.com/office/drawing/2014/main" id="{C52992F3-C38B-A410-4EA8-AC7FF64E5F40}"/>
+              </a:ext>
+            </a:extLst>
+          </p:cNvPr>
+          <p:cNvCxnSpPr>
+            <a:cxnSpLocks/>
+            <a:stCxn id="86" idx="6"/>
+            <a:endCxn id="95" idx="0"/>
+          </p:cNvCxnSpPr>
+          <p:nvPr/>
+        </p:nvCxnSpPr>
+        <p:spPr>
+          <a:xfrm>
+            <a:off x="11266079" y="1478613"/>
+            <a:ext cx="408846" cy="208521"/>
+          </a:xfrm>
+          <a:prstGeom prst="bentConnector2">
+            <a:avLst/>
+          </a:prstGeom>
+          <a:ln w="38100">
+            <a:solidFill>
+              <a:srgbClr val="00B050"/>
+            </a:solidFill>
+            <a:tailEnd type="triangle"/>
+          </a:ln>
+        </p:spPr>
+        <p:style>
+          <a:lnRef idx="2">
+            <a:schemeClr val="accent1"/>
+          </a:lnRef>
+          <a:fillRef idx="0">
+            <a:schemeClr val="accent1"/>
+          </a:fillRef>
+          <a:effectRef idx="1">
+            <a:schemeClr val="accent1"/>
+          </a:effectRef>
+          <a:fontRef idx="minor">
+            <a:schemeClr val="tx1"/>
+          </a:fontRef>
+        </p:style>
+      </p:cxnSp>
+      <p:cxnSp>
+        <p:nvCxnSpPr>
+          <p:cNvPr id="101" name="Connector: Elbow 100">
+            <a:extLst>
+              <a:ext uri="{FF2B5EF4-FFF2-40B4-BE49-F238E27FC236}">
+                <a16:creationId xmlns:a16="http://schemas.microsoft.com/office/drawing/2014/main" id="{5E5CF676-FE6B-3C20-4DB7-2C358D11B3C1}"/>
+              </a:ext>
+            </a:extLst>
+          </p:cNvPr>
+          <p:cNvCxnSpPr>
+            <a:cxnSpLocks/>
+            <a:stCxn id="89" idx="6"/>
+            <a:endCxn id="95" idx="2"/>
+          </p:cNvCxnSpPr>
+          <p:nvPr/>
+        </p:nvCxnSpPr>
+        <p:spPr>
+          <a:xfrm flipV="1">
+            <a:off x="11278471" y="1846526"/>
+            <a:ext cx="396454" cy="216345"/>
+          </a:xfrm>
+          <a:prstGeom prst="bentConnector2">
+            <a:avLst/>
+          </a:prstGeom>
+          <a:ln w="38100">
+            <a:solidFill>
+              <a:schemeClr val="accent6">
+                <a:lumMod val="75000"/>
+              </a:schemeClr>
+            </a:solidFill>
+            <a:tailEnd type="triangle"/>
+          </a:ln>
+        </p:spPr>
+        <p:style>
+          <a:lnRef idx="2">
+            <a:schemeClr val="accent1"/>
+          </a:lnRef>
+          <a:fillRef idx="0">
+            <a:schemeClr val="accent1"/>
+          </a:fillRef>
+          <a:effectRef idx="1">
+            <a:schemeClr val="accent1"/>
+          </a:effectRef>
+          <a:fontRef idx="minor">
+            <a:schemeClr val="tx1"/>
+          </a:fontRef>
+        </p:style>
+      </p:cxnSp>
+      <p:sp>
+        <p:nvSpPr>
+          <p:cNvPr id="107" name="TextBox 106">
+            <a:extLst>
+              <a:ext uri="{FF2B5EF4-FFF2-40B4-BE49-F238E27FC236}">
+                <a16:creationId xmlns:a16="http://schemas.microsoft.com/office/drawing/2014/main" id="{8819CD17-70E0-E0B5-1103-F20E61EFFF86}"/>
+              </a:ext>
+            </a:extLst>
+          </p:cNvPr>
+          <p:cNvSpPr txBox="1"/>
+          <p:nvPr/>
+        </p:nvSpPr>
+        <p:spPr>
+          <a:xfrm>
+            <a:off x="11566201" y="182297"/>
+            <a:ext cx="1382418" cy="307777"/>
+          </a:xfrm>
+          <a:prstGeom prst="rect">
+            <a:avLst/>
+          </a:prstGeom>
+          <a:noFill/>
+        </p:spPr>
+        <p:txBody>
+          <a:bodyPr wrap="square">
+            <a:spAutoFit/>
+          </a:bodyPr>
+          <a:lstStyle/>
+          <a:p>
+            <a:pPr algn="ctr"/>
+            <a:r>
+              <a:rPr lang="en-US" sz="1400" dirty="0">
+                <a:solidFill>
+                  <a:schemeClr val="tx1"/>
+                </a:solidFill>
+              </a:rPr>
+              <a:t>Project*</a:t>
+            </a:r>
+          </a:p>
+        </p:txBody>
+      </p:sp>
+      <p:sp>
+        <p:nvSpPr>
+          <p:cNvPr id="108" name="Rectangle 107">
+            <a:extLst>
+              <a:ext uri="{FF2B5EF4-FFF2-40B4-BE49-F238E27FC236}">
+                <a16:creationId xmlns:a16="http://schemas.microsoft.com/office/drawing/2014/main" id="{F5FBAD78-0AB5-B282-ECC8-A9EBBB2FD1F2}"/>
+              </a:ext>
+            </a:extLst>
+          </p:cNvPr>
+          <p:cNvSpPr/>
+          <p:nvPr/>
+        </p:nvSpPr>
+        <p:spPr>
+          <a:xfrm>
+            <a:off x="2035922" y="2704964"/>
+            <a:ext cx="2521566" cy="471230"/>
+          </a:xfrm>
+          <a:prstGeom prst="rect">
+            <a:avLst/>
+          </a:prstGeom>
+          <a:noFill/>
+          <a:ln>
+            <a:solidFill>
+              <a:schemeClr val="accent5"/>
+            </a:solidFill>
+          </a:ln>
+        </p:spPr>
+        <p:style>
+          <a:lnRef idx="2">
+            <a:schemeClr val="accent1">
+              <a:shade val="15000"/>
+            </a:schemeClr>
+          </a:lnRef>
+          <a:fillRef idx="1">
+            <a:schemeClr val="accent1"/>
+          </a:fillRef>
+          <a:effectRef idx="0">
+            <a:schemeClr val="accent1"/>
+          </a:effectRef>
+          <a:fontRef idx="minor">
+            <a:schemeClr val="lt1"/>
+          </a:fontRef>
+        </p:style>
+        <p:txBody>
+          <a:bodyPr rtlCol="0" anchor="ctr"/>
+          <a:lstStyle/>
+          <a:p>
+            <a:r>
+              <a:rPr lang="en-US" dirty="0">
+                <a:solidFill>
+                  <a:schemeClr val="tx1"/>
+                </a:solidFill>
+              </a:rPr>
+              <a:t>Staff</a:t>
+            </a:r>
+          </a:p>
+        </p:txBody>
+      </p:sp>
+      <p:sp>
+        <p:nvSpPr>
+          <p:cNvPr id="112" name="Rectangle 111">
+            <a:extLst>
+              <a:ext uri="{FF2B5EF4-FFF2-40B4-BE49-F238E27FC236}">
+                <a16:creationId xmlns:a16="http://schemas.microsoft.com/office/drawing/2014/main" id="{85547843-F385-CE39-8B61-4F0934A340A5}"/>
+              </a:ext>
+            </a:extLst>
+          </p:cNvPr>
+          <p:cNvSpPr/>
+          <p:nvPr/>
+        </p:nvSpPr>
+        <p:spPr>
+          <a:xfrm>
+            <a:off x="2039258" y="3267853"/>
+            <a:ext cx="2521566" cy="471230"/>
+          </a:xfrm>
+          <a:prstGeom prst="rect">
+            <a:avLst/>
+          </a:prstGeom>
+          <a:noFill/>
+          <a:ln>
+            <a:solidFill>
+              <a:schemeClr val="accent5">
+                <a:lumMod val="60000"/>
+                <a:lumOff val="40000"/>
+              </a:schemeClr>
+            </a:solidFill>
+          </a:ln>
+        </p:spPr>
+        <p:style>
+          <a:lnRef idx="2">
+            <a:schemeClr val="accent1">
+              <a:shade val="15000"/>
+            </a:schemeClr>
+          </a:lnRef>
+          <a:fillRef idx="1">
+            <a:schemeClr val="accent1"/>
+          </a:fillRef>
+          <a:effectRef idx="0">
+            <a:schemeClr val="accent1"/>
+          </a:effectRef>
+          <a:fontRef idx="minor">
+            <a:schemeClr val="lt1"/>
+          </a:fontRef>
+        </p:style>
+        <p:txBody>
+          <a:bodyPr rtlCol="0" anchor="ctr"/>
+          <a:lstStyle/>
+          <a:p>
+            <a:r>
+              <a:rPr lang="en-US" dirty="0">
+                <a:solidFill>
+                  <a:schemeClr val="tx1"/>
+                </a:solidFill>
+              </a:rPr>
+              <a:t>Partner</a:t>
+            </a:r>
+          </a:p>
+        </p:txBody>
+      </p:sp>
+      <p:sp>
+        <p:nvSpPr>
+          <p:cNvPr id="113" name="Rectangle 112">
+            <a:extLst>
+              <a:ext uri="{FF2B5EF4-FFF2-40B4-BE49-F238E27FC236}">
+                <a16:creationId xmlns:a16="http://schemas.microsoft.com/office/drawing/2014/main" id="{E35DFECE-B982-6B30-CF20-61A324E29B08}"/>
+              </a:ext>
+            </a:extLst>
+          </p:cNvPr>
+          <p:cNvSpPr/>
+          <p:nvPr/>
+        </p:nvSpPr>
+        <p:spPr>
+          <a:xfrm>
+            <a:off x="2048547" y="3971186"/>
+            <a:ext cx="2521566" cy="471230"/>
+          </a:xfrm>
+          <a:prstGeom prst="rect">
+            <a:avLst/>
+          </a:prstGeom>
+          <a:noFill/>
+          <a:ln>
+            <a:solidFill>
+              <a:schemeClr val="accent1">
+                <a:lumMod val="60000"/>
+                <a:lumOff val="40000"/>
+              </a:schemeClr>
+            </a:solidFill>
+          </a:ln>
+        </p:spPr>
+        <p:style>
+          <a:lnRef idx="2">
+            <a:schemeClr val="accent1">
+              <a:shade val="15000"/>
+            </a:schemeClr>
+          </a:lnRef>
+          <a:fillRef idx="1">
+            <a:schemeClr val="accent1"/>
+          </a:fillRef>
+          <a:effectRef idx="0">
+            <a:schemeClr val="accent1"/>
+          </a:effectRef>
+          <a:fontRef idx="minor">
+            <a:schemeClr val="lt1"/>
+          </a:fontRef>
+        </p:style>
+        <p:txBody>
+          <a:bodyPr rtlCol="0" anchor="ctr"/>
+          <a:lstStyle/>
+          <a:p>
+            <a:r>
+              <a:rPr lang="en-US" dirty="0">
+                <a:solidFill>
+                  <a:schemeClr val="tx1"/>
+                </a:solidFill>
+              </a:rPr>
+              <a:t>Mentor</a:t>
+            </a:r>
+          </a:p>
+        </p:txBody>
+      </p:sp>
+      <p:sp>
+        <p:nvSpPr>
+          <p:cNvPr id="114" name="Rectangle 113">
+            <a:extLst>
+              <a:ext uri="{FF2B5EF4-FFF2-40B4-BE49-F238E27FC236}">
+                <a16:creationId xmlns:a16="http://schemas.microsoft.com/office/drawing/2014/main" id="{75C03046-A34E-E551-9FCB-490B55E92513}"/>
+              </a:ext>
+            </a:extLst>
+          </p:cNvPr>
+          <p:cNvSpPr/>
+          <p:nvPr/>
+        </p:nvSpPr>
+        <p:spPr>
+          <a:xfrm>
+            <a:off x="2051883" y="4534075"/>
+            <a:ext cx="2521566" cy="471230"/>
+          </a:xfrm>
+          <a:prstGeom prst="rect">
+            <a:avLst/>
+          </a:prstGeom>
+          <a:noFill/>
+          <a:ln>
+            <a:solidFill>
+              <a:schemeClr val="tx2">
+                <a:lumMod val="75000"/>
+                <a:lumOff val="25000"/>
+              </a:schemeClr>
+            </a:solidFill>
+          </a:ln>
+        </p:spPr>
+        <p:style>
+          <a:lnRef idx="2">
+            <a:schemeClr val="accent1">
+              <a:shade val="15000"/>
+            </a:schemeClr>
+          </a:lnRef>
+          <a:fillRef idx="1">
+            <a:schemeClr val="accent1"/>
+          </a:fillRef>
+          <a:effectRef idx="0">
+            <a:schemeClr val="accent1"/>
+          </a:effectRef>
+          <a:fontRef idx="minor">
+            <a:schemeClr val="lt1"/>
+          </a:fontRef>
+        </p:style>
+        <p:txBody>
+          <a:bodyPr rtlCol="0" anchor="ctr"/>
+          <a:lstStyle/>
+          <a:p>
+            <a:r>
+              <a:rPr lang="en-US" dirty="0">
+                <a:solidFill>
+                  <a:schemeClr val="tx1"/>
+                </a:solidFill>
+              </a:rPr>
+              <a:t>Advisor</a:t>
+            </a:r>
+          </a:p>
+        </p:txBody>
+      </p:sp>
+      <p:sp>
+        <p:nvSpPr>
+          <p:cNvPr id="120" name="TextBox 119">
+            <a:extLst>
+              <a:ext uri="{FF2B5EF4-FFF2-40B4-BE49-F238E27FC236}">
+                <a16:creationId xmlns:a16="http://schemas.microsoft.com/office/drawing/2014/main" id="{66A1C7FA-2777-3BF5-C68C-25388E74F2D2}"/>
+              </a:ext>
+            </a:extLst>
+          </p:cNvPr>
+          <p:cNvSpPr txBox="1"/>
+          <p:nvPr/>
+        </p:nvSpPr>
+        <p:spPr>
+          <a:xfrm>
+            <a:off x="6493575" y="-187035"/>
+            <a:ext cx="1142283" cy="369332"/>
+          </a:xfrm>
+          <a:prstGeom prst="rect">
+            <a:avLst/>
+          </a:prstGeom>
+          <a:noFill/>
+        </p:spPr>
+        <p:txBody>
+          <a:bodyPr wrap="square" rtlCol="0">
+            <a:spAutoFit/>
+          </a:bodyPr>
+          <a:lstStyle/>
+          <a:p>
+            <a:pPr algn="ctr"/>
+            <a:r>
+              <a:rPr lang="en-US" dirty="0"/>
+              <a:t>3 months</a:t>
+            </a:r>
+          </a:p>
+        </p:txBody>
+      </p:sp>
+      <p:sp>
+        <p:nvSpPr>
+          <p:cNvPr id="121" name="TextBox 120">
+            <a:extLst>
+              <a:ext uri="{FF2B5EF4-FFF2-40B4-BE49-F238E27FC236}">
+                <a16:creationId xmlns:a16="http://schemas.microsoft.com/office/drawing/2014/main" id="{7FA9783D-384C-8ADE-D244-E07854C01A43}"/>
+              </a:ext>
+            </a:extLst>
+          </p:cNvPr>
+          <p:cNvSpPr txBox="1"/>
+          <p:nvPr/>
+        </p:nvSpPr>
+        <p:spPr>
+          <a:xfrm>
+            <a:off x="8120394" y="-179929"/>
+            <a:ext cx="1142283" cy="369332"/>
+          </a:xfrm>
+          <a:prstGeom prst="rect">
+            <a:avLst/>
+          </a:prstGeom>
+          <a:noFill/>
+        </p:spPr>
+        <p:txBody>
+          <a:bodyPr wrap="square" rtlCol="0">
+            <a:spAutoFit/>
+          </a:bodyPr>
+          <a:lstStyle/>
+          <a:p>
+            <a:pPr algn="ctr"/>
+            <a:r>
+              <a:rPr lang="en-US" dirty="0"/>
+              <a:t>3 months</a:t>
+            </a:r>
+          </a:p>
+        </p:txBody>
+      </p:sp>
+      <p:sp>
+        <p:nvSpPr>
+          <p:cNvPr id="122" name="TextBox 121">
+            <a:extLst>
+              <a:ext uri="{FF2B5EF4-FFF2-40B4-BE49-F238E27FC236}">
+                <a16:creationId xmlns:a16="http://schemas.microsoft.com/office/drawing/2014/main" id="{1607732E-03D6-F0B4-7BC4-882B2709F5BA}"/>
+              </a:ext>
+            </a:extLst>
+          </p:cNvPr>
+          <p:cNvSpPr txBox="1"/>
+          <p:nvPr/>
+        </p:nvSpPr>
+        <p:spPr>
+          <a:xfrm>
+            <a:off x="9681151" y="-179929"/>
+            <a:ext cx="1142283" cy="369332"/>
+          </a:xfrm>
+          <a:prstGeom prst="rect">
+            <a:avLst/>
+          </a:prstGeom>
+          <a:noFill/>
+        </p:spPr>
+        <p:txBody>
+          <a:bodyPr wrap="square" rtlCol="0">
+            <a:spAutoFit/>
+          </a:bodyPr>
+          <a:lstStyle/>
+          <a:p>
+            <a:pPr algn="ctr"/>
+            <a:r>
+              <a:rPr lang="en-US" dirty="0"/>
+              <a:t>3 months</a:t>
+            </a:r>
+          </a:p>
+        </p:txBody>
+      </p:sp>
+      <p:cxnSp>
+        <p:nvCxnSpPr>
+          <p:cNvPr id="124" name="Connector: Curved 123">
+            <a:extLst>
+              <a:ext uri="{FF2B5EF4-FFF2-40B4-BE49-F238E27FC236}">
+                <a16:creationId xmlns:a16="http://schemas.microsoft.com/office/drawing/2014/main" id="{C167DAEC-5242-224E-B770-135A0E27D3B7}"/>
+              </a:ext>
+            </a:extLst>
+          </p:cNvPr>
+          <p:cNvCxnSpPr>
+            <a:cxnSpLocks/>
+            <a:stCxn id="63" idx="0"/>
+            <a:endCxn id="120" idx="0"/>
+          </p:cNvCxnSpPr>
+          <p:nvPr/>
+        </p:nvCxnSpPr>
+        <p:spPr>
+          <a:xfrm rot="5400000" flipH="1" flipV="1">
+            <a:off x="6284338" y="-967413"/>
+            <a:ext cx="12700" cy="1560757"/>
+          </a:xfrm>
+          <a:prstGeom prst="curvedConnector3">
+            <a:avLst>
+              <a:gd name="adj1" fmla="val 1800000"/>
+            </a:avLst>
+          </a:prstGeom>
+          <a:ln>
+            <a:tailEnd type="triangle"/>
+          </a:ln>
+        </p:spPr>
+        <p:style>
+          <a:lnRef idx="2">
+            <a:schemeClr val="dk1"/>
+          </a:lnRef>
+          <a:fillRef idx="0">
+            <a:schemeClr val="dk1"/>
+          </a:fillRef>
+          <a:effectRef idx="1">
+            <a:schemeClr val="dk1"/>
+          </a:effectRef>
+          <a:fontRef idx="minor">
+            <a:schemeClr val="tx1"/>
+          </a:fontRef>
+        </p:style>
+      </p:cxnSp>
+      <p:cxnSp>
+        <p:nvCxnSpPr>
+          <p:cNvPr id="127" name="Connector: Curved 126">
+            <a:extLst>
+              <a:ext uri="{FF2B5EF4-FFF2-40B4-BE49-F238E27FC236}">
+                <a16:creationId xmlns:a16="http://schemas.microsoft.com/office/drawing/2014/main" id="{1DE53310-E78C-20D3-3F13-6F79ED9E0B73}"/>
+              </a:ext>
+            </a:extLst>
+          </p:cNvPr>
+          <p:cNvCxnSpPr>
+            <a:cxnSpLocks/>
+            <a:stCxn id="120" idx="0"/>
+            <a:endCxn id="121" idx="0"/>
+          </p:cNvCxnSpPr>
+          <p:nvPr/>
+        </p:nvCxnSpPr>
+        <p:spPr>
+          <a:xfrm rot="16200000" flipH="1">
+            <a:off x="7874573" y="-996891"/>
+            <a:ext cx="7106" cy="1626819"/>
+          </a:xfrm>
+          <a:prstGeom prst="curvedConnector3">
+            <a:avLst>
+              <a:gd name="adj1" fmla="val -3217000"/>
+            </a:avLst>
+          </a:prstGeom>
+          <a:ln>
+            <a:tailEnd type="triangle"/>
+          </a:ln>
+        </p:spPr>
+        <p:style>
+          <a:lnRef idx="2">
+            <a:schemeClr val="dk1"/>
+          </a:lnRef>
+          <a:fillRef idx="0">
+            <a:schemeClr val="dk1"/>
+          </a:fillRef>
+          <a:effectRef idx="1">
+            <a:schemeClr val="dk1"/>
+          </a:effectRef>
+          <a:fontRef idx="minor">
+            <a:schemeClr val="tx1"/>
+          </a:fontRef>
+        </p:style>
+      </p:cxnSp>
+      <p:cxnSp>
+        <p:nvCxnSpPr>
+          <p:cNvPr id="130" name="Connector: Curved 129">
+            <a:extLst>
+              <a:ext uri="{FF2B5EF4-FFF2-40B4-BE49-F238E27FC236}">
+                <a16:creationId xmlns:a16="http://schemas.microsoft.com/office/drawing/2014/main" id="{1270A273-260B-7C4D-A08C-34EFF3413A5E}"/>
+              </a:ext>
+            </a:extLst>
+          </p:cNvPr>
+          <p:cNvCxnSpPr>
+            <a:cxnSpLocks/>
+            <a:stCxn id="121" idx="0"/>
+            <a:endCxn id="122" idx="0"/>
+          </p:cNvCxnSpPr>
+          <p:nvPr/>
+        </p:nvCxnSpPr>
+        <p:spPr>
+          <a:xfrm rot="5400000" flipH="1" flipV="1">
+            <a:off x="9471914" y="-960307"/>
+            <a:ext cx="12700" cy="1560757"/>
+          </a:xfrm>
+          <a:prstGeom prst="curvedConnector3">
+            <a:avLst>
+              <a:gd name="adj1" fmla="val 1800000"/>
+            </a:avLst>
+          </a:prstGeom>
+          <a:ln>
+            <a:tailEnd type="triangle"/>
+          </a:ln>
+        </p:spPr>
+        <p:style>
+          <a:lnRef idx="2">
+            <a:schemeClr val="dk1"/>
+          </a:lnRef>
+          <a:fillRef idx="0">
+            <a:schemeClr val="dk1"/>
+          </a:fillRef>
+          <a:effectRef idx="1">
+            <a:schemeClr val="dk1"/>
+          </a:effectRef>
+          <a:fontRef idx="minor">
+            <a:schemeClr val="tx1"/>
+          </a:fontRef>
+        </p:style>
+      </p:cxnSp>
+      <p:sp>
+        <p:nvSpPr>
+          <p:cNvPr id="136" name="TextBox 135">
+            <a:extLst>
+              <a:ext uri="{FF2B5EF4-FFF2-40B4-BE49-F238E27FC236}">
+                <a16:creationId xmlns:a16="http://schemas.microsoft.com/office/drawing/2014/main" id="{B74E1A4C-9060-3B14-48D6-F3C21F82C374}"/>
+              </a:ext>
+            </a:extLst>
+          </p:cNvPr>
+          <p:cNvSpPr txBox="1"/>
+          <p:nvPr/>
+        </p:nvSpPr>
+        <p:spPr>
+          <a:xfrm>
+            <a:off x="11566201" y="576417"/>
+            <a:ext cx="1790700" cy="646331"/>
+          </a:xfrm>
+          <a:prstGeom prst="rect">
+            <a:avLst/>
+          </a:prstGeom>
+          <a:noFill/>
+        </p:spPr>
+        <p:txBody>
+          <a:bodyPr wrap="square" rtlCol="0">
+            <a:spAutoFit/>
+          </a:bodyPr>
+          <a:lstStyle/>
+          <a:p>
+            <a:r>
+              <a:rPr lang="en-US" dirty="0"/>
+              <a:t>Project 1,2</a:t>
+            </a:r>
+          </a:p>
+          <a:p>
+            <a:r>
+              <a:rPr lang="en-US" dirty="0"/>
+              <a:t>Thesis</a:t>
+            </a:r>
+          </a:p>
+        </p:txBody>
+      </p:sp>
+      <p:pic>
+        <p:nvPicPr>
+          <p:cNvPr id="138" name="Picture 137" descr="A black and white logo with a brain">
+            <a:extLst>
+              <a:ext uri="{FF2B5EF4-FFF2-40B4-BE49-F238E27FC236}">
+                <a16:creationId xmlns:a16="http://schemas.microsoft.com/office/drawing/2014/main" id="{02EB5EC5-5A9D-6630-F7CB-F85C0501DEA0}"/>
+              </a:ext>
+            </a:extLst>
+          </p:cNvPr>
+          <p:cNvPicPr>
+            <a:picLocks noChangeAspect="1"/>
+          </p:cNvPicPr>
+          <p:nvPr/>
+        </p:nvPicPr>
+        <p:blipFill>
+          <a:blip r:embed="rId2">
+            <a:extLst>
+              <a:ext uri="{28A0092B-C50C-407E-A947-70E740481C1C}">
+                <a14:useLocalDpi xmlns:a14="http://schemas.microsoft.com/office/drawing/2010/main" val="0"/>
+              </a:ext>
+            </a:extLst>
+          </a:blip>
+          <a:stretch>
+            <a:fillRect/>
+          </a:stretch>
+        </p:blipFill>
+        <p:spPr>
+          <a:xfrm>
+            <a:off x="455707" y="-316884"/>
+            <a:ext cx="808112" cy="1012574"/>
+          </a:xfrm>
+          <a:prstGeom prst="rect">
+            <a:avLst/>
+          </a:prstGeom>
+        </p:spPr>
+      </p:pic>
+      <p:sp>
+        <p:nvSpPr>
+          <p:cNvPr id="139" name="Rectangle 138">
+            <a:extLst>
+              <a:ext uri="{FF2B5EF4-FFF2-40B4-BE49-F238E27FC236}">
+                <a16:creationId xmlns:a16="http://schemas.microsoft.com/office/drawing/2014/main" id="{3E893622-3B8D-A7B1-1F45-735412E9DE75}"/>
+              </a:ext>
+            </a:extLst>
+          </p:cNvPr>
+          <p:cNvSpPr/>
+          <p:nvPr/>
+        </p:nvSpPr>
+        <p:spPr>
+          <a:xfrm>
+            <a:off x="4827934" y="2718173"/>
+            <a:ext cx="911209" cy="1035225"/>
+          </a:xfrm>
+          <a:prstGeom prst="rect">
+            <a:avLst/>
+          </a:prstGeom>
+          <a:noFill/>
+          <a:ln>
+            <a:solidFill>
+              <a:schemeClr val="tx1"/>
+            </a:solidFill>
+          </a:ln>
+        </p:spPr>
+        <p:style>
+          <a:lnRef idx="2">
+            <a:schemeClr val="accent1">
+              <a:shade val="15000"/>
+            </a:schemeClr>
+          </a:lnRef>
+          <a:fillRef idx="1">
+            <a:schemeClr val="accent1"/>
+          </a:fillRef>
+          <a:effectRef idx="0">
+            <a:schemeClr val="accent1"/>
+          </a:effectRef>
+          <a:fontRef idx="minor">
+            <a:schemeClr val="lt1"/>
+          </a:fontRef>
+        </p:style>
+        <p:txBody>
+          <a:bodyPr rtlCol="0" anchor="ctr"/>
+          <a:lstStyle/>
+          <a:p>
+            <a:endParaRPr lang="en-US" dirty="0">
+              <a:solidFill>
+                <a:schemeClr val="tx1"/>
+              </a:solidFill>
+            </a:endParaRPr>
+          </a:p>
+        </p:txBody>
+      </p:sp>
+      <p:sp>
+        <p:nvSpPr>
+          <p:cNvPr id="140" name="TextBox 139">
+            <a:extLst>
+              <a:ext uri="{FF2B5EF4-FFF2-40B4-BE49-F238E27FC236}">
+                <a16:creationId xmlns:a16="http://schemas.microsoft.com/office/drawing/2014/main" id="{C431D182-90F0-A7E7-8C27-838F32530F96}"/>
+              </a:ext>
+            </a:extLst>
+          </p:cNvPr>
+          <p:cNvSpPr txBox="1"/>
+          <p:nvPr/>
+        </p:nvSpPr>
+        <p:spPr>
+          <a:xfrm>
+            <a:off x="4864174" y="3070110"/>
+            <a:ext cx="874969" cy="369332"/>
+          </a:xfrm>
+          <a:prstGeom prst="rect">
+            <a:avLst/>
+          </a:prstGeom>
+          <a:noFill/>
+        </p:spPr>
+        <p:txBody>
+          <a:bodyPr wrap="square" rtlCol="0">
+            <a:spAutoFit/>
+          </a:bodyPr>
+          <a:lstStyle/>
+          <a:p>
+            <a:pPr algn="ctr"/>
+            <a:r>
+              <a:rPr lang="en-US" dirty="0"/>
+              <a:t>Design</a:t>
+            </a:r>
+          </a:p>
+        </p:txBody>
+      </p:sp>
+      <p:sp>
+        <p:nvSpPr>
+          <p:cNvPr id="141" name="Rectangle 140">
+            <a:extLst>
+              <a:ext uri="{FF2B5EF4-FFF2-40B4-BE49-F238E27FC236}">
+                <a16:creationId xmlns:a16="http://schemas.microsoft.com/office/drawing/2014/main" id="{6F782BBF-D5DF-46EF-68B7-C85DBD206B77}"/>
+              </a:ext>
+            </a:extLst>
+          </p:cNvPr>
+          <p:cNvSpPr/>
+          <p:nvPr/>
+        </p:nvSpPr>
+        <p:spPr>
+          <a:xfrm>
+            <a:off x="7004010" y="2725282"/>
+            <a:ext cx="1315268" cy="1023822"/>
+          </a:xfrm>
+          <a:prstGeom prst="rect">
+            <a:avLst/>
+          </a:prstGeom>
+          <a:noFill/>
+          <a:ln>
+            <a:solidFill>
+              <a:schemeClr val="tx1"/>
+            </a:solidFill>
+          </a:ln>
+        </p:spPr>
+        <p:style>
+          <a:lnRef idx="2">
+            <a:schemeClr val="accent1">
+              <a:shade val="15000"/>
+            </a:schemeClr>
+          </a:lnRef>
+          <a:fillRef idx="1">
+            <a:schemeClr val="accent1"/>
+          </a:fillRef>
+          <a:effectRef idx="0">
+            <a:schemeClr val="accent1"/>
+          </a:effectRef>
+          <a:fontRef idx="minor">
+            <a:schemeClr val="lt1"/>
+          </a:fontRef>
+        </p:style>
+        <p:txBody>
+          <a:bodyPr rtlCol="0" anchor="ctr"/>
+          <a:lstStyle/>
+          <a:p>
+            <a:endParaRPr lang="en-US" dirty="0">
+              <a:solidFill>
+                <a:schemeClr val="tx1"/>
+              </a:solidFill>
+            </a:endParaRPr>
+          </a:p>
+        </p:txBody>
+      </p:sp>
+      <p:sp>
+        <p:nvSpPr>
+          <p:cNvPr id="142" name="TextBox 141">
+            <a:extLst>
+              <a:ext uri="{FF2B5EF4-FFF2-40B4-BE49-F238E27FC236}">
+                <a16:creationId xmlns:a16="http://schemas.microsoft.com/office/drawing/2014/main" id="{B40B48CA-9F5E-E0C0-A46E-7A53E0295709}"/>
+              </a:ext>
+            </a:extLst>
+          </p:cNvPr>
+          <p:cNvSpPr txBox="1"/>
+          <p:nvPr/>
+        </p:nvSpPr>
+        <p:spPr>
+          <a:xfrm>
+            <a:off x="7030117" y="3048882"/>
+            <a:ext cx="1273943" cy="369332"/>
+          </a:xfrm>
+          <a:prstGeom prst="rect">
+            <a:avLst/>
+          </a:prstGeom>
+          <a:noFill/>
+        </p:spPr>
+        <p:txBody>
+          <a:bodyPr wrap="square" rtlCol="0">
+            <a:spAutoFit/>
+          </a:bodyPr>
+          <a:lstStyle/>
+          <a:p>
+            <a:pPr algn="ctr"/>
+            <a:r>
+              <a:rPr lang="en-US" dirty="0"/>
+              <a:t>Simulation</a:t>
+            </a:r>
+          </a:p>
+        </p:txBody>
+      </p:sp>
+      <p:sp>
+        <p:nvSpPr>
+          <p:cNvPr id="143" name="Rectangle 142">
+            <a:extLst>
+              <a:ext uri="{FF2B5EF4-FFF2-40B4-BE49-F238E27FC236}">
+                <a16:creationId xmlns:a16="http://schemas.microsoft.com/office/drawing/2014/main" id="{1B531F86-CFC3-0485-4C57-04461ACD623A}"/>
+              </a:ext>
+            </a:extLst>
+          </p:cNvPr>
+          <p:cNvSpPr/>
+          <p:nvPr/>
+        </p:nvSpPr>
+        <p:spPr>
+          <a:xfrm>
+            <a:off x="9549042" y="2702044"/>
+            <a:ext cx="624564" cy="1035225"/>
+          </a:xfrm>
+          <a:prstGeom prst="rect">
+            <a:avLst/>
+          </a:prstGeom>
+          <a:noFill/>
+          <a:ln>
+            <a:solidFill>
+              <a:schemeClr val="tx1"/>
+            </a:solidFill>
+          </a:ln>
+        </p:spPr>
+        <p:style>
+          <a:lnRef idx="2">
+            <a:schemeClr val="accent1">
+              <a:shade val="15000"/>
+            </a:schemeClr>
+          </a:lnRef>
+          <a:fillRef idx="1">
+            <a:schemeClr val="accent1"/>
+          </a:fillRef>
+          <a:effectRef idx="0">
+            <a:schemeClr val="accent1"/>
+          </a:effectRef>
+          <a:fontRef idx="minor">
+            <a:schemeClr val="lt1"/>
+          </a:fontRef>
+        </p:style>
+        <p:txBody>
+          <a:bodyPr rtlCol="0" anchor="ctr"/>
+          <a:lstStyle/>
+          <a:p>
+            <a:endParaRPr lang="en-US" dirty="0">
+              <a:solidFill>
+                <a:schemeClr val="tx1"/>
+              </a:solidFill>
+            </a:endParaRPr>
+          </a:p>
+        </p:txBody>
+      </p:sp>
+      <p:sp>
+        <p:nvSpPr>
+          <p:cNvPr id="144" name="TextBox 143">
+            <a:extLst>
+              <a:ext uri="{FF2B5EF4-FFF2-40B4-BE49-F238E27FC236}">
+                <a16:creationId xmlns:a16="http://schemas.microsoft.com/office/drawing/2014/main" id="{A4399058-74D1-A08A-2FDA-AF9D890A9266}"/>
+              </a:ext>
+            </a:extLst>
+          </p:cNvPr>
+          <p:cNvSpPr txBox="1"/>
+          <p:nvPr/>
+        </p:nvSpPr>
+        <p:spPr>
+          <a:xfrm>
+            <a:off x="9561284" y="3053981"/>
+            <a:ext cx="604941" cy="369332"/>
+          </a:xfrm>
+          <a:prstGeom prst="rect">
+            <a:avLst/>
+          </a:prstGeom>
+          <a:noFill/>
+        </p:spPr>
+        <p:txBody>
+          <a:bodyPr wrap="square" rtlCol="0">
+            <a:spAutoFit/>
+          </a:bodyPr>
+          <a:lstStyle/>
+          <a:p>
+            <a:pPr algn="ctr"/>
+            <a:r>
+              <a:rPr lang="en-US" dirty="0"/>
+              <a:t>Test</a:t>
+            </a:r>
+          </a:p>
+        </p:txBody>
+      </p:sp>
+      <p:sp>
+        <p:nvSpPr>
+          <p:cNvPr id="145" name="Rectangle 144">
+            <a:extLst>
+              <a:ext uri="{FF2B5EF4-FFF2-40B4-BE49-F238E27FC236}">
+                <a16:creationId xmlns:a16="http://schemas.microsoft.com/office/drawing/2014/main" id="{1F444B47-D22A-977C-3C49-7E9907FA7A4D}"/>
+              </a:ext>
+            </a:extLst>
+          </p:cNvPr>
+          <p:cNvSpPr/>
+          <p:nvPr/>
+        </p:nvSpPr>
+        <p:spPr>
+          <a:xfrm>
+            <a:off x="11517994" y="2693135"/>
+            <a:ext cx="1580844" cy="1035225"/>
+          </a:xfrm>
+          <a:prstGeom prst="rect">
+            <a:avLst/>
+          </a:prstGeom>
+          <a:noFill/>
+          <a:ln>
+            <a:solidFill>
+              <a:schemeClr val="tx1"/>
+            </a:solidFill>
+          </a:ln>
+        </p:spPr>
+        <p:style>
+          <a:lnRef idx="2">
+            <a:schemeClr val="accent1">
+              <a:shade val="15000"/>
+            </a:schemeClr>
+          </a:lnRef>
+          <a:fillRef idx="1">
+            <a:schemeClr val="accent1"/>
+          </a:fillRef>
+          <a:effectRef idx="0">
+            <a:schemeClr val="accent1"/>
+          </a:effectRef>
+          <a:fontRef idx="minor">
+            <a:schemeClr val="lt1"/>
+          </a:fontRef>
+        </p:style>
+        <p:txBody>
+          <a:bodyPr rtlCol="0" anchor="ctr"/>
+          <a:lstStyle/>
+          <a:p>
+            <a:endParaRPr lang="en-US" dirty="0">
+              <a:solidFill>
+                <a:schemeClr val="tx1"/>
+              </a:solidFill>
+            </a:endParaRPr>
+          </a:p>
+        </p:txBody>
+      </p:sp>
+      <p:sp>
+        <p:nvSpPr>
+          <p:cNvPr id="146" name="TextBox 145">
+            <a:extLst>
+              <a:ext uri="{FF2B5EF4-FFF2-40B4-BE49-F238E27FC236}">
+                <a16:creationId xmlns:a16="http://schemas.microsoft.com/office/drawing/2014/main" id="{6675F8C1-4734-D23E-AB82-C7FE6B5A972C}"/>
+              </a:ext>
+            </a:extLst>
+          </p:cNvPr>
+          <p:cNvSpPr txBox="1"/>
+          <p:nvPr/>
+        </p:nvSpPr>
+        <p:spPr>
+          <a:xfrm>
+            <a:off x="11554234" y="2879972"/>
+            <a:ext cx="1122832" cy="646331"/>
+          </a:xfrm>
+          <a:prstGeom prst="rect">
+            <a:avLst/>
+          </a:prstGeom>
+          <a:noFill/>
+        </p:spPr>
+        <p:txBody>
+          <a:bodyPr wrap="square" rtlCol="0">
+            <a:spAutoFit/>
+          </a:bodyPr>
+          <a:lstStyle/>
+          <a:p>
+            <a:r>
+              <a:rPr lang="en-US" dirty="0"/>
+              <a:t>Fabricate chip</a:t>
+            </a:r>
+          </a:p>
+        </p:txBody>
+      </p:sp>
+      <p:pic>
+        <p:nvPicPr>
+          <p:cNvPr id="1026" name="Picture 2" descr="May be an image of text">
+            <a:extLst>
+              <a:ext uri="{FF2B5EF4-FFF2-40B4-BE49-F238E27FC236}">
+                <a16:creationId xmlns:a16="http://schemas.microsoft.com/office/drawing/2014/main" id="{CAB84BA2-72C1-C7E5-EBCC-D9CE0EB4B070}"/>
+              </a:ext>
+            </a:extLst>
+          </p:cNvPr>
+          <p:cNvPicPr>
+            <a:picLocks noChangeAspect="1" noChangeArrowheads="1"/>
+          </p:cNvPicPr>
+          <p:nvPr/>
+        </p:nvPicPr>
+        <p:blipFill rotWithShape="1">
+          <a:blip r:embed="rId3">
+            <a:extLst>
+              <a:ext uri="{28A0092B-C50C-407E-A947-70E740481C1C}">
+                <a14:useLocalDpi xmlns:a14="http://schemas.microsoft.com/office/drawing/2010/main" val="0"/>
+              </a:ext>
+            </a:extLst>
+          </a:blip>
+          <a:srcRect l="9055" t="18693" r="2145" b="22945"/>
+          <a:stretch>
+            <a:fillRect/>
+          </a:stretch>
+        </p:blipFill>
+        <p:spPr bwMode="auto">
+          <a:xfrm rot="16200000">
+            <a:off x="10213323" y="2752512"/>
+            <a:ext cx="1049672" cy="919842"/>
+          </a:xfrm>
+          <a:prstGeom prst="rect">
+            <a:avLst/>
+          </a:prstGeom>
+          <a:noFill/>
+          <a:extLst>
+            <a:ext uri="{909E8E84-426E-40DD-AFC4-6F175D3DCCD1}">
+              <a14:hiddenFill xmlns:a14="http://schemas.microsoft.com/office/drawing/2010/main">
+                <a:solidFill>
+                  <a:srgbClr val="FFFFFF"/>
+                </a:solidFill>
+              </a14:hiddenFill>
+            </a:ext>
+          </a:extLst>
+        </p:spPr>
+      </p:pic>
+      <p:pic>
+        <p:nvPicPr>
+          <p:cNvPr id="1028" name="Picture 4" descr="May be an image of text">
+            <a:extLst>
+              <a:ext uri="{FF2B5EF4-FFF2-40B4-BE49-F238E27FC236}">
+                <a16:creationId xmlns:a16="http://schemas.microsoft.com/office/drawing/2014/main" id="{7B5CDA45-8060-D4BA-A52E-DA5723B8A0E1}"/>
+              </a:ext>
+            </a:extLst>
+          </p:cNvPr>
+          <p:cNvPicPr>
+            <a:picLocks noChangeAspect="1" noChangeArrowheads="1"/>
+          </p:cNvPicPr>
+          <p:nvPr/>
+        </p:nvPicPr>
+        <p:blipFill rotWithShape="1">
+          <a:blip r:embed="rId4">
+            <a:extLst>
+              <a:ext uri="{28A0092B-C50C-407E-A947-70E740481C1C}">
+                <a14:useLocalDpi xmlns:a14="http://schemas.microsoft.com/office/drawing/2010/main" val="0"/>
+              </a:ext>
+            </a:extLst>
+          </a:blip>
+          <a:srcRect l="7595" t="6307" r="12617" b="13272"/>
+          <a:stretch>
+            <a:fillRect/>
+          </a:stretch>
+        </p:blipFill>
+        <p:spPr bwMode="auto">
+          <a:xfrm>
+            <a:off x="8402845" y="2716344"/>
+            <a:ext cx="843408" cy="1046303"/>
+          </a:xfrm>
+          <a:prstGeom prst="rect">
+            <a:avLst/>
+          </a:prstGeom>
+          <a:noFill/>
+          <a:extLst>
+            <a:ext uri="{909E8E84-426E-40DD-AFC4-6F175D3DCCD1}">
+              <a14:hiddenFill xmlns:a14="http://schemas.microsoft.com/office/drawing/2010/main">
+                <a:solidFill>
+                  <a:srgbClr val="FFFFFF"/>
+                </a:solidFill>
+              </a14:hiddenFill>
+            </a:ext>
+          </a:extLst>
+        </p:spPr>
+      </p:pic>
+      <p:cxnSp>
+        <p:nvCxnSpPr>
+          <p:cNvPr id="148" name="Straight Arrow Connector 147">
+            <a:extLst>
+              <a:ext uri="{FF2B5EF4-FFF2-40B4-BE49-F238E27FC236}">
+                <a16:creationId xmlns:a16="http://schemas.microsoft.com/office/drawing/2014/main" id="{D69769FA-8426-EFDC-2559-793F9058D5A8}"/>
+              </a:ext>
+            </a:extLst>
+          </p:cNvPr>
+          <p:cNvCxnSpPr>
+            <a:cxnSpLocks/>
+            <a:stCxn id="1028" idx="3"/>
+            <a:endCxn id="144" idx="1"/>
+          </p:cNvCxnSpPr>
+          <p:nvPr/>
+        </p:nvCxnSpPr>
+        <p:spPr>
+          <a:xfrm flipV="1">
+            <a:off x="9246253" y="3238647"/>
+            <a:ext cx="315031" cy="849"/>
+          </a:xfrm>
+          <a:prstGeom prst="straightConnector1">
+            <a:avLst/>
+          </a:prstGeom>
+          <a:ln w="38100">
+            <a:tailEnd type="triangle"/>
+          </a:ln>
+        </p:spPr>
+        <p:style>
+          <a:lnRef idx="2">
+            <a:schemeClr val="accent5"/>
+          </a:lnRef>
+          <a:fillRef idx="0">
+            <a:schemeClr val="accent5"/>
+          </a:fillRef>
+          <a:effectRef idx="1">
+            <a:schemeClr val="accent5"/>
+          </a:effectRef>
+          <a:fontRef idx="minor">
+            <a:schemeClr val="tx1"/>
+          </a:fontRef>
+        </p:style>
+      </p:cxnSp>
+      <p:pic>
+        <p:nvPicPr>
+          <p:cNvPr id="150" name="Picture 149">
+            <a:extLst>
+              <a:ext uri="{FF2B5EF4-FFF2-40B4-BE49-F238E27FC236}">
+                <a16:creationId xmlns:a16="http://schemas.microsoft.com/office/drawing/2014/main" id="{5FD0E53C-BFB3-D059-8E66-8DF3FDFC4F1D}"/>
+              </a:ext>
+            </a:extLst>
+          </p:cNvPr>
+          <p:cNvPicPr>
+            <a:picLocks noChangeAspect="1"/>
+          </p:cNvPicPr>
+          <p:nvPr/>
+        </p:nvPicPr>
+        <p:blipFill>
+          <a:blip r:embed="rId5" cstate="print">
+            <a:extLst>
+              <a:ext uri="{28A0092B-C50C-407E-A947-70E740481C1C}">
+                <a14:useLocalDpi xmlns:a14="http://schemas.microsoft.com/office/drawing/2010/main" val="0"/>
+              </a:ext>
+            </a:extLst>
+          </a:blip>
+          <a:srcRect l="310" r="54320"/>
+          <a:stretch>
+            <a:fillRect/>
+          </a:stretch>
+        </p:blipFill>
+        <p:spPr>
+          <a:xfrm>
+            <a:off x="5821607" y="2706480"/>
+            <a:ext cx="802203" cy="1049672"/>
+          </a:xfrm>
+          <a:prstGeom prst="rect">
+            <a:avLst/>
+          </a:prstGeom>
+        </p:spPr>
+      </p:pic>
+      <p:cxnSp>
+        <p:nvCxnSpPr>
+          <p:cNvPr id="151" name="Straight Arrow Connector 150">
+            <a:extLst>
+              <a:ext uri="{FF2B5EF4-FFF2-40B4-BE49-F238E27FC236}">
+                <a16:creationId xmlns:a16="http://schemas.microsoft.com/office/drawing/2014/main" id="{C18883CC-4160-7A2A-77DB-47494A7F71CB}"/>
+              </a:ext>
+            </a:extLst>
+          </p:cNvPr>
+          <p:cNvCxnSpPr>
+            <a:cxnSpLocks/>
+            <a:stCxn id="150" idx="3"/>
+            <a:endCxn id="142" idx="1"/>
+          </p:cNvCxnSpPr>
+          <p:nvPr/>
+        </p:nvCxnSpPr>
+        <p:spPr>
+          <a:xfrm>
+            <a:off x="6623810" y="3231316"/>
+            <a:ext cx="406307" cy="2232"/>
+          </a:xfrm>
+          <a:prstGeom prst="straightConnector1">
+            <a:avLst/>
+          </a:prstGeom>
+          <a:ln w="38100">
+            <a:tailEnd type="triangle"/>
+          </a:ln>
+        </p:spPr>
+        <p:style>
+          <a:lnRef idx="2">
+            <a:schemeClr val="accent5"/>
+          </a:lnRef>
+          <a:fillRef idx="0">
+            <a:schemeClr val="accent5"/>
+          </a:fillRef>
+          <a:effectRef idx="1">
+            <a:schemeClr val="accent5"/>
+          </a:effectRef>
+          <a:fontRef idx="minor">
+            <a:schemeClr val="tx1"/>
+          </a:fontRef>
+        </p:style>
+      </p:cxnSp>
+      <p:cxnSp>
+        <p:nvCxnSpPr>
+          <p:cNvPr id="156" name="Straight Arrow Connector 155">
+            <a:extLst>
+              <a:ext uri="{FF2B5EF4-FFF2-40B4-BE49-F238E27FC236}">
+                <a16:creationId xmlns:a16="http://schemas.microsoft.com/office/drawing/2014/main" id="{6094D7AB-65D9-F0A3-754F-1D0BC839031D}"/>
+              </a:ext>
+            </a:extLst>
+          </p:cNvPr>
+          <p:cNvCxnSpPr>
+            <a:cxnSpLocks/>
+          </p:cNvCxnSpPr>
+          <p:nvPr/>
+        </p:nvCxnSpPr>
+        <p:spPr>
+          <a:xfrm>
+            <a:off x="11212632" y="3231316"/>
+            <a:ext cx="315031" cy="0"/>
+          </a:xfrm>
+          <a:prstGeom prst="straightConnector1">
+            <a:avLst/>
+          </a:prstGeom>
+          <a:ln w="38100">
+            <a:tailEnd type="triangle"/>
+          </a:ln>
+        </p:spPr>
+        <p:style>
+          <a:lnRef idx="2">
+            <a:schemeClr val="accent5"/>
+          </a:lnRef>
+          <a:fillRef idx="0">
+            <a:schemeClr val="accent5"/>
+          </a:fillRef>
+          <a:effectRef idx="1">
+            <a:schemeClr val="accent5"/>
+          </a:effectRef>
+          <a:fontRef idx="minor">
+            <a:schemeClr val="tx1"/>
+          </a:fontRef>
+        </p:style>
+      </p:cxnSp>
+    </p:spTree>
+    <p:extLst>
+      <p:ext uri="{BB962C8B-B14F-4D97-AF65-F5344CB8AC3E}">
+        <p14:creationId xmlns:p14="http://schemas.microsoft.com/office/powerpoint/2010/main" val="2969548761"/>
       </p:ext>
     </p:extLst>
   </p:cSld>

--- a/images/design.pptx
+++ b/images/design.pptx
@@ -5,12 +5,14 @@
     <p:sldMasterId id="2147483648" r:id="rId1"/>
   </p:sldMasterIdLst>
   <p:notesMasterIdLst>
-    <p:notesMasterId r:id="rId5"/>
+    <p:notesMasterId r:id="rId7"/>
   </p:notesMasterIdLst>
   <p:sldIdLst>
     <p:sldId id="256" r:id="rId2"/>
     <p:sldId id="257" r:id="rId3"/>
     <p:sldId id="258" r:id="rId4"/>
+    <p:sldId id="259" r:id="rId5"/>
+    <p:sldId id="260" r:id="rId6"/>
   </p:sldIdLst>
   <p:sldSz cx="12192000" cy="6858000"/>
   <p:notesSz cx="6858000" cy="9144000"/>
@@ -199,7 +201,7 @@
           <a:p>
             <a:fld id="{52A2B7F2-4ED9-403D-8D8A-879FE3B4014E}" type="datetimeFigureOut">
               <a:rPr lang="en-US" smtClean="0"/>
-              <a:t>8/9/2025</a:t>
+              <a:t>8/26/2025</a:t>
             </a:fld>
             <a:endParaRPr lang="en-US"/>
           </a:p>
@@ -550,6 +552,222 @@
 </p:notes>
 </file>
 
+<file path=ppt/notesSlides/notesSlide2.xml><?xml version="1.0" encoding="utf-8"?>
+<p:notes xmlns:a="http://schemas.openxmlformats.org/drawingml/2006/main" xmlns:r="http://schemas.openxmlformats.org/officeDocument/2006/relationships" xmlns:p="http://schemas.openxmlformats.org/presentationml/2006/main">
+  <p:cSld>
+    <p:spTree>
+      <p:nvGrpSpPr>
+        <p:cNvPr id="1" name="">
+          <a:extLst>
+            <a:ext uri="{FF2B5EF4-FFF2-40B4-BE49-F238E27FC236}">
+              <a16:creationId xmlns:a16="http://schemas.microsoft.com/office/drawing/2014/main" id="{0755F216-2303-CCCA-7D04-79620CCE8423}"/>
+            </a:ext>
+          </a:extLst>
+        </p:cNvPr>
+        <p:cNvGrpSpPr/>
+        <p:nvPr/>
+      </p:nvGrpSpPr>
+      <p:grpSpPr>
+        <a:xfrm>
+          <a:off x="0" y="0"/>
+          <a:ext cx="0" cy="0"/>
+          <a:chOff x="0" y="0"/>
+          <a:chExt cx="0" cy="0"/>
+        </a:xfrm>
+      </p:grpSpPr>
+      <p:sp>
+        <p:nvSpPr>
+          <p:cNvPr id="2" name="Slide Image Placeholder 1">
+            <a:extLst>
+              <a:ext uri="{FF2B5EF4-FFF2-40B4-BE49-F238E27FC236}">
+                <a16:creationId xmlns:a16="http://schemas.microsoft.com/office/drawing/2014/main" id="{A8DF3928-A26A-F38D-C6F5-97DB4FADB75A}"/>
+              </a:ext>
+            </a:extLst>
+          </p:cNvPr>
+          <p:cNvSpPr>
+            <a:spLocks noGrp="1" noRot="1" noChangeAspect="1"/>
+          </p:cNvSpPr>
+          <p:nvPr>
+            <p:ph type="sldImg"/>
+          </p:nvPr>
+        </p:nvSpPr>
+        <p:spPr/>
+      </p:sp>
+      <p:sp>
+        <p:nvSpPr>
+          <p:cNvPr id="3" name="Notes Placeholder 2">
+            <a:extLst>
+              <a:ext uri="{FF2B5EF4-FFF2-40B4-BE49-F238E27FC236}">
+                <a16:creationId xmlns:a16="http://schemas.microsoft.com/office/drawing/2014/main" id="{A72A3A11-865A-DF9F-A27C-4E1CC7A3A7EC}"/>
+              </a:ext>
+            </a:extLst>
+          </p:cNvPr>
+          <p:cNvSpPr>
+            <a:spLocks noGrp="1"/>
+          </p:cNvSpPr>
+          <p:nvPr>
+            <p:ph type="body" idx="1"/>
+          </p:nvPr>
+        </p:nvSpPr>
+        <p:spPr/>
+        <p:txBody>
+          <a:bodyPr/>
+          <a:lstStyle/>
+          <a:p>
+            <a:endParaRPr lang="en-US" dirty="0"/>
+          </a:p>
+        </p:txBody>
+      </p:sp>
+      <p:sp>
+        <p:nvSpPr>
+          <p:cNvPr id="4" name="Slide Number Placeholder 3">
+            <a:extLst>
+              <a:ext uri="{FF2B5EF4-FFF2-40B4-BE49-F238E27FC236}">
+                <a16:creationId xmlns:a16="http://schemas.microsoft.com/office/drawing/2014/main" id="{2DBDEB9D-08EC-47E5-FEF5-2AA21C50B298}"/>
+              </a:ext>
+            </a:extLst>
+          </p:cNvPr>
+          <p:cNvSpPr>
+            <a:spLocks noGrp="1"/>
+          </p:cNvSpPr>
+          <p:nvPr>
+            <p:ph type="sldNum" sz="quarter" idx="5"/>
+          </p:nvPr>
+        </p:nvSpPr>
+        <p:spPr/>
+        <p:txBody>
+          <a:bodyPr/>
+          <a:lstStyle/>
+          <a:p>
+            <a:fld id="{FD0C423D-7B4B-467C-A396-4684F9D5D10D}" type="slidenum">
+              <a:rPr lang="en-US" smtClean="0"/>
+              <a:t>4</a:t>
+            </a:fld>
+            <a:endParaRPr lang="en-US"/>
+          </a:p>
+        </p:txBody>
+      </p:sp>
+    </p:spTree>
+    <p:extLst>
+      <p:ext uri="{BB962C8B-B14F-4D97-AF65-F5344CB8AC3E}">
+        <p14:creationId xmlns:p14="http://schemas.microsoft.com/office/powerpoint/2010/main" val="3822151314"/>
+      </p:ext>
+    </p:extLst>
+  </p:cSld>
+  <p:clrMapOvr>
+    <a:masterClrMapping/>
+  </p:clrMapOvr>
+</p:notes>
+</file>
+
+<file path=ppt/notesSlides/notesSlide3.xml><?xml version="1.0" encoding="utf-8"?>
+<p:notes xmlns:a="http://schemas.openxmlformats.org/drawingml/2006/main" xmlns:r="http://schemas.openxmlformats.org/officeDocument/2006/relationships" xmlns:p="http://schemas.openxmlformats.org/presentationml/2006/main">
+  <p:cSld>
+    <p:spTree>
+      <p:nvGrpSpPr>
+        <p:cNvPr id="1" name="">
+          <a:extLst>
+            <a:ext uri="{FF2B5EF4-FFF2-40B4-BE49-F238E27FC236}">
+              <a16:creationId xmlns:a16="http://schemas.microsoft.com/office/drawing/2014/main" id="{B8E55569-A1C6-A157-CACB-9E84879090E1}"/>
+            </a:ext>
+          </a:extLst>
+        </p:cNvPr>
+        <p:cNvGrpSpPr/>
+        <p:nvPr/>
+      </p:nvGrpSpPr>
+      <p:grpSpPr>
+        <a:xfrm>
+          <a:off x="0" y="0"/>
+          <a:ext cx="0" cy="0"/>
+          <a:chOff x="0" y="0"/>
+          <a:chExt cx="0" cy="0"/>
+        </a:xfrm>
+      </p:grpSpPr>
+      <p:sp>
+        <p:nvSpPr>
+          <p:cNvPr id="2" name="Slide Image Placeholder 1">
+            <a:extLst>
+              <a:ext uri="{FF2B5EF4-FFF2-40B4-BE49-F238E27FC236}">
+                <a16:creationId xmlns:a16="http://schemas.microsoft.com/office/drawing/2014/main" id="{D4C6549B-9DAF-0496-90AD-096F4EB55354}"/>
+              </a:ext>
+            </a:extLst>
+          </p:cNvPr>
+          <p:cNvSpPr>
+            <a:spLocks noGrp="1" noRot="1" noChangeAspect="1"/>
+          </p:cNvSpPr>
+          <p:nvPr>
+            <p:ph type="sldImg"/>
+          </p:nvPr>
+        </p:nvSpPr>
+        <p:spPr/>
+      </p:sp>
+      <p:sp>
+        <p:nvSpPr>
+          <p:cNvPr id="3" name="Notes Placeholder 2">
+            <a:extLst>
+              <a:ext uri="{FF2B5EF4-FFF2-40B4-BE49-F238E27FC236}">
+                <a16:creationId xmlns:a16="http://schemas.microsoft.com/office/drawing/2014/main" id="{8A3E6D8F-6BF3-BFDE-B4D5-BFBA1E920EBA}"/>
+              </a:ext>
+            </a:extLst>
+          </p:cNvPr>
+          <p:cNvSpPr>
+            <a:spLocks noGrp="1"/>
+          </p:cNvSpPr>
+          <p:nvPr>
+            <p:ph type="body" idx="1"/>
+          </p:nvPr>
+        </p:nvSpPr>
+        <p:spPr/>
+        <p:txBody>
+          <a:bodyPr/>
+          <a:lstStyle/>
+          <a:p>
+            <a:endParaRPr lang="en-US" dirty="0"/>
+          </a:p>
+        </p:txBody>
+      </p:sp>
+      <p:sp>
+        <p:nvSpPr>
+          <p:cNvPr id="4" name="Slide Number Placeholder 3">
+            <a:extLst>
+              <a:ext uri="{FF2B5EF4-FFF2-40B4-BE49-F238E27FC236}">
+                <a16:creationId xmlns:a16="http://schemas.microsoft.com/office/drawing/2014/main" id="{AD670B30-CF18-3F24-768D-32980F396598}"/>
+              </a:ext>
+            </a:extLst>
+          </p:cNvPr>
+          <p:cNvSpPr>
+            <a:spLocks noGrp="1"/>
+          </p:cNvSpPr>
+          <p:nvPr>
+            <p:ph type="sldNum" sz="quarter" idx="5"/>
+          </p:nvPr>
+        </p:nvSpPr>
+        <p:spPr/>
+        <p:txBody>
+          <a:bodyPr/>
+          <a:lstStyle/>
+          <a:p>
+            <a:fld id="{FD0C423D-7B4B-467C-A396-4684F9D5D10D}" type="slidenum">
+              <a:rPr lang="en-US" smtClean="0"/>
+              <a:t>5</a:t>
+            </a:fld>
+            <a:endParaRPr lang="en-US"/>
+          </a:p>
+        </p:txBody>
+      </p:sp>
+    </p:spTree>
+    <p:extLst>
+      <p:ext uri="{BB962C8B-B14F-4D97-AF65-F5344CB8AC3E}">
+        <p14:creationId xmlns:p14="http://schemas.microsoft.com/office/powerpoint/2010/main" val="1910715510"/>
+      </p:ext>
+    </p:extLst>
+  </p:cSld>
+  <p:clrMapOvr>
+    <a:masterClrMapping/>
+  </p:clrMapOvr>
+</p:notes>
+</file>
+
 <file path=ppt/slideLayouts/slideLayout1.xml><?xml version="1.0" encoding="utf-8"?>
 <p:sldLayout xmlns:a="http://schemas.openxmlformats.org/drawingml/2006/main" xmlns:r="http://schemas.openxmlformats.org/officeDocument/2006/relationships" xmlns:p="http://schemas.openxmlformats.org/presentationml/2006/main" type="title" preserve="1">
   <p:cSld name="Title Slide">
@@ -697,7 +915,7 @@
           <a:p>
             <a:fld id="{A04A5567-2D39-432B-A86B-39F40DF129FF}" type="datetimeFigureOut">
               <a:rPr lang="en-US" smtClean="0"/>
-              <a:t>8/9/2025</a:t>
+              <a:t>8/26/2025</a:t>
             </a:fld>
             <a:endParaRPr lang="en-US"/>
           </a:p>
@@ -895,7 +1113,7 @@
           <a:p>
             <a:fld id="{A04A5567-2D39-432B-A86B-39F40DF129FF}" type="datetimeFigureOut">
               <a:rPr lang="en-US" smtClean="0"/>
-              <a:t>8/9/2025</a:t>
+              <a:t>8/26/2025</a:t>
             </a:fld>
             <a:endParaRPr lang="en-US"/>
           </a:p>
@@ -1103,7 +1321,7 @@
           <a:p>
             <a:fld id="{A04A5567-2D39-432B-A86B-39F40DF129FF}" type="datetimeFigureOut">
               <a:rPr lang="en-US" smtClean="0"/>
-              <a:t>8/9/2025</a:t>
+              <a:t>8/26/2025</a:t>
             </a:fld>
             <a:endParaRPr lang="en-US"/>
           </a:p>
@@ -1301,7 +1519,7 @@
           <a:p>
             <a:fld id="{A04A5567-2D39-432B-A86B-39F40DF129FF}" type="datetimeFigureOut">
               <a:rPr lang="en-US" smtClean="0"/>
-              <a:t>8/9/2025</a:t>
+              <a:t>8/26/2025</a:t>
             </a:fld>
             <a:endParaRPr lang="en-US"/>
           </a:p>
@@ -1576,7 +1794,7 @@
           <a:p>
             <a:fld id="{A04A5567-2D39-432B-A86B-39F40DF129FF}" type="datetimeFigureOut">
               <a:rPr lang="en-US" smtClean="0"/>
-              <a:t>8/9/2025</a:t>
+              <a:t>8/26/2025</a:t>
             </a:fld>
             <a:endParaRPr lang="en-US"/>
           </a:p>
@@ -1841,7 +2059,7 @@
           <a:p>
             <a:fld id="{A04A5567-2D39-432B-A86B-39F40DF129FF}" type="datetimeFigureOut">
               <a:rPr lang="en-US" smtClean="0"/>
-              <a:t>8/9/2025</a:t>
+              <a:t>8/26/2025</a:t>
             </a:fld>
             <a:endParaRPr lang="en-US"/>
           </a:p>
@@ -2253,7 +2471,7 @@
           <a:p>
             <a:fld id="{A04A5567-2D39-432B-A86B-39F40DF129FF}" type="datetimeFigureOut">
               <a:rPr lang="en-US" smtClean="0"/>
-              <a:t>8/9/2025</a:t>
+              <a:t>8/26/2025</a:t>
             </a:fld>
             <a:endParaRPr lang="en-US"/>
           </a:p>
@@ -2394,7 +2612,7 @@
           <a:p>
             <a:fld id="{A04A5567-2D39-432B-A86B-39F40DF129FF}" type="datetimeFigureOut">
               <a:rPr lang="en-US" smtClean="0"/>
-              <a:t>8/9/2025</a:t>
+              <a:t>8/26/2025</a:t>
             </a:fld>
             <a:endParaRPr lang="en-US"/>
           </a:p>
@@ -2507,7 +2725,7 @@
           <a:p>
             <a:fld id="{A04A5567-2D39-432B-A86B-39F40DF129FF}" type="datetimeFigureOut">
               <a:rPr lang="en-US" smtClean="0"/>
-              <a:t>8/9/2025</a:t>
+              <a:t>8/26/2025</a:t>
             </a:fld>
             <a:endParaRPr lang="en-US"/>
           </a:p>
@@ -2818,7 +3036,7 @@
           <a:p>
             <a:fld id="{A04A5567-2D39-432B-A86B-39F40DF129FF}" type="datetimeFigureOut">
               <a:rPr lang="en-US" smtClean="0"/>
-              <a:t>8/9/2025</a:t>
+              <a:t>8/26/2025</a:t>
             </a:fld>
             <a:endParaRPr lang="en-US"/>
           </a:p>
@@ -3106,7 +3324,7 @@
           <a:p>
             <a:fld id="{A04A5567-2D39-432B-A86B-39F40DF129FF}" type="datetimeFigureOut">
               <a:rPr lang="en-US" smtClean="0"/>
-              <a:t>8/9/2025</a:t>
+              <a:t>8/26/2025</a:t>
             </a:fld>
             <a:endParaRPr lang="en-US"/>
           </a:p>
@@ -3347,7 +3565,7 @@
           <a:p>
             <a:fld id="{A04A5567-2D39-432B-A86B-39F40DF129FF}" type="datetimeFigureOut">
               <a:rPr lang="en-US" smtClean="0"/>
-              <a:t>8/9/2025</a:t>
+              <a:t>8/26/2025</a:t>
             </a:fld>
             <a:endParaRPr lang="en-US"/>
           </a:p>
@@ -3766,10 +3984,10 @@
       </p:grpSpPr>
       <p:sp>
         <p:nvSpPr>
-          <p:cNvPr id="13" name="Rectangle: Rounded Corners 12">
-            <a:extLst>
-              <a:ext uri="{FF2B5EF4-FFF2-40B4-BE49-F238E27FC236}">
-                <a16:creationId xmlns:a16="http://schemas.microsoft.com/office/drawing/2014/main" id="{4706CD9C-BDF8-D53A-EC65-A6A3AA46D577}"/>
+          <p:cNvPr id="39" name="Rectangle 38">
+            <a:extLst>
+              <a:ext uri="{FF2B5EF4-FFF2-40B4-BE49-F238E27FC236}">
+                <a16:creationId xmlns:a16="http://schemas.microsoft.com/office/drawing/2014/main" id="{EF4EB994-CE36-BBE7-DA7B-A57EF8235A71}"/>
               </a:ext>
             </a:extLst>
           </p:cNvPr>
@@ -3777,14 +3995,12 @@
           <p:nvPr/>
         </p:nvSpPr>
         <p:spPr>
-          <a:xfrm rot="5400000">
-            <a:off x="3097426" y="2686091"/>
-            <a:ext cx="1828800" cy="105685"/>
-          </a:xfrm>
-          <a:prstGeom prst="roundRect">
-            <a:avLst>
-              <a:gd name="adj" fmla="val 50000"/>
-            </a:avLst>
+          <a:xfrm>
+            <a:off x="0" y="1474987"/>
+            <a:ext cx="2425587" cy="3345142"/>
+          </a:xfrm>
+          <a:prstGeom prst="rect">
+            <a:avLst/>
           </a:prstGeom>
         </p:spPr>
         <p:style>
@@ -3814,10 +4030,10 @@
       </p:sp>
       <p:sp>
         <p:nvSpPr>
-          <p:cNvPr id="12" name="Rectangle: Rounded Corners 11">
-            <a:extLst>
-              <a:ext uri="{FF2B5EF4-FFF2-40B4-BE49-F238E27FC236}">
-                <a16:creationId xmlns:a16="http://schemas.microsoft.com/office/drawing/2014/main" id="{A9308E4A-B3EC-0189-B846-E5C3F3EAE95C}"/>
+          <p:cNvPr id="13" name="Rectangle: Rounded Corners 12">
+            <a:extLst>
+              <a:ext uri="{FF2B5EF4-FFF2-40B4-BE49-F238E27FC236}">
+                <a16:creationId xmlns:a16="http://schemas.microsoft.com/office/drawing/2014/main" id="{4706CD9C-BDF8-D53A-EC65-A6A3AA46D577}"/>
               </a:ext>
             </a:extLst>
           </p:cNvPr>
@@ -3826,7 +4042,7 @@
         </p:nvSpPr>
         <p:spPr>
           <a:xfrm rot="5400000">
-            <a:off x="2701322" y="2686091"/>
+            <a:off x="3097426" y="2686091"/>
             <a:ext cx="1828800" cy="105685"/>
           </a:xfrm>
           <a:prstGeom prst="roundRect">
@@ -3862,10 +4078,10 @@
       </p:sp>
       <p:sp>
         <p:nvSpPr>
-          <p:cNvPr id="11" name="Rectangle: Rounded Corners 10">
-            <a:extLst>
-              <a:ext uri="{FF2B5EF4-FFF2-40B4-BE49-F238E27FC236}">
-                <a16:creationId xmlns:a16="http://schemas.microsoft.com/office/drawing/2014/main" id="{B9B3BEBB-F496-31FC-2167-6216D8C60E9D}"/>
+          <p:cNvPr id="12" name="Rectangle: Rounded Corners 11">
+            <a:extLst>
+              <a:ext uri="{FF2B5EF4-FFF2-40B4-BE49-F238E27FC236}">
+                <a16:creationId xmlns:a16="http://schemas.microsoft.com/office/drawing/2014/main" id="{A9308E4A-B3EC-0189-B846-E5C3F3EAE95C}"/>
               </a:ext>
             </a:extLst>
           </p:cNvPr>
@@ -3874,7 +4090,7 @@
         </p:nvSpPr>
         <p:spPr>
           <a:xfrm rot="5400000">
-            <a:off x="2305217" y="2686091"/>
+            <a:off x="2701322" y="2686091"/>
             <a:ext cx="1828800" cy="105685"/>
           </a:xfrm>
           <a:prstGeom prst="roundRect">
@@ -3910,10 +4126,10 @@
       </p:sp>
       <p:sp>
         <p:nvSpPr>
-          <p:cNvPr id="8" name="Rectangle: Rounded Corners 7">
-            <a:extLst>
-              <a:ext uri="{FF2B5EF4-FFF2-40B4-BE49-F238E27FC236}">
-                <a16:creationId xmlns:a16="http://schemas.microsoft.com/office/drawing/2014/main" id="{D5CE1CD8-A77F-DB25-7959-F156DA3DEACF}"/>
+          <p:cNvPr id="11" name="Rectangle: Rounded Corners 10">
+            <a:extLst>
+              <a:ext uri="{FF2B5EF4-FFF2-40B4-BE49-F238E27FC236}">
+                <a16:creationId xmlns:a16="http://schemas.microsoft.com/office/drawing/2014/main" id="{B9B3BEBB-F496-31FC-2167-6216D8C60E9D}"/>
               </a:ext>
             </a:extLst>
           </p:cNvPr>
@@ -3921,8 +4137,8 @@
           <p:nvPr/>
         </p:nvSpPr>
         <p:spPr>
-          <a:xfrm>
-            <a:off x="2708160" y="2991244"/>
+          <a:xfrm rot="5400000">
+            <a:off x="2305217" y="2686091"/>
             <a:ext cx="1828800" cy="105685"/>
           </a:xfrm>
           <a:prstGeom prst="roundRect">
@@ -3958,10 +4174,10 @@
       </p:sp>
       <p:sp>
         <p:nvSpPr>
-          <p:cNvPr id="7" name="Rectangle: Rounded Corners 6">
-            <a:extLst>
-              <a:ext uri="{FF2B5EF4-FFF2-40B4-BE49-F238E27FC236}">
-                <a16:creationId xmlns:a16="http://schemas.microsoft.com/office/drawing/2014/main" id="{C37DC428-68C5-9FBC-65A4-6773711B108A}"/>
+          <p:cNvPr id="8" name="Rectangle: Rounded Corners 7">
+            <a:extLst>
+              <a:ext uri="{FF2B5EF4-FFF2-40B4-BE49-F238E27FC236}">
+                <a16:creationId xmlns:a16="http://schemas.microsoft.com/office/drawing/2014/main" id="{D5CE1CD8-A77F-DB25-7959-F156DA3DEACF}"/>
               </a:ext>
             </a:extLst>
           </p:cNvPr>
@@ -3970,7 +4186,7 @@
         </p:nvSpPr>
         <p:spPr>
           <a:xfrm>
-            <a:off x="2708160" y="2660119"/>
+            <a:off x="2708160" y="2991244"/>
             <a:ext cx="1828800" cy="105685"/>
           </a:xfrm>
           <a:prstGeom prst="roundRect">
@@ -4006,10 +4222,10 @@
       </p:sp>
       <p:sp>
         <p:nvSpPr>
-          <p:cNvPr id="6" name="Rectangle: Rounded Corners 5">
-            <a:extLst>
-              <a:ext uri="{FF2B5EF4-FFF2-40B4-BE49-F238E27FC236}">
-                <a16:creationId xmlns:a16="http://schemas.microsoft.com/office/drawing/2014/main" id="{8ADA5666-D6B9-7672-0C3A-F03BCFF93E2E}"/>
+          <p:cNvPr id="7" name="Rectangle: Rounded Corners 6">
+            <a:extLst>
+              <a:ext uri="{FF2B5EF4-FFF2-40B4-BE49-F238E27FC236}">
+                <a16:creationId xmlns:a16="http://schemas.microsoft.com/office/drawing/2014/main" id="{C37DC428-68C5-9FBC-65A4-6773711B108A}"/>
               </a:ext>
             </a:extLst>
           </p:cNvPr>
@@ -4018,7 +4234,7 @@
         </p:nvSpPr>
         <p:spPr>
           <a:xfrm>
-            <a:off x="2708160" y="2328994"/>
+            <a:off x="2708160" y="2660119"/>
             <a:ext cx="1828800" cy="105685"/>
           </a:xfrm>
           <a:prstGeom prst="roundRect">
@@ -4054,6 +4270,54 @@
       </p:sp>
       <p:sp>
         <p:nvSpPr>
+          <p:cNvPr id="6" name="Rectangle: Rounded Corners 5">
+            <a:extLst>
+              <a:ext uri="{FF2B5EF4-FFF2-40B4-BE49-F238E27FC236}">
+                <a16:creationId xmlns:a16="http://schemas.microsoft.com/office/drawing/2014/main" id="{8ADA5666-D6B9-7672-0C3A-F03BCFF93E2E}"/>
+              </a:ext>
+            </a:extLst>
+          </p:cNvPr>
+          <p:cNvSpPr/>
+          <p:nvPr/>
+        </p:nvSpPr>
+        <p:spPr>
+          <a:xfrm>
+            <a:off x="2708160" y="2328994"/>
+            <a:ext cx="1828800" cy="105685"/>
+          </a:xfrm>
+          <a:prstGeom prst="roundRect">
+            <a:avLst>
+              <a:gd name="adj" fmla="val 50000"/>
+            </a:avLst>
+          </a:prstGeom>
+        </p:spPr>
+        <p:style>
+          <a:lnRef idx="2">
+            <a:schemeClr val="dk1">
+              <a:shade val="15000"/>
+            </a:schemeClr>
+          </a:lnRef>
+          <a:fillRef idx="1">
+            <a:schemeClr val="dk1"/>
+          </a:fillRef>
+          <a:effectRef idx="0">
+            <a:schemeClr val="dk1"/>
+          </a:effectRef>
+          <a:fontRef idx="minor">
+            <a:schemeClr val="lt1"/>
+          </a:fontRef>
+        </p:style>
+        <p:txBody>
+          <a:bodyPr rtlCol="0" anchor="ctr"/>
+          <a:lstStyle/>
+          <a:p>
+            <a:pPr algn="ctr"/>
+            <a:endParaRPr lang="en-US"/>
+          </a:p>
+        </p:txBody>
+      </p:sp>
+      <p:sp>
+        <p:nvSpPr>
           <p:cNvPr id="4" name="Rectangle: Rounded Corners 3">
             <a:extLst>
               <a:ext uri="{FF2B5EF4-FFF2-40B4-BE49-F238E27FC236}">
@@ -5207,6 +5471,553 @@
           <a:p>
             <a:pPr algn="ctr"/>
             <a:endParaRPr lang="en-US"/>
+          </a:p>
+        </p:txBody>
+      </p:sp>
+      <p:sp>
+        <p:nvSpPr>
+          <p:cNvPr id="29" name="Rectangle: Rounded Corners 28">
+            <a:extLst>
+              <a:ext uri="{FF2B5EF4-FFF2-40B4-BE49-F238E27FC236}">
+                <a16:creationId xmlns:a16="http://schemas.microsoft.com/office/drawing/2014/main" id="{35CA3B92-2008-FC7D-D5BD-E82FAAAB84BA}"/>
+              </a:ext>
+            </a:extLst>
+          </p:cNvPr>
+          <p:cNvSpPr/>
+          <p:nvPr/>
+        </p:nvSpPr>
+        <p:spPr>
+          <a:xfrm rot="5400000">
+            <a:off x="719398" y="2746109"/>
+            <a:ext cx="1828800" cy="105685"/>
+          </a:xfrm>
+          <a:prstGeom prst="roundRect">
+            <a:avLst>
+              <a:gd name="adj" fmla="val 50000"/>
+            </a:avLst>
+          </a:prstGeom>
+          <a:solidFill>
+            <a:schemeClr val="bg1"/>
+          </a:solidFill>
+          <a:ln>
+            <a:solidFill>
+              <a:schemeClr val="bg1"/>
+            </a:solidFill>
+          </a:ln>
+        </p:spPr>
+        <p:style>
+          <a:lnRef idx="2">
+            <a:schemeClr val="dk1">
+              <a:shade val="15000"/>
+            </a:schemeClr>
+          </a:lnRef>
+          <a:fillRef idx="1">
+            <a:schemeClr val="dk1"/>
+          </a:fillRef>
+          <a:effectRef idx="0">
+            <a:schemeClr val="dk1"/>
+          </a:effectRef>
+          <a:fontRef idx="minor">
+            <a:schemeClr val="lt1"/>
+          </a:fontRef>
+        </p:style>
+        <p:txBody>
+          <a:bodyPr rtlCol="0" anchor="ctr"/>
+          <a:lstStyle/>
+          <a:p>
+            <a:pPr algn="ctr"/>
+            <a:endParaRPr lang="en-US"/>
+          </a:p>
+        </p:txBody>
+      </p:sp>
+      <p:sp>
+        <p:nvSpPr>
+          <p:cNvPr id="30" name="Rectangle: Rounded Corners 29">
+            <a:extLst>
+              <a:ext uri="{FF2B5EF4-FFF2-40B4-BE49-F238E27FC236}">
+                <a16:creationId xmlns:a16="http://schemas.microsoft.com/office/drawing/2014/main" id="{7297C8A7-4C43-7FCE-8FAF-1F07DDB94F24}"/>
+              </a:ext>
+            </a:extLst>
+          </p:cNvPr>
+          <p:cNvSpPr/>
+          <p:nvPr/>
+        </p:nvSpPr>
+        <p:spPr>
+          <a:xfrm rot="5400000">
+            <a:off x="323294" y="2746109"/>
+            <a:ext cx="1828800" cy="105685"/>
+          </a:xfrm>
+          <a:prstGeom prst="roundRect">
+            <a:avLst>
+              <a:gd name="adj" fmla="val 50000"/>
+            </a:avLst>
+          </a:prstGeom>
+          <a:solidFill>
+            <a:schemeClr val="bg1"/>
+          </a:solidFill>
+          <a:ln>
+            <a:solidFill>
+              <a:schemeClr val="bg1"/>
+            </a:solidFill>
+          </a:ln>
+        </p:spPr>
+        <p:style>
+          <a:lnRef idx="2">
+            <a:schemeClr val="dk1">
+              <a:shade val="15000"/>
+            </a:schemeClr>
+          </a:lnRef>
+          <a:fillRef idx="1">
+            <a:schemeClr val="dk1"/>
+          </a:fillRef>
+          <a:effectRef idx="0">
+            <a:schemeClr val="dk1"/>
+          </a:effectRef>
+          <a:fontRef idx="minor">
+            <a:schemeClr val="lt1"/>
+          </a:fontRef>
+        </p:style>
+        <p:txBody>
+          <a:bodyPr rtlCol="0" anchor="ctr"/>
+          <a:lstStyle/>
+          <a:p>
+            <a:pPr algn="ctr"/>
+            <a:endParaRPr lang="en-US"/>
+          </a:p>
+        </p:txBody>
+      </p:sp>
+      <p:sp>
+        <p:nvSpPr>
+          <p:cNvPr id="31" name="Rectangle: Rounded Corners 30">
+            <a:extLst>
+              <a:ext uri="{FF2B5EF4-FFF2-40B4-BE49-F238E27FC236}">
+                <a16:creationId xmlns:a16="http://schemas.microsoft.com/office/drawing/2014/main" id="{C929F7E8-9CFF-33D3-B9D2-38B5F4981DDC}"/>
+              </a:ext>
+            </a:extLst>
+          </p:cNvPr>
+          <p:cNvSpPr/>
+          <p:nvPr/>
+        </p:nvSpPr>
+        <p:spPr>
+          <a:xfrm rot="5400000">
+            <a:off x="-72811" y="2746109"/>
+            <a:ext cx="1828800" cy="105685"/>
+          </a:xfrm>
+          <a:prstGeom prst="roundRect">
+            <a:avLst>
+              <a:gd name="adj" fmla="val 50000"/>
+            </a:avLst>
+          </a:prstGeom>
+          <a:solidFill>
+            <a:schemeClr val="bg1"/>
+          </a:solidFill>
+          <a:ln>
+            <a:solidFill>
+              <a:schemeClr val="bg1"/>
+            </a:solidFill>
+          </a:ln>
+        </p:spPr>
+        <p:style>
+          <a:lnRef idx="2">
+            <a:schemeClr val="dk1">
+              <a:shade val="15000"/>
+            </a:schemeClr>
+          </a:lnRef>
+          <a:fillRef idx="1">
+            <a:schemeClr val="dk1"/>
+          </a:fillRef>
+          <a:effectRef idx="0">
+            <a:schemeClr val="dk1"/>
+          </a:effectRef>
+          <a:fontRef idx="minor">
+            <a:schemeClr val="lt1"/>
+          </a:fontRef>
+        </p:style>
+        <p:txBody>
+          <a:bodyPr rtlCol="0" anchor="ctr"/>
+          <a:lstStyle/>
+          <a:p>
+            <a:pPr algn="ctr"/>
+            <a:endParaRPr lang="en-US"/>
+          </a:p>
+        </p:txBody>
+      </p:sp>
+      <p:sp>
+        <p:nvSpPr>
+          <p:cNvPr id="32" name="Rectangle: Rounded Corners 31">
+            <a:extLst>
+              <a:ext uri="{FF2B5EF4-FFF2-40B4-BE49-F238E27FC236}">
+                <a16:creationId xmlns:a16="http://schemas.microsoft.com/office/drawing/2014/main" id="{586AB9D4-4145-D154-5178-92E6ED67F2C6}"/>
+              </a:ext>
+            </a:extLst>
+          </p:cNvPr>
+          <p:cNvSpPr/>
+          <p:nvPr/>
+        </p:nvSpPr>
+        <p:spPr>
+          <a:xfrm>
+            <a:off x="330132" y="3051262"/>
+            <a:ext cx="1828800" cy="105685"/>
+          </a:xfrm>
+          <a:prstGeom prst="roundRect">
+            <a:avLst>
+              <a:gd name="adj" fmla="val 50000"/>
+            </a:avLst>
+          </a:prstGeom>
+          <a:solidFill>
+            <a:schemeClr val="bg1"/>
+          </a:solidFill>
+          <a:ln>
+            <a:solidFill>
+              <a:schemeClr val="bg1"/>
+            </a:solidFill>
+          </a:ln>
+        </p:spPr>
+        <p:style>
+          <a:lnRef idx="2">
+            <a:schemeClr val="dk1">
+              <a:shade val="15000"/>
+            </a:schemeClr>
+          </a:lnRef>
+          <a:fillRef idx="1">
+            <a:schemeClr val="dk1"/>
+          </a:fillRef>
+          <a:effectRef idx="0">
+            <a:schemeClr val="dk1"/>
+          </a:effectRef>
+          <a:fontRef idx="minor">
+            <a:schemeClr val="lt1"/>
+          </a:fontRef>
+        </p:style>
+        <p:txBody>
+          <a:bodyPr rtlCol="0" anchor="ctr"/>
+          <a:lstStyle/>
+          <a:p>
+            <a:pPr algn="ctr"/>
+            <a:endParaRPr lang="en-US"/>
+          </a:p>
+        </p:txBody>
+      </p:sp>
+      <p:sp>
+        <p:nvSpPr>
+          <p:cNvPr id="33" name="Rectangle: Rounded Corners 32">
+            <a:extLst>
+              <a:ext uri="{FF2B5EF4-FFF2-40B4-BE49-F238E27FC236}">
+                <a16:creationId xmlns:a16="http://schemas.microsoft.com/office/drawing/2014/main" id="{98D8EB59-3E44-7878-42F4-B406558CFEB6}"/>
+              </a:ext>
+            </a:extLst>
+          </p:cNvPr>
+          <p:cNvSpPr/>
+          <p:nvPr/>
+        </p:nvSpPr>
+        <p:spPr>
+          <a:xfrm>
+            <a:off x="330132" y="2720137"/>
+            <a:ext cx="1828800" cy="105685"/>
+          </a:xfrm>
+          <a:prstGeom prst="roundRect">
+            <a:avLst>
+              <a:gd name="adj" fmla="val 50000"/>
+            </a:avLst>
+          </a:prstGeom>
+          <a:solidFill>
+            <a:schemeClr val="bg1"/>
+          </a:solidFill>
+          <a:ln>
+            <a:solidFill>
+              <a:schemeClr val="bg1"/>
+            </a:solidFill>
+          </a:ln>
+        </p:spPr>
+        <p:style>
+          <a:lnRef idx="2">
+            <a:schemeClr val="dk1">
+              <a:shade val="15000"/>
+            </a:schemeClr>
+          </a:lnRef>
+          <a:fillRef idx="1">
+            <a:schemeClr val="dk1"/>
+          </a:fillRef>
+          <a:effectRef idx="0">
+            <a:schemeClr val="dk1"/>
+          </a:effectRef>
+          <a:fontRef idx="minor">
+            <a:schemeClr val="lt1"/>
+          </a:fontRef>
+        </p:style>
+        <p:txBody>
+          <a:bodyPr rtlCol="0" anchor="ctr"/>
+          <a:lstStyle/>
+          <a:p>
+            <a:pPr algn="ctr"/>
+            <a:endParaRPr lang="en-US"/>
+          </a:p>
+        </p:txBody>
+      </p:sp>
+      <p:sp>
+        <p:nvSpPr>
+          <p:cNvPr id="34" name="Rectangle: Rounded Corners 33">
+            <a:extLst>
+              <a:ext uri="{FF2B5EF4-FFF2-40B4-BE49-F238E27FC236}">
+                <a16:creationId xmlns:a16="http://schemas.microsoft.com/office/drawing/2014/main" id="{28384B3E-7558-B2B1-6E09-4EF52B7DC2FA}"/>
+              </a:ext>
+            </a:extLst>
+          </p:cNvPr>
+          <p:cNvSpPr/>
+          <p:nvPr/>
+        </p:nvSpPr>
+        <p:spPr>
+          <a:xfrm>
+            <a:off x="330132" y="2389012"/>
+            <a:ext cx="1828800" cy="105685"/>
+          </a:xfrm>
+          <a:prstGeom prst="roundRect">
+            <a:avLst>
+              <a:gd name="adj" fmla="val 50000"/>
+            </a:avLst>
+          </a:prstGeom>
+          <a:solidFill>
+            <a:schemeClr val="bg1"/>
+          </a:solidFill>
+          <a:ln>
+            <a:solidFill>
+              <a:schemeClr val="bg1"/>
+            </a:solidFill>
+          </a:ln>
+        </p:spPr>
+        <p:style>
+          <a:lnRef idx="2">
+            <a:schemeClr val="dk1">
+              <a:shade val="15000"/>
+            </a:schemeClr>
+          </a:lnRef>
+          <a:fillRef idx="1">
+            <a:schemeClr val="dk1"/>
+          </a:fillRef>
+          <a:effectRef idx="0">
+            <a:schemeClr val="dk1"/>
+          </a:effectRef>
+          <a:fontRef idx="minor">
+            <a:schemeClr val="lt1"/>
+          </a:fontRef>
+        </p:style>
+        <p:txBody>
+          <a:bodyPr rtlCol="0" anchor="ctr"/>
+          <a:lstStyle/>
+          <a:p>
+            <a:pPr algn="ctr"/>
+            <a:endParaRPr lang="en-US"/>
+          </a:p>
+        </p:txBody>
+      </p:sp>
+      <p:sp>
+        <p:nvSpPr>
+          <p:cNvPr id="35" name="Rectangle: Rounded Corners 34">
+            <a:extLst>
+              <a:ext uri="{FF2B5EF4-FFF2-40B4-BE49-F238E27FC236}">
+                <a16:creationId xmlns:a16="http://schemas.microsoft.com/office/drawing/2014/main" id="{7A9F68D7-0EEE-9799-4983-C63C3ED04B20}"/>
+              </a:ext>
+            </a:extLst>
+          </p:cNvPr>
+          <p:cNvSpPr/>
+          <p:nvPr/>
+        </p:nvSpPr>
+        <p:spPr>
+          <a:xfrm>
+            <a:off x="506174" y="2062887"/>
+            <a:ext cx="1463040" cy="1463040"/>
+          </a:xfrm>
+          <a:prstGeom prst="roundRect">
+            <a:avLst/>
+          </a:prstGeom>
+          <a:solidFill>
+            <a:schemeClr val="bg1"/>
+          </a:solidFill>
+          <a:ln w="76200">
+            <a:solidFill>
+              <a:schemeClr val="bg1"/>
+            </a:solidFill>
+          </a:ln>
+        </p:spPr>
+        <p:style>
+          <a:lnRef idx="2">
+            <a:schemeClr val="accent1">
+              <a:shade val="15000"/>
+            </a:schemeClr>
+          </a:lnRef>
+          <a:fillRef idx="1">
+            <a:schemeClr val="accent1"/>
+          </a:fillRef>
+          <a:effectRef idx="0">
+            <a:schemeClr val="accent1"/>
+          </a:effectRef>
+          <a:fontRef idx="minor">
+            <a:schemeClr val="lt1"/>
+          </a:fontRef>
+        </p:style>
+        <p:txBody>
+          <a:bodyPr rtlCol="0" anchor="ctr"/>
+          <a:lstStyle/>
+          <a:p>
+            <a:pPr algn="ctr"/>
+            <a:endParaRPr lang="en-US"/>
+          </a:p>
+        </p:txBody>
+      </p:sp>
+      <p:pic>
+        <p:nvPicPr>
+          <p:cNvPr id="36" name="Picture 2" descr="Brain - White Brain Icon Transparent Background Transparent PNG - 1000x1000  - Free Download on NicePNG">
+            <a:extLst>
+              <a:ext uri="{FF2B5EF4-FFF2-40B4-BE49-F238E27FC236}">
+                <a16:creationId xmlns:a16="http://schemas.microsoft.com/office/drawing/2014/main" id="{1AFBF86D-F438-62A3-EF86-7902C3CA474D}"/>
+              </a:ext>
+            </a:extLst>
+          </p:cNvPr>
+          <p:cNvPicPr>
+            <a:picLocks noChangeAspect="1" noChangeArrowheads="1"/>
+          </p:cNvPicPr>
+          <p:nvPr/>
+        </p:nvPicPr>
+        <p:blipFill>
+          <a:blip r:embed="rId3">
+            <a:extLst>
+              <a:ext uri="{28A0092B-C50C-407E-A947-70E740481C1C}">
+                <a14:useLocalDpi xmlns:a14="http://schemas.microsoft.com/office/drawing/2010/main" val="0"/>
+              </a:ext>
+            </a:extLst>
+          </a:blip>
+          <a:srcRect/>
+          <a:stretch>
+            <a:fillRect/>
+          </a:stretch>
+        </p:blipFill>
+        <p:spPr bwMode="auto">
+          <a:xfrm>
+            <a:off x="1092917" y="2621274"/>
+            <a:ext cx="266678" cy="303410"/>
+          </a:xfrm>
+          <a:prstGeom prst="rect">
+            <a:avLst/>
+          </a:prstGeom>
+          <a:noFill/>
+          <a:extLst>
+            <a:ext uri="{909E8E84-426E-40DD-AFC4-6F175D3DCCD1}">
+              <a14:hiddenFill xmlns:a14="http://schemas.microsoft.com/office/drawing/2010/main">
+                <a:solidFill>
+                  <a:srgbClr val="FFFFFF"/>
+                </a:solidFill>
+              </a14:hiddenFill>
+            </a:ext>
+          </a:extLst>
+        </p:spPr>
+      </p:pic>
+      <p:pic>
+        <p:nvPicPr>
+          <p:cNvPr id="37" name="Picture 4" descr="Quantum Computing Computer Urgent Care Research Clip Art PNG">
+            <a:extLst>
+              <a:ext uri="{FF2B5EF4-FFF2-40B4-BE49-F238E27FC236}">
+                <a16:creationId xmlns:a16="http://schemas.microsoft.com/office/drawing/2014/main" id="{18A5ABD8-CA56-B405-FF65-DCB92F1DB3C6}"/>
+              </a:ext>
+            </a:extLst>
+          </p:cNvPr>
+          <p:cNvPicPr>
+            <a:picLocks noChangeAspect="1" noChangeArrowheads="1"/>
+          </p:cNvPicPr>
+          <p:nvPr/>
+        </p:nvPicPr>
+        <p:blipFill>
+          <a:blip r:embed="rId4">
+            <a:extLst>
+              <a:ext uri="{BEBA8EAE-BF5A-486C-A8C5-ECC9F3942E4B}">
+                <a14:imgProps xmlns:a14="http://schemas.microsoft.com/office/drawing/2010/main">
+                  <a14:imgLayer r:embed="rId5">
+                    <a14:imgEffect>
+                      <a14:backgroundRemoval t="3147" b="97727" l="10000" r="90000">
+                        <a14:foregroundMark x1="44731" y1="91958" x2="46095" y2="92124"/>
+                        <a14:foregroundMark x1="43293" y1="91783" x2="44731" y2="91958"/>
+                        <a14:foregroundMark x1="43537" y1="7867" x2="53659" y2="3147"/>
+                        <a14:foregroundMark x1="51525" y1="93531" x2="56585" y2="93531"/>
+                        <a14:foregroundMark x1="43780" y1="93531" x2="47698" y2="93531"/>
+                        <a14:foregroundMark x1="49735" y1="97643" x2="52073" y2="97727"/>
+                        <a14:backgroundMark x1="47927" y1="93007" x2="51829" y2="92832"/>
+                      </a14:backgroundRemoval>
+                    </a14:imgEffect>
+                  </a14:imgLayer>
+                </a14:imgProps>
+              </a:ext>
+              <a:ext uri="{28A0092B-C50C-407E-A947-70E740481C1C}">
+                <a14:useLocalDpi xmlns:a14="http://schemas.microsoft.com/office/drawing/2010/main" val="0"/>
+              </a:ext>
+            </a:extLst>
+          </a:blip>
+          <a:srcRect/>
+          <a:stretch>
+            <a:fillRect/>
+          </a:stretch>
+        </p:blipFill>
+        <p:spPr bwMode="auto">
+          <a:xfrm>
+            <a:off x="292444" y="2121183"/>
+            <a:ext cx="1848212" cy="1289241"/>
+          </a:xfrm>
+          <a:prstGeom prst="rect">
+            <a:avLst/>
+          </a:prstGeom>
+          <a:noFill/>
+          <a:extLst>
+            <a:ext uri="{909E8E84-426E-40DD-AFC4-6F175D3DCCD1}">
+              <a14:hiddenFill xmlns:a14="http://schemas.microsoft.com/office/drawing/2010/main">
+                <a:solidFill>
+                  <a:srgbClr val="FFFFFF"/>
+                </a:solidFill>
+              </a14:hiddenFill>
+            </a:ext>
+          </a:extLst>
+        </p:spPr>
+      </p:pic>
+      <p:sp>
+        <p:nvSpPr>
+          <p:cNvPr id="38" name="TextBox 37">
+            <a:extLst>
+              <a:ext uri="{FF2B5EF4-FFF2-40B4-BE49-F238E27FC236}">
+                <a16:creationId xmlns:a16="http://schemas.microsoft.com/office/drawing/2014/main" id="{30477531-4AEC-33AD-3115-251D449AE925}"/>
+              </a:ext>
+            </a:extLst>
+          </p:cNvPr>
+          <p:cNvSpPr txBox="1"/>
+          <p:nvPr/>
+        </p:nvSpPr>
+        <p:spPr>
+          <a:xfrm>
+            <a:off x="426131" y="3624790"/>
+            <a:ext cx="1724231" cy="1015663"/>
+          </a:xfrm>
+          <a:prstGeom prst="rect">
+            <a:avLst/>
+          </a:prstGeom>
+          <a:noFill/>
+        </p:spPr>
+        <p:txBody>
+          <a:bodyPr wrap="square" rtlCol="0">
+            <a:spAutoFit/>
+          </a:bodyPr>
+          <a:lstStyle/>
+          <a:p>
+            <a:r>
+              <a:rPr lang="en-US" sz="6000" b="1" dirty="0" err="1">
+                <a:solidFill>
+                  <a:schemeClr val="bg1"/>
+                </a:solidFill>
+                <a:latin typeface="Bahnschrift SemiLight Condensed" panose="020B0502040204020203" pitchFamily="34" charset="0"/>
+              </a:rPr>
+              <a:t>AISeQ</a:t>
+            </a:r>
+            <a:endParaRPr lang="en-US" sz="6000" b="1" dirty="0">
+              <a:solidFill>
+                <a:schemeClr val="bg1"/>
+              </a:solidFill>
+              <a:latin typeface="Bahnschrift SemiLight Condensed" panose="020B0502040204020203" pitchFamily="34" charset="0"/>
+            </a:endParaRPr>
           </a:p>
         </p:txBody>
       </p:sp>
@@ -10702,6 +11513,1188 @@
   <p:clrMapOvr>
     <a:masterClrMapping/>
   </p:clrMapOvr>
+</p:sld>
+</file>
+
+<file path=ppt/slides/slide4.xml><?xml version="1.0" encoding="utf-8"?>
+<p:sld xmlns:a="http://schemas.openxmlformats.org/drawingml/2006/main" xmlns:r="http://schemas.openxmlformats.org/officeDocument/2006/relationships" xmlns:p="http://schemas.openxmlformats.org/presentationml/2006/main">
+  <p:cSld>
+    <p:spTree>
+      <p:nvGrpSpPr>
+        <p:cNvPr id="1" name="">
+          <a:extLst>
+            <a:ext uri="{FF2B5EF4-FFF2-40B4-BE49-F238E27FC236}">
+              <a16:creationId xmlns:a16="http://schemas.microsoft.com/office/drawing/2014/main" id="{DE62077F-41B6-D4CE-69F2-4FEA2624BA26}"/>
+            </a:ext>
+          </a:extLst>
+        </p:cNvPr>
+        <p:cNvGrpSpPr/>
+        <p:nvPr/>
+      </p:nvGrpSpPr>
+      <p:grpSpPr>
+        <a:xfrm>
+          <a:off x="0" y="0"/>
+          <a:ext cx="0" cy="0"/>
+          <a:chOff x="0" y="0"/>
+          <a:chExt cx="0" cy="0"/>
+        </a:xfrm>
+      </p:grpSpPr>
+      <p:sp>
+        <p:nvSpPr>
+          <p:cNvPr id="39" name="Rectangle 38">
+            <a:extLst>
+              <a:ext uri="{FF2B5EF4-FFF2-40B4-BE49-F238E27FC236}">
+                <a16:creationId xmlns:a16="http://schemas.microsoft.com/office/drawing/2014/main" id="{A0459AAF-90AF-99FA-2029-9C89A2D4CE6F}"/>
+              </a:ext>
+            </a:extLst>
+          </p:cNvPr>
+          <p:cNvSpPr/>
+          <p:nvPr/>
+        </p:nvSpPr>
+        <p:spPr>
+          <a:xfrm>
+            <a:off x="0" y="1474987"/>
+            <a:ext cx="2425587" cy="3345142"/>
+          </a:xfrm>
+          <a:prstGeom prst="rect">
+            <a:avLst/>
+          </a:prstGeom>
+        </p:spPr>
+        <p:style>
+          <a:lnRef idx="2">
+            <a:schemeClr val="dk1">
+              <a:shade val="15000"/>
+            </a:schemeClr>
+          </a:lnRef>
+          <a:fillRef idx="1">
+            <a:schemeClr val="dk1"/>
+          </a:fillRef>
+          <a:effectRef idx="0">
+            <a:schemeClr val="dk1"/>
+          </a:effectRef>
+          <a:fontRef idx="minor">
+            <a:schemeClr val="lt1"/>
+          </a:fontRef>
+        </p:style>
+        <p:txBody>
+          <a:bodyPr rtlCol="0" anchor="ctr"/>
+          <a:lstStyle/>
+          <a:p>
+            <a:pPr algn="ctr"/>
+            <a:endParaRPr lang="en-US"/>
+          </a:p>
+        </p:txBody>
+      </p:sp>
+      <p:sp>
+        <p:nvSpPr>
+          <p:cNvPr id="29" name="Rectangle: Rounded Corners 28">
+            <a:extLst>
+              <a:ext uri="{FF2B5EF4-FFF2-40B4-BE49-F238E27FC236}">
+                <a16:creationId xmlns:a16="http://schemas.microsoft.com/office/drawing/2014/main" id="{FECBDEC0-EF99-6705-F6FB-146EF6FF1516}"/>
+              </a:ext>
+            </a:extLst>
+          </p:cNvPr>
+          <p:cNvSpPr/>
+          <p:nvPr/>
+        </p:nvSpPr>
+        <p:spPr>
+          <a:xfrm rot="5400000">
+            <a:off x="719398" y="2746109"/>
+            <a:ext cx="1828800" cy="105685"/>
+          </a:xfrm>
+          <a:prstGeom prst="roundRect">
+            <a:avLst>
+              <a:gd name="adj" fmla="val 50000"/>
+            </a:avLst>
+          </a:prstGeom>
+          <a:solidFill>
+            <a:schemeClr val="bg1"/>
+          </a:solidFill>
+          <a:ln>
+            <a:solidFill>
+              <a:schemeClr val="bg1"/>
+            </a:solidFill>
+          </a:ln>
+        </p:spPr>
+        <p:style>
+          <a:lnRef idx="2">
+            <a:schemeClr val="dk1">
+              <a:shade val="15000"/>
+            </a:schemeClr>
+          </a:lnRef>
+          <a:fillRef idx="1">
+            <a:schemeClr val="dk1"/>
+          </a:fillRef>
+          <a:effectRef idx="0">
+            <a:schemeClr val="dk1"/>
+          </a:effectRef>
+          <a:fontRef idx="minor">
+            <a:schemeClr val="lt1"/>
+          </a:fontRef>
+        </p:style>
+        <p:txBody>
+          <a:bodyPr rtlCol="0" anchor="ctr"/>
+          <a:lstStyle/>
+          <a:p>
+            <a:pPr algn="ctr"/>
+            <a:endParaRPr lang="en-US"/>
+          </a:p>
+        </p:txBody>
+      </p:sp>
+      <p:sp>
+        <p:nvSpPr>
+          <p:cNvPr id="30" name="Rectangle: Rounded Corners 29">
+            <a:extLst>
+              <a:ext uri="{FF2B5EF4-FFF2-40B4-BE49-F238E27FC236}">
+                <a16:creationId xmlns:a16="http://schemas.microsoft.com/office/drawing/2014/main" id="{E3AC6A68-DF78-55D2-D5EC-17DD0B1A927E}"/>
+              </a:ext>
+            </a:extLst>
+          </p:cNvPr>
+          <p:cNvSpPr/>
+          <p:nvPr/>
+        </p:nvSpPr>
+        <p:spPr>
+          <a:xfrm rot="5400000">
+            <a:off x="323294" y="2746109"/>
+            <a:ext cx="1828800" cy="105685"/>
+          </a:xfrm>
+          <a:prstGeom prst="roundRect">
+            <a:avLst>
+              <a:gd name="adj" fmla="val 50000"/>
+            </a:avLst>
+          </a:prstGeom>
+          <a:solidFill>
+            <a:schemeClr val="bg1"/>
+          </a:solidFill>
+          <a:ln>
+            <a:solidFill>
+              <a:schemeClr val="bg1"/>
+            </a:solidFill>
+          </a:ln>
+        </p:spPr>
+        <p:style>
+          <a:lnRef idx="2">
+            <a:schemeClr val="dk1">
+              <a:shade val="15000"/>
+            </a:schemeClr>
+          </a:lnRef>
+          <a:fillRef idx="1">
+            <a:schemeClr val="dk1"/>
+          </a:fillRef>
+          <a:effectRef idx="0">
+            <a:schemeClr val="dk1"/>
+          </a:effectRef>
+          <a:fontRef idx="minor">
+            <a:schemeClr val="lt1"/>
+          </a:fontRef>
+        </p:style>
+        <p:txBody>
+          <a:bodyPr rtlCol="0" anchor="ctr"/>
+          <a:lstStyle/>
+          <a:p>
+            <a:pPr algn="ctr"/>
+            <a:endParaRPr lang="en-US"/>
+          </a:p>
+        </p:txBody>
+      </p:sp>
+      <p:sp>
+        <p:nvSpPr>
+          <p:cNvPr id="31" name="Rectangle: Rounded Corners 30">
+            <a:extLst>
+              <a:ext uri="{FF2B5EF4-FFF2-40B4-BE49-F238E27FC236}">
+                <a16:creationId xmlns:a16="http://schemas.microsoft.com/office/drawing/2014/main" id="{E8B80439-CF4F-7920-06FB-01E46E1518AA}"/>
+              </a:ext>
+            </a:extLst>
+          </p:cNvPr>
+          <p:cNvSpPr/>
+          <p:nvPr/>
+        </p:nvSpPr>
+        <p:spPr>
+          <a:xfrm rot="5400000">
+            <a:off x="-72811" y="2746109"/>
+            <a:ext cx="1828800" cy="105685"/>
+          </a:xfrm>
+          <a:prstGeom prst="roundRect">
+            <a:avLst>
+              <a:gd name="adj" fmla="val 50000"/>
+            </a:avLst>
+          </a:prstGeom>
+          <a:solidFill>
+            <a:schemeClr val="bg1"/>
+          </a:solidFill>
+          <a:ln>
+            <a:solidFill>
+              <a:schemeClr val="bg1"/>
+            </a:solidFill>
+          </a:ln>
+        </p:spPr>
+        <p:style>
+          <a:lnRef idx="2">
+            <a:schemeClr val="dk1">
+              <a:shade val="15000"/>
+            </a:schemeClr>
+          </a:lnRef>
+          <a:fillRef idx="1">
+            <a:schemeClr val="dk1"/>
+          </a:fillRef>
+          <a:effectRef idx="0">
+            <a:schemeClr val="dk1"/>
+          </a:effectRef>
+          <a:fontRef idx="minor">
+            <a:schemeClr val="lt1"/>
+          </a:fontRef>
+        </p:style>
+        <p:txBody>
+          <a:bodyPr rtlCol="0" anchor="ctr"/>
+          <a:lstStyle/>
+          <a:p>
+            <a:pPr algn="ctr"/>
+            <a:endParaRPr lang="en-US"/>
+          </a:p>
+        </p:txBody>
+      </p:sp>
+      <p:sp>
+        <p:nvSpPr>
+          <p:cNvPr id="32" name="Rectangle: Rounded Corners 31">
+            <a:extLst>
+              <a:ext uri="{FF2B5EF4-FFF2-40B4-BE49-F238E27FC236}">
+                <a16:creationId xmlns:a16="http://schemas.microsoft.com/office/drawing/2014/main" id="{BDA76D03-293D-20E0-2FEB-768E8CFC1B35}"/>
+              </a:ext>
+            </a:extLst>
+          </p:cNvPr>
+          <p:cNvSpPr/>
+          <p:nvPr/>
+        </p:nvSpPr>
+        <p:spPr>
+          <a:xfrm>
+            <a:off x="330132" y="3051262"/>
+            <a:ext cx="1828800" cy="105685"/>
+          </a:xfrm>
+          <a:prstGeom prst="roundRect">
+            <a:avLst>
+              <a:gd name="adj" fmla="val 50000"/>
+            </a:avLst>
+          </a:prstGeom>
+          <a:solidFill>
+            <a:schemeClr val="bg1"/>
+          </a:solidFill>
+          <a:ln>
+            <a:solidFill>
+              <a:schemeClr val="bg1"/>
+            </a:solidFill>
+          </a:ln>
+        </p:spPr>
+        <p:style>
+          <a:lnRef idx="2">
+            <a:schemeClr val="dk1">
+              <a:shade val="15000"/>
+            </a:schemeClr>
+          </a:lnRef>
+          <a:fillRef idx="1">
+            <a:schemeClr val="dk1"/>
+          </a:fillRef>
+          <a:effectRef idx="0">
+            <a:schemeClr val="dk1"/>
+          </a:effectRef>
+          <a:fontRef idx="minor">
+            <a:schemeClr val="lt1"/>
+          </a:fontRef>
+        </p:style>
+        <p:txBody>
+          <a:bodyPr rtlCol="0" anchor="ctr"/>
+          <a:lstStyle/>
+          <a:p>
+            <a:pPr algn="ctr"/>
+            <a:endParaRPr lang="en-US"/>
+          </a:p>
+        </p:txBody>
+      </p:sp>
+      <p:sp>
+        <p:nvSpPr>
+          <p:cNvPr id="33" name="Rectangle: Rounded Corners 32">
+            <a:extLst>
+              <a:ext uri="{FF2B5EF4-FFF2-40B4-BE49-F238E27FC236}">
+                <a16:creationId xmlns:a16="http://schemas.microsoft.com/office/drawing/2014/main" id="{90447D0E-C512-A1F9-F680-3657CE4C9C38}"/>
+              </a:ext>
+            </a:extLst>
+          </p:cNvPr>
+          <p:cNvSpPr/>
+          <p:nvPr/>
+        </p:nvSpPr>
+        <p:spPr>
+          <a:xfrm>
+            <a:off x="330132" y="2720137"/>
+            <a:ext cx="1828800" cy="105685"/>
+          </a:xfrm>
+          <a:prstGeom prst="roundRect">
+            <a:avLst>
+              <a:gd name="adj" fmla="val 50000"/>
+            </a:avLst>
+          </a:prstGeom>
+          <a:solidFill>
+            <a:schemeClr val="bg1"/>
+          </a:solidFill>
+          <a:ln>
+            <a:solidFill>
+              <a:schemeClr val="bg1"/>
+            </a:solidFill>
+          </a:ln>
+        </p:spPr>
+        <p:style>
+          <a:lnRef idx="2">
+            <a:schemeClr val="dk1">
+              <a:shade val="15000"/>
+            </a:schemeClr>
+          </a:lnRef>
+          <a:fillRef idx="1">
+            <a:schemeClr val="dk1"/>
+          </a:fillRef>
+          <a:effectRef idx="0">
+            <a:schemeClr val="dk1"/>
+          </a:effectRef>
+          <a:fontRef idx="minor">
+            <a:schemeClr val="lt1"/>
+          </a:fontRef>
+        </p:style>
+        <p:txBody>
+          <a:bodyPr rtlCol="0" anchor="ctr"/>
+          <a:lstStyle/>
+          <a:p>
+            <a:pPr algn="ctr"/>
+            <a:endParaRPr lang="en-US"/>
+          </a:p>
+        </p:txBody>
+      </p:sp>
+      <p:sp>
+        <p:nvSpPr>
+          <p:cNvPr id="34" name="Rectangle: Rounded Corners 33">
+            <a:extLst>
+              <a:ext uri="{FF2B5EF4-FFF2-40B4-BE49-F238E27FC236}">
+                <a16:creationId xmlns:a16="http://schemas.microsoft.com/office/drawing/2014/main" id="{AA04D6BA-7FB0-BB25-3927-ABFC45A6BD05}"/>
+              </a:ext>
+            </a:extLst>
+          </p:cNvPr>
+          <p:cNvSpPr/>
+          <p:nvPr/>
+        </p:nvSpPr>
+        <p:spPr>
+          <a:xfrm>
+            <a:off x="330132" y="2389012"/>
+            <a:ext cx="1828800" cy="105685"/>
+          </a:xfrm>
+          <a:prstGeom prst="roundRect">
+            <a:avLst>
+              <a:gd name="adj" fmla="val 50000"/>
+            </a:avLst>
+          </a:prstGeom>
+          <a:solidFill>
+            <a:schemeClr val="bg1"/>
+          </a:solidFill>
+          <a:ln>
+            <a:solidFill>
+              <a:schemeClr val="bg1"/>
+            </a:solidFill>
+          </a:ln>
+        </p:spPr>
+        <p:style>
+          <a:lnRef idx="2">
+            <a:schemeClr val="dk1">
+              <a:shade val="15000"/>
+            </a:schemeClr>
+          </a:lnRef>
+          <a:fillRef idx="1">
+            <a:schemeClr val="dk1"/>
+          </a:fillRef>
+          <a:effectRef idx="0">
+            <a:schemeClr val="dk1"/>
+          </a:effectRef>
+          <a:fontRef idx="minor">
+            <a:schemeClr val="lt1"/>
+          </a:fontRef>
+        </p:style>
+        <p:txBody>
+          <a:bodyPr rtlCol="0" anchor="ctr"/>
+          <a:lstStyle/>
+          <a:p>
+            <a:pPr algn="ctr"/>
+            <a:endParaRPr lang="en-US"/>
+          </a:p>
+        </p:txBody>
+      </p:sp>
+      <p:sp>
+        <p:nvSpPr>
+          <p:cNvPr id="35" name="Rectangle: Rounded Corners 34">
+            <a:extLst>
+              <a:ext uri="{FF2B5EF4-FFF2-40B4-BE49-F238E27FC236}">
+                <a16:creationId xmlns:a16="http://schemas.microsoft.com/office/drawing/2014/main" id="{43C2C387-FC5A-50BE-5656-954E174DF63D}"/>
+              </a:ext>
+            </a:extLst>
+          </p:cNvPr>
+          <p:cNvSpPr/>
+          <p:nvPr/>
+        </p:nvSpPr>
+        <p:spPr>
+          <a:xfrm>
+            <a:off x="506174" y="2062887"/>
+            <a:ext cx="1463040" cy="1463040"/>
+          </a:xfrm>
+          <a:prstGeom prst="roundRect">
+            <a:avLst/>
+          </a:prstGeom>
+          <a:solidFill>
+            <a:schemeClr val="bg1"/>
+          </a:solidFill>
+          <a:ln w="76200">
+            <a:solidFill>
+              <a:schemeClr val="bg1"/>
+            </a:solidFill>
+          </a:ln>
+        </p:spPr>
+        <p:style>
+          <a:lnRef idx="2">
+            <a:schemeClr val="accent1">
+              <a:shade val="15000"/>
+            </a:schemeClr>
+          </a:lnRef>
+          <a:fillRef idx="1">
+            <a:schemeClr val="accent1"/>
+          </a:fillRef>
+          <a:effectRef idx="0">
+            <a:schemeClr val="accent1"/>
+          </a:effectRef>
+          <a:fontRef idx="minor">
+            <a:schemeClr val="lt1"/>
+          </a:fontRef>
+        </p:style>
+        <p:txBody>
+          <a:bodyPr rtlCol="0" anchor="ctr"/>
+          <a:lstStyle/>
+          <a:p>
+            <a:pPr algn="ctr"/>
+            <a:endParaRPr lang="en-US"/>
+          </a:p>
+        </p:txBody>
+      </p:sp>
+      <p:pic>
+        <p:nvPicPr>
+          <p:cNvPr id="36" name="Picture 2" descr="Brain - White Brain Icon Transparent Background Transparent PNG - 1000x1000  - Free Download on NicePNG">
+            <a:extLst>
+              <a:ext uri="{FF2B5EF4-FFF2-40B4-BE49-F238E27FC236}">
+                <a16:creationId xmlns:a16="http://schemas.microsoft.com/office/drawing/2014/main" id="{0AE7D31E-3AB9-8225-DB86-024F57DEC4ED}"/>
+              </a:ext>
+            </a:extLst>
+          </p:cNvPr>
+          <p:cNvPicPr>
+            <a:picLocks noChangeAspect="1" noChangeArrowheads="1"/>
+          </p:cNvPicPr>
+          <p:nvPr/>
+        </p:nvPicPr>
+        <p:blipFill>
+          <a:blip r:embed="rId3">
+            <a:extLst>
+              <a:ext uri="{28A0092B-C50C-407E-A947-70E740481C1C}">
+                <a14:useLocalDpi xmlns:a14="http://schemas.microsoft.com/office/drawing/2010/main" val="0"/>
+              </a:ext>
+            </a:extLst>
+          </a:blip>
+          <a:srcRect/>
+          <a:stretch>
+            <a:fillRect/>
+          </a:stretch>
+        </p:blipFill>
+        <p:spPr bwMode="auto">
+          <a:xfrm>
+            <a:off x="1092917" y="2621274"/>
+            <a:ext cx="266678" cy="303410"/>
+          </a:xfrm>
+          <a:prstGeom prst="rect">
+            <a:avLst/>
+          </a:prstGeom>
+          <a:noFill/>
+          <a:extLst>
+            <a:ext uri="{909E8E84-426E-40DD-AFC4-6F175D3DCCD1}">
+              <a14:hiddenFill xmlns:a14="http://schemas.microsoft.com/office/drawing/2010/main">
+                <a:solidFill>
+                  <a:srgbClr val="FFFFFF"/>
+                </a:solidFill>
+              </a14:hiddenFill>
+            </a:ext>
+          </a:extLst>
+        </p:spPr>
+      </p:pic>
+      <p:pic>
+        <p:nvPicPr>
+          <p:cNvPr id="37" name="Picture 4" descr="Quantum Computing Computer Urgent Care Research Clip Art PNG">
+            <a:extLst>
+              <a:ext uri="{FF2B5EF4-FFF2-40B4-BE49-F238E27FC236}">
+                <a16:creationId xmlns:a16="http://schemas.microsoft.com/office/drawing/2014/main" id="{AACEAB02-6CD0-8D01-21AD-A1C40E5E61CC}"/>
+              </a:ext>
+            </a:extLst>
+          </p:cNvPr>
+          <p:cNvPicPr>
+            <a:picLocks noChangeAspect="1" noChangeArrowheads="1"/>
+          </p:cNvPicPr>
+          <p:nvPr/>
+        </p:nvPicPr>
+        <p:blipFill>
+          <a:blip r:embed="rId4">
+            <a:extLst>
+              <a:ext uri="{BEBA8EAE-BF5A-486C-A8C5-ECC9F3942E4B}">
+                <a14:imgProps xmlns:a14="http://schemas.microsoft.com/office/drawing/2010/main">
+                  <a14:imgLayer r:embed="rId5">
+                    <a14:imgEffect>
+                      <a14:backgroundRemoval t="3147" b="97727" l="10000" r="90000">
+                        <a14:foregroundMark x1="44731" y1="91958" x2="46095" y2="92124"/>
+                        <a14:foregroundMark x1="43293" y1="91783" x2="44731" y2="91958"/>
+                        <a14:foregroundMark x1="43537" y1="7867" x2="53659" y2="3147"/>
+                        <a14:foregroundMark x1="51525" y1="93531" x2="56585" y2="93531"/>
+                        <a14:foregroundMark x1="43780" y1="93531" x2="47698" y2="93531"/>
+                        <a14:foregroundMark x1="49735" y1="97643" x2="52073" y2="97727"/>
+                        <a14:backgroundMark x1="47927" y1="93007" x2="51829" y2="92832"/>
+                      </a14:backgroundRemoval>
+                    </a14:imgEffect>
+                  </a14:imgLayer>
+                </a14:imgProps>
+              </a:ext>
+              <a:ext uri="{28A0092B-C50C-407E-A947-70E740481C1C}">
+                <a14:useLocalDpi xmlns:a14="http://schemas.microsoft.com/office/drawing/2010/main" val="0"/>
+              </a:ext>
+            </a:extLst>
+          </a:blip>
+          <a:srcRect/>
+          <a:stretch>
+            <a:fillRect/>
+          </a:stretch>
+        </p:blipFill>
+        <p:spPr bwMode="auto">
+          <a:xfrm>
+            <a:off x="292444" y="2121183"/>
+            <a:ext cx="1848212" cy="1289241"/>
+          </a:xfrm>
+          <a:prstGeom prst="rect">
+            <a:avLst/>
+          </a:prstGeom>
+          <a:noFill/>
+          <a:extLst>
+            <a:ext uri="{909E8E84-426E-40DD-AFC4-6F175D3DCCD1}">
+              <a14:hiddenFill xmlns:a14="http://schemas.microsoft.com/office/drawing/2010/main">
+                <a:solidFill>
+                  <a:srgbClr val="FFFFFF"/>
+                </a:solidFill>
+              </a14:hiddenFill>
+            </a:ext>
+          </a:extLst>
+        </p:spPr>
+      </p:pic>
+      <p:sp>
+        <p:nvSpPr>
+          <p:cNvPr id="38" name="TextBox 37">
+            <a:extLst>
+              <a:ext uri="{FF2B5EF4-FFF2-40B4-BE49-F238E27FC236}">
+                <a16:creationId xmlns:a16="http://schemas.microsoft.com/office/drawing/2014/main" id="{428451E5-A62A-0375-5585-1ED1E95B7598}"/>
+              </a:ext>
+            </a:extLst>
+          </p:cNvPr>
+          <p:cNvSpPr txBox="1"/>
+          <p:nvPr/>
+        </p:nvSpPr>
+        <p:spPr>
+          <a:xfrm>
+            <a:off x="426131" y="3624790"/>
+            <a:ext cx="1724231" cy="1015663"/>
+          </a:xfrm>
+          <a:prstGeom prst="rect">
+            <a:avLst/>
+          </a:prstGeom>
+          <a:noFill/>
+        </p:spPr>
+        <p:txBody>
+          <a:bodyPr wrap="square" rtlCol="0">
+            <a:spAutoFit/>
+          </a:bodyPr>
+          <a:lstStyle/>
+          <a:p>
+            <a:r>
+              <a:rPr lang="en-US" sz="6000" b="1" dirty="0" err="1">
+                <a:solidFill>
+                  <a:schemeClr val="bg1"/>
+                </a:solidFill>
+                <a:latin typeface="Bahnschrift SemiLight Condensed" panose="020B0502040204020203" pitchFamily="34" charset="0"/>
+              </a:rPr>
+              <a:t>AISeQ</a:t>
+            </a:r>
+            <a:endParaRPr lang="en-US" sz="6000" b="1" dirty="0">
+              <a:solidFill>
+                <a:schemeClr val="bg1"/>
+              </a:solidFill>
+              <a:latin typeface="Bahnschrift SemiLight Condensed" panose="020B0502040204020203" pitchFamily="34" charset="0"/>
+            </a:endParaRPr>
+          </a:p>
+        </p:txBody>
+      </p:sp>
+    </p:spTree>
+    <p:extLst>
+      <p:ext uri="{BB962C8B-B14F-4D97-AF65-F5344CB8AC3E}">
+        <p14:creationId xmlns:p14="http://schemas.microsoft.com/office/powerpoint/2010/main" val="2050004694"/>
+      </p:ext>
+    </p:extLst>
+  </p:cSld>
+  <p:clrMapOvr>
+    <a:masterClrMapping/>
+  </p:clrMapOvr>
+  <mc:AlternateContent xmlns:mc="http://schemas.openxmlformats.org/markup-compatibility/2006">
+    <mc:Choice xmlns:p159="http://schemas.microsoft.com/office/powerpoint/2015/09/main" Requires="p159">
+      <p:transition xmlns:p14="http://schemas.microsoft.com/office/powerpoint/2010/main" spd="slow" p14:dur="2000">
+        <p159:morph option="byObject"/>
+      </p:transition>
+    </mc:Choice>
+    <mc:Fallback>
+      <p:transition spd="slow">
+        <p:fade/>
+      </p:transition>
+    </mc:Fallback>
+  </mc:AlternateContent>
+</p:sld>
+</file>
+
+<file path=ppt/slides/slide5.xml><?xml version="1.0" encoding="utf-8"?>
+<p:sld xmlns:a="http://schemas.openxmlformats.org/drawingml/2006/main" xmlns:r="http://schemas.openxmlformats.org/officeDocument/2006/relationships" xmlns:p="http://schemas.openxmlformats.org/presentationml/2006/main">
+  <p:cSld>
+    <p:spTree>
+      <p:nvGrpSpPr>
+        <p:cNvPr id="1" name="">
+          <a:extLst>
+            <a:ext uri="{FF2B5EF4-FFF2-40B4-BE49-F238E27FC236}">
+              <a16:creationId xmlns:a16="http://schemas.microsoft.com/office/drawing/2014/main" id="{BF2674EA-F32B-ADF0-E56D-5BB0DCBBC9A5}"/>
+            </a:ext>
+          </a:extLst>
+        </p:cNvPr>
+        <p:cNvGrpSpPr/>
+        <p:nvPr/>
+      </p:nvGrpSpPr>
+      <p:grpSpPr>
+        <a:xfrm>
+          <a:off x="0" y="0"/>
+          <a:ext cx="0" cy="0"/>
+          <a:chOff x="0" y="0"/>
+          <a:chExt cx="0" cy="0"/>
+        </a:xfrm>
+      </p:grpSpPr>
+      <p:sp>
+        <p:nvSpPr>
+          <p:cNvPr id="13" name="Rectangle: Rounded Corners 12">
+            <a:extLst>
+              <a:ext uri="{FF2B5EF4-FFF2-40B4-BE49-F238E27FC236}">
+                <a16:creationId xmlns:a16="http://schemas.microsoft.com/office/drawing/2014/main" id="{D090A71C-B431-E2B4-6572-47A39318F0F2}"/>
+              </a:ext>
+            </a:extLst>
+          </p:cNvPr>
+          <p:cNvSpPr/>
+          <p:nvPr/>
+        </p:nvSpPr>
+        <p:spPr>
+          <a:xfrm rot="5400000">
+            <a:off x="616139" y="2649182"/>
+            <a:ext cx="1828800" cy="105685"/>
+          </a:xfrm>
+          <a:prstGeom prst="roundRect">
+            <a:avLst>
+              <a:gd name="adj" fmla="val 50000"/>
+            </a:avLst>
+          </a:prstGeom>
+        </p:spPr>
+        <p:style>
+          <a:lnRef idx="2">
+            <a:schemeClr val="dk1">
+              <a:shade val="15000"/>
+            </a:schemeClr>
+          </a:lnRef>
+          <a:fillRef idx="1">
+            <a:schemeClr val="dk1"/>
+          </a:fillRef>
+          <a:effectRef idx="0">
+            <a:schemeClr val="dk1"/>
+          </a:effectRef>
+          <a:fontRef idx="minor">
+            <a:schemeClr val="lt1"/>
+          </a:fontRef>
+        </p:style>
+        <p:txBody>
+          <a:bodyPr rtlCol="0" anchor="ctr"/>
+          <a:lstStyle/>
+          <a:p>
+            <a:pPr algn="ctr"/>
+            <a:endParaRPr lang="en-US"/>
+          </a:p>
+        </p:txBody>
+      </p:sp>
+      <p:sp>
+        <p:nvSpPr>
+          <p:cNvPr id="12" name="Rectangle: Rounded Corners 11">
+            <a:extLst>
+              <a:ext uri="{FF2B5EF4-FFF2-40B4-BE49-F238E27FC236}">
+                <a16:creationId xmlns:a16="http://schemas.microsoft.com/office/drawing/2014/main" id="{4CD9443E-B720-3E7E-C06E-01DB82FCFA68}"/>
+              </a:ext>
+            </a:extLst>
+          </p:cNvPr>
+          <p:cNvSpPr/>
+          <p:nvPr/>
+        </p:nvSpPr>
+        <p:spPr>
+          <a:xfrm rot="5400000">
+            <a:off x="220035" y="2649182"/>
+            <a:ext cx="1828800" cy="105685"/>
+          </a:xfrm>
+          <a:prstGeom prst="roundRect">
+            <a:avLst>
+              <a:gd name="adj" fmla="val 50000"/>
+            </a:avLst>
+          </a:prstGeom>
+        </p:spPr>
+        <p:style>
+          <a:lnRef idx="2">
+            <a:schemeClr val="dk1">
+              <a:shade val="15000"/>
+            </a:schemeClr>
+          </a:lnRef>
+          <a:fillRef idx="1">
+            <a:schemeClr val="dk1"/>
+          </a:fillRef>
+          <a:effectRef idx="0">
+            <a:schemeClr val="dk1"/>
+          </a:effectRef>
+          <a:fontRef idx="minor">
+            <a:schemeClr val="lt1"/>
+          </a:fontRef>
+        </p:style>
+        <p:txBody>
+          <a:bodyPr rtlCol="0" anchor="ctr"/>
+          <a:lstStyle/>
+          <a:p>
+            <a:pPr algn="ctr"/>
+            <a:endParaRPr lang="en-US"/>
+          </a:p>
+        </p:txBody>
+      </p:sp>
+      <p:sp>
+        <p:nvSpPr>
+          <p:cNvPr id="11" name="Rectangle: Rounded Corners 10">
+            <a:extLst>
+              <a:ext uri="{FF2B5EF4-FFF2-40B4-BE49-F238E27FC236}">
+                <a16:creationId xmlns:a16="http://schemas.microsoft.com/office/drawing/2014/main" id="{5452CF2D-EE59-052E-33AA-C05D4C249B4A}"/>
+              </a:ext>
+            </a:extLst>
+          </p:cNvPr>
+          <p:cNvSpPr/>
+          <p:nvPr/>
+        </p:nvSpPr>
+        <p:spPr>
+          <a:xfrm rot="5400000">
+            <a:off x="-176070" y="2649182"/>
+            <a:ext cx="1828800" cy="105685"/>
+          </a:xfrm>
+          <a:prstGeom prst="roundRect">
+            <a:avLst>
+              <a:gd name="adj" fmla="val 50000"/>
+            </a:avLst>
+          </a:prstGeom>
+        </p:spPr>
+        <p:style>
+          <a:lnRef idx="2">
+            <a:schemeClr val="dk1">
+              <a:shade val="15000"/>
+            </a:schemeClr>
+          </a:lnRef>
+          <a:fillRef idx="1">
+            <a:schemeClr val="dk1"/>
+          </a:fillRef>
+          <a:effectRef idx="0">
+            <a:schemeClr val="dk1"/>
+          </a:effectRef>
+          <a:fontRef idx="minor">
+            <a:schemeClr val="lt1"/>
+          </a:fontRef>
+        </p:style>
+        <p:txBody>
+          <a:bodyPr rtlCol="0" anchor="ctr"/>
+          <a:lstStyle/>
+          <a:p>
+            <a:pPr algn="ctr"/>
+            <a:endParaRPr lang="en-US"/>
+          </a:p>
+        </p:txBody>
+      </p:sp>
+      <p:sp>
+        <p:nvSpPr>
+          <p:cNvPr id="8" name="Rectangle: Rounded Corners 7">
+            <a:extLst>
+              <a:ext uri="{FF2B5EF4-FFF2-40B4-BE49-F238E27FC236}">
+                <a16:creationId xmlns:a16="http://schemas.microsoft.com/office/drawing/2014/main" id="{B8A8B208-5278-3F0F-6943-A59AB5D25909}"/>
+              </a:ext>
+            </a:extLst>
+          </p:cNvPr>
+          <p:cNvSpPr/>
+          <p:nvPr/>
+        </p:nvSpPr>
+        <p:spPr>
+          <a:xfrm>
+            <a:off x="226873" y="2954335"/>
+            <a:ext cx="1828800" cy="105685"/>
+          </a:xfrm>
+          <a:prstGeom prst="roundRect">
+            <a:avLst>
+              <a:gd name="adj" fmla="val 50000"/>
+            </a:avLst>
+          </a:prstGeom>
+        </p:spPr>
+        <p:style>
+          <a:lnRef idx="2">
+            <a:schemeClr val="dk1">
+              <a:shade val="15000"/>
+            </a:schemeClr>
+          </a:lnRef>
+          <a:fillRef idx="1">
+            <a:schemeClr val="dk1"/>
+          </a:fillRef>
+          <a:effectRef idx="0">
+            <a:schemeClr val="dk1"/>
+          </a:effectRef>
+          <a:fontRef idx="minor">
+            <a:schemeClr val="lt1"/>
+          </a:fontRef>
+        </p:style>
+        <p:txBody>
+          <a:bodyPr rtlCol="0" anchor="ctr"/>
+          <a:lstStyle/>
+          <a:p>
+            <a:pPr algn="ctr"/>
+            <a:endParaRPr lang="en-US"/>
+          </a:p>
+        </p:txBody>
+      </p:sp>
+      <p:sp>
+        <p:nvSpPr>
+          <p:cNvPr id="7" name="Rectangle: Rounded Corners 6">
+            <a:extLst>
+              <a:ext uri="{FF2B5EF4-FFF2-40B4-BE49-F238E27FC236}">
+                <a16:creationId xmlns:a16="http://schemas.microsoft.com/office/drawing/2014/main" id="{89F5381A-C50E-3701-E24E-2DE4DE358F27}"/>
+              </a:ext>
+            </a:extLst>
+          </p:cNvPr>
+          <p:cNvSpPr/>
+          <p:nvPr/>
+        </p:nvSpPr>
+        <p:spPr>
+          <a:xfrm>
+            <a:off x="226873" y="2623210"/>
+            <a:ext cx="1828800" cy="105685"/>
+          </a:xfrm>
+          <a:prstGeom prst="roundRect">
+            <a:avLst>
+              <a:gd name="adj" fmla="val 50000"/>
+            </a:avLst>
+          </a:prstGeom>
+        </p:spPr>
+        <p:style>
+          <a:lnRef idx="2">
+            <a:schemeClr val="dk1">
+              <a:shade val="15000"/>
+            </a:schemeClr>
+          </a:lnRef>
+          <a:fillRef idx="1">
+            <a:schemeClr val="dk1"/>
+          </a:fillRef>
+          <a:effectRef idx="0">
+            <a:schemeClr val="dk1"/>
+          </a:effectRef>
+          <a:fontRef idx="minor">
+            <a:schemeClr val="lt1"/>
+          </a:fontRef>
+        </p:style>
+        <p:txBody>
+          <a:bodyPr rtlCol="0" anchor="ctr"/>
+          <a:lstStyle/>
+          <a:p>
+            <a:pPr algn="ctr"/>
+            <a:endParaRPr lang="en-US"/>
+          </a:p>
+        </p:txBody>
+      </p:sp>
+      <p:sp>
+        <p:nvSpPr>
+          <p:cNvPr id="6" name="Rectangle: Rounded Corners 5">
+            <a:extLst>
+              <a:ext uri="{FF2B5EF4-FFF2-40B4-BE49-F238E27FC236}">
+                <a16:creationId xmlns:a16="http://schemas.microsoft.com/office/drawing/2014/main" id="{DBDDE37E-733E-FDE8-A749-9CA64ACDD23D}"/>
+              </a:ext>
+            </a:extLst>
+          </p:cNvPr>
+          <p:cNvSpPr/>
+          <p:nvPr/>
+        </p:nvSpPr>
+        <p:spPr>
+          <a:xfrm>
+            <a:off x="226873" y="2292085"/>
+            <a:ext cx="1828800" cy="105685"/>
+          </a:xfrm>
+          <a:prstGeom prst="roundRect">
+            <a:avLst>
+              <a:gd name="adj" fmla="val 50000"/>
+            </a:avLst>
+          </a:prstGeom>
+        </p:spPr>
+        <p:style>
+          <a:lnRef idx="2">
+            <a:schemeClr val="dk1">
+              <a:shade val="15000"/>
+            </a:schemeClr>
+          </a:lnRef>
+          <a:fillRef idx="1">
+            <a:schemeClr val="dk1"/>
+          </a:fillRef>
+          <a:effectRef idx="0">
+            <a:schemeClr val="dk1"/>
+          </a:effectRef>
+          <a:fontRef idx="minor">
+            <a:schemeClr val="lt1"/>
+          </a:fontRef>
+        </p:style>
+        <p:txBody>
+          <a:bodyPr rtlCol="0" anchor="ctr"/>
+          <a:lstStyle/>
+          <a:p>
+            <a:pPr algn="ctr"/>
+            <a:endParaRPr lang="en-US"/>
+          </a:p>
+        </p:txBody>
+      </p:sp>
+      <p:sp>
+        <p:nvSpPr>
+          <p:cNvPr id="4" name="Rectangle: Rounded Corners 3">
+            <a:extLst>
+              <a:ext uri="{FF2B5EF4-FFF2-40B4-BE49-F238E27FC236}">
+                <a16:creationId xmlns:a16="http://schemas.microsoft.com/office/drawing/2014/main" id="{30508132-1031-101E-297A-C0A354AF67D3}"/>
+              </a:ext>
+            </a:extLst>
+          </p:cNvPr>
+          <p:cNvSpPr/>
+          <p:nvPr/>
+        </p:nvSpPr>
+        <p:spPr>
+          <a:xfrm>
+            <a:off x="402915" y="1965960"/>
+            <a:ext cx="1463040" cy="1463040"/>
+          </a:xfrm>
+          <a:prstGeom prst="roundRect">
+            <a:avLst/>
+          </a:prstGeom>
+          <a:solidFill>
+            <a:schemeClr val="bg1"/>
+          </a:solidFill>
+          <a:ln w="76200">
+            <a:solidFill>
+              <a:schemeClr val="tx1"/>
+            </a:solidFill>
+          </a:ln>
+        </p:spPr>
+        <p:style>
+          <a:lnRef idx="2">
+            <a:schemeClr val="accent1">
+              <a:shade val="15000"/>
+            </a:schemeClr>
+          </a:lnRef>
+          <a:fillRef idx="1">
+            <a:schemeClr val="accent1"/>
+          </a:fillRef>
+          <a:effectRef idx="0">
+            <a:schemeClr val="accent1"/>
+          </a:effectRef>
+          <a:fontRef idx="minor">
+            <a:schemeClr val="lt1"/>
+          </a:fontRef>
+        </p:style>
+        <p:txBody>
+          <a:bodyPr rtlCol="0" anchor="ctr"/>
+          <a:lstStyle/>
+          <a:p>
+            <a:pPr algn="ctr"/>
+            <a:endParaRPr lang="en-US"/>
+          </a:p>
+        </p:txBody>
+      </p:sp>
+      <p:pic>
+        <p:nvPicPr>
+          <p:cNvPr id="1026" name="Picture 2" descr="Brain - White Brain Icon Transparent Background Transparent PNG - 1000x1000  - Free Download on NicePNG">
+            <a:extLst>
+              <a:ext uri="{FF2B5EF4-FFF2-40B4-BE49-F238E27FC236}">
+                <a16:creationId xmlns:a16="http://schemas.microsoft.com/office/drawing/2014/main" id="{F205CF90-0198-35EF-AF0A-1C819809CCD4}"/>
+              </a:ext>
+            </a:extLst>
+          </p:cNvPr>
+          <p:cNvPicPr>
+            <a:picLocks noChangeAspect="1" noChangeArrowheads="1"/>
+          </p:cNvPicPr>
+          <p:nvPr/>
+        </p:nvPicPr>
+        <p:blipFill>
+          <a:blip r:embed="rId3">
+            <a:extLst>
+              <a:ext uri="{28A0092B-C50C-407E-A947-70E740481C1C}">
+                <a14:useLocalDpi xmlns:a14="http://schemas.microsoft.com/office/drawing/2010/main" val="0"/>
+              </a:ext>
+            </a:extLst>
+          </a:blip>
+          <a:srcRect/>
+          <a:stretch>
+            <a:fillRect/>
+          </a:stretch>
+        </p:blipFill>
+        <p:spPr bwMode="auto">
+          <a:xfrm>
+            <a:off x="989658" y="2524347"/>
+            <a:ext cx="266678" cy="303410"/>
+          </a:xfrm>
+          <a:prstGeom prst="rect">
+            <a:avLst/>
+          </a:prstGeom>
+          <a:noFill/>
+          <a:extLst>
+            <a:ext uri="{909E8E84-426E-40DD-AFC4-6F175D3DCCD1}">
+              <a14:hiddenFill xmlns:a14="http://schemas.microsoft.com/office/drawing/2010/main">
+                <a:solidFill>
+                  <a:srgbClr val="FFFFFF"/>
+                </a:solidFill>
+              </a14:hiddenFill>
+            </a:ext>
+          </a:extLst>
+        </p:spPr>
+      </p:pic>
+      <p:pic>
+        <p:nvPicPr>
+          <p:cNvPr id="1028" name="Picture 4" descr="Quantum Computing Computer Urgent Care Research Clip Art PNG">
+            <a:extLst>
+              <a:ext uri="{FF2B5EF4-FFF2-40B4-BE49-F238E27FC236}">
+                <a16:creationId xmlns:a16="http://schemas.microsoft.com/office/drawing/2014/main" id="{B37BB288-4367-C0CB-867E-0FCF20971891}"/>
+              </a:ext>
+            </a:extLst>
+          </p:cNvPr>
+          <p:cNvPicPr>
+            <a:picLocks noChangeAspect="1" noChangeArrowheads="1"/>
+          </p:cNvPicPr>
+          <p:nvPr/>
+        </p:nvPicPr>
+        <p:blipFill>
+          <a:blip r:embed="rId4">
+            <a:extLst>
+              <a:ext uri="{BEBA8EAE-BF5A-486C-A8C5-ECC9F3942E4B}">
+                <a14:imgProps xmlns:a14="http://schemas.microsoft.com/office/drawing/2010/main">
+                  <a14:imgLayer r:embed="rId5">
+                    <a14:imgEffect>
+                      <a14:backgroundRemoval t="3147" b="97727" l="10000" r="90000">
+                        <a14:foregroundMark x1="44731" y1="91958" x2="46095" y2="92124"/>
+                        <a14:foregroundMark x1="43293" y1="91783" x2="44731" y2="91958"/>
+                        <a14:foregroundMark x1="43537" y1="7867" x2="53659" y2="3147"/>
+                        <a14:foregroundMark x1="51525" y1="93531" x2="56585" y2="93531"/>
+                        <a14:foregroundMark x1="43780" y1="93531" x2="47698" y2="93531"/>
+                        <a14:foregroundMark x1="49735" y1="97643" x2="52073" y2="97727"/>
+                        <a14:backgroundMark x1="47927" y1="93007" x2="51829" y2="92832"/>
+                      </a14:backgroundRemoval>
+                    </a14:imgEffect>
+                  </a14:imgLayer>
+                </a14:imgProps>
+              </a:ext>
+              <a:ext uri="{28A0092B-C50C-407E-A947-70E740481C1C}">
+                <a14:useLocalDpi xmlns:a14="http://schemas.microsoft.com/office/drawing/2010/main" val="0"/>
+              </a:ext>
+            </a:extLst>
+          </a:blip>
+          <a:srcRect/>
+          <a:stretch>
+            <a:fillRect/>
+          </a:stretch>
+        </p:blipFill>
+        <p:spPr bwMode="auto">
+          <a:xfrm>
+            <a:off x="198891" y="2052859"/>
+            <a:ext cx="1848212" cy="1289241"/>
+          </a:xfrm>
+          <a:prstGeom prst="rect">
+            <a:avLst/>
+          </a:prstGeom>
+          <a:noFill/>
+          <a:extLst>
+            <a:ext uri="{909E8E84-426E-40DD-AFC4-6F175D3DCCD1}">
+              <a14:hiddenFill xmlns:a14="http://schemas.microsoft.com/office/drawing/2010/main">
+                <a:solidFill>
+                  <a:srgbClr val="FFFFFF"/>
+                </a:solidFill>
+              </a14:hiddenFill>
+            </a:ext>
+          </a:extLst>
+        </p:spPr>
+      </p:pic>
+      <p:sp>
+        <p:nvSpPr>
+          <p:cNvPr id="24" name="TextBox 23">
+            <a:extLst>
+              <a:ext uri="{FF2B5EF4-FFF2-40B4-BE49-F238E27FC236}">
+                <a16:creationId xmlns:a16="http://schemas.microsoft.com/office/drawing/2014/main" id="{3FA0F6A5-FF0E-7735-F7B8-090426E984EE}"/>
+              </a:ext>
+            </a:extLst>
+          </p:cNvPr>
+          <p:cNvSpPr txBox="1"/>
+          <p:nvPr/>
+        </p:nvSpPr>
+        <p:spPr>
+          <a:xfrm>
+            <a:off x="322872" y="3527863"/>
+            <a:ext cx="1724231" cy="1015663"/>
+          </a:xfrm>
+          <a:prstGeom prst="rect">
+            <a:avLst/>
+          </a:prstGeom>
+          <a:noFill/>
+        </p:spPr>
+        <p:txBody>
+          <a:bodyPr wrap="square" rtlCol="0">
+            <a:spAutoFit/>
+          </a:bodyPr>
+          <a:lstStyle/>
+          <a:p>
+            <a:r>
+              <a:rPr lang="en-US" sz="6000" b="1" dirty="0" err="1">
+                <a:latin typeface="Bahnschrift SemiLight Condensed" panose="020B0502040204020203" pitchFamily="34" charset="0"/>
+              </a:rPr>
+              <a:t>AISeQ</a:t>
+            </a:r>
+            <a:endParaRPr lang="en-US" sz="6000" b="1" dirty="0">
+              <a:latin typeface="Bahnschrift SemiLight Condensed" panose="020B0502040204020203" pitchFamily="34" charset="0"/>
+            </a:endParaRPr>
+          </a:p>
+        </p:txBody>
+      </p:sp>
+    </p:spTree>
+    <p:extLst>
+      <p:ext uri="{BB962C8B-B14F-4D97-AF65-F5344CB8AC3E}">
+        <p14:creationId xmlns:p14="http://schemas.microsoft.com/office/powerpoint/2010/main" val="4136430600"/>
+      </p:ext>
+    </p:extLst>
+  </p:cSld>
+  <p:clrMapOvr>
+    <a:masterClrMapping/>
+  </p:clrMapOvr>
+  <mc:AlternateContent xmlns:mc="http://schemas.openxmlformats.org/markup-compatibility/2006">
+    <mc:Choice xmlns:p159="http://schemas.microsoft.com/office/powerpoint/2015/09/main" Requires="p159">
+      <p:transition xmlns:p14="http://schemas.microsoft.com/office/powerpoint/2010/main" spd="slow" p14:dur="2000">
+        <p159:morph option="byObject"/>
+      </p:transition>
+    </mc:Choice>
+    <mc:Fallback>
+      <p:transition spd="slow">
+        <p:fade/>
+      </p:transition>
+    </mc:Fallback>
+  </mc:AlternateContent>
 </p:sld>
 </file>
 

--- a/images/design.pptx
+++ b/images/design.pptx
@@ -201,7 +201,7 @@
           <a:p>
             <a:fld id="{52A2B7F2-4ED9-403D-8D8A-879FE3B4014E}" type="datetimeFigureOut">
               <a:rPr lang="en-US" smtClean="0"/>
-              <a:t>8/26/2025</a:t>
+              <a:t>9/2/25</a:t>
             </a:fld>
             <a:endParaRPr lang="en-US"/>
           </a:p>
@@ -915,7 +915,7 @@
           <a:p>
             <a:fld id="{A04A5567-2D39-432B-A86B-39F40DF129FF}" type="datetimeFigureOut">
               <a:rPr lang="en-US" smtClean="0"/>
-              <a:t>8/26/2025</a:t>
+              <a:t>9/2/25</a:t>
             </a:fld>
             <a:endParaRPr lang="en-US"/>
           </a:p>
@@ -1113,7 +1113,7 @@
           <a:p>
             <a:fld id="{A04A5567-2D39-432B-A86B-39F40DF129FF}" type="datetimeFigureOut">
               <a:rPr lang="en-US" smtClean="0"/>
-              <a:t>8/26/2025</a:t>
+              <a:t>9/2/25</a:t>
             </a:fld>
             <a:endParaRPr lang="en-US"/>
           </a:p>
@@ -1321,7 +1321,7 @@
           <a:p>
             <a:fld id="{A04A5567-2D39-432B-A86B-39F40DF129FF}" type="datetimeFigureOut">
               <a:rPr lang="en-US" smtClean="0"/>
-              <a:t>8/26/2025</a:t>
+              <a:t>9/2/25</a:t>
             </a:fld>
             <a:endParaRPr lang="en-US"/>
           </a:p>
@@ -1519,7 +1519,7 @@
           <a:p>
             <a:fld id="{A04A5567-2D39-432B-A86B-39F40DF129FF}" type="datetimeFigureOut">
               <a:rPr lang="en-US" smtClean="0"/>
-              <a:t>8/26/2025</a:t>
+              <a:t>9/2/25</a:t>
             </a:fld>
             <a:endParaRPr lang="en-US"/>
           </a:p>
@@ -1794,7 +1794,7 @@
           <a:p>
             <a:fld id="{A04A5567-2D39-432B-A86B-39F40DF129FF}" type="datetimeFigureOut">
               <a:rPr lang="en-US" smtClean="0"/>
-              <a:t>8/26/2025</a:t>
+              <a:t>9/2/25</a:t>
             </a:fld>
             <a:endParaRPr lang="en-US"/>
           </a:p>
@@ -2059,7 +2059,7 @@
           <a:p>
             <a:fld id="{A04A5567-2D39-432B-A86B-39F40DF129FF}" type="datetimeFigureOut">
               <a:rPr lang="en-US" smtClean="0"/>
-              <a:t>8/26/2025</a:t>
+              <a:t>9/2/25</a:t>
             </a:fld>
             <a:endParaRPr lang="en-US"/>
           </a:p>
@@ -2471,7 +2471,7 @@
           <a:p>
             <a:fld id="{A04A5567-2D39-432B-A86B-39F40DF129FF}" type="datetimeFigureOut">
               <a:rPr lang="en-US" smtClean="0"/>
-              <a:t>8/26/2025</a:t>
+              <a:t>9/2/25</a:t>
             </a:fld>
             <a:endParaRPr lang="en-US"/>
           </a:p>
@@ -2612,7 +2612,7 @@
           <a:p>
             <a:fld id="{A04A5567-2D39-432B-A86B-39F40DF129FF}" type="datetimeFigureOut">
               <a:rPr lang="en-US" smtClean="0"/>
-              <a:t>8/26/2025</a:t>
+              <a:t>9/2/25</a:t>
             </a:fld>
             <a:endParaRPr lang="en-US"/>
           </a:p>
@@ -2725,7 +2725,7 @@
           <a:p>
             <a:fld id="{A04A5567-2D39-432B-A86B-39F40DF129FF}" type="datetimeFigureOut">
               <a:rPr lang="en-US" smtClean="0"/>
-              <a:t>8/26/2025</a:t>
+              <a:t>9/2/25</a:t>
             </a:fld>
             <a:endParaRPr lang="en-US"/>
           </a:p>
@@ -3036,7 +3036,7 @@
           <a:p>
             <a:fld id="{A04A5567-2D39-432B-A86B-39F40DF129FF}" type="datetimeFigureOut">
               <a:rPr lang="en-US" smtClean="0"/>
-              <a:t>8/26/2025</a:t>
+              <a:t>9/2/25</a:t>
             </a:fld>
             <a:endParaRPr lang="en-US"/>
           </a:p>
@@ -3324,7 +3324,7 @@
           <a:p>
             <a:fld id="{A04A5567-2D39-432B-A86B-39F40DF129FF}" type="datetimeFigureOut">
               <a:rPr lang="en-US" smtClean="0"/>
-              <a:t>8/26/2025</a:t>
+              <a:t>9/2/25</a:t>
             </a:fld>
             <a:endParaRPr lang="en-US"/>
           </a:p>
@@ -3565,7 +3565,7 @@
           <a:p>
             <a:fld id="{A04A5567-2D39-432B-A86B-39F40DF129FF}" type="datetimeFigureOut">
               <a:rPr lang="en-US" smtClean="0"/>
-              <a:t>8/26/2025</a:t>
+              <a:t>9/2/25</a:t>
             </a:fld>
             <a:endParaRPr lang="en-US"/>
           </a:p>
@@ -3997,7 +3997,7 @@
         <p:spPr>
           <a:xfrm>
             <a:off x="0" y="1474987"/>
-            <a:ext cx="2425587" cy="3345142"/>
+            <a:ext cx="2509675" cy="3345142"/>
           </a:xfrm>
           <a:prstGeom prst="rect">
             <a:avLst/>
@@ -11553,8 +11553,8 @@
         </p:nvSpPr>
         <p:spPr>
           <a:xfrm>
-            <a:off x="0" y="1474987"/>
-            <a:ext cx="2425587" cy="3345142"/>
+            <a:off x="2659531" y="1588548"/>
+            <a:ext cx="5940000" cy="3345142"/>
           </a:xfrm>
           <a:prstGeom prst="rect">
             <a:avLst/>
@@ -11599,7 +11599,7 @@
         </p:nvSpPr>
         <p:spPr>
           <a:xfrm rot="5400000">
-            <a:off x="719398" y="2746109"/>
+            <a:off x="5117778" y="2850281"/>
             <a:ext cx="1828800" cy="105685"/>
           </a:xfrm>
           <a:prstGeom prst="roundRect">
@@ -11655,7 +11655,7 @@
         </p:nvSpPr>
         <p:spPr>
           <a:xfrm rot="5400000">
-            <a:off x="323294" y="2746109"/>
+            <a:off x="4721674" y="2850281"/>
             <a:ext cx="1828800" cy="105685"/>
           </a:xfrm>
           <a:prstGeom prst="roundRect">
@@ -11711,7 +11711,7 @@
         </p:nvSpPr>
         <p:spPr>
           <a:xfrm rot="5400000">
-            <a:off x="-72811" y="2746109"/>
+            <a:off x="4325569" y="2850281"/>
             <a:ext cx="1828800" cy="105685"/>
           </a:xfrm>
           <a:prstGeom prst="roundRect">
@@ -11767,7 +11767,7 @@
         </p:nvSpPr>
         <p:spPr>
           <a:xfrm>
-            <a:off x="330132" y="3051262"/>
+            <a:off x="4728512" y="3155434"/>
             <a:ext cx="1828800" cy="105685"/>
           </a:xfrm>
           <a:prstGeom prst="roundRect">
@@ -11823,7 +11823,7 @@
         </p:nvSpPr>
         <p:spPr>
           <a:xfrm>
-            <a:off x="330132" y="2720137"/>
+            <a:off x="4728512" y="2824309"/>
             <a:ext cx="1828800" cy="105685"/>
           </a:xfrm>
           <a:prstGeom prst="roundRect">
@@ -11879,7 +11879,7 @@
         </p:nvSpPr>
         <p:spPr>
           <a:xfrm>
-            <a:off x="330132" y="2389012"/>
+            <a:off x="4728512" y="2493184"/>
             <a:ext cx="1828800" cy="105685"/>
           </a:xfrm>
           <a:prstGeom prst="roundRect">
@@ -11935,7 +11935,7 @@
         </p:nvSpPr>
         <p:spPr>
           <a:xfrm>
-            <a:off x="506174" y="2062887"/>
+            <a:off x="4904554" y="2167059"/>
             <a:ext cx="1463040" cy="1463040"/>
           </a:xfrm>
           <a:prstGeom prst="roundRect">
@@ -12004,7 +12004,7 @@
         </p:blipFill>
         <p:spPr bwMode="auto">
           <a:xfrm>
-            <a:off x="1092917" y="2621274"/>
+            <a:off x="5491297" y="2725446"/>
             <a:ext cx="266678" cy="303410"/>
           </a:xfrm>
           <a:prstGeom prst="rect">
@@ -12068,7 +12068,7 @@
         </p:blipFill>
         <p:spPr bwMode="auto">
           <a:xfrm>
-            <a:off x="292444" y="2121183"/>
+            <a:off x="4690824" y="2225355"/>
             <a:ext cx="1848212" cy="1289241"/>
           </a:xfrm>
           <a:prstGeom prst="rect">
@@ -12100,7 +12100,7 @@
         </p:nvSpPr>
         <p:spPr>
           <a:xfrm>
-            <a:off x="426131" y="3624790"/>
+            <a:off x="4824511" y="3728962"/>
             <a:ext cx="1724231" cy="1015663"/>
           </a:xfrm>
           <a:prstGeom prst="rect">
@@ -12142,13 +12142,13 @@
   <p:clrMapOvr>
     <a:masterClrMapping/>
   </p:clrMapOvr>
-  <mc:AlternateContent xmlns:mc="http://schemas.openxmlformats.org/markup-compatibility/2006">
-    <mc:Choice xmlns:p159="http://schemas.microsoft.com/office/powerpoint/2015/09/main" Requires="p159">
+  <mc:AlternateContent xmlns:mc="http://schemas.openxmlformats.org/markup-compatibility/2006" xmlns:p159="http://schemas.microsoft.com/office/powerpoint/2015/09/main">
+    <mc:Choice Requires="p159">
       <p:transition xmlns:p14="http://schemas.microsoft.com/office/powerpoint/2010/main" spd="slow" p14:dur="2000">
         <p159:morph option="byObject"/>
       </p:transition>
     </mc:Choice>
-    <mc:Fallback>
+    <mc:Fallback xmlns="">
       <p:transition spd="slow">
         <p:fade/>
       </p:transition>
@@ -12683,13 +12683,13 @@
   <p:clrMapOvr>
     <a:masterClrMapping/>
   </p:clrMapOvr>
-  <mc:AlternateContent xmlns:mc="http://schemas.openxmlformats.org/markup-compatibility/2006">
-    <mc:Choice xmlns:p159="http://schemas.microsoft.com/office/powerpoint/2015/09/main" Requires="p159">
+  <mc:AlternateContent xmlns:mc="http://schemas.openxmlformats.org/markup-compatibility/2006" xmlns:p159="http://schemas.microsoft.com/office/powerpoint/2015/09/main">
+    <mc:Choice Requires="p159">
       <p:transition xmlns:p14="http://schemas.microsoft.com/office/powerpoint/2010/main" spd="slow" p14:dur="2000">
         <p159:morph option="byObject"/>
       </p:transition>
     </mc:Choice>
-    <mc:Fallback>
+    <mc:Fallback xmlns="">
       <p:transition spd="slow">
         <p:fade/>
       </p:transition>

--- a/images/design.pptx
+++ b/images/design.pptx
@@ -5,7 +5,7 @@
     <p:sldMasterId id="2147483648" r:id="rId1"/>
   </p:sldMasterIdLst>
   <p:notesMasterIdLst>
-    <p:notesMasterId r:id="rId7"/>
+    <p:notesMasterId r:id="rId11"/>
   </p:notesMasterIdLst>
   <p:sldIdLst>
     <p:sldId id="256" r:id="rId2"/>
@@ -13,6 +13,10 @@
     <p:sldId id="258" r:id="rId4"/>
     <p:sldId id="259" r:id="rId5"/>
     <p:sldId id="260" r:id="rId6"/>
+    <p:sldId id="261" r:id="rId7"/>
+    <p:sldId id="262" r:id="rId8"/>
+    <p:sldId id="263" r:id="rId9"/>
+    <p:sldId id="264" r:id="rId10"/>
   </p:sldIdLst>
   <p:sldSz cx="12192000" cy="6858000"/>
   <p:notesSz cx="6858000" cy="9144000"/>
@@ -201,7 +205,7 @@
           <a:p>
             <a:fld id="{52A2B7F2-4ED9-403D-8D8A-879FE3B4014E}" type="datetimeFigureOut">
               <a:rPr lang="en-US" smtClean="0"/>
-              <a:t>9/2/25</a:t>
+              <a:t>10/10/25</a:t>
             </a:fld>
             <a:endParaRPr lang="en-US"/>
           </a:p>
@@ -915,7 +919,7 @@
           <a:p>
             <a:fld id="{A04A5567-2D39-432B-A86B-39F40DF129FF}" type="datetimeFigureOut">
               <a:rPr lang="en-US" smtClean="0"/>
-              <a:t>9/2/25</a:t>
+              <a:t>10/10/25</a:t>
             </a:fld>
             <a:endParaRPr lang="en-US"/>
           </a:p>
@@ -1113,7 +1117,7 @@
           <a:p>
             <a:fld id="{A04A5567-2D39-432B-A86B-39F40DF129FF}" type="datetimeFigureOut">
               <a:rPr lang="en-US" smtClean="0"/>
-              <a:t>9/2/25</a:t>
+              <a:t>10/10/25</a:t>
             </a:fld>
             <a:endParaRPr lang="en-US"/>
           </a:p>
@@ -1321,7 +1325,7 @@
           <a:p>
             <a:fld id="{A04A5567-2D39-432B-A86B-39F40DF129FF}" type="datetimeFigureOut">
               <a:rPr lang="en-US" smtClean="0"/>
-              <a:t>9/2/25</a:t>
+              <a:t>10/10/25</a:t>
             </a:fld>
             <a:endParaRPr lang="en-US"/>
           </a:p>
@@ -1519,7 +1523,7 @@
           <a:p>
             <a:fld id="{A04A5567-2D39-432B-A86B-39F40DF129FF}" type="datetimeFigureOut">
               <a:rPr lang="en-US" smtClean="0"/>
-              <a:t>9/2/25</a:t>
+              <a:t>10/10/25</a:t>
             </a:fld>
             <a:endParaRPr lang="en-US"/>
           </a:p>
@@ -1794,7 +1798,7 @@
           <a:p>
             <a:fld id="{A04A5567-2D39-432B-A86B-39F40DF129FF}" type="datetimeFigureOut">
               <a:rPr lang="en-US" smtClean="0"/>
-              <a:t>9/2/25</a:t>
+              <a:t>10/10/25</a:t>
             </a:fld>
             <a:endParaRPr lang="en-US"/>
           </a:p>
@@ -2059,7 +2063,7 @@
           <a:p>
             <a:fld id="{A04A5567-2D39-432B-A86B-39F40DF129FF}" type="datetimeFigureOut">
               <a:rPr lang="en-US" smtClean="0"/>
-              <a:t>9/2/25</a:t>
+              <a:t>10/10/25</a:t>
             </a:fld>
             <a:endParaRPr lang="en-US"/>
           </a:p>
@@ -2471,7 +2475,7 @@
           <a:p>
             <a:fld id="{A04A5567-2D39-432B-A86B-39F40DF129FF}" type="datetimeFigureOut">
               <a:rPr lang="en-US" smtClean="0"/>
-              <a:t>9/2/25</a:t>
+              <a:t>10/10/25</a:t>
             </a:fld>
             <a:endParaRPr lang="en-US"/>
           </a:p>
@@ -2612,7 +2616,7 @@
           <a:p>
             <a:fld id="{A04A5567-2D39-432B-A86B-39F40DF129FF}" type="datetimeFigureOut">
               <a:rPr lang="en-US" smtClean="0"/>
-              <a:t>9/2/25</a:t>
+              <a:t>10/10/25</a:t>
             </a:fld>
             <a:endParaRPr lang="en-US"/>
           </a:p>
@@ -2725,7 +2729,7 @@
           <a:p>
             <a:fld id="{A04A5567-2D39-432B-A86B-39F40DF129FF}" type="datetimeFigureOut">
               <a:rPr lang="en-US" smtClean="0"/>
-              <a:t>9/2/25</a:t>
+              <a:t>10/10/25</a:t>
             </a:fld>
             <a:endParaRPr lang="en-US"/>
           </a:p>
@@ -3036,7 +3040,7 @@
           <a:p>
             <a:fld id="{A04A5567-2D39-432B-A86B-39F40DF129FF}" type="datetimeFigureOut">
               <a:rPr lang="en-US" smtClean="0"/>
-              <a:t>9/2/25</a:t>
+              <a:t>10/10/25</a:t>
             </a:fld>
             <a:endParaRPr lang="en-US"/>
           </a:p>
@@ -3324,7 +3328,7 @@
           <a:p>
             <a:fld id="{A04A5567-2D39-432B-A86B-39F40DF129FF}" type="datetimeFigureOut">
               <a:rPr lang="en-US" smtClean="0"/>
-              <a:t>9/2/25</a:t>
+              <a:t>10/10/25</a:t>
             </a:fld>
             <a:endParaRPr lang="en-US"/>
           </a:p>
@@ -3565,7 +3569,7 @@
           <a:p>
             <a:fld id="{A04A5567-2D39-432B-A86B-39F40DF129FF}" type="datetimeFigureOut">
               <a:rPr lang="en-US" smtClean="0"/>
-              <a:t>9/2/25</a:t>
+              <a:t>10/10/25</a:t>
             </a:fld>
             <a:endParaRPr lang="en-US"/>
           </a:p>
@@ -12695,6 +12699,1417 @@
       </p:transition>
     </mc:Fallback>
   </mc:AlternateContent>
+</p:sld>
+</file>
+
+<file path=ppt/slides/slide6.xml><?xml version="1.0" encoding="utf-8"?>
+<p:sld xmlns:a="http://schemas.openxmlformats.org/drawingml/2006/main" xmlns:r="http://schemas.openxmlformats.org/officeDocument/2006/relationships" xmlns:p="http://schemas.openxmlformats.org/presentationml/2006/main">
+  <p:cSld>
+    <p:spTree>
+      <p:nvGrpSpPr>
+        <p:cNvPr id="1" name=""/>
+        <p:cNvGrpSpPr/>
+        <p:nvPr/>
+      </p:nvGrpSpPr>
+      <p:grpSpPr>
+        <a:xfrm>
+          <a:off x="0" y="0"/>
+          <a:ext cx="0" cy="0"/>
+          <a:chOff x="0" y="0"/>
+          <a:chExt cx="0" cy="0"/>
+        </a:xfrm>
+      </p:grpSpPr>
+      <p:pic>
+        <p:nvPicPr>
+          <p:cNvPr id="1026" name="Picture 2" descr="Mô Hình Brid - Goddess Of Victory: Nikke - Noodle Stopper ...">
+            <a:extLst>
+              <a:ext uri="{FF2B5EF4-FFF2-40B4-BE49-F238E27FC236}">
+                <a16:creationId xmlns:a16="http://schemas.microsoft.com/office/drawing/2014/main" id="{6D3B75A9-9C93-444D-B1CB-970DE5E99745}"/>
+              </a:ext>
+            </a:extLst>
+          </p:cNvPr>
+          <p:cNvPicPr>
+            <a:picLocks noChangeAspect="1" noChangeArrowheads="1"/>
+          </p:cNvPicPr>
+          <p:nvPr/>
+        </p:nvPicPr>
+        <p:blipFill rotWithShape="1">
+          <a:blip r:embed="rId2">
+            <a:extLst>
+              <a:ext uri="{28A0092B-C50C-407E-A947-70E740481C1C}">
+                <a14:useLocalDpi xmlns:a14="http://schemas.microsoft.com/office/drawing/2010/main" val="0"/>
+              </a:ext>
+            </a:extLst>
+          </a:blip>
+          <a:srcRect t="6583" b="27426"/>
+          <a:stretch>
+            <a:fillRect/>
+          </a:stretch>
+        </p:blipFill>
+        <p:spPr bwMode="auto">
+          <a:xfrm>
+            <a:off x="2667000" y="451412"/>
+            <a:ext cx="6858000" cy="4525701"/>
+          </a:xfrm>
+          <a:prstGeom prst="rect">
+            <a:avLst/>
+          </a:prstGeom>
+          <a:noFill/>
+          <a:extLst>
+            <a:ext uri="{909E8E84-426E-40DD-AFC4-6F175D3DCCD1}">
+              <a14:hiddenFill xmlns:a14="http://schemas.microsoft.com/office/drawing/2010/main">
+                <a:solidFill>
+                  <a:srgbClr val="FFFFFF"/>
+                </a:solidFill>
+              </a14:hiddenFill>
+            </a:ext>
+          </a:extLst>
+        </p:spPr>
+      </p:pic>
+      <p:sp>
+        <p:nvSpPr>
+          <p:cNvPr id="5" name="Rounded Rectangle 4">
+            <a:extLst>
+              <a:ext uri="{FF2B5EF4-FFF2-40B4-BE49-F238E27FC236}">
+                <a16:creationId xmlns:a16="http://schemas.microsoft.com/office/drawing/2014/main" id="{653AECF8-B9B3-2B76-2764-05A808312F8F}"/>
+              </a:ext>
+            </a:extLst>
+          </p:cNvPr>
+          <p:cNvSpPr/>
+          <p:nvPr/>
+        </p:nvSpPr>
+        <p:spPr>
+          <a:xfrm>
+            <a:off x="5416954" y="1925647"/>
+            <a:ext cx="2939970" cy="1284790"/>
+          </a:xfrm>
+          <a:prstGeom prst="roundRect">
+            <a:avLst/>
+          </a:prstGeom>
+          <a:solidFill>
+            <a:schemeClr val="bg1"/>
+          </a:solidFill>
+          <a:ln>
+            <a:noFill/>
+          </a:ln>
+        </p:spPr>
+        <p:style>
+          <a:lnRef idx="2">
+            <a:schemeClr val="accent1">
+              <a:shade val="15000"/>
+            </a:schemeClr>
+          </a:lnRef>
+          <a:fillRef idx="1">
+            <a:schemeClr val="accent1"/>
+          </a:fillRef>
+          <a:effectRef idx="0">
+            <a:schemeClr val="accent1"/>
+          </a:effectRef>
+          <a:fontRef idx="minor">
+            <a:schemeClr val="lt1"/>
+          </a:fontRef>
+        </p:style>
+        <p:txBody>
+          <a:bodyPr rtlCol="0" anchor="ctr"/>
+          <a:lstStyle/>
+          <a:p>
+            <a:pPr algn="ctr"/>
+            <a:endParaRPr lang="en-VN"/>
+          </a:p>
+        </p:txBody>
+      </p:sp>
+      <p:sp>
+        <p:nvSpPr>
+          <p:cNvPr id="4" name="TextBox 3">
+            <a:extLst>
+              <a:ext uri="{FF2B5EF4-FFF2-40B4-BE49-F238E27FC236}">
+                <a16:creationId xmlns:a16="http://schemas.microsoft.com/office/drawing/2014/main" id="{606390F1-B552-27F0-E308-801CACD385C1}"/>
+              </a:ext>
+            </a:extLst>
+          </p:cNvPr>
+          <p:cNvSpPr txBox="1"/>
+          <p:nvPr/>
+        </p:nvSpPr>
+        <p:spPr>
+          <a:xfrm>
+            <a:off x="5567423" y="1967877"/>
+            <a:ext cx="2939969" cy="1200329"/>
+          </a:xfrm>
+          <a:prstGeom prst="rect">
+            <a:avLst/>
+          </a:prstGeom>
+          <a:noFill/>
+        </p:spPr>
+        <p:txBody>
+          <a:bodyPr wrap="square" rtlCol="0">
+            <a:spAutoFit/>
+          </a:bodyPr>
+          <a:lstStyle/>
+          <a:p>
+            <a:r>
+              <a:rPr lang="en-VN" sz="3600">
+                <a:latin typeface="Andale Mono" panose="020B0509000000000004" pitchFamily="49" charset="0"/>
+              </a:rPr>
+              <a:t>GIVE AWAY THÁNG 9</a:t>
+            </a:r>
+          </a:p>
+        </p:txBody>
+      </p:sp>
+      <p:sp>
+        <p:nvSpPr>
+          <p:cNvPr id="6" name="TextBox 5">
+            <a:extLst>
+              <a:ext uri="{FF2B5EF4-FFF2-40B4-BE49-F238E27FC236}">
+                <a16:creationId xmlns:a16="http://schemas.microsoft.com/office/drawing/2014/main" id="{A2977472-FD84-1ADE-3EC9-DE451D0F6B1A}"/>
+              </a:ext>
+            </a:extLst>
+          </p:cNvPr>
+          <p:cNvSpPr txBox="1"/>
+          <p:nvPr/>
+        </p:nvSpPr>
+        <p:spPr>
+          <a:xfrm>
+            <a:off x="3034495" y="3647499"/>
+            <a:ext cx="6490505" cy="892552"/>
+          </a:xfrm>
+          <a:prstGeom prst="rect">
+            <a:avLst/>
+          </a:prstGeom>
+          <a:noFill/>
+        </p:spPr>
+        <p:txBody>
+          <a:bodyPr wrap="square" rtlCol="0">
+            <a:spAutoFit/>
+          </a:bodyPr>
+          <a:lstStyle/>
+          <a:p>
+            <a:r>
+              <a:rPr lang="en-VN" sz="5200">
+                <a:solidFill>
+                  <a:schemeClr val="bg1"/>
+                </a:solidFill>
+                <a:effectLst>
+                  <a:glow rad="63500">
+                    <a:schemeClr val="accent1">
+                      <a:satMod val="175000"/>
+                      <a:alpha val="40000"/>
+                    </a:schemeClr>
+                  </a:glow>
+                </a:effectLst>
+                <a:latin typeface="Cochocib Script Latin Pro" panose="020F0502020204030204" pitchFamily="34" charset="0"/>
+                <a:ea typeface="Brush Script MT" panose="03060802040406070304" pitchFamily="66" charset="-122"/>
+                <a:cs typeface="Cochocib Script Latin Pro" panose="020F0502020204030204" pitchFamily="34" charset="0"/>
+              </a:rPr>
+              <a:t>NIKKE  Noodle Stopper Brid</a:t>
+            </a:r>
+          </a:p>
+        </p:txBody>
+      </p:sp>
+      <p:pic>
+        <p:nvPicPr>
+          <p:cNvPr id="8" name="Picture 7" descr="A black and white logo&#10;&#10;AI-generated content may be incorrect.">
+            <a:extLst>
+              <a:ext uri="{FF2B5EF4-FFF2-40B4-BE49-F238E27FC236}">
+                <a16:creationId xmlns:a16="http://schemas.microsoft.com/office/drawing/2014/main" id="{23EFDC87-63B1-DF7F-7362-6456A9179286}"/>
+              </a:ext>
+            </a:extLst>
+          </p:cNvPr>
+          <p:cNvPicPr>
+            <a:picLocks noChangeAspect="1"/>
+          </p:cNvPicPr>
+          <p:nvPr/>
+        </p:nvPicPr>
+        <p:blipFill>
+          <a:blip r:embed="rId3">
+            <a:extLst>
+              <a:ext uri="{28A0092B-C50C-407E-A947-70E740481C1C}">
+                <a14:useLocalDpi xmlns:a14="http://schemas.microsoft.com/office/drawing/2010/main" val="0"/>
+              </a:ext>
+            </a:extLst>
+          </a:blip>
+          <a:stretch>
+            <a:fillRect/>
+          </a:stretch>
+        </p:blipFill>
+        <p:spPr>
+          <a:xfrm>
+            <a:off x="2769244" y="592221"/>
+            <a:ext cx="795759" cy="1032000"/>
+          </a:xfrm>
+          <a:prstGeom prst="rect">
+            <a:avLst/>
+          </a:prstGeom>
+        </p:spPr>
+      </p:pic>
+    </p:spTree>
+    <p:extLst>
+      <p:ext uri="{BB962C8B-B14F-4D97-AF65-F5344CB8AC3E}">
+        <p14:creationId xmlns:p14="http://schemas.microsoft.com/office/powerpoint/2010/main" val="2607708213"/>
+      </p:ext>
+    </p:extLst>
+  </p:cSld>
+  <p:clrMapOvr>
+    <a:masterClrMapping/>
+  </p:clrMapOvr>
+</p:sld>
+</file>
+
+<file path=ppt/slides/slide7.xml><?xml version="1.0" encoding="utf-8"?>
+<p:sld xmlns:a="http://schemas.openxmlformats.org/drawingml/2006/main" xmlns:r="http://schemas.openxmlformats.org/officeDocument/2006/relationships" xmlns:p="http://schemas.openxmlformats.org/presentationml/2006/main">
+  <p:cSld>
+    <p:spTree>
+      <p:nvGrpSpPr>
+        <p:cNvPr id="1" name=""/>
+        <p:cNvGrpSpPr/>
+        <p:nvPr/>
+      </p:nvGrpSpPr>
+      <p:grpSpPr>
+        <a:xfrm>
+          <a:off x="0" y="0"/>
+          <a:ext cx="0" cy="0"/>
+          <a:chOff x="0" y="0"/>
+          <a:chExt cx="0" cy="0"/>
+        </a:xfrm>
+      </p:grpSpPr>
+      <p:pic>
+        <p:nvPicPr>
+          <p:cNvPr id="1026" name="Picture 2" descr="Steam Workshop::[Nikke] Brid">
+            <a:extLst>
+              <a:ext uri="{FF2B5EF4-FFF2-40B4-BE49-F238E27FC236}">
+                <a16:creationId xmlns:a16="http://schemas.microsoft.com/office/drawing/2014/main" id="{01A9FF36-078C-8107-3121-A82352CD9F43}"/>
+              </a:ext>
+            </a:extLst>
+          </p:cNvPr>
+          <p:cNvPicPr>
+            <a:picLocks noChangeAspect="1" noChangeArrowheads="1"/>
+          </p:cNvPicPr>
+          <p:nvPr/>
+        </p:nvPicPr>
+        <p:blipFill rotWithShape="1">
+          <a:blip r:embed="rId2">
+            <a:extLst>
+              <a:ext uri="{28A0092B-C50C-407E-A947-70E740481C1C}">
+                <a14:useLocalDpi xmlns:a14="http://schemas.microsoft.com/office/drawing/2010/main" val="0"/>
+              </a:ext>
+            </a:extLst>
+          </a:blip>
+          <a:srcRect b="31961"/>
+          <a:stretch>
+            <a:fillRect/>
+          </a:stretch>
+        </p:blipFill>
+        <p:spPr bwMode="auto">
+          <a:xfrm>
+            <a:off x="2844800" y="177800"/>
+            <a:ext cx="6502400" cy="4424180"/>
+          </a:xfrm>
+          <a:prstGeom prst="rect">
+            <a:avLst/>
+          </a:prstGeom>
+          <a:noFill/>
+          <a:extLst>
+            <a:ext uri="{909E8E84-426E-40DD-AFC4-6F175D3DCCD1}">
+              <a14:hiddenFill xmlns:a14="http://schemas.microsoft.com/office/drawing/2010/main">
+                <a:solidFill>
+                  <a:srgbClr val="FFFFFF"/>
+                </a:solidFill>
+              </a14:hiddenFill>
+            </a:ext>
+          </a:extLst>
+        </p:spPr>
+      </p:pic>
+      <p:sp>
+        <p:nvSpPr>
+          <p:cNvPr id="4" name="Rounded Rectangle 3">
+            <a:extLst>
+              <a:ext uri="{FF2B5EF4-FFF2-40B4-BE49-F238E27FC236}">
+                <a16:creationId xmlns:a16="http://schemas.microsoft.com/office/drawing/2014/main" id="{9F868966-7E61-3463-621A-BAF7FC9883A9}"/>
+              </a:ext>
+            </a:extLst>
+          </p:cNvPr>
+          <p:cNvSpPr/>
+          <p:nvPr/>
+        </p:nvSpPr>
+        <p:spPr>
+          <a:xfrm>
+            <a:off x="4195179" y="2222340"/>
+            <a:ext cx="5041418" cy="1302672"/>
+          </a:xfrm>
+          <a:prstGeom prst="roundRect">
+            <a:avLst/>
+          </a:prstGeom>
+          <a:solidFill>
+            <a:schemeClr val="bg1"/>
+          </a:solidFill>
+          <a:ln>
+            <a:noFill/>
+          </a:ln>
+        </p:spPr>
+        <p:style>
+          <a:lnRef idx="2">
+            <a:schemeClr val="accent1">
+              <a:shade val="15000"/>
+            </a:schemeClr>
+          </a:lnRef>
+          <a:fillRef idx="1">
+            <a:schemeClr val="accent1"/>
+          </a:fillRef>
+          <a:effectRef idx="0">
+            <a:schemeClr val="accent1"/>
+          </a:effectRef>
+          <a:fontRef idx="minor">
+            <a:schemeClr val="lt1"/>
+          </a:fontRef>
+        </p:style>
+        <p:txBody>
+          <a:bodyPr rtlCol="0" anchor="ctr"/>
+          <a:lstStyle/>
+          <a:p>
+            <a:pPr algn="ctr"/>
+            <a:endParaRPr lang="en-VN"/>
+          </a:p>
+        </p:txBody>
+      </p:sp>
+      <p:sp>
+        <p:nvSpPr>
+          <p:cNvPr id="5" name="TextBox 4">
+            <a:extLst>
+              <a:ext uri="{FF2B5EF4-FFF2-40B4-BE49-F238E27FC236}">
+                <a16:creationId xmlns:a16="http://schemas.microsoft.com/office/drawing/2014/main" id="{D581F055-3C1E-F298-1605-C4A8974ECA69}"/>
+              </a:ext>
+            </a:extLst>
+          </p:cNvPr>
+          <p:cNvSpPr txBox="1"/>
+          <p:nvPr/>
+        </p:nvSpPr>
+        <p:spPr>
+          <a:xfrm>
+            <a:off x="4305782" y="2266807"/>
+            <a:ext cx="4930815" cy="1200329"/>
+          </a:xfrm>
+          <a:prstGeom prst="rect">
+            <a:avLst/>
+          </a:prstGeom>
+          <a:noFill/>
+        </p:spPr>
+        <p:txBody>
+          <a:bodyPr wrap="square" rtlCol="0">
+            <a:spAutoFit/>
+          </a:bodyPr>
+          <a:lstStyle/>
+          <a:p>
+            <a:pPr algn="ctr"/>
+            <a:r>
+              <a:rPr lang="en-VN" sz="3600">
+                <a:latin typeface="Andale Mono" panose="020B0509000000000004" pitchFamily="49" charset="0"/>
+              </a:rPr>
+              <a:t>KẾT QUẢ GIVE AWAY </a:t>
+            </a:r>
+          </a:p>
+          <a:p>
+            <a:pPr algn="ctr"/>
+            <a:r>
+              <a:rPr lang="en-VN" sz="3600">
+                <a:latin typeface="Andale Mono" panose="020B0509000000000004" pitchFamily="49" charset="0"/>
+              </a:rPr>
+              <a:t>THÁNG 9 (BRID)</a:t>
+            </a:r>
+          </a:p>
+        </p:txBody>
+      </p:sp>
+      <p:pic>
+        <p:nvPicPr>
+          <p:cNvPr id="6" name="Picture 5" descr="A black and white logo&#10;&#10;AI-generated content may be incorrect.">
+            <a:extLst>
+              <a:ext uri="{FF2B5EF4-FFF2-40B4-BE49-F238E27FC236}">
+                <a16:creationId xmlns:a16="http://schemas.microsoft.com/office/drawing/2014/main" id="{2590F628-8390-6264-4F3C-317926804ABF}"/>
+              </a:ext>
+            </a:extLst>
+          </p:cNvPr>
+          <p:cNvPicPr>
+            <a:picLocks noChangeAspect="1"/>
+          </p:cNvPicPr>
+          <p:nvPr/>
+        </p:nvPicPr>
+        <p:blipFill>
+          <a:blip r:embed="rId3">
+            <a:extLst>
+              <a:ext uri="{28A0092B-C50C-407E-A947-70E740481C1C}">
+                <a14:useLocalDpi xmlns:a14="http://schemas.microsoft.com/office/drawing/2010/main" val="0"/>
+              </a:ext>
+            </a:extLst>
+          </a:blip>
+          <a:stretch>
+            <a:fillRect/>
+          </a:stretch>
+        </p:blipFill>
+        <p:spPr>
+          <a:xfrm>
+            <a:off x="2844800" y="279704"/>
+            <a:ext cx="795759" cy="1032000"/>
+          </a:xfrm>
+          <a:prstGeom prst="rect">
+            <a:avLst/>
+          </a:prstGeom>
+        </p:spPr>
+      </p:pic>
+      <p:pic>
+        <p:nvPicPr>
+          <p:cNvPr id="8" name="Picture 7" descr="A black and white sign with white text&#10;&#10;AI-generated content may be incorrect.">
+            <a:extLst>
+              <a:ext uri="{FF2B5EF4-FFF2-40B4-BE49-F238E27FC236}">
+                <a16:creationId xmlns:a16="http://schemas.microsoft.com/office/drawing/2014/main" id="{61AEBAAF-8492-0AB4-BC55-0D1F17922B2E}"/>
+              </a:ext>
+            </a:extLst>
+          </p:cNvPr>
+          <p:cNvPicPr>
+            <a:picLocks noChangeAspect="1"/>
+          </p:cNvPicPr>
+          <p:nvPr/>
+        </p:nvPicPr>
+        <p:blipFill>
+          <a:blip r:embed="rId4">
+            <a:extLst>
+              <a:ext uri="{28A0092B-C50C-407E-A947-70E740481C1C}">
+                <a14:useLocalDpi xmlns:a14="http://schemas.microsoft.com/office/drawing/2010/main" val="0"/>
+              </a:ext>
+            </a:extLst>
+          </a:blip>
+          <a:stretch>
+            <a:fillRect/>
+          </a:stretch>
+        </p:blipFill>
+        <p:spPr>
+          <a:xfrm>
+            <a:off x="3040284" y="3656953"/>
+            <a:ext cx="4390663" cy="813086"/>
+          </a:xfrm>
+          <a:prstGeom prst="rect">
+            <a:avLst/>
+          </a:prstGeom>
+        </p:spPr>
+      </p:pic>
+      <p:sp>
+        <p:nvSpPr>
+          <p:cNvPr id="9" name="TextBox 8">
+            <a:extLst>
+              <a:ext uri="{FF2B5EF4-FFF2-40B4-BE49-F238E27FC236}">
+                <a16:creationId xmlns:a16="http://schemas.microsoft.com/office/drawing/2014/main" id="{3AB97CA1-3DF4-B1AC-0867-A825492AD823}"/>
+              </a:ext>
+            </a:extLst>
+          </p:cNvPr>
+          <p:cNvSpPr txBox="1"/>
+          <p:nvPr/>
+        </p:nvSpPr>
+        <p:spPr>
+          <a:xfrm>
+            <a:off x="7292051" y="3740330"/>
+            <a:ext cx="2055149" cy="646331"/>
+          </a:xfrm>
+          <a:prstGeom prst="rect">
+            <a:avLst/>
+          </a:prstGeom>
+          <a:noFill/>
+        </p:spPr>
+        <p:txBody>
+          <a:bodyPr wrap="square" rtlCol="0">
+            <a:spAutoFit/>
+          </a:bodyPr>
+          <a:lstStyle/>
+          <a:p>
+            <a:r>
+              <a:rPr lang="en-VN">
+                <a:solidFill>
+                  <a:schemeClr val="bg1"/>
+                </a:solidFill>
+                <a:effectLst>
+                  <a:outerShdw blurRad="50800" dist="38100" dir="2700000" algn="tl" rotWithShape="0">
+                    <a:prstClr val="black">
+                      <a:alpha val="40000"/>
+                    </a:prstClr>
+                  </a:outerShdw>
+                </a:effectLst>
+              </a:rPr>
+              <a:t>Số may mắn: 40</a:t>
+            </a:r>
+          </a:p>
+          <a:p>
+            <a:r>
+              <a:rPr lang="en-VN">
+                <a:solidFill>
+                  <a:schemeClr val="bg1"/>
+                </a:solidFill>
+                <a:effectLst>
+                  <a:outerShdw blurRad="50800" dist="38100" dir="2700000" algn="tl" rotWithShape="0">
+                    <a:prstClr val="black">
+                      <a:alpha val="40000"/>
+                    </a:prstClr>
+                  </a:outerShdw>
+                </a:effectLst>
+              </a:rPr>
+              <a:t>Đáp án đúng: B B</a:t>
+            </a:r>
+          </a:p>
+        </p:txBody>
+      </p:sp>
+    </p:spTree>
+    <p:extLst>
+      <p:ext uri="{BB962C8B-B14F-4D97-AF65-F5344CB8AC3E}">
+        <p14:creationId xmlns:p14="http://schemas.microsoft.com/office/powerpoint/2010/main" val="3044804786"/>
+      </p:ext>
+    </p:extLst>
+  </p:cSld>
+  <p:clrMapOvr>
+    <a:masterClrMapping/>
+  </p:clrMapOvr>
+</p:sld>
+</file>
+
+<file path=ppt/slides/slide8.xml><?xml version="1.0" encoding="utf-8"?>
+<p:sld xmlns:a="http://schemas.openxmlformats.org/drawingml/2006/main" xmlns:r="http://schemas.openxmlformats.org/officeDocument/2006/relationships" xmlns:p="http://schemas.openxmlformats.org/presentationml/2006/main">
+  <p:cSld>
+    <p:spTree>
+      <p:nvGrpSpPr>
+        <p:cNvPr id="1" name=""/>
+        <p:cNvGrpSpPr/>
+        <p:nvPr/>
+      </p:nvGrpSpPr>
+      <p:grpSpPr>
+        <a:xfrm>
+          <a:off x="0" y="0"/>
+          <a:ext cx="0" cy="0"/>
+          <a:chOff x="0" y="0"/>
+          <a:chExt cx="0" cy="0"/>
+        </a:xfrm>
+      </p:grpSpPr>
+      <p:sp>
+        <p:nvSpPr>
+          <p:cNvPr id="4" name="Rectangle 3">
+            <a:extLst>
+              <a:ext uri="{FF2B5EF4-FFF2-40B4-BE49-F238E27FC236}">
+                <a16:creationId xmlns:a16="http://schemas.microsoft.com/office/drawing/2014/main" id="{6E8FF64E-6604-A711-E0CF-9994C4181DD7}"/>
+              </a:ext>
+            </a:extLst>
+          </p:cNvPr>
+          <p:cNvSpPr/>
+          <p:nvPr/>
+        </p:nvSpPr>
+        <p:spPr>
+          <a:xfrm>
+            <a:off x="1979271" y="1203767"/>
+            <a:ext cx="7789762" cy="4234814"/>
+          </a:xfrm>
+          <a:prstGeom prst="rect">
+            <a:avLst/>
+          </a:prstGeom>
+          <a:solidFill>
+            <a:schemeClr val="bg1"/>
+          </a:solidFill>
+          <a:ln>
+            <a:solidFill>
+              <a:schemeClr val="bg1"/>
+            </a:solidFill>
+          </a:ln>
+        </p:spPr>
+        <p:style>
+          <a:lnRef idx="2">
+            <a:schemeClr val="accent1">
+              <a:shade val="15000"/>
+            </a:schemeClr>
+          </a:lnRef>
+          <a:fillRef idx="1">
+            <a:schemeClr val="accent1"/>
+          </a:fillRef>
+          <a:effectRef idx="0">
+            <a:schemeClr val="accent1"/>
+          </a:effectRef>
+          <a:fontRef idx="minor">
+            <a:schemeClr val="lt1"/>
+          </a:fontRef>
+        </p:style>
+        <p:txBody>
+          <a:bodyPr rtlCol="0" anchor="ctr"/>
+          <a:lstStyle/>
+          <a:p>
+            <a:pPr algn="ctr"/>
+            <a:endParaRPr lang="en-VN"/>
+          </a:p>
+        </p:txBody>
+      </p:sp>
+      <p:sp>
+        <p:nvSpPr>
+          <p:cNvPr id="5" name="Rectangle: Rounded Corners 12">
+            <a:extLst>
+              <a:ext uri="{FF2B5EF4-FFF2-40B4-BE49-F238E27FC236}">
+                <a16:creationId xmlns:a16="http://schemas.microsoft.com/office/drawing/2014/main" id="{F5399F21-A852-E29B-DEE1-CEF4CED48256}"/>
+              </a:ext>
+            </a:extLst>
+          </p:cNvPr>
+          <p:cNvSpPr/>
+          <p:nvPr/>
+        </p:nvSpPr>
+        <p:spPr>
+          <a:xfrm rot="5400000">
+            <a:off x="5400788" y="2280977"/>
+            <a:ext cx="1828800" cy="105685"/>
+          </a:xfrm>
+          <a:prstGeom prst="roundRect">
+            <a:avLst>
+              <a:gd name="adj" fmla="val 50000"/>
+            </a:avLst>
+          </a:prstGeom>
+        </p:spPr>
+        <p:style>
+          <a:lnRef idx="2">
+            <a:schemeClr val="dk1">
+              <a:shade val="15000"/>
+            </a:schemeClr>
+          </a:lnRef>
+          <a:fillRef idx="1">
+            <a:schemeClr val="dk1"/>
+          </a:fillRef>
+          <a:effectRef idx="0">
+            <a:schemeClr val="dk1"/>
+          </a:effectRef>
+          <a:fontRef idx="minor">
+            <a:schemeClr val="lt1"/>
+          </a:fontRef>
+        </p:style>
+        <p:txBody>
+          <a:bodyPr rtlCol="0" anchor="ctr"/>
+          <a:lstStyle/>
+          <a:p>
+            <a:pPr algn="ctr"/>
+            <a:endParaRPr lang="en-US"/>
+          </a:p>
+        </p:txBody>
+      </p:sp>
+      <p:sp>
+        <p:nvSpPr>
+          <p:cNvPr id="6" name="Rectangle: Rounded Corners 11">
+            <a:extLst>
+              <a:ext uri="{FF2B5EF4-FFF2-40B4-BE49-F238E27FC236}">
+                <a16:creationId xmlns:a16="http://schemas.microsoft.com/office/drawing/2014/main" id="{7C2762B0-8B0E-6366-8005-8C9EDBBD58A4}"/>
+              </a:ext>
+            </a:extLst>
+          </p:cNvPr>
+          <p:cNvSpPr/>
+          <p:nvPr/>
+        </p:nvSpPr>
+        <p:spPr>
+          <a:xfrm rot="5400000">
+            <a:off x="5004684" y="2280977"/>
+            <a:ext cx="1828800" cy="105685"/>
+          </a:xfrm>
+          <a:prstGeom prst="roundRect">
+            <a:avLst>
+              <a:gd name="adj" fmla="val 50000"/>
+            </a:avLst>
+          </a:prstGeom>
+        </p:spPr>
+        <p:style>
+          <a:lnRef idx="2">
+            <a:schemeClr val="dk1">
+              <a:shade val="15000"/>
+            </a:schemeClr>
+          </a:lnRef>
+          <a:fillRef idx="1">
+            <a:schemeClr val="dk1"/>
+          </a:fillRef>
+          <a:effectRef idx="0">
+            <a:schemeClr val="dk1"/>
+          </a:effectRef>
+          <a:fontRef idx="minor">
+            <a:schemeClr val="lt1"/>
+          </a:fontRef>
+        </p:style>
+        <p:txBody>
+          <a:bodyPr rtlCol="0" anchor="ctr"/>
+          <a:lstStyle/>
+          <a:p>
+            <a:pPr algn="ctr"/>
+            <a:endParaRPr lang="en-US"/>
+          </a:p>
+        </p:txBody>
+      </p:sp>
+      <p:sp>
+        <p:nvSpPr>
+          <p:cNvPr id="7" name="Rectangle: Rounded Corners 10">
+            <a:extLst>
+              <a:ext uri="{FF2B5EF4-FFF2-40B4-BE49-F238E27FC236}">
+                <a16:creationId xmlns:a16="http://schemas.microsoft.com/office/drawing/2014/main" id="{ABA2B01B-B0BA-3575-D9BC-E9CB2C940ADE}"/>
+              </a:ext>
+            </a:extLst>
+          </p:cNvPr>
+          <p:cNvSpPr/>
+          <p:nvPr/>
+        </p:nvSpPr>
+        <p:spPr>
+          <a:xfrm rot="5400000">
+            <a:off x="4608579" y="2280977"/>
+            <a:ext cx="1828800" cy="105685"/>
+          </a:xfrm>
+          <a:prstGeom prst="roundRect">
+            <a:avLst>
+              <a:gd name="adj" fmla="val 50000"/>
+            </a:avLst>
+          </a:prstGeom>
+        </p:spPr>
+        <p:style>
+          <a:lnRef idx="2">
+            <a:schemeClr val="dk1">
+              <a:shade val="15000"/>
+            </a:schemeClr>
+          </a:lnRef>
+          <a:fillRef idx="1">
+            <a:schemeClr val="dk1"/>
+          </a:fillRef>
+          <a:effectRef idx="0">
+            <a:schemeClr val="dk1"/>
+          </a:effectRef>
+          <a:fontRef idx="minor">
+            <a:schemeClr val="lt1"/>
+          </a:fontRef>
+        </p:style>
+        <p:txBody>
+          <a:bodyPr rtlCol="0" anchor="ctr"/>
+          <a:lstStyle/>
+          <a:p>
+            <a:pPr algn="ctr"/>
+            <a:endParaRPr lang="en-US"/>
+          </a:p>
+        </p:txBody>
+      </p:sp>
+      <p:sp>
+        <p:nvSpPr>
+          <p:cNvPr id="8" name="Rectangle: Rounded Corners 7">
+            <a:extLst>
+              <a:ext uri="{FF2B5EF4-FFF2-40B4-BE49-F238E27FC236}">
+                <a16:creationId xmlns:a16="http://schemas.microsoft.com/office/drawing/2014/main" id="{44359F5A-63E5-7D2D-01A7-D2C203ABB054}"/>
+              </a:ext>
+            </a:extLst>
+          </p:cNvPr>
+          <p:cNvSpPr/>
+          <p:nvPr/>
+        </p:nvSpPr>
+        <p:spPr>
+          <a:xfrm>
+            <a:off x="5011522" y="2586130"/>
+            <a:ext cx="1828800" cy="105685"/>
+          </a:xfrm>
+          <a:prstGeom prst="roundRect">
+            <a:avLst>
+              <a:gd name="adj" fmla="val 50000"/>
+            </a:avLst>
+          </a:prstGeom>
+        </p:spPr>
+        <p:style>
+          <a:lnRef idx="2">
+            <a:schemeClr val="dk1">
+              <a:shade val="15000"/>
+            </a:schemeClr>
+          </a:lnRef>
+          <a:fillRef idx="1">
+            <a:schemeClr val="dk1"/>
+          </a:fillRef>
+          <a:effectRef idx="0">
+            <a:schemeClr val="dk1"/>
+          </a:effectRef>
+          <a:fontRef idx="minor">
+            <a:schemeClr val="lt1"/>
+          </a:fontRef>
+        </p:style>
+        <p:txBody>
+          <a:bodyPr rtlCol="0" anchor="ctr"/>
+          <a:lstStyle/>
+          <a:p>
+            <a:pPr algn="ctr"/>
+            <a:endParaRPr lang="en-US"/>
+          </a:p>
+        </p:txBody>
+      </p:sp>
+      <p:sp>
+        <p:nvSpPr>
+          <p:cNvPr id="9" name="Rectangle: Rounded Corners 6">
+            <a:extLst>
+              <a:ext uri="{FF2B5EF4-FFF2-40B4-BE49-F238E27FC236}">
+                <a16:creationId xmlns:a16="http://schemas.microsoft.com/office/drawing/2014/main" id="{368274AD-4558-9AE6-9BD2-F56FFEBD3DEC}"/>
+              </a:ext>
+            </a:extLst>
+          </p:cNvPr>
+          <p:cNvSpPr/>
+          <p:nvPr/>
+        </p:nvSpPr>
+        <p:spPr>
+          <a:xfrm>
+            <a:off x="5011522" y="2255005"/>
+            <a:ext cx="1828800" cy="105685"/>
+          </a:xfrm>
+          <a:prstGeom prst="roundRect">
+            <a:avLst>
+              <a:gd name="adj" fmla="val 50000"/>
+            </a:avLst>
+          </a:prstGeom>
+        </p:spPr>
+        <p:style>
+          <a:lnRef idx="2">
+            <a:schemeClr val="dk1">
+              <a:shade val="15000"/>
+            </a:schemeClr>
+          </a:lnRef>
+          <a:fillRef idx="1">
+            <a:schemeClr val="dk1"/>
+          </a:fillRef>
+          <a:effectRef idx="0">
+            <a:schemeClr val="dk1"/>
+          </a:effectRef>
+          <a:fontRef idx="minor">
+            <a:schemeClr val="lt1"/>
+          </a:fontRef>
+        </p:style>
+        <p:txBody>
+          <a:bodyPr rtlCol="0" anchor="ctr"/>
+          <a:lstStyle/>
+          <a:p>
+            <a:pPr algn="ctr"/>
+            <a:endParaRPr lang="en-US"/>
+          </a:p>
+        </p:txBody>
+      </p:sp>
+      <p:sp>
+        <p:nvSpPr>
+          <p:cNvPr id="10" name="Rectangle: Rounded Corners 5">
+            <a:extLst>
+              <a:ext uri="{FF2B5EF4-FFF2-40B4-BE49-F238E27FC236}">
+                <a16:creationId xmlns:a16="http://schemas.microsoft.com/office/drawing/2014/main" id="{006FA7CA-E256-8AEC-3B60-0BC2EC132DAA}"/>
+              </a:ext>
+            </a:extLst>
+          </p:cNvPr>
+          <p:cNvSpPr/>
+          <p:nvPr/>
+        </p:nvSpPr>
+        <p:spPr>
+          <a:xfrm>
+            <a:off x="5011522" y="1923880"/>
+            <a:ext cx="1828800" cy="105685"/>
+          </a:xfrm>
+          <a:prstGeom prst="roundRect">
+            <a:avLst>
+              <a:gd name="adj" fmla="val 50000"/>
+            </a:avLst>
+          </a:prstGeom>
+        </p:spPr>
+        <p:style>
+          <a:lnRef idx="2">
+            <a:schemeClr val="dk1">
+              <a:shade val="15000"/>
+            </a:schemeClr>
+          </a:lnRef>
+          <a:fillRef idx="1">
+            <a:schemeClr val="dk1"/>
+          </a:fillRef>
+          <a:effectRef idx="0">
+            <a:schemeClr val="dk1"/>
+          </a:effectRef>
+          <a:fontRef idx="minor">
+            <a:schemeClr val="lt1"/>
+          </a:fontRef>
+        </p:style>
+        <p:txBody>
+          <a:bodyPr rtlCol="0" anchor="ctr"/>
+          <a:lstStyle/>
+          <a:p>
+            <a:pPr algn="ctr"/>
+            <a:endParaRPr lang="en-US"/>
+          </a:p>
+        </p:txBody>
+      </p:sp>
+      <p:sp>
+        <p:nvSpPr>
+          <p:cNvPr id="11" name="Rectangle: Rounded Corners 3">
+            <a:extLst>
+              <a:ext uri="{FF2B5EF4-FFF2-40B4-BE49-F238E27FC236}">
+                <a16:creationId xmlns:a16="http://schemas.microsoft.com/office/drawing/2014/main" id="{0B58668E-C89E-2D44-5AC2-2419A6AA4596}"/>
+              </a:ext>
+            </a:extLst>
+          </p:cNvPr>
+          <p:cNvSpPr/>
+          <p:nvPr/>
+        </p:nvSpPr>
+        <p:spPr>
+          <a:xfrm>
+            <a:off x="5187564" y="1597755"/>
+            <a:ext cx="1463040" cy="1463040"/>
+          </a:xfrm>
+          <a:prstGeom prst="roundRect">
+            <a:avLst/>
+          </a:prstGeom>
+          <a:solidFill>
+            <a:schemeClr val="bg1"/>
+          </a:solidFill>
+          <a:ln w="76200">
+            <a:solidFill>
+              <a:schemeClr val="tx1"/>
+            </a:solidFill>
+          </a:ln>
+        </p:spPr>
+        <p:style>
+          <a:lnRef idx="2">
+            <a:schemeClr val="accent1">
+              <a:shade val="15000"/>
+            </a:schemeClr>
+          </a:lnRef>
+          <a:fillRef idx="1">
+            <a:schemeClr val="accent1"/>
+          </a:fillRef>
+          <a:effectRef idx="0">
+            <a:schemeClr val="accent1"/>
+          </a:effectRef>
+          <a:fontRef idx="minor">
+            <a:schemeClr val="lt1"/>
+          </a:fontRef>
+        </p:style>
+        <p:txBody>
+          <a:bodyPr rtlCol="0" anchor="ctr"/>
+          <a:lstStyle/>
+          <a:p>
+            <a:pPr algn="ctr"/>
+            <a:endParaRPr lang="en-US"/>
+          </a:p>
+        </p:txBody>
+      </p:sp>
+      <p:pic>
+        <p:nvPicPr>
+          <p:cNvPr id="12" name="Picture 2" descr="Brain - White Brain Icon Transparent Background Transparent PNG - 1000x1000  - Free Download on NicePNG">
+            <a:extLst>
+              <a:ext uri="{FF2B5EF4-FFF2-40B4-BE49-F238E27FC236}">
+                <a16:creationId xmlns:a16="http://schemas.microsoft.com/office/drawing/2014/main" id="{296F55F3-156B-5BA8-93AB-C6A1F6BEF782}"/>
+              </a:ext>
+            </a:extLst>
+          </p:cNvPr>
+          <p:cNvPicPr>
+            <a:picLocks noChangeAspect="1" noChangeArrowheads="1"/>
+          </p:cNvPicPr>
+          <p:nvPr/>
+        </p:nvPicPr>
+        <p:blipFill>
+          <a:blip r:embed="rId2">
+            <a:extLst>
+              <a:ext uri="{28A0092B-C50C-407E-A947-70E740481C1C}">
+                <a14:useLocalDpi xmlns:a14="http://schemas.microsoft.com/office/drawing/2010/main" val="0"/>
+              </a:ext>
+            </a:extLst>
+          </a:blip>
+          <a:srcRect/>
+          <a:stretch>
+            <a:fillRect/>
+          </a:stretch>
+        </p:blipFill>
+        <p:spPr bwMode="auto">
+          <a:xfrm>
+            <a:off x="5774307" y="2156142"/>
+            <a:ext cx="266678" cy="303410"/>
+          </a:xfrm>
+          <a:prstGeom prst="rect">
+            <a:avLst/>
+          </a:prstGeom>
+          <a:noFill/>
+          <a:extLst>
+            <a:ext uri="{909E8E84-426E-40DD-AFC4-6F175D3DCCD1}">
+              <a14:hiddenFill xmlns:a14="http://schemas.microsoft.com/office/drawing/2010/main">
+                <a:solidFill>
+                  <a:srgbClr val="FFFFFF"/>
+                </a:solidFill>
+              </a14:hiddenFill>
+            </a:ext>
+          </a:extLst>
+        </p:spPr>
+      </p:pic>
+      <p:pic>
+        <p:nvPicPr>
+          <p:cNvPr id="13" name="Picture 4" descr="Quantum Computing Computer Urgent Care Research Clip Art PNG">
+            <a:extLst>
+              <a:ext uri="{FF2B5EF4-FFF2-40B4-BE49-F238E27FC236}">
+                <a16:creationId xmlns:a16="http://schemas.microsoft.com/office/drawing/2014/main" id="{A9F881A6-1879-009B-F717-84341003FE7C}"/>
+              </a:ext>
+            </a:extLst>
+          </p:cNvPr>
+          <p:cNvPicPr>
+            <a:picLocks noChangeAspect="1" noChangeArrowheads="1"/>
+          </p:cNvPicPr>
+          <p:nvPr/>
+        </p:nvPicPr>
+        <p:blipFill>
+          <a:blip r:embed="rId3">
+            <a:extLst>
+              <a:ext uri="{BEBA8EAE-BF5A-486C-A8C5-ECC9F3942E4B}">
+                <a14:imgProps xmlns:a14="http://schemas.microsoft.com/office/drawing/2010/main">
+                  <a14:imgLayer r:embed="rId4">
+                    <a14:imgEffect>
+                      <a14:backgroundRemoval t="3147" b="97727" l="10000" r="90000">
+                        <a14:foregroundMark x1="44731" y1="91958" x2="46095" y2="92124"/>
+                        <a14:foregroundMark x1="43293" y1="91783" x2="44731" y2="91958"/>
+                        <a14:foregroundMark x1="43537" y1="7867" x2="53659" y2="3147"/>
+                        <a14:foregroundMark x1="51525" y1="93531" x2="56585" y2="93531"/>
+                        <a14:foregroundMark x1="43780" y1="93531" x2="47698" y2="93531"/>
+                        <a14:foregroundMark x1="49735" y1="97643" x2="52073" y2="97727"/>
+                        <a14:backgroundMark x1="47927" y1="93007" x2="51829" y2="92832"/>
+                      </a14:backgroundRemoval>
+                    </a14:imgEffect>
+                  </a14:imgLayer>
+                </a14:imgProps>
+              </a:ext>
+              <a:ext uri="{28A0092B-C50C-407E-A947-70E740481C1C}">
+                <a14:useLocalDpi xmlns:a14="http://schemas.microsoft.com/office/drawing/2010/main" val="0"/>
+              </a:ext>
+            </a:extLst>
+          </a:blip>
+          <a:srcRect/>
+          <a:stretch>
+            <a:fillRect/>
+          </a:stretch>
+        </p:blipFill>
+        <p:spPr bwMode="auto">
+          <a:xfrm>
+            <a:off x="4983540" y="1684654"/>
+            <a:ext cx="1848212" cy="1289241"/>
+          </a:xfrm>
+          <a:prstGeom prst="rect">
+            <a:avLst/>
+          </a:prstGeom>
+          <a:noFill/>
+          <a:extLst>
+            <a:ext uri="{909E8E84-426E-40DD-AFC4-6F175D3DCCD1}">
+              <a14:hiddenFill xmlns:a14="http://schemas.microsoft.com/office/drawing/2010/main">
+                <a:solidFill>
+                  <a:srgbClr val="FFFFFF"/>
+                </a:solidFill>
+              </a14:hiddenFill>
+            </a:ext>
+          </a:extLst>
+        </p:spPr>
+      </p:pic>
+      <p:sp>
+        <p:nvSpPr>
+          <p:cNvPr id="14" name="TextBox 13">
+            <a:extLst>
+              <a:ext uri="{FF2B5EF4-FFF2-40B4-BE49-F238E27FC236}">
+                <a16:creationId xmlns:a16="http://schemas.microsoft.com/office/drawing/2014/main" id="{83D9E839-DCFC-84D4-F23E-246DC3CFCB96}"/>
+              </a:ext>
+            </a:extLst>
+          </p:cNvPr>
+          <p:cNvSpPr txBox="1"/>
+          <p:nvPr/>
+        </p:nvSpPr>
+        <p:spPr>
+          <a:xfrm>
+            <a:off x="5107521" y="3159658"/>
+            <a:ext cx="1724231" cy="1015663"/>
+          </a:xfrm>
+          <a:prstGeom prst="rect">
+            <a:avLst/>
+          </a:prstGeom>
+          <a:noFill/>
+        </p:spPr>
+        <p:txBody>
+          <a:bodyPr wrap="square" rtlCol="0">
+            <a:spAutoFit/>
+          </a:bodyPr>
+          <a:lstStyle/>
+          <a:p>
+            <a:r>
+              <a:rPr lang="en-US" sz="6000" b="1" dirty="0" err="1">
+                <a:latin typeface="Bahnschrift SemiLight Condensed" panose="020B0502040204020203" pitchFamily="34" charset="0"/>
+              </a:rPr>
+              <a:t>AISeQ</a:t>
+            </a:r>
+            <a:endParaRPr lang="en-US" sz="6000" b="1" dirty="0">
+              <a:latin typeface="Bahnschrift SemiLight Condensed" panose="020B0502040204020203" pitchFamily="34" charset="0"/>
+            </a:endParaRPr>
+          </a:p>
+        </p:txBody>
+      </p:sp>
+      <p:sp>
+        <p:nvSpPr>
+          <p:cNvPr id="15" name="TextBox 14">
+            <a:extLst>
+              <a:ext uri="{FF2B5EF4-FFF2-40B4-BE49-F238E27FC236}">
+                <a16:creationId xmlns:a16="http://schemas.microsoft.com/office/drawing/2014/main" id="{3DA72DE8-9C7B-9652-8407-7037BF69BCE9}"/>
+              </a:ext>
+            </a:extLst>
+          </p:cNvPr>
+          <p:cNvSpPr txBox="1"/>
+          <p:nvPr/>
+        </p:nvSpPr>
+        <p:spPr>
+          <a:xfrm>
+            <a:off x="1979271" y="4118573"/>
+            <a:ext cx="7789762" cy="369332"/>
+          </a:xfrm>
+          <a:prstGeom prst="rect">
+            <a:avLst/>
+          </a:prstGeom>
+          <a:noFill/>
+        </p:spPr>
+        <p:txBody>
+          <a:bodyPr wrap="square" rtlCol="0">
+            <a:spAutoFit/>
+          </a:bodyPr>
+          <a:lstStyle/>
+          <a:p>
+            <a:pPr algn="ctr"/>
+            <a:r>
+              <a:rPr lang="en-VN" b="1"/>
+              <a:t>TUYỂN SINH VIÊN THAM GIA NGHIÊN CỨU (SOFTWARE)</a:t>
+            </a:r>
+          </a:p>
+        </p:txBody>
+      </p:sp>
+      <p:cxnSp>
+        <p:nvCxnSpPr>
+          <p:cNvPr id="17" name="Straight Connector 16">
+            <a:extLst>
+              <a:ext uri="{FF2B5EF4-FFF2-40B4-BE49-F238E27FC236}">
+                <a16:creationId xmlns:a16="http://schemas.microsoft.com/office/drawing/2014/main" id="{B8FA242A-1016-A0C1-15EA-92A3F98CAB35}"/>
+              </a:ext>
+            </a:extLst>
+          </p:cNvPr>
+          <p:cNvCxnSpPr/>
+          <p:nvPr/>
+        </p:nvCxnSpPr>
+        <p:spPr>
+          <a:xfrm>
+            <a:off x="3992036" y="4618299"/>
+            <a:ext cx="3831220" cy="0"/>
+          </a:xfrm>
+          <a:prstGeom prst="line">
+            <a:avLst/>
+          </a:prstGeom>
+          <a:ln w="38100"/>
+        </p:spPr>
+        <p:style>
+          <a:lnRef idx="2">
+            <a:schemeClr val="dk1"/>
+          </a:lnRef>
+          <a:fillRef idx="0">
+            <a:schemeClr val="dk1"/>
+          </a:fillRef>
+          <a:effectRef idx="1">
+            <a:schemeClr val="dk1"/>
+          </a:effectRef>
+          <a:fontRef idx="minor">
+            <a:schemeClr val="tx1"/>
+          </a:fontRef>
+        </p:style>
+      </p:cxnSp>
+      <p:sp>
+        <p:nvSpPr>
+          <p:cNvPr id="18" name="TextBox 17">
+            <a:extLst>
+              <a:ext uri="{FF2B5EF4-FFF2-40B4-BE49-F238E27FC236}">
+                <a16:creationId xmlns:a16="http://schemas.microsoft.com/office/drawing/2014/main" id="{1B1E00E4-4F07-EBCC-2174-9B39E57998F0}"/>
+              </a:ext>
+            </a:extLst>
+          </p:cNvPr>
+          <p:cNvSpPr txBox="1"/>
+          <p:nvPr/>
+        </p:nvSpPr>
+        <p:spPr>
+          <a:xfrm>
+            <a:off x="2012765" y="4780471"/>
+            <a:ext cx="7789762" cy="369332"/>
+          </a:xfrm>
+          <a:prstGeom prst="rect">
+            <a:avLst/>
+          </a:prstGeom>
+          <a:noFill/>
+        </p:spPr>
+        <p:txBody>
+          <a:bodyPr wrap="square" rtlCol="0">
+            <a:spAutoFit/>
+          </a:bodyPr>
+          <a:lstStyle/>
+          <a:p>
+            <a:pPr algn="ctr"/>
+            <a:r>
+              <a:rPr lang="en-VN" b="1"/>
+              <a:t>Thời hạn: 11/10 – 20/10</a:t>
+            </a:r>
+          </a:p>
+        </p:txBody>
+      </p:sp>
+    </p:spTree>
+    <p:extLst>
+      <p:ext uri="{BB962C8B-B14F-4D97-AF65-F5344CB8AC3E}">
+        <p14:creationId xmlns:p14="http://schemas.microsoft.com/office/powerpoint/2010/main" val="1077780671"/>
+      </p:ext>
+    </p:extLst>
+  </p:cSld>
+  <p:clrMapOvr>
+    <a:masterClrMapping/>
+  </p:clrMapOvr>
+</p:sld>
+</file>
+
+<file path=ppt/slides/slide9.xml><?xml version="1.0" encoding="utf-8"?>
+<p:sld xmlns:a="http://schemas.openxmlformats.org/drawingml/2006/main" xmlns:r="http://schemas.openxmlformats.org/officeDocument/2006/relationships" xmlns:p="http://schemas.openxmlformats.org/presentationml/2006/main">
+  <p:cSld>
+    <p:spTree>
+      <p:nvGrpSpPr>
+        <p:cNvPr id="1" name=""/>
+        <p:cNvGrpSpPr/>
+        <p:nvPr/>
+      </p:nvGrpSpPr>
+      <p:grpSpPr>
+        <a:xfrm>
+          <a:off x="0" y="0"/>
+          <a:ext cx="0" cy="0"/>
+          <a:chOff x="0" y="0"/>
+          <a:chExt cx="0" cy="0"/>
+        </a:xfrm>
+      </p:grpSpPr>
+      <p:sp>
+        <p:nvSpPr>
+          <p:cNvPr id="2" name="Title 1">
+            <a:extLst>
+              <a:ext uri="{FF2B5EF4-FFF2-40B4-BE49-F238E27FC236}">
+                <a16:creationId xmlns:a16="http://schemas.microsoft.com/office/drawing/2014/main" id="{C92A6D30-BC28-C537-840A-76EFF5A244A6}"/>
+              </a:ext>
+            </a:extLst>
+          </p:cNvPr>
+          <p:cNvSpPr>
+            <a:spLocks noGrp="1"/>
+          </p:cNvSpPr>
+          <p:nvPr>
+            <p:ph type="title"/>
+          </p:nvPr>
+        </p:nvSpPr>
+        <p:spPr/>
+        <p:txBody>
+          <a:bodyPr/>
+          <a:lstStyle/>
+          <a:p>
+            <a:endParaRPr lang="en-VN"/>
+          </a:p>
+        </p:txBody>
+      </p:sp>
+      <p:pic>
+        <p:nvPicPr>
+          <p:cNvPr id="5" name="Content Placeholder 4">
+            <a:extLst>
+              <a:ext uri="{FF2B5EF4-FFF2-40B4-BE49-F238E27FC236}">
+                <a16:creationId xmlns:a16="http://schemas.microsoft.com/office/drawing/2014/main" id="{52308BBA-D8A3-E724-1333-2BE7EF557CE5}"/>
+              </a:ext>
+            </a:extLst>
+          </p:cNvPr>
+          <p:cNvPicPr>
+            <a:picLocks noGrp="1" noChangeAspect="1"/>
+          </p:cNvPicPr>
+          <p:nvPr>
+            <p:ph idx="1"/>
+          </p:nvPr>
+        </p:nvPicPr>
+        <p:blipFill>
+          <a:blip r:embed="rId2">
+            <a:extLst>
+              <a:ext uri="{28A0092B-C50C-407E-A947-70E740481C1C}">
+                <a14:useLocalDpi xmlns:a14="http://schemas.microsoft.com/office/drawing/2010/main" val="0"/>
+              </a:ext>
+            </a:extLst>
+          </a:blip>
+          <a:stretch>
+            <a:fillRect/>
+          </a:stretch>
+        </p:blipFill>
+        <p:spPr>
+          <a:xfrm>
+            <a:off x="8493980" y="-14514"/>
+            <a:ext cx="3645154" cy="4351338"/>
+          </a:xfrm>
+        </p:spPr>
+      </p:pic>
+      <p:pic>
+        <p:nvPicPr>
+          <p:cNvPr id="7" name="Picture 6">
+            <a:extLst>
+              <a:ext uri="{FF2B5EF4-FFF2-40B4-BE49-F238E27FC236}">
+                <a16:creationId xmlns:a16="http://schemas.microsoft.com/office/drawing/2014/main" id="{4C0C2A09-37BC-D842-C1D8-4C7559E92D1C}"/>
+              </a:ext>
+            </a:extLst>
+          </p:cNvPr>
+          <p:cNvPicPr>
+            <a:picLocks noChangeAspect="1"/>
+          </p:cNvPicPr>
+          <p:nvPr/>
+        </p:nvPicPr>
+        <p:blipFill>
+          <a:blip r:embed="rId3">
+            <a:extLst>
+              <a:ext uri="{28A0092B-C50C-407E-A947-70E740481C1C}">
+                <a14:useLocalDpi xmlns:a14="http://schemas.microsoft.com/office/drawing/2010/main" val="0"/>
+              </a:ext>
+            </a:extLst>
+          </a:blip>
+          <a:stretch>
+            <a:fillRect/>
+          </a:stretch>
+        </p:blipFill>
+        <p:spPr>
+          <a:xfrm>
+            <a:off x="721580" y="-133821"/>
+            <a:ext cx="7772400" cy="4663440"/>
+          </a:xfrm>
+          <a:prstGeom prst="rect">
+            <a:avLst/>
+          </a:prstGeom>
+        </p:spPr>
+      </p:pic>
+      <p:pic>
+        <p:nvPicPr>
+          <p:cNvPr id="9" name="Picture 8">
+            <a:extLst>
+              <a:ext uri="{FF2B5EF4-FFF2-40B4-BE49-F238E27FC236}">
+                <a16:creationId xmlns:a16="http://schemas.microsoft.com/office/drawing/2014/main" id="{37AA5BFB-F835-18EC-98EA-DBC34D9EBAE2}"/>
+              </a:ext>
+            </a:extLst>
+          </p:cNvPr>
+          <p:cNvPicPr>
+            <a:picLocks noChangeAspect="1"/>
+          </p:cNvPicPr>
+          <p:nvPr/>
+        </p:nvPicPr>
+        <p:blipFill>
+          <a:blip r:embed="rId4">
+            <a:extLst>
+              <a:ext uri="{28A0092B-C50C-407E-A947-70E740481C1C}">
+                <a14:useLocalDpi xmlns:a14="http://schemas.microsoft.com/office/drawing/2010/main" val="0"/>
+              </a:ext>
+            </a:extLst>
+          </a:blip>
+          <a:stretch>
+            <a:fillRect/>
+          </a:stretch>
+        </p:blipFill>
+        <p:spPr>
+          <a:xfrm>
+            <a:off x="726042" y="4563551"/>
+            <a:ext cx="3881738" cy="2771067"/>
+          </a:xfrm>
+          <a:prstGeom prst="rect">
+            <a:avLst/>
+          </a:prstGeom>
+        </p:spPr>
+      </p:pic>
+    </p:spTree>
+    <p:extLst>
+      <p:ext uri="{BB962C8B-B14F-4D97-AF65-F5344CB8AC3E}">
+        <p14:creationId xmlns:p14="http://schemas.microsoft.com/office/powerpoint/2010/main" val="1612707095"/>
+      </p:ext>
+    </p:extLst>
+  </p:cSld>
+  <p:clrMapOvr>
+    <a:masterClrMapping/>
+  </p:clrMapOvr>
 </p:sld>
 </file>
 

--- a/images/design.pptx
+++ b/images/design.pptx
@@ -5,7 +5,7 @@
     <p:sldMasterId id="2147483648" r:id="rId1"/>
   </p:sldMasterIdLst>
   <p:notesMasterIdLst>
-    <p:notesMasterId r:id="rId11"/>
+    <p:notesMasterId r:id="rId12"/>
   </p:notesMasterIdLst>
   <p:sldIdLst>
     <p:sldId id="256" r:id="rId2"/>
@@ -16,7 +16,8 @@
     <p:sldId id="261" r:id="rId7"/>
     <p:sldId id="262" r:id="rId8"/>
     <p:sldId id="263" r:id="rId9"/>
-    <p:sldId id="264" r:id="rId10"/>
+    <p:sldId id="265" r:id="rId10"/>
+    <p:sldId id="264" r:id="rId11"/>
   </p:sldIdLst>
   <p:sldSz cx="12192000" cy="6858000"/>
   <p:notesSz cx="6858000" cy="9144000"/>
@@ -205,7 +206,7 @@
           <a:p>
             <a:fld id="{52A2B7F2-4ED9-403D-8D8A-879FE3B4014E}" type="datetimeFigureOut">
               <a:rPr lang="en-US" smtClean="0"/>
-              <a:t>10/10/25</a:t>
+              <a:t>10/18/25</a:t>
             </a:fld>
             <a:endParaRPr lang="en-US"/>
           </a:p>
@@ -919,7 +920,7 @@
           <a:p>
             <a:fld id="{A04A5567-2D39-432B-A86B-39F40DF129FF}" type="datetimeFigureOut">
               <a:rPr lang="en-US" smtClean="0"/>
-              <a:t>10/10/25</a:t>
+              <a:t>10/18/25</a:t>
             </a:fld>
             <a:endParaRPr lang="en-US"/>
           </a:p>
@@ -1117,7 +1118,7 @@
           <a:p>
             <a:fld id="{A04A5567-2D39-432B-A86B-39F40DF129FF}" type="datetimeFigureOut">
               <a:rPr lang="en-US" smtClean="0"/>
-              <a:t>10/10/25</a:t>
+              <a:t>10/18/25</a:t>
             </a:fld>
             <a:endParaRPr lang="en-US"/>
           </a:p>
@@ -1325,7 +1326,7 @@
           <a:p>
             <a:fld id="{A04A5567-2D39-432B-A86B-39F40DF129FF}" type="datetimeFigureOut">
               <a:rPr lang="en-US" smtClean="0"/>
-              <a:t>10/10/25</a:t>
+              <a:t>10/18/25</a:t>
             </a:fld>
             <a:endParaRPr lang="en-US"/>
           </a:p>
@@ -1523,7 +1524,7 @@
           <a:p>
             <a:fld id="{A04A5567-2D39-432B-A86B-39F40DF129FF}" type="datetimeFigureOut">
               <a:rPr lang="en-US" smtClean="0"/>
-              <a:t>10/10/25</a:t>
+              <a:t>10/18/25</a:t>
             </a:fld>
             <a:endParaRPr lang="en-US"/>
           </a:p>
@@ -1798,7 +1799,7 @@
           <a:p>
             <a:fld id="{A04A5567-2D39-432B-A86B-39F40DF129FF}" type="datetimeFigureOut">
               <a:rPr lang="en-US" smtClean="0"/>
-              <a:t>10/10/25</a:t>
+              <a:t>10/18/25</a:t>
             </a:fld>
             <a:endParaRPr lang="en-US"/>
           </a:p>
@@ -2063,7 +2064,7 @@
           <a:p>
             <a:fld id="{A04A5567-2D39-432B-A86B-39F40DF129FF}" type="datetimeFigureOut">
               <a:rPr lang="en-US" smtClean="0"/>
-              <a:t>10/10/25</a:t>
+              <a:t>10/18/25</a:t>
             </a:fld>
             <a:endParaRPr lang="en-US"/>
           </a:p>
@@ -2475,7 +2476,7 @@
           <a:p>
             <a:fld id="{A04A5567-2D39-432B-A86B-39F40DF129FF}" type="datetimeFigureOut">
               <a:rPr lang="en-US" smtClean="0"/>
-              <a:t>10/10/25</a:t>
+              <a:t>10/18/25</a:t>
             </a:fld>
             <a:endParaRPr lang="en-US"/>
           </a:p>
@@ -2616,7 +2617,7 @@
           <a:p>
             <a:fld id="{A04A5567-2D39-432B-A86B-39F40DF129FF}" type="datetimeFigureOut">
               <a:rPr lang="en-US" smtClean="0"/>
-              <a:t>10/10/25</a:t>
+              <a:t>10/18/25</a:t>
             </a:fld>
             <a:endParaRPr lang="en-US"/>
           </a:p>
@@ -2729,7 +2730,7 @@
           <a:p>
             <a:fld id="{A04A5567-2D39-432B-A86B-39F40DF129FF}" type="datetimeFigureOut">
               <a:rPr lang="en-US" smtClean="0"/>
-              <a:t>10/10/25</a:t>
+              <a:t>10/18/25</a:t>
             </a:fld>
             <a:endParaRPr lang="en-US"/>
           </a:p>
@@ -3040,7 +3041,7 @@
           <a:p>
             <a:fld id="{A04A5567-2D39-432B-A86B-39F40DF129FF}" type="datetimeFigureOut">
               <a:rPr lang="en-US" smtClean="0"/>
-              <a:t>10/10/25</a:t>
+              <a:t>10/18/25</a:t>
             </a:fld>
             <a:endParaRPr lang="en-US"/>
           </a:p>
@@ -3328,7 +3329,7 @@
           <a:p>
             <a:fld id="{A04A5567-2D39-432B-A86B-39F40DF129FF}" type="datetimeFigureOut">
               <a:rPr lang="en-US" smtClean="0"/>
-              <a:t>10/10/25</a:t>
+              <a:t>10/18/25</a:t>
             </a:fld>
             <a:endParaRPr lang="en-US"/>
           </a:p>
@@ -3569,7 +3570,7 @@
           <a:p>
             <a:fld id="{A04A5567-2D39-432B-A86B-39F40DF129FF}" type="datetimeFigureOut">
               <a:rPr lang="en-US" smtClean="0"/>
-              <a:t>10/10/25</a:t>
+              <a:t>10/18/25</a:t>
             </a:fld>
             <a:endParaRPr lang="en-US"/>
           </a:p>
@@ -6038,6 +6039,168 @@
 </p:sld>
 </file>
 
+<file path=ppt/slides/slide10.xml><?xml version="1.0" encoding="utf-8"?>
+<p:sld xmlns:a="http://schemas.openxmlformats.org/drawingml/2006/main" xmlns:r="http://schemas.openxmlformats.org/officeDocument/2006/relationships" xmlns:p="http://schemas.openxmlformats.org/presentationml/2006/main">
+  <p:cSld>
+    <p:spTree>
+      <p:nvGrpSpPr>
+        <p:cNvPr id="1" name=""/>
+        <p:cNvGrpSpPr/>
+        <p:nvPr/>
+      </p:nvGrpSpPr>
+      <p:grpSpPr>
+        <a:xfrm>
+          <a:off x="0" y="0"/>
+          <a:ext cx="0" cy="0"/>
+          <a:chOff x="0" y="0"/>
+          <a:chExt cx="0" cy="0"/>
+        </a:xfrm>
+      </p:grpSpPr>
+      <p:sp>
+        <p:nvSpPr>
+          <p:cNvPr id="2" name="Title 1">
+            <a:extLst>
+              <a:ext uri="{FF2B5EF4-FFF2-40B4-BE49-F238E27FC236}">
+                <a16:creationId xmlns:a16="http://schemas.microsoft.com/office/drawing/2014/main" id="{C92A6D30-BC28-C537-840A-76EFF5A244A6}"/>
+              </a:ext>
+            </a:extLst>
+          </p:cNvPr>
+          <p:cNvSpPr>
+            <a:spLocks noGrp="1"/>
+          </p:cNvSpPr>
+          <p:nvPr>
+            <p:ph type="title"/>
+          </p:nvPr>
+        </p:nvSpPr>
+        <p:spPr/>
+        <p:txBody>
+          <a:bodyPr/>
+          <a:lstStyle/>
+          <a:p>
+            <a:endParaRPr lang="en-VN"/>
+          </a:p>
+        </p:txBody>
+      </p:sp>
+      <p:pic>
+        <p:nvPicPr>
+          <p:cNvPr id="5" name="Content Placeholder 4">
+            <a:extLst>
+              <a:ext uri="{FF2B5EF4-FFF2-40B4-BE49-F238E27FC236}">
+                <a16:creationId xmlns:a16="http://schemas.microsoft.com/office/drawing/2014/main" id="{52308BBA-D8A3-E724-1333-2BE7EF557CE5}"/>
+              </a:ext>
+            </a:extLst>
+          </p:cNvPr>
+          <p:cNvPicPr>
+            <a:picLocks noGrp="1" noChangeAspect="1"/>
+          </p:cNvPicPr>
+          <p:nvPr>
+            <p:ph idx="1"/>
+          </p:nvPr>
+        </p:nvPicPr>
+        <p:blipFill>
+          <a:blip r:embed="rId2">
+            <a:extLst>
+              <a:ext uri="{28A0092B-C50C-407E-A947-70E740481C1C}">
+                <a14:useLocalDpi xmlns:a14="http://schemas.microsoft.com/office/drawing/2010/main" val="0"/>
+              </a:ext>
+            </a:extLst>
+          </a:blip>
+          <a:stretch>
+            <a:fillRect/>
+          </a:stretch>
+        </p:blipFill>
+        <p:spPr>
+          <a:xfrm>
+            <a:off x="8493980" y="-14514"/>
+            <a:ext cx="3645154" cy="4351338"/>
+          </a:xfrm>
+        </p:spPr>
+      </p:pic>
+      <p:pic>
+        <p:nvPicPr>
+          <p:cNvPr id="7" name="Picture 6">
+            <a:extLst>
+              <a:ext uri="{FF2B5EF4-FFF2-40B4-BE49-F238E27FC236}">
+                <a16:creationId xmlns:a16="http://schemas.microsoft.com/office/drawing/2014/main" id="{4C0C2A09-37BC-D842-C1D8-4C7559E92D1C}"/>
+              </a:ext>
+            </a:extLst>
+          </p:cNvPr>
+          <p:cNvPicPr>
+            <a:picLocks noChangeAspect="1"/>
+          </p:cNvPicPr>
+          <p:nvPr/>
+        </p:nvPicPr>
+        <p:blipFill>
+          <a:blip r:embed="rId3">
+            <a:extLst>
+              <a:ext uri="{28A0092B-C50C-407E-A947-70E740481C1C}">
+                <a14:useLocalDpi xmlns:a14="http://schemas.microsoft.com/office/drawing/2010/main" val="0"/>
+              </a:ext>
+            </a:extLst>
+          </a:blip>
+          <a:stretch>
+            <a:fillRect/>
+          </a:stretch>
+        </p:blipFill>
+        <p:spPr>
+          <a:xfrm>
+            <a:off x="721580" y="-133821"/>
+            <a:ext cx="7772400" cy="4663440"/>
+          </a:xfrm>
+          <a:prstGeom prst="rect">
+            <a:avLst/>
+          </a:prstGeom>
+        </p:spPr>
+      </p:pic>
+      <p:pic>
+        <p:nvPicPr>
+          <p:cNvPr id="9" name="Picture 8">
+            <a:extLst>
+              <a:ext uri="{FF2B5EF4-FFF2-40B4-BE49-F238E27FC236}">
+                <a16:creationId xmlns:a16="http://schemas.microsoft.com/office/drawing/2014/main" id="{37AA5BFB-F835-18EC-98EA-DBC34D9EBAE2}"/>
+              </a:ext>
+            </a:extLst>
+          </p:cNvPr>
+          <p:cNvPicPr>
+            <a:picLocks noChangeAspect="1"/>
+          </p:cNvPicPr>
+          <p:nvPr/>
+        </p:nvPicPr>
+        <p:blipFill>
+          <a:blip r:embed="rId4">
+            <a:extLst>
+              <a:ext uri="{28A0092B-C50C-407E-A947-70E740481C1C}">
+                <a14:useLocalDpi xmlns:a14="http://schemas.microsoft.com/office/drawing/2010/main" val="0"/>
+              </a:ext>
+            </a:extLst>
+          </a:blip>
+          <a:stretch>
+            <a:fillRect/>
+          </a:stretch>
+        </p:blipFill>
+        <p:spPr>
+          <a:xfrm>
+            <a:off x="726042" y="4563551"/>
+            <a:ext cx="3881738" cy="2771067"/>
+          </a:xfrm>
+          <a:prstGeom prst="rect">
+            <a:avLst/>
+          </a:prstGeom>
+        </p:spPr>
+      </p:pic>
+    </p:spTree>
+    <p:extLst>
+      <p:ext uri="{BB962C8B-B14F-4D97-AF65-F5344CB8AC3E}">
+        <p14:creationId xmlns:p14="http://schemas.microsoft.com/office/powerpoint/2010/main" val="1612707095"/>
+      </p:ext>
+    </p:extLst>
+  </p:cSld>
+  <p:clrMapOvr>
+    <a:masterClrMapping/>
+  </p:clrMapOvr>
+</p:sld>
+</file>
+
 <file path=ppt/slides/slide2.xml><?xml version="1.0" encoding="utf-8"?>
 <p:sld xmlns:a="http://schemas.openxmlformats.org/drawingml/2006/main" xmlns:r="http://schemas.openxmlformats.org/officeDocument/2006/relationships" xmlns:p="http://schemas.openxmlformats.org/presentationml/2006/main">
   <p:cSld>
@@ -13956,7 +14119,13 @@
   <p:cSld>
     <p:spTree>
       <p:nvGrpSpPr>
-        <p:cNvPr id="1" name=""/>
+        <p:cNvPr id="1" name="">
+          <a:extLst>
+            <a:ext uri="{FF2B5EF4-FFF2-40B4-BE49-F238E27FC236}">
+              <a16:creationId xmlns:a16="http://schemas.microsoft.com/office/drawing/2014/main" id="{9177C150-99C8-8F33-961B-2AAAC83FC611}"/>
+            </a:ext>
+          </a:extLst>
+        </p:cNvPr>
         <p:cNvGrpSpPr/>
         <p:nvPr/>
       </p:nvGrpSpPr>
@@ -13970,44 +14139,413 @@
       </p:grpSpPr>
       <p:sp>
         <p:nvSpPr>
-          <p:cNvPr id="2" name="Title 1">
-            <a:extLst>
-              <a:ext uri="{FF2B5EF4-FFF2-40B4-BE49-F238E27FC236}">
-                <a16:creationId xmlns:a16="http://schemas.microsoft.com/office/drawing/2014/main" id="{C92A6D30-BC28-C537-840A-76EFF5A244A6}"/>
-              </a:ext>
-            </a:extLst>
-          </p:cNvPr>
-          <p:cNvSpPr>
-            <a:spLocks noGrp="1"/>
-          </p:cNvSpPr>
-          <p:nvPr>
-            <p:ph type="title"/>
-          </p:nvPr>
-        </p:nvSpPr>
-        <p:spPr/>
-        <p:txBody>
-          <a:bodyPr/>
-          <a:lstStyle/>
-          <a:p>
+          <p:cNvPr id="4" name="Rectangle 3">
+            <a:extLst>
+              <a:ext uri="{FF2B5EF4-FFF2-40B4-BE49-F238E27FC236}">
+                <a16:creationId xmlns:a16="http://schemas.microsoft.com/office/drawing/2014/main" id="{AFA2026B-BFBE-B2EA-7B43-464B59E25139}"/>
+              </a:ext>
+            </a:extLst>
+          </p:cNvPr>
+          <p:cNvSpPr/>
+          <p:nvPr/>
+        </p:nvSpPr>
+        <p:spPr>
+          <a:xfrm>
+            <a:off x="1979271" y="1203767"/>
+            <a:ext cx="7789762" cy="4234814"/>
+          </a:xfrm>
+          <a:prstGeom prst="rect">
+            <a:avLst/>
+          </a:prstGeom>
+          <a:solidFill>
+            <a:schemeClr val="bg1"/>
+          </a:solidFill>
+          <a:ln>
+            <a:solidFill>
+              <a:schemeClr val="bg1"/>
+            </a:solidFill>
+          </a:ln>
+        </p:spPr>
+        <p:style>
+          <a:lnRef idx="2">
+            <a:schemeClr val="accent1">
+              <a:shade val="15000"/>
+            </a:schemeClr>
+          </a:lnRef>
+          <a:fillRef idx="1">
+            <a:schemeClr val="accent1"/>
+          </a:fillRef>
+          <a:effectRef idx="0">
+            <a:schemeClr val="accent1"/>
+          </a:effectRef>
+          <a:fontRef idx="minor">
+            <a:schemeClr val="lt1"/>
+          </a:fontRef>
+        </p:style>
+        <p:txBody>
+          <a:bodyPr rtlCol="0" anchor="ctr"/>
+          <a:lstStyle/>
+          <a:p>
+            <a:pPr algn="ctr"/>
             <a:endParaRPr lang="en-VN"/>
+          </a:p>
+        </p:txBody>
+      </p:sp>
+      <p:sp>
+        <p:nvSpPr>
+          <p:cNvPr id="5" name="Rectangle: Rounded Corners 12">
+            <a:extLst>
+              <a:ext uri="{FF2B5EF4-FFF2-40B4-BE49-F238E27FC236}">
+                <a16:creationId xmlns:a16="http://schemas.microsoft.com/office/drawing/2014/main" id="{AF14CDB2-EE90-4D11-0410-3DDA6E9C8B08}"/>
+              </a:ext>
+            </a:extLst>
+          </p:cNvPr>
+          <p:cNvSpPr/>
+          <p:nvPr/>
+        </p:nvSpPr>
+        <p:spPr>
+          <a:xfrm rot="5400000">
+            <a:off x="5400788" y="2280977"/>
+            <a:ext cx="1828800" cy="105685"/>
+          </a:xfrm>
+          <a:prstGeom prst="roundRect">
+            <a:avLst>
+              <a:gd name="adj" fmla="val 50000"/>
+            </a:avLst>
+          </a:prstGeom>
+        </p:spPr>
+        <p:style>
+          <a:lnRef idx="2">
+            <a:schemeClr val="dk1">
+              <a:shade val="15000"/>
+            </a:schemeClr>
+          </a:lnRef>
+          <a:fillRef idx="1">
+            <a:schemeClr val="dk1"/>
+          </a:fillRef>
+          <a:effectRef idx="0">
+            <a:schemeClr val="dk1"/>
+          </a:effectRef>
+          <a:fontRef idx="minor">
+            <a:schemeClr val="lt1"/>
+          </a:fontRef>
+        </p:style>
+        <p:txBody>
+          <a:bodyPr rtlCol="0" anchor="ctr"/>
+          <a:lstStyle/>
+          <a:p>
+            <a:pPr algn="ctr"/>
+            <a:endParaRPr lang="en-US"/>
+          </a:p>
+        </p:txBody>
+      </p:sp>
+      <p:sp>
+        <p:nvSpPr>
+          <p:cNvPr id="6" name="Rectangle: Rounded Corners 11">
+            <a:extLst>
+              <a:ext uri="{FF2B5EF4-FFF2-40B4-BE49-F238E27FC236}">
+                <a16:creationId xmlns:a16="http://schemas.microsoft.com/office/drawing/2014/main" id="{A8B03EE6-9F96-B8E6-0D80-2BEB98A122E2}"/>
+              </a:ext>
+            </a:extLst>
+          </p:cNvPr>
+          <p:cNvSpPr/>
+          <p:nvPr/>
+        </p:nvSpPr>
+        <p:spPr>
+          <a:xfrm rot="5400000">
+            <a:off x="5004684" y="2280977"/>
+            <a:ext cx="1828800" cy="105685"/>
+          </a:xfrm>
+          <a:prstGeom prst="roundRect">
+            <a:avLst>
+              <a:gd name="adj" fmla="val 50000"/>
+            </a:avLst>
+          </a:prstGeom>
+        </p:spPr>
+        <p:style>
+          <a:lnRef idx="2">
+            <a:schemeClr val="dk1">
+              <a:shade val="15000"/>
+            </a:schemeClr>
+          </a:lnRef>
+          <a:fillRef idx="1">
+            <a:schemeClr val="dk1"/>
+          </a:fillRef>
+          <a:effectRef idx="0">
+            <a:schemeClr val="dk1"/>
+          </a:effectRef>
+          <a:fontRef idx="minor">
+            <a:schemeClr val="lt1"/>
+          </a:fontRef>
+        </p:style>
+        <p:txBody>
+          <a:bodyPr rtlCol="0" anchor="ctr"/>
+          <a:lstStyle/>
+          <a:p>
+            <a:pPr algn="ctr"/>
+            <a:endParaRPr lang="en-US"/>
+          </a:p>
+        </p:txBody>
+      </p:sp>
+      <p:sp>
+        <p:nvSpPr>
+          <p:cNvPr id="7" name="Rectangle: Rounded Corners 10">
+            <a:extLst>
+              <a:ext uri="{FF2B5EF4-FFF2-40B4-BE49-F238E27FC236}">
+                <a16:creationId xmlns:a16="http://schemas.microsoft.com/office/drawing/2014/main" id="{43368E15-E816-AFF0-7185-0D23249652BC}"/>
+              </a:ext>
+            </a:extLst>
+          </p:cNvPr>
+          <p:cNvSpPr/>
+          <p:nvPr/>
+        </p:nvSpPr>
+        <p:spPr>
+          <a:xfrm rot="5400000">
+            <a:off x="4608579" y="2280977"/>
+            <a:ext cx="1828800" cy="105685"/>
+          </a:xfrm>
+          <a:prstGeom prst="roundRect">
+            <a:avLst>
+              <a:gd name="adj" fmla="val 50000"/>
+            </a:avLst>
+          </a:prstGeom>
+        </p:spPr>
+        <p:style>
+          <a:lnRef idx="2">
+            <a:schemeClr val="dk1">
+              <a:shade val="15000"/>
+            </a:schemeClr>
+          </a:lnRef>
+          <a:fillRef idx="1">
+            <a:schemeClr val="dk1"/>
+          </a:fillRef>
+          <a:effectRef idx="0">
+            <a:schemeClr val="dk1"/>
+          </a:effectRef>
+          <a:fontRef idx="minor">
+            <a:schemeClr val="lt1"/>
+          </a:fontRef>
+        </p:style>
+        <p:txBody>
+          <a:bodyPr rtlCol="0" anchor="ctr"/>
+          <a:lstStyle/>
+          <a:p>
+            <a:pPr algn="ctr"/>
+            <a:endParaRPr lang="en-US"/>
+          </a:p>
+        </p:txBody>
+      </p:sp>
+      <p:sp>
+        <p:nvSpPr>
+          <p:cNvPr id="8" name="Rectangle: Rounded Corners 7">
+            <a:extLst>
+              <a:ext uri="{FF2B5EF4-FFF2-40B4-BE49-F238E27FC236}">
+                <a16:creationId xmlns:a16="http://schemas.microsoft.com/office/drawing/2014/main" id="{087E98A8-819A-AAA1-B08C-917A49E21D03}"/>
+              </a:ext>
+            </a:extLst>
+          </p:cNvPr>
+          <p:cNvSpPr/>
+          <p:nvPr/>
+        </p:nvSpPr>
+        <p:spPr>
+          <a:xfrm>
+            <a:off x="5011522" y="2586130"/>
+            <a:ext cx="1828800" cy="105685"/>
+          </a:xfrm>
+          <a:prstGeom prst="roundRect">
+            <a:avLst>
+              <a:gd name="adj" fmla="val 50000"/>
+            </a:avLst>
+          </a:prstGeom>
+        </p:spPr>
+        <p:style>
+          <a:lnRef idx="2">
+            <a:schemeClr val="dk1">
+              <a:shade val="15000"/>
+            </a:schemeClr>
+          </a:lnRef>
+          <a:fillRef idx="1">
+            <a:schemeClr val="dk1"/>
+          </a:fillRef>
+          <a:effectRef idx="0">
+            <a:schemeClr val="dk1"/>
+          </a:effectRef>
+          <a:fontRef idx="minor">
+            <a:schemeClr val="lt1"/>
+          </a:fontRef>
+        </p:style>
+        <p:txBody>
+          <a:bodyPr rtlCol="0" anchor="ctr"/>
+          <a:lstStyle/>
+          <a:p>
+            <a:pPr algn="ctr"/>
+            <a:endParaRPr lang="en-US"/>
+          </a:p>
+        </p:txBody>
+      </p:sp>
+      <p:sp>
+        <p:nvSpPr>
+          <p:cNvPr id="9" name="Rectangle: Rounded Corners 6">
+            <a:extLst>
+              <a:ext uri="{FF2B5EF4-FFF2-40B4-BE49-F238E27FC236}">
+                <a16:creationId xmlns:a16="http://schemas.microsoft.com/office/drawing/2014/main" id="{B8B2C86B-1FBA-32EB-F449-3016018965B8}"/>
+              </a:ext>
+            </a:extLst>
+          </p:cNvPr>
+          <p:cNvSpPr/>
+          <p:nvPr/>
+        </p:nvSpPr>
+        <p:spPr>
+          <a:xfrm>
+            <a:off x="5011522" y="2255005"/>
+            <a:ext cx="1828800" cy="105685"/>
+          </a:xfrm>
+          <a:prstGeom prst="roundRect">
+            <a:avLst>
+              <a:gd name="adj" fmla="val 50000"/>
+            </a:avLst>
+          </a:prstGeom>
+        </p:spPr>
+        <p:style>
+          <a:lnRef idx="2">
+            <a:schemeClr val="dk1">
+              <a:shade val="15000"/>
+            </a:schemeClr>
+          </a:lnRef>
+          <a:fillRef idx="1">
+            <a:schemeClr val="dk1"/>
+          </a:fillRef>
+          <a:effectRef idx="0">
+            <a:schemeClr val="dk1"/>
+          </a:effectRef>
+          <a:fontRef idx="minor">
+            <a:schemeClr val="lt1"/>
+          </a:fontRef>
+        </p:style>
+        <p:txBody>
+          <a:bodyPr rtlCol="0" anchor="ctr"/>
+          <a:lstStyle/>
+          <a:p>
+            <a:pPr algn="ctr"/>
+            <a:endParaRPr lang="en-US"/>
+          </a:p>
+        </p:txBody>
+      </p:sp>
+      <p:sp>
+        <p:nvSpPr>
+          <p:cNvPr id="10" name="Rectangle: Rounded Corners 5">
+            <a:extLst>
+              <a:ext uri="{FF2B5EF4-FFF2-40B4-BE49-F238E27FC236}">
+                <a16:creationId xmlns:a16="http://schemas.microsoft.com/office/drawing/2014/main" id="{1BC8AF34-715D-D27B-8239-B22C2B184982}"/>
+              </a:ext>
+            </a:extLst>
+          </p:cNvPr>
+          <p:cNvSpPr/>
+          <p:nvPr/>
+        </p:nvSpPr>
+        <p:spPr>
+          <a:xfrm>
+            <a:off x="5011522" y="1923880"/>
+            <a:ext cx="1828800" cy="105685"/>
+          </a:xfrm>
+          <a:prstGeom prst="roundRect">
+            <a:avLst>
+              <a:gd name="adj" fmla="val 50000"/>
+            </a:avLst>
+          </a:prstGeom>
+        </p:spPr>
+        <p:style>
+          <a:lnRef idx="2">
+            <a:schemeClr val="dk1">
+              <a:shade val="15000"/>
+            </a:schemeClr>
+          </a:lnRef>
+          <a:fillRef idx="1">
+            <a:schemeClr val="dk1"/>
+          </a:fillRef>
+          <a:effectRef idx="0">
+            <a:schemeClr val="dk1"/>
+          </a:effectRef>
+          <a:fontRef idx="minor">
+            <a:schemeClr val="lt1"/>
+          </a:fontRef>
+        </p:style>
+        <p:txBody>
+          <a:bodyPr rtlCol="0" anchor="ctr"/>
+          <a:lstStyle/>
+          <a:p>
+            <a:pPr algn="ctr"/>
+            <a:endParaRPr lang="en-US"/>
+          </a:p>
+        </p:txBody>
+      </p:sp>
+      <p:sp>
+        <p:nvSpPr>
+          <p:cNvPr id="11" name="Rectangle: Rounded Corners 3">
+            <a:extLst>
+              <a:ext uri="{FF2B5EF4-FFF2-40B4-BE49-F238E27FC236}">
+                <a16:creationId xmlns:a16="http://schemas.microsoft.com/office/drawing/2014/main" id="{CFF7279D-7866-D091-792F-C943DC16A2A3}"/>
+              </a:ext>
+            </a:extLst>
+          </p:cNvPr>
+          <p:cNvSpPr/>
+          <p:nvPr/>
+        </p:nvSpPr>
+        <p:spPr>
+          <a:xfrm>
+            <a:off x="5187564" y="1597755"/>
+            <a:ext cx="1463040" cy="1463040"/>
+          </a:xfrm>
+          <a:prstGeom prst="roundRect">
+            <a:avLst/>
+          </a:prstGeom>
+          <a:solidFill>
+            <a:schemeClr val="bg1"/>
+          </a:solidFill>
+          <a:ln w="76200">
+            <a:solidFill>
+              <a:schemeClr val="tx1"/>
+            </a:solidFill>
+          </a:ln>
+        </p:spPr>
+        <p:style>
+          <a:lnRef idx="2">
+            <a:schemeClr val="accent1">
+              <a:shade val="15000"/>
+            </a:schemeClr>
+          </a:lnRef>
+          <a:fillRef idx="1">
+            <a:schemeClr val="accent1"/>
+          </a:fillRef>
+          <a:effectRef idx="0">
+            <a:schemeClr val="accent1"/>
+          </a:effectRef>
+          <a:fontRef idx="minor">
+            <a:schemeClr val="lt1"/>
+          </a:fontRef>
+        </p:style>
+        <p:txBody>
+          <a:bodyPr rtlCol="0" anchor="ctr"/>
+          <a:lstStyle/>
+          <a:p>
+            <a:pPr algn="ctr"/>
+            <a:endParaRPr lang="en-US"/>
           </a:p>
         </p:txBody>
       </p:sp>
       <p:pic>
         <p:nvPicPr>
-          <p:cNvPr id="5" name="Content Placeholder 4">
-            <a:extLst>
-              <a:ext uri="{FF2B5EF4-FFF2-40B4-BE49-F238E27FC236}">
-                <a16:creationId xmlns:a16="http://schemas.microsoft.com/office/drawing/2014/main" id="{52308BBA-D8A3-E724-1333-2BE7EF557CE5}"/>
+          <p:cNvPr id="12" name="Picture 2" descr="Brain - White Brain Icon Transparent Background Transparent PNG - 1000x1000  - Free Download on NicePNG">
+            <a:extLst>
+              <a:ext uri="{FF2B5EF4-FFF2-40B4-BE49-F238E27FC236}">
+                <a16:creationId xmlns:a16="http://schemas.microsoft.com/office/drawing/2014/main" id="{2721CAC6-02DD-1F59-BE6D-B7E68163E7B4}"/>
               </a:ext>
             </a:extLst>
           </p:cNvPr>
           <p:cNvPicPr>
-            <a:picLocks noGrp="1" noChangeAspect="1"/>
+            <a:picLocks noChangeAspect="1" noChangeArrowheads="1"/>
           </p:cNvPicPr>
-          <p:nvPr>
-            <p:ph idx="1"/>
-          </p:nvPr>
+          <p:nvPr/>
         </p:nvPicPr>
         <p:blipFill>
           <a:blip r:embed="rId2">
@@ -14017,93 +14555,280 @@
               </a:ext>
             </a:extLst>
           </a:blip>
+          <a:srcRect/>
           <a:stretch>
             <a:fillRect/>
           </a:stretch>
         </p:blipFill>
-        <p:spPr>
-          <a:xfrm>
-            <a:off x="8493980" y="-14514"/>
-            <a:ext cx="3645154" cy="4351338"/>
-          </a:xfrm>
+        <p:spPr bwMode="auto">
+          <a:xfrm>
+            <a:off x="5774307" y="2156142"/>
+            <a:ext cx="266678" cy="303410"/>
+          </a:xfrm>
+          <a:prstGeom prst="rect">
+            <a:avLst/>
+          </a:prstGeom>
+          <a:noFill/>
+          <a:extLst>
+            <a:ext uri="{909E8E84-426E-40DD-AFC4-6F175D3DCCD1}">
+              <a14:hiddenFill xmlns:a14="http://schemas.microsoft.com/office/drawing/2010/main">
+                <a:solidFill>
+                  <a:srgbClr val="FFFFFF"/>
+                </a:solidFill>
+              </a14:hiddenFill>
+            </a:ext>
+          </a:extLst>
         </p:spPr>
       </p:pic>
       <p:pic>
         <p:nvPicPr>
-          <p:cNvPr id="7" name="Picture 6">
-            <a:extLst>
-              <a:ext uri="{FF2B5EF4-FFF2-40B4-BE49-F238E27FC236}">
-                <a16:creationId xmlns:a16="http://schemas.microsoft.com/office/drawing/2014/main" id="{4C0C2A09-37BC-D842-C1D8-4C7559E92D1C}"/>
+          <p:cNvPr id="13" name="Picture 4" descr="Quantum Computing Computer Urgent Care Research Clip Art PNG">
+            <a:extLst>
+              <a:ext uri="{FF2B5EF4-FFF2-40B4-BE49-F238E27FC236}">
+                <a16:creationId xmlns:a16="http://schemas.microsoft.com/office/drawing/2014/main" id="{3C889DE0-58C8-41CC-669E-19C0A8E73C0B}"/>
               </a:ext>
             </a:extLst>
           </p:cNvPr>
           <p:cNvPicPr>
-            <a:picLocks noChangeAspect="1"/>
+            <a:picLocks noChangeAspect="1" noChangeArrowheads="1"/>
           </p:cNvPicPr>
           <p:nvPr/>
         </p:nvPicPr>
         <p:blipFill>
           <a:blip r:embed="rId3">
             <a:extLst>
+              <a:ext uri="{BEBA8EAE-BF5A-486C-A8C5-ECC9F3942E4B}">
+                <a14:imgProps xmlns:a14="http://schemas.microsoft.com/office/drawing/2010/main">
+                  <a14:imgLayer r:embed="rId4">
+                    <a14:imgEffect>
+                      <a14:backgroundRemoval t="3147" b="97727" l="10000" r="90000">
+                        <a14:foregroundMark x1="44731" y1="91958" x2="46095" y2="92124"/>
+                        <a14:foregroundMark x1="43293" y1="91783" x2="44731" y2="91958"/>
+                        <a14:foregroundMark x1="43537" y1="7867" x2="53659" y2="3147"/>
+                        <a14:foregroundMark x1="51525" y1="93531" x2="56585" y2="93531"/>
+                        <a14:foregroundMark x1="43780" y1="93531" x2="47698" y2="93531"/>
+                        <a14:foregroundMark x1="49735" y1="97643" x2="52073" y2="97727"/>
+                        <a14:backgroundMark x1="47927" y1="93007" x2="51829" y2="92832"/>
+                      </a14:backgroundRemoval>
+                    </a14:imgEffect>
+                  </a14:imgLayer>
+                </a14:imgProps>
+              </a:ext>
               <a:ext uri="{28A0092B-C50C-407E-A947-70E740481C1C}">
                 <a14:useLocalDpi xmlns:a14="http://schemas.microsoft.com/office/drawing/2010/main" val="0"/>
               </a:ext>
             </a:extLst>
           </a:blip>
+          <a:srcRect/>
           <a:stretch>
             <a:fillRect/>
           </a:stretch>
         </p:blipFill>
-        <p:spPr>
-          <a:xfrm>
-            <a:off x="721580" y="-133821"/>
-            <a:ext cx="7772400" cy="4663440"/>
+        <p:spPr bwMode="auto">
+          <a:xfrm>
+            <a:off x="4983540" y="1684654"/>
+            <a:ext cx="1848212" cy="1289241"/>
           </a:xfrm>
           <a:prstGeom prst="rect">
             <a:avLst/>
           </a:prstGeom>
+          <a:noFill/>
+          <a:extLst>
+            <a:ext uri="{909E8E84-426E-40DD-AFC4-6F175D3DCCD1}">
+              <a14:hiddenFill xmlns:a14="http://schemas.microsoft.com/office/drawing/2010/main">
+                <a:solidFill>
+                  <a:srgbClr val="FFFFFF"/>
+                </a:solidFill>
+              </a14:hiddenFill>
+            </a:ext>
+          </a:extLst>
         </p:spPr>
       </p:pic>
-      <p:pic>
-        <p:nvPicPr>
-          <p:cNvPr id="9" name="Picture 8">
-            <a:extLst>
-              <a:ext uri="{FF2B5EF4-FFF2-40B4-BE49-F238E27FC236}">
-                <a16:creationId xmlns:a16="http://schemas.microsoft.com/office/drawing/2014/main" id="{37AA5BFB-F835-18EC-98EA-DBC34D9EBAE2}"/>
-              </a:ext>
-            </a:extLst>
-          </p:cNvPr>
-          <p:cNvPicPr>
-            <a:picLocks noChangeAspect="1"/>
-          </p:cNvPicPr>
-          <p:nvPr/>
-        </p:nvPicPr>
-        <p:blipFill>
-          <a:blip r:embed="rId4">
-            <a:extLst>
-              <a:ext uri="{28A0092B-C50C-407E-A947-70E740481C1C}">
-                <a14:useLocalDpi xmlns:a14="http://schemas.microsoft.com/office/drawing/2010/main" val="0"/>
-              </a:ext>
-            </a:extLst>
-          </a:blip>
-          <a:stretch>
-            <a:fillRect/>
-          </a:stretch>
-        </p:blipFill>
-        <p:spPr>
-          <a:xfrm>
-            <a:off x="726042" y="4563551"/>
-            <a:ext cx="3881738" cy="2771067"/>
+      <p:sp>
+        <p:nvSpPr>
+          <p:cNvPr id="14" name="TextBox 13">
+            <a:extLst>
+              <a:ext uri="{FF2B5EF4-FFF2-40B4-BE49-F238E27FC236}">
+                <a16:creationId xmlns:a16="http://schemas.microsoft.com/office/drawing/2014/main" id="{6776C1F1-4114-E392-A94A-ACFB8BD5F47A}"/>
+              </a:ext>
+            </a:extLst>
+          </p:cNvPr>
+          <p:cNvSpPr txBox="1"/>
+          <p:nvPr/>
+        </p:nvSpPr>
+        <p:spPr>
+          <a:xfrm>
+            <a:off x="5107521" y="3159658"/>
+            <a:ext cx="1724231" cy="1015663"/>
           </a:xfrm>
           <a:prstGeom prst="rect">
             <a:avLst/>
           </a:prstGeom>
-        </p:spPr>
-      </p:pic>
+          <a:noFill/>
+        </p:spPr>
+        <p:txBody>
+          <a:bodyPr wrap="square" rtlCol="0">
+            <a:spAutoFit/>
+          </a:bodyPr>
+          <a:lstStyle/>
+          <a:p>
+            <a:r>
+              <a:rPr lang="en-US" sz="6000" b="1" dirty="0" err="1">
+                <a:latin typeface="Bahnschrift SemiLight Condensed" panose="020B0502040204020203" pitchFamily="34" charset="0"/>
+              </a:rPr>
+              <a:t>AISeQ</a:t>
+            </a:r>
+            <a:endParaRPr lang="en-US" sz="6000" b="1" dirty="0">
+              <a:latin typeface="Bahnschrift SemiLight Condensed" panose="020B0502040204020203" pitchFamily="34" charset="0"/>
+            </a:endParaRPr>
+          </a:p>
+        </p:txBody>
+      </p:sp>
+      <p:sp>
+        <p:nvSpPr>
+          <p:cNvPr id="15" name="TextBox 14">
+            <a:extLst>
+              <a:ext uri="{FF2B5EF4-FFF2-40B4-BE49-F238E27FC236}">
+                <a16:creationId xmlns:a16="http://schemas.microsoft.com/office/drawing/2014/main" id="{B5CCFBAD-D9A3-515C-E5C7-24756AC49A51}"/>
+              </a:ext>
+            </a:extLst>
+          </p:cNvPr>
+          <p:cNvSpPr txBox="1"/>
+          <p:nvPr/>
+        </p:nvSpPr>
+        <p:spPr>
+          <a:xfrm>
+            <a:off x="1979271" y="4118573"/>
+            <a:ext cx="7789762" cy="369332"/>
+          </a:xfrm>
+          <a:prstGeom prst="rect">
+            <a:avLst/>
+          </a:prstGeom>
+          <a:noFill/>
+        </p:spPr>
+        <p:txBody>
+          <a:bodyPr wrap="square" rtlCol="0">
+            <a:spAutoFit/>
+          </a:bodyPr>
+          <a:lstStyle/>
+          <a:p>
+            <a:pPr algn="ctr"/>
+            <a:r>
+              <a:rPr lang="en-VN" b="1"/>
+              <a:t>SẮP ĐÓNG FORM ỨNG TUYỂN THAM GIA NGHIÊN CỨU (SOFTWARE)</a:t>
+            </a:r>
+          </a:p>
+        </p:txBody>
+      </p:sp>
+      <p:cxnSp>
+        <p:nvCxnSpPr>
+          <p:cNvPr id="17" name="Straight Connector 16">
+            <a:extLst>
+              <a:ext uri="{FF2B5EF4-FFF2-40B4-BE49-F238E27FC236}">
+                <a16:creationId xmlns:a16="http://schemas.microsoft.com/office/drawing/2014/main" id="{477365A2-E7B1-A786-BBE0-95CD59843863}"/>
+              </a:ext>
+            </a:extLst>
+          </p:cNvPr>
+          <p:cNvCxnSpPr/>
+          <p:nvPr/>
+        </p:nvCxnSpPr>
+        <p:spPr>
+          <a:xfrm>
+            <a:off x="3992036" y="4618299"/>
+            <a:ext cx="3831220" cy="0"/>
+          </a:xfrm>
+          <a:prstGeom prst="line">
+            <a:avLst/>
+          </a:prstGeom>
+          <a:ln w="38100"/>
+        </p:spPr>
+        <p:style>
+          <a:lnRef idx="2">
+            <a:schemeClr val="dk1"/>
+          </a:lnRef>
+          <a:fillRef idx="0">
+            <a:schemeClr val="dk1"/>
+          </a:fillRef>
+          <a:effectRef idx="1">
+            <a:schemeClr val="dk1"/>
+          </a:effectRef>
+          <a:fontRef idx="minor">
+            <a:schemeClr val="tx1"/>
+          </a:fontRef>
+        </p:style>
+      </p:cxnSp>
+      <p:sp>
+        <p:nvSpPr>
+          <p:cNvPr id="18" name="TextBox 17">
+            <a:extLst>
+              <a:ext uri="{FF2B5EF4-FFF2-40B4-BE49-F238E27FC236}">
+                <a16:creationId xmlns:a16="http://schemas.microsoft.com/office/drawing/2014/main" id="{CB0FBECB-C84D-D690-FCFF-694C524B95B1}"/>
+              </a:ext>
+            </a:extLst>
+          </p:cNvPr>
+          <p:cNvSpPr txBox="1"/>
+          <p:nvPr/>
+        </p:nvSpPr>
+        <p:spPr>
+          <a:xfrm>
+            <a:off x="2012765" y="4780471"/>
+            <a:ext cx="7789762" cy="369332"/>
+          </a:xfrm>
+          <a:prstGeom prst="rect">
+            <a:avLst/>
+          </a:prstGeom>
+          <a:noFill/>
+        </p:spPr>
+        <p:txBody>
+          <a:bodyPr wrap="square" rtlCol="0">
+            <a:spAutoFit/>
+          </a:bodyPr>
+          <a:lstStyle/>
+          <a:p>
+            <a:pPr algn="ctr"/>
+            <a:r>
+              <a:rPr lang="en-VN" b="1"/>
+              <a:t>Thời hạn: hết ngày 20/10</a:t>
+            </a:r>
+          </a:p>
+        </p:txBody>
+      </p:sp>
+      <p:sp>
+        <p:nvSpPr>
+          <p:cNvPr id="2" name="TextBox 1">
+            <a:extLst>
+              <a:ext uri="{FF2B5EF4-FFF2-40B4-BE49-F238E27FC236}">
+                <a16:creationId xmlns:a16="http://schemas.microsoft.com/office/drawing/2014/main" id="{12CBF24D-CFDA-9CC6-2313-4B5D237B5491}"/>
+              </a:ext>
+            </a:extLst>
+          </p:cNvPr>
+          <p:cNvSpPr txBox="1"/>
+          <p:nvPr/>
+        </p:nvSpPr>
+        <p:spPr>
+          <a:xfrm>
+            <a:off x="358815" y="3738623"/>
+            <a:ext cx="184731" cy="369332"/>
+          </a:xfrm>
+          <a:prstGeom prst="rect">
+            <a:avLst/>
+          </a:prstGeom>
+          <a:noFill/>
+        </p:spPr>
+        <p:txBody>
+          <a:bodyPr wrap="none" rtlCol="0">
+            <a:spAutoFit/>
+          </a:bodyPr>
+          <a:lstStyle/>
+          <a:p>
+            <a:endParaRPr lang="en-VN"/>
+          </a:p>
+        </p:txBody>
+      </p:sp>
     </p:spTree>
     <p:extLst>
       <p:ext uri="{BB962C8B-B14F-4D97-AF65-F5344CB8AC3E}">
-        <p14:creationId xmlns:p14="http://schemas.microsoft.com/office/powerpoint/2010/main" val="1612707095"/>
+        <p14:creationId xmlns:p14="http://schemas.microsoft.com/office/powerpoint/2010/main" val="2342859705"/>
       </p:ext>
     </p:extLst>
   </p:cSld>
